--- a/slides.pptx
+++ b/slides.pptx
@@ -12,11 +12,27 @@
     <p:sldId id="260" r:id="rId6"/>
     <p:sldId id="262" r:id="rId7"/>
     <p:sldId id="261" r:id="rId8"/>
-    <p:sldId id="263" r:id="rId9"/>
-    <p:sldId id="264" r:id="rId10"/>
-    <p:sldId id="265" r:id="rId11"/>
-    <p:sldId id="266" r:id="rId12"/>
-    <p:sldId id="267" r:id="rId13"/>
+    <p:sldId id="269" r:id="rId9"/>
+    <p:sldId id="277" r:id="rId10"/>
+    <p:sldId id="278" r:id="rId11"/>
+    <p:sldId id="268" r:id="rId12"/>
+    <p:sldId id="280" r:id="rId13"/>
+    <p:sldId id="281" r:id="rId14"/>
+    <p:sldId id="282" r:id="rId15"/>
+    <p:sldId id="279" r:id="rId16"/>
+    <p:sldId id="283" r:id="rId17"/>
+    <p:sldId id="284" r:id="rId18"/>
+    <p:sldId id="285" r:id="rId19"/>
+    <p:sldId id="286" r:id="rId20"/>
+    <p:sldId id="287" r:id="rId21"/>
+    <p:sldId id="288" r:id="rId22"/>
+    <p:sldId id="289" r:id="rId23"/>
+    <p:sldId id="294" r:id="rId24"/>
+    <p:sldId id="295" r:id="rId25"/>
+    <p:sldId id="296" r:id="rId26"/>
+    <p:sldId id="297" r:id="rId27"/>
+    <p:sldId id="267" r:id="rId28"/>
+    <p:sldId id="299" r:id="rId29"/>
   </p:sldIdLst>
   <p:sldSz cx="9144000" cy="6858000" type="screen4x3"/>
   <p:notesSz cx="6858000" cy="9144000"/>
@@ -3189,6 +3205,51 @@
           <a:chExt cx="0" cy="0"/>
         </a:xfrm>
       </p:grpSpPr>
+      <p:pic>
+        <p:nvPicPr>
+          <p:cNvPr id="1026" name="Picture 2">
+            <a:extLst>
+              <a:ext uri="{FF2B5EF4-FFF2-40B4-BE49-F238E27FC236}">
+                <a16:creationId xmlns:a16="http://schemas.microsoft.com/office/drawing/2014/main" id="{E9F8C7E3-61FD-47F4-B916-0E015E1F7140}"/>
+              </a:ext>
+            </a:extLst>
+          </p:cNvPr>
+          <p:cNvPicPr>
+            <a:picLocks noChangeAspect="1" noChangeArrowheads="1"/>
+          </p:cNvPicPr>
+          <p:nvPr/>
+        </p:nvPicPr>
+        <p:blipFill>
+          <a:blip r:embed="rId2">
+            <a:extLst>
+              <a:ext uri="{28A0092B-C50C-407E-A947-70E740481C1C}">
+                <a14:useLocalDpi xmlns:a14="http://schemas.microsoft.com/office/drawing/2010/main" val="0"/>
+              </a:ext>
+            </a:extLst>
+          </a:blip>
+          <a:srcRect/>
+          <a:stretch/>
+        </p:blipFill>
+        <p:spPr bwMode="auto">
+          <a:xfrm>
+            <a:off x="3228793" y="1896295"/>
+            <a:ext cx="6667499" cy="4114799"/>
+          </a:xfrm>
+          <a:prstGeom prst="rect">
+            <a:avLst/>
+          </a:prstGeom>
+          <a:noFill/>
+          <a:extLst>
+            <a:ext uri="{909E8E84-426E-40DD-AFC4-6F175D3DCCD1}">
+              <a14:hiddenFill xmlns:a14="http://schemas.microsoft.com/office/drawing/2010/main">
+                <a:solidFill>
+                  <a:srgbClr val="FFFFFF"/>
+                </a:solidFill>
+              </a14:hiddenFill>
+            </a:ext>
+          </a:extLst>
+        </p:spPr>
+      </p:pic>
       <p:sp>
         <p:nvSpPr>
           <p:cNvPr id="2" name="Title 1"/>
@@ -3207,18 +3268,14 @@
         </p:spPr>
         <p:txBody>
           <a:bodyPr>
-            <a:normAutofit fontScale="90000"/>
+            <a:normAutofit/>
           </a:bodyPr>
           <a:lstStyle/>
           <a:p>
             <a:r>
               <a:rPr lang="en-US" dirty="0"/>
-              <a:t>Length; part of speech; positivity and negativity</a:t>
-            </a:r>
-            <a:br>
-              <a:rPr lang="en-US" dirty="0"/>
-            </a:br>
-            <a:endParaRPr lang="en-US" dirty="0"/>
+              <a:t>Results: Context position</a:t>
+            </a:r>
           </a:p>
         </p:txBody>
       </p:sp>
@@ -3501,8 +3558,8 @@
         </p:nvSpPr>
         <p:spPr>
           <a:xfrm>
-            <a:off x="1136468" y="1593669"/>
-            <a:ext cx="8007531" cy="5324535"/>
+            <a:off x="1204051" y="2734849"/>
+            <a:ext cx="4049485" cy="2831544"/>
           </a:xfrm>
           <a:prstGeom prst="rect">
             <a:avLst/>
@@ -3515,104 +3572,88 @@
           <a:lstStyle/>
           <a:p>
             <a:r>
-              <a:rPr lang="en-US" sz="2000" dirty="0"/>
-              <a:t>5) Dependence between length in syllables and the strategy. </a:t>
-            </a:r>
-          </a:p>
-          <a:p>
-            <a:r>
-              <a:rPr lang="en-US" sz="2000" dirty="0"/>
-              <a:t>Fisher’s test showed that there was none (p-</a:t>
-            </a:r>
-            <a:r>
-              <a:rPr lang="en-US" sz="2000" dirty="0" err="1"/>
-              <a:t>val</a:t>
-            </a:r>
-            <a:r>
-              <a:rPr lang="en-US" sz="2000" dirty="0"/>
-              <a:t> = 0.8113), so running a regression was pointless. </a:t>
-            </a:r>
-          </a:p>
-          <a:p>
-            <a:r>
-              <a:rPr lang="en-US" sz="2000" dirty="0"/>
-              <a:t>But when we added it to out best model, its adjusted R</a:t>
-            </a:r>
-            <a:r>
-              <a:rPr lang="en-US" sz="2000" baseline="30000" dirty="0"/>
+              <a:rPr lang="en-US" sz="2200" dirty="0"/>
+              <a:t>Without ambiguous contexts:</a:t>
+            </a:r>
+          </a:p>
+          <a:p>
+            <a:r>
+              <a:rPr lang="en-US" sz="2200" dirty="0"/>
+              <a:t>Fisher’s test: + (</a:t>
+            </a:r>
+            <a:r>
+              <a:rPr lang="en-US" sz="2200" dirty="0" err="1"/>
+              <a:t>pv</a:t>
+            </a:r>
+            <a:r>
+              <a:rPr lang="en-US" sz="2200" dirty="0"/>
+              <a:t> = </a:t>
+            </a:r>
+            <a:r>
+              <a:rPr lang="ru-RU" altLang="ru-RU" sz="2200" dirty="0"/>
+              <a:t>0.0002458</a:t>
+            </a:r>
+            <a:r>
+              <a:rPr lang="en-US" altLang="ru-RU" sz="2200" dirty="0"/>
+              <a:t>)</a:t>
+            </a:r>
+          </a:p>
+          <a:p>
+            <a:endParaRPr lang="en-US" sz="2200" dirty="0"/>
+          </a:p>
+          <a:p>
+            <a:r>
+              <a:rPr lang="en-US" sz="2200" dirty="0"/>
+              <a:t>Linear regression:</a:t>
+            </a:r>
+          </a:p>
+          <a:p>
+            <a:pPr defTabSz="357188"/>
+            <a:r>
+              <a:rPr lang="en-US" altLang="ru-RU" sz="2200" dirty="0"/>
+              <a:t>	***</a:t>
+            </a:r>
+          </a:p>
+          <a:p>
+            <a:pPr defTabSz="357188"/>
+            <a:r>
+              <a:rPr lang="en-US" altLang="ru-RU" sz="2200" dirty="0"/>
+              <a:t>	R</a:t>
+            </a:r>
+            <a:r>
+              <a:rPr lang="en-US" altLang="ru-RU" sz="2200" baseline="30000" dirty="0"/>
               <a:t>2</a:t>
             </a:r>
             <a:r>
-              <a:rPr lang="en-US" sz="2000" dirty="0"/>
-              <a:t> increased by 0.02. </a:t>
-            </a:r>
-          </a:p>
-          <a:p>
-            <a:endParaRPr lang="en-US" sz="2000" dirty="0"/>
-          </a:p>
-          <a:p>
-            <a:r>
-              <a:rPr lang="en-US" sz="2000" dirty="0"/>
-              <a:t>6) Fisher’s test: dependence between the grammatical part of speech and the strategy (p-value = 3.08e-08).</a:t>
-            </a:r>
-          </a:p>
-          <a:p>
-            <a:r>
-              <a:rPr lang="en-US" sz="2000" dirty="0"/>
-              <a:t>This factor alone could describe our strategies almost as well as our best model. Combining them allowed us to increase R</a:t>
-            </a:r>
-            <a:r>
-              <a:rPr lang="en-US" sz="2000" baseline="30000" dirty="0"/>
-              <a:t>2</a:t>
-            </a:r>
-            <a:r>
-              <a:rPr lang="en-US" sz="2000" dirty="0"/>
-              <a:t> to 0.116.</a:t>
-            </a:r>
-          </a:p>
-          <a:p>
-            <a:endParaRPr lang="en-US" sz="2000" dirty="0"/>
-          </a:p>
-          <a:p>
-            <a:r>
-              <a:rPr lang="en-US" sz="2000" dirty="0"/>
-              <a:t>7) Regression: good result. Combining this factor with our best model, however, did not turn out to be very fruitful, but since there was a slight increase in R</a:t>
-            </a:r>
-            <a:r>
-              <a:rPr lang="en-US" sz="2000" baseline="30000" dirty="0"/>
-              <a:t>2</a:t>
-            </a:r>
-            <a:r>
-              <a:rPr lang="en-US" sz="2000" dirty="0"/>
-              <a:t>, we decided to add it to our model nevertheless.</a:t>
-            </a:r>
-          </a:p>
-          <a:p>
-            <a:br>
-              <a:rPr lang="en-US" sz="2000" dirty="0"/>
-            </a:br>
-            <a:r>
-              <a:rPr lang="en-US" sz="2000" dirty="0"/>
-              <a:t> </a:t>
-            </a:r>
-            <a:br>
-              <a:rPr lang="en-US" sz="2000" dirty="0"/>
-            </a:br>
-            <a:r>
-              <a:rPr lang="en-US" sz="2000" dirty="0"/>
-              <a:t> </a:t>
-            </a:r>
-            <a:br>
-              <a:rPr lang="en-US" sz="2000" dirty="0"/>
-            </a:br>
-            <a:endParaRPr lang="ru-RU" sz="2000" dirty="0"/>
+              <a:rPr lang="en-US" altLang="ru-RU" sz="2200" dirty="0"/>
+              <a:t> = </a:t>
+            </a:r>
+            <a:r>
+              <a:rPr lang="ru-RU" altLang="ru-RU" sz="2200" dirty="0"/>
+              <a:t>0.007147</a:t>
+            </a:r>
+            <a:r>
+              <a:rPr lang="en-US" altLang="ru-RU" sz="2200" dirty="0"/>
+              <a:t>	4%	</a:t>
+            </a:r>
+          </a:p>
+          <a:p>
+            <a:pPr defTabSz="357188"/>
+            <a:endParaRPr lang="en-US" sz="2200" b="1" dirty="0"/>
+          </a:p>
+          <a:p>
+            <a:pPr algn="ctr" defTabSz="357188"/>
+            <a:r>
+              <a:rPr lang="ru-RU" sz="2400" b="1" dirty="0"/>
+              <a:t>👍</a:t>
+            </a:r>
           </a:p>
         </p:txBody>
       </p:sp>
     </p:spTree>
     <p:extLst>
       <p:ext uri="{BB962C8B-B14F-4D97-AF65-F5344CB8AC3E}">
-        <p14:creationId xmlns:p14="http://schemas.microsoft.com/office/powerpoint/2010/main" val="779576598"/>
+        <p14:creationId xmlns:p14="http://schemas.microsoft.com/office/powerpoint/2010/main" val="3889834819"/>
       </p:ext>
     </p:extLst>
   </p:cSld>
@@ -3652,22 +3693,19 @@
         <p:spPr>
           <a:xfrm>
             <a:off x="1444752" y="373290"/>
-            <a:ext cx="7699248" cy="1050561"/>
+            <a:ext cx="7424928" cy="1050561"/>
           </a:xfrm>
         </p:spPr>
         <p:txBody>
           <a:bodyPr>
-            <a:normAutofit fontScale="90000"/>
+            <a:normAutofit/>
           </a:bodyPr>
           <a:lstStyle/>
           <a:p>
             <a:r>
-              <a:rPr lang="en-US" dirty="0"/>
-              <a:t>Past tense; provisional and conditional form of speech; question</a:t>
-            </a:r>
-            <a:br>
-              <a:rPr lang="en-US" dirty="0"/>
-            </a:br>
+              <a:rPr lang="fr-FR" dirty="0"/>
+              <a:t>Mixed model</a:t>
+            </a:r>
             <a:endParaRPr lang="en-US" dirty="0"/>
           </a:p>
         </p:txBody>
@@ -3945,14 +3983,20 @@
       </p:grpSp>
       <p:sp>
         <p:nvSpPr>
-          <p:cNvPr id="29" name="Прямоугольник 28"/>
+          <p:cNvPr id="14" name="Прямоугольник 13">
+            <a:extLst>
+              <a:ext uri="{FF2B5EF4-FFF2-40B4-BE49-F238E27FC236}">
+                <a16:creationId xmlns:a16="http://schemas.microsoft.com/office/drawing/2014/main" id="{B2E904BF-98FC-465E-AFC0-8DC0CD69217C}"/>
+              </a:ext>
+            </a:extLst>
+          </p:cNvPr>
           <p:cNvSpPr/>
           <p:nvPr/>
         </p:nvSpPr>
         <p:spPr>
           <a:xfrm>
-            <a:off x="1136468" y="1593669"/>
-            <a:ext cx="8007531" cy="6247864"/>
+            <a:off x="1204051" y="1989909"/>
+            <a:ext cx="7424928" cy="3416320"/>
           </a:xfrm>
           <a:prstGeom prst="rect">
             <a:avLst/>
@@ -3965,95 +4009,83 @@
           <a:lstStyle/>
           <a:p>
             <a:r>
-              <a:rPr lang="en-US" sz="2000" dirty="0"/>
-              <a:t>8) Marginally good p-value (0.004539) in Fisher’s test for the past tense predicted that linear regression will not show anything interesting. </a:t>
-            </a:r>
-          </a:p>
-          <a:p>
-            <a:r>
-              <a:rPr lang="en-US" sz="2000" dirty="0"/>
-              <a:t>Conjugation was lessening the R</a:t>
-            </a:r>
-            <a:r>
-              <a:rPr lang="en-US" sz="2000" baseline="30000" dirty="0"/>
-              <a:t>2</a:t>
-            </a:r>
-            <a:r>
-              <a:rPr lang="en-US" sz="2000" dirty="0"/>
-              <a:t> when there were both conjugation and past tense variables in the formula. It turned out that simply replacing conjugation with tense boosted the R</a:t>
-            </a:r>
-            <a:r>
-              <a:rPr lang="en-US" sz="2000" baseline="30000" dirty="0"/>
-              <a:t>2</a:t>
-            </a:r>
-            <a:r>
-              <a:rPr lang="en-US" sz="2000" dirty="0"/>
-              <a:t> to 0.12, so we updated our best model accordingly.</a:t>
-            </a:r>
-          </a:p>
-          <a:p>
-            <a:endParaRPr lang="en-US" sz="2000" dirty="0"/>
-          </a:p>
-          <a:p>
-            <a:r>
-              <a:rPr lang="en-US" sz="2000" dirty="0"/>
-              <a:t>9) After having successfully tested the provisional and conditional forms for dependence and checked their regression model, we found out that this one factor describes our model almost as well as out best model. Combining these two produced a result of R</a:t>
-            </a:r>
-            <a:r>
-              <a:rPr lang="en-US" sz="2000" baseline="30000" dirty="0"/>
-              <a:t>2</a:t>
-            </a:r>
-            <a:r>
-              <a:rPr lang="en-US" sz="2000" dirty="0"/>
-              <a:t> = 0.185.</a:t>
-            </a:r>
-          </a:p>
-          <a:p>
-            <a:br>
-              <a:rPr lang="en-US" sz="2000" dirty="0"/>
-            </a:br>
-            <a:r>
-              <a:rPr lang="en-US" sz="2000" dirty="0"/>
-              <a:t>10) According to Fisher’s test, there is no dependency between the questions and the strategies whatsoever (p-value = 1). Moreover, adding it to our best model reduced the latter’s R</a:t>
-            </a:r>
-            <a:r>
-              <a:rPr lang="en-US" sz="2000" baseline="30000" dirty="0"/>
-              <a:t>2</a:t>
-            </a:r>
-            <a:r>
-              <a:rPr lang="en-US" sz="2000" dirty="0"/>
-              <a:t> to 0.183.</a:t>
-            </a:r>
-          </a:p>
-          <a:p>
-            <a:br>
-              <a:rPr lang="en-US" sz="2000" dirty="0"/>
-            </a:br>
-            <a:br>
-              <a:rPr lang="en-US" sz="2000" dirty="0"/>
-            </a:br>
-            <a:r>
-              <a:rPr lang="en-US" sz="2000" dirty="0"/>
-              <a:t> </a:t>
-            </a:r>
-            <a:br>
-              <a:rPr lang="en-US" sz="2000" dirty="0"/>
-            </a:br>
-            <a:r>
-              <a:rPr lang="en-US" sz="2000" dirty="0"/>
-              <a:t> </a:t>
-            </a:r>
-            <a:br>
-              <a:rPr lang="en-US" sz="2000" dirty="0"/>
-            </a:br>
-            <a:endParaRPr lang="ru-RU" sz="2000" dirty="0"/>
+              <a:rPr lang="en-US" sz="2400" dirty="0"/>
+              <a:t>Mixed model with conjugation as a random effect and context position as a fixed effect </a:t>
+            </a:r>
+            <a:r>
+              <a:rPr lang="en-US" sz="2400" dirty="0">
+                <a:sym typeface="Wingdings" pitchFamily="2" charset="2"/>
+              </a:rPr>
+              <a:t> </a:t>
+            </a:r>
+            <a:r>
+              <a:rPr lang="en-US" sz="2400" dirty="0"/>
+              <a:t>better results</a:t>
+            </a:r>
+            <a:r>
+              <a:rPr lang="ru-RU" sz="2400" dirty="0"/>
+              <a:t>?</a:t>
+            </a:r>
+            <a:endParaRPr lang="en-US" sz="2400" dirty="0"/>
+          </a:p>
+          <a:p>
+            <a:r>
+              <a:rPr lang="en-US" sz="2400" b="1" dirty="0"/>
+              <a:t>form ~ </a:t>
+            </a:r>
+            <a:r>
+              <a:rPr lang="en-US" sz="2400" b="1" dirty="0" err="1"/>
+              <a:t>context_pos</a:t>
+            </a:r>
+            <a:r>
+              <a:rPr lang="en-US" sz="2400" b="1" dirty="0"/>
+              <a:t> + (1|conj)</a:t>
+            </a:r>
+            <a:endParaRPr lang="en-US" sz="2400" dirty="0"/>
+          </a:p>
+          <a:p>
+            <a:endParaRPr lang="ru-RU" sz="2400" dirty="0"/>
+          </a:p>
+          <a:p>
+            <a:r>
+              <a:rPr lang="en-US" sz="2400" dirty="0"/>
+              <a:t>Linear regression:</a:t>
+            </a:r>
+          </a:p>
+          <a:p>
+            <a:pPr defTabSz="357188"/>
+            <a:r>
+              <a:rPr lang="en-US" sz="2400" dirty="0"/>
+              <a:t>	***</a:t>
+            </a:r>
+          </a:p>
+          <a:p>
+            <a:pPr defTabSz="357188"/>
+            <a:r>
+              <a:rPr lang="en-US" sz="2400" dirty="0"/>
+              <a:t>	ICC = 0.0040	0.04%</a:t>
+            </a:r>
+          </a:p>
+          <a:p>
+            <a:endParaRPr lang="en-US" sz="2400" dirty="0"/>
+          </a:p>
+          <a:p>
+            <a:r>
+              <a:rPr lang="ja-JP" altLang="en-US" sz="2400" dirty="0"/>
+              <a:t>→</a:t>
+            </a:r>
+            <a:r>
+              <a:rPr lang="en-US" altLang="ja-JP" sz="2400" dirty="0"/>
+              <a:t> Not worth it.</a:t>
+            </a:r>
+            <a:endParaRPr lang="en-US" sz="2400" dirty="0"/>
           </a:p>
         </p:txBody>
       </p:sp>
     </p:spTree>
     <p:extLst>
       <p:ext uri="{BB962C8B-B14F-4D97-AF65-F5344CB8AC3E}">
-        <p14:creationId xmlns:p14="http://schemas.microsoft.com/office/powerpoint/2010/main" val="779576598"/>
+        <p14:creationId xmlns:p14="http://schemas.microsoft.com/office/powerpoint/2010/main" val="3783754039"/>
       </p:ext>
     </p:extLst>
   </p:cSld>
@@ -4093,22 +4125,19 @@
         <p:spPr>
           <a:xfrm>
             <a:off x="1444752" y="373290"/>
-            <a:ext cx="7699248" cy="1050561"/>
+            <a:ext cx="7424928" cy="1050561"/>
           </a:xfrm>
         </p:spPr>
         <p:txBody>
           <a:bodyPr>
-            <a:normAutofit fontScale="90000"/>
+            <a:normAutofit/>
           </a:bodyPr>
           <a:lstStyle/>
           <a:p>
             <a:r>
-              <a:rPr lang="en-US" dirty="0"/>
-              <a:t>Final model and conclusion</a:t>
-            </a:r>
-            <a:br>
-              <a:rPr lang="en-US" dirty="0"/>
-            </a:br>
+              <a:rPr lang="fr-FR" dirty="0"/>
+              <a:t>Simple multi-variable model</a:t>
+            </a:r>
             <a:endParaRPr lang="en-US" dirty="0"/>
           </a:p>
         </p:txBody>
@@ -4386,14 +4415,20 @@
       </p:grpSp>
       <p:sp>
         <p:nvSpPr>
-          <p:cNvPr id="29" name="Прямоугольник 28"/>
+          <p:cNvPr id="14" name="Прямоугольник 13">
+            <a:extLst>
+              <a:ext uri="{FF2B5EF4-FFF2-40B4-BE49-F238E27FC236}">
+                <a16:creationId xmlns:a16="http://schemas.microsoft.com/office/drawing/2014/main" id="{B2E904BF-98FC-465E-AFC0-8DC0CD69217C}"/>
+              </a:ext>
+            </a:extLst>
+          </p:cNvPr>
           <p:cNvSpPr/>
           <p:nvPr/>
         </p:nvSpPr>
         <p:spPr>
           <a:xfrm>
-            <a:off x="1136468" y="1593669"/>
-            <a:ext cx="8007531" cy="4093428"/>
+            <a:off x="1204051" y="1989909"/>
+            <a:ext cx="7424928" cy="3046988"/>
           </a:xfrm>
           <a:prstGeom prst="rect">
             <a:avLst/>
@@ -4406,118 +4441,100 @@
           <a:lstStyle/>
           <a:p>
             <a:r>
-              <a:rPr lang="en-US" sz="2000" dirty="0"/>
-              <a:t>And so our final model looked like this:</a:t>
-            </a:r>
-          </a:p>
-          <a:p>
-            <a:endParaRPr lang="en-US" sz="2000" dirty="0"/>
-          </a:p>
-          <a:p>
-            <a:r>
-              <a:rPr lang="en-US" sz="2000" b="1" dirty="0"/>
+              <a:rPr lang="en-US" sz="2400" b="1" dirty="0"/>
               <a:t>form ~ </a:t>
             </a:r>
             <a:r>
-              <a:rPr lang="en-US" sz="2000" b="1" dirty="0" err="1"/>
+              <a:rPr lang="en-US" sz="2400" b="1" dirty="0" err="1"/>
               <a:t>context_pos</a:t>
             </a:r>
             <a:r>
-              <a:rPr lang="en-US" sz="2000" b="1" dirty="0"/>
-              <a:t> + sex + </a:t>
-            </a:r>
-            <a:r>
-              <a:rPr lang="en-US" sz="2000" b="1" dirty="0" err="1"/>
-              <a:t>part_of_speech</a:t>
-            </a:r>
-            <a:r>
-              <a:rPr lang="en-US" sz="2000" b="1" dirty="0"/>
+              <a:rPr lang="en-US" sz="2400" b="1" dirty="0"/>
               <a:t> + </a:t>
             </a:r>
             <a:r>
-              <a:rPr lang="en-US" sz="2000" b="1" dirty="0" err="1"/>
-              <a:t>pos_neg</a:t>
-            </a:r>
-            <a:r>
-              <a:rPr lang="en-US" sz="2000" b="1" dirty="0"/>
-              <a:t> + </a:t>
-            </a:r>
-            <a:r>
-              <a:rPr lang="en-US" sz="2000" b="1" dirty="0" err="1"/>
-              <a:t>past_tense</a:t>
-            </a:r>
-            <a:r>
-              <a:rPr lang="en-US" sz="2000" b="1" dirty="0"/>
-              <a:t> + </a:t>
-            </a:r>
-            <a:r>
-              <a:rPr lang="en-US" sz="2000" b="1" dirty="0" err="1"/>
-              <a:t>prov_cond</a:t>
-            </a:r>
-            <a:endParaRPr lang="en-US" sz="2000" b="1" dirty="0"/>
-          </a:p>
-          <a:p>
-            <a:endParaRPr lang="en-US" sz="2000" b="1" dirty="0"/>
-          </a:p>
-          <a:p>
-            <a:r>
-              <a:rPr lang="en-US" sz="2000" dirty="0"/>
-              <a:t>with R</a:t>
-            </a:r>
-            <a:r>
-              <a:rPr lang="en-US" sz="2000" baseline="30000" dirty="0"/>
+              <a:rPr lang="en-US" sz="2400" b="1" dirty="0" err="1"/>
+              <a:t>conj</a:t>
+            </a:r>
+            <a:endParaRPr lang="en-US" sz="2400" dirty="0"/>
+          </a:p>
+          <a:p>
+            <a:endParaRPr lang="ru-RU" sz="2400" dirty="0"/>
+          </a:p>
+          <a:p>
+            <a:r>
+              <a:rPr lang="en-US" sz="2400" dirty="0"/>
+              <a:t>Linear regression:</a:t>
+            </a:r>
+          </a:p>
+          <a:p>
+            <a:pPr defTabSz="357188"/>
+            <a:r>
+              <a:rPr lang="en-US" sz="2400" dirty="0"/>
+              <a:t>	***	</a:t>
+            </a:r>
+            <a:r>
+              <a:rPr lang="en-US" sz="2400" dirty="0" err="1"/>
+              <a:t>context_pos</a:t>
+            </a:r>
+            <a:endParaRPr lang="en-US" sz="2400" dirty="0"/>
+          </a:p>
+          <a:p>
+            <a:pPr defTabSz="357188"/>
+            <a:r>
+              <a:rPr lang="en-US" sz="2400" dirty="0"/>
+              <a:t>	.		</a:t>
+            </a:r>
+            <a:r>
+              <a:rPr lang="en-US" sz="2400" dirty="0" err="1"/>
+              <a:t>conj</a:t>
+            </a:r>
+            <a:endParaRPr lang="en-US" sz="2400" dirty="0"/>
+          </a:p>
+          <a:p>
+            <a:pPr defTabSz="357188"/>
+            <a:r>
+              <a:rPr lang="en-US" sz="2400" dirty="0"/>
+              <a:t>	</a:t>
+            </a:r>
+            <a:r>
+              <a:rPr lang="en-US" altLang="ru-RU" sz="2400" dirty="0"/>
+              <a:t>R</a:t>
+            </a:r>
+            <a:r>
+              <a:rPr lang="en-US" altLang="ru-RU" sz="2400" baseline="30000" dirty="0"/>
               <a:t>2</a:t>
             </a:r>
             <a:r>
-              <a:rPr lang="en-US" sz="2000" dirty="0"/>
-              <a:t> = 0.1856 and 4 highly significant factors out of 9, ambiguous contexts not included.</a:t>
-            </a:r>
-          </a:p>
-          <a:p>
-            <a:endParaRPr lang="en-US" sz="2000" dirty="0"/>
-          </a:p>
-          <a:p>
-            <a:r>
-              <a:rPr lang="en-US" sz="2000" dirty="0">
-                <a:sym typeface="Wingdings" pitchFamily="2" charset="2"/>
-              </a:rPr>
-              <a:t> </a:t>
-            </a:r>
-            <a:r>
-              <a:rPr lang="en-US" sz="2000" dirty="0"/>
-              <a:t>Conclusion:</a:t>
-            </a:r>
-          </a:p>
-          <a:p>
-            <a:r>
-              <a:rPr lang="en-US" sz="2000" dirty="0"/>
-              <a:t> 	these factors cannot be used to predict the strategy</a:t>
-            </a:r>
-            <a:br>
-              <a:rPr lang="en-US" sz="2000" dirty="0"/>
-            </a:br>
-            <a:r>
-              <a:rPr lang="en-US" sz="2000" dirty="0"/>
-              <a:t> </a:t>
-            </a:r>
-            <a:br>
-              <a:rPr lang="en-US" sz="2000" dirty="0"/>
-            </a:br>
-            <a:r>
-              <a:rPr lang="en-US" sz="2000" dirty="0"/>
-              <a:t> </a:t>
-            </a:r>
-            <a:br>
-              <a:rPr lang="en-US" sz="2000" dirty="0"/>
-            </a:br>
-            <a:endParaRPr lang="ru-RU" sz="2000" dirty="0"/>
+              <a:rPr lang="en-US" altLang="ru-RU" sz="2400" dirty="0"/>
+              <a:t> = </a:t>
+            </a:r>
+            <a:r>
+              <a:rPr lang="ru-RU" altLang="ru-RU" sz="2400" dirty="0"/>
+              <a:t>0.04602</a:t>
+            </a:r>
+            <a:r>
+              <a:rPr lang="en-US" altLang="ru-RU" sz="2400" dirty="0"/>
+              <a:t>		5%</a:t>
+            </a:r>
+            <a:endParaRPr lang="en-US" sz="2400" dirty="0"/>
+          </a:p>
+          <a:p>
+            <a:endParaRPr lang="en-US" sz="2400" dirty="0"/>
+          </a:p>
+          <a:p>
+            <a:pPr algn="ctr"/>
+            <a:r>
+              <a:rPr lang="ru-RU" sz="2400" b="1" dirty="0"/>
+              <a:t>👍</a:t>
+            </a:r>
           </a:p>
         </p:txBody>
       </p:sp>
     </p:spTree>
     <p:extLst>
       <p:ext uri="{BB962C8B-B14F-4D97-AF65-F5344CB8AC3E}">
-        <p14:creationId xmlns:p14="http://schemas.microsoft.com/office/powerpoint/2010/main" val="779576598"/>
+        <p14:creationId xmlns:p14="http://schemas.microsoft.com/office/powerpoint/2010/main" val="956580368"/>
       </p:ext>
     </p:extLst>
   </p:cSld>
@@ -4527,7 +4544,7 @@
 </p:sld>
 </file>
 
-<file path=ppt/slides/slide2.xml><?xml version="1.0" encoding="utf-8"?>
+<file path=ppt/slides/slide13.xml><?xml version="1.0" encoding="utf-8"?>
 <p:sld xmlns:a="http://schemas.openxmlformats.org/drawingml/2006/main" xmlns:r="http://schemas.openxmlformats.org/officeDocument/2006/relationships" xmlns:p="http://schemas.openxmlformats.org/presentationml/2006/main">
   <p:cSld>
     <p:spTree>
@@ -4544,6 +4561,51 @@
           <a:chExt cx="0" cy="0"/>
         </a:xfrm>
       </p:grpSpPr>
+      <p:pic>
+        <p:nvPicPr>
+          <p:cNvPr id="1026" name="Picture 2">
+            <a:extLst>
+              <a:ext uri="{FF2B5EF4-FFF2-40B4-BE49-F238E27FC236}">
+                <a16:creationId xmlns:a16="http://schemas.microsoft.com/office/drawing/2014/main" id="{E9F8C7E3-61FD-47F4-B916-0E015E1F7140}"/>
+              </a:ext>
+            </a:extLst>
+          </p:cNvPr>
+          <p:cNvPicPr>
+            <a:picLocks noChangeAspect="1" noChangeArrowheads="1"/>
+          </p:cNvPicPr>
+          <p:nvPr/>
+        </p:nvPicPr>
+        <p:blipFill>
+          <a:blip r:embed="rId2">
+            <a:extLst>
+              <a:ext uri="{28A0092B-C50C-407E-A947-70E740481C1C}">
+                <a14:useLocalDpi xmlns:a14="http://schemas.microsoft.com/office/drawing/2010/main" val="0"/>
+              </a:ext>
+            </a:extLst>
+          </a:blip>
+          <a:srcRect/>
+          <a:stretch/>
+        </p:blipFill>
+        <p:spPr bwMode="auto">
+          <a:xfrm>
+            <a:off x="3228793" y="1896295"/>
+            <a:ext cx="6667498" cy="4114798"/>
+          </a:xfrm>
+          <a:prstGeom prst="rect">
+            <a:avLst/>
+          </a:prstGeom>
+          <a:noFill/>
+          <a:extLst>
+            <a:ext uri="{909E8E84-426E-40DD-AFC4-6F175D3DCCD1}">
+              <a14:hiddenFill xmlns:a14="http://schemas.microsoft.com/office/drawing/2010/main">
+                <a:solidFill>
+                  <a:srgbClr val="FFFFFF"/>
+                </a:solidFill>
+              </a14:hiddenFill>
+            </a:ext>
+          </a:extLst>
+        </p:spPr>
+      </p:pic>
       <p:sp>
         <p:nvSpPr>
           <p:cNvPr id="2" name="Title 1"/>
@@ -4556,28 +4618,26 @@
         </p:nvSpPr>
         <p:spPr>
           <a:xfrm>
-            <a:off x="1444752" y="321039"/>
-            <a:ext cx="6713982" cy="1325563"/>
+            <a:off x="1444752" y="373290"/>
+            <a:ext cx="7424928" cy="1050561"/>
           </a:xfrm>
         </p:spPr>
         <p:txBody>
-          <a:bodyPr/>
+          <a:bodyPr>
+            <a:normAutofit/>
+          </a:bodyPr>
           <a:lstStyle/>
           <a:p>
             <a:r>
               <a:rPr lang="en-US" dirty="0"/>
-              <a:t>Hypothesis</a:t>
-            </a:r>
-            <a:br>
-              <a:rPr lang="en-US" dirty="0"/>
-            </a:br>
-            <a:endParaRPr lang="en-US" dirty="0"/>
+              <a:t>Results: Sex</a:t>
+            </a:r>
           </a:p>
         </p:txBody>
       </p:sp>
       <p:grpSp>
         <p:nvGrpSpPr>
-          <p:cNvPr id="9" name="Group 7"/>
+          <p:cNvPr id="3" name="Group 7"/>
           <p:cNvGrpSpPr>
             <a:grpSpLocks/>
           </p:cNvGrpSpPr>
@@ -4585,10 +4645,10 @@
         </p:nvGrpSpPr>
         <p:grpSpPr bwMode="auto">
           <a:xfrm>
-            <a:off x="723038" y="422301"/>
-            <a:ext cx="6827293" cy="2164355"/>
+            <a:off x="723038" y="422300"/>
+            <a:ext cx="6634163" cy="1889127"/>
             <a:chOff x="919" y="1438"/>
-            <a:chExt cx="4171" cy="1246"/>
+            <a:chExt cx="4179" cy="1190"/>
           </a:xfrm>
         </p:grpSpPr>
         <p:sp>
@@ -4601,7 +4661,7 @@
           </p:nvSpPr>
           <p:spPr bwMode="gray">
             <a:xfrm>
-              <a:off x="1440" y="2380"/>
+              <a:off x="1399" y="1943"/>
               <a:ext cx="3024" cy="0"/>
             </a:xfrm>
             <a:prstGeom prst="line">
@@ -4725,6 +4785,3236 @@
           </p:nvSpPr>
           <p:spPr bwMode="gray">
             <a:xfrm>
+              <a:off x="1377" y="2105"/>
+              <a:ext cx="3721" cy="523"/>
+            </a:xfrm>
+            <a:prstGeom prst="rect">
+              <a:avLst/>
+            </a:prstGeom>
+            <a:noFill/>
+            <a:ln>
+              <a:noFill/>
+            </a:ln>
+            <a:effectLst/>
+            <a:extLst>
+              <a:ext uri="{909E8E84-426E-40DD-AFC4-6F175D3DCCD1}">
+                <a14:hiddenFill xmlns:a14="http://schemas.microsoft.com/office/drawing/2010/main">
+                  <a:solidFill>
+                    <a:schemeClr val="accent1"/>
+                  </a:solidFill>
+                </a14:hiddenFill>
+              </a:ext>
+              <a:ext uri="{91240B29-F687-4F45-9708-019B960494DF}">
+                <a14:hiddenLine xmlns:a14="http://schemas.microsoft.com/office/drawing/2010/main" w="9525" algn="ctr">
+                  <a:solidFill>
+                    <a:schemeClr val="tx1"/>
+                  </a:solidFill>
+                  <a:miter lim="800000"/>
+                  <a:headEnd/>
+                  <a:tailEnd/>
+                </a14:hiddenLine>
+              </a:ext>
+              <a:ext uri="{AF507438-7753-43E0-B8FC-AC1667EBCBE1}">
+                <a14:hiddenEffects xmlns:a14="http://schemas.microsoft.com/office/drawing/2010/main">
+                  <a:effectLst>
+                    <a:outerShdw dist="35921" dir="2700000" algn="ctr" rotWithShape="0">
+                      <a:schemeClr val="bg2"/>
+                    </a:outerShdw>
+                  </a:effectLst>
+                </a14:hiddenEffects>
+              </a:ext>
+            </a:extLst>
+          </p:spPr>
+          <p:txBody>
+            <a:bodyPr wrap="square">
+              <a:spAutoFit/>
+            </a:bodyPr>
+            <a:lstStyle/>
+            <a:p>
+              <a:r>
+                <a:rPr lang="en-US" sz="2400" dirty="0"/>
+                <a:t> </a:t>
+              </a:r>
+              <a:endParaRPr lang="ru-RU" sz="2400" dirty="0"/>
+            </a:p>
+            <a:p>
+              <a:endParaRPr lang="en-US" sz="2400" dirty="0"/>
+            </a:p>
+          </p:txBody>
+        </p:sp>
+        <p:sp>
+          <p:nvSpPr>
+            <p:cNvPr id="13" name="Text Box 11"/>
+            <p:cNvSpPr txBox="1">
+              <a:spLocks noChangeArrowheads="1"/>
+            </p:cNvSpPr>
+            <p:nvPr/>
+          </p:nvSpPr>
+          <p:spPr bwMode="gray">
+            <a:xfrm>
+              <a:off x="1008" y="1443"/>
+              <a:ext cx="214" cy="291"/>
+            </a:xfrm>
+            <a:prstGeom prst="rect">
+              <a:avLst/>
+            </a:prstGeom>
+            <a:noFill/>
+            <a:ln>
+              <a:noFill/>
+            </a:ln>
+            <a:effectLst/>
+            <a:extLst>
+              <a:ext uri="{909E8E84-426E-40DD-AFC4-6F175D3DCCD1}">
+                <a14:hiddenFill xmlns:a14="http://schemas.microsoft.com/office/drawing/2010/main">
+                  <a:solidFill>
+                    <a:schemeClr val="accent1"/>
+                  </a:solidFill>
+                </a14:hiddenFill>
+              </a:ext>
+              <a:ext uri="{91240B29-F687-4F45-9708-019B960494DF}">
+                <a14:hiddenLine xmlns:a14="http://schemas.microsoft.com/office/drawing/2010/main" w="9525" algn="ctr">
+                  <a:solidFill>
+                    <a:schemeClr val="tx1"/>
+                  </a:solidFill>
+                  <a:miter lim="800000"/>
+                  <a:headEnd/>
+                  <a:tailEnd/>
+                </a14:hiddenLine>
+              </a:ext>
+              <a:ext uri="{AF507438-7753-43E0-B8FC-AC1667EBCBE1}">
+                <a14:hiddenEffects xmlns:a14="http://schemas.microsoft.com/office/drawing/2010/main">
+                  <a:effectLst>
+                    <a:outerShdw dist="35921" dir="2700000" algn="ctr" rotWithShape="0">
+                      <a:schemeClr val="bg2"/>
+                    </a:outerShdw>
+                  </a:effectLst>
+                </a14:hiddenEffects>
+              </a:ext>
+            </a:extLst>
+          </p:spPr>
+          <p:txBody>
+            <a:bodyPr wrap="none">
+              <a:spAutoFit/>
+            </a:bodyPr>
+            <a:lstStyle/>
+            <a:p>
+              <a:r>
+                <a:rPr lang="en-US" sz="2400" b="1" dirty="0"/>
+                <a:t>6</a:t>
+              </a:r>
+            </a:p>
+          </p:txBody>
+        </p:sp>
+      </p:grpSp>
+      <p:sp>
+        <p:nvSpPr>
+          <p:cNvPr id="29" name="Прямоугольник 28"/>
+          <p:cNvSpPr/>
+          <p:nvPr/>
+        </p:nvSpPr>
+        <p:spPr>
+          <a:xfrm>
+            <a:off x="1204051" y="2734849"/>
+            <a:ext cx="4049485" cy="2523768"/>
+          </a:xfrm>
+          <a:prstGeom prst="rect">
+            <a:avLst/>
+          </a:prstGeom>
+        </p:spPr>
+        <p:txBody>
+          <a:bodyPr wrap="square">
+            <a:spAutoFit/>
+          </a:bodyPr>
+          <a:lstStyle/>
+          <a:p>
+            <a:r>
+              <a:rPr lang="en-US" sz="2200" dirty="0"/>
+              <a:t>Fisher’s test: + (</a:t>
+            </a:r>
+            <a:r>
+              <a:rPr lang="en-US" sz="2200" dirty="0" err="1"/>
+              <a:t>pv</a:t>
+            </a:r>
+            <a:r>
+              <a:rPr lang="en-US" sz="2200" dirty="0"/>
+              <a:t> = </a:t>
+            </a:r>
+            <a:r>
+              <a:rPr lang="ru-RU" altLang="ru-RU" sz="2200" dirty="0"/>
+              <a:t>0.003389</a:t>
+            </a:r>
+            <a:r>
+              <a:rPr lang="en-US" altLang="ru-RU" sz="2200" dirty="0"/>
+              <a:t>)</a:t>
+            </a:r>
+          </a:p>
+          <a:p>
+            <a:endParaRPr lang="en-US" sz="2200" dirty="0"/>
+          </a:p>
+          <a:p>
+            <a:r>
+              <a:rPr lang="en-US" sz="2200" dirty="0"/>
+              <a:t>Linear regression:</a:t>
+            </a:r>
+          </a:p>
+          <a:p>
+            <a:pPr defTabSz="357188"/>
+            <a:r>
+              <a:rPr lang="en-US" altLang="ru-RU" sz="2200" dirty="0"/>
+              <a:t>	**</a:t>
+            </a:r>
+          </a:p>
+          <a:p>
+            <a:pPr defTabSz="357188"/>
+            <a:r>
+              <a:rPr lang="en-US" altLang="ru-RU" sz="2200" dirty="0"/>
+              <a:t>	R</a:t>
+            </a:r>
+            <a:r>
+              <a:rPr lang="en-US" altLang="ru-RU" sz="2200" baseline="30000" dirty="0"/>
+              <a:t>2</a:t>
+            </a:r>
+            <a:r>
+              <a:rPr lang="en-US" altLang="ru-RU" sz="2200" dirty="0"/>
+              <a:t> = </a:t>
+            </a:r>
+            <a:r>
+              <a:rPr lang="ru-RU" altLang="ru-RU" sz="2200" dirty="0"/>
+              <a:t>0.02135 </a:t>
+            </a:r>
+            <a:r>
+              <a:rPr lang="en-US" altLang="ru-RU" sz="2200" dirty="0"/>
+              <a:t>	2%	</a:t>
+            </a:r>
+          </a:p>
+          <a:p>
+            <a:pPr defTabSz="357188"/>
+            <a:endParaRPr lang="en-US" sz="2200" b="1" dirty="0"/>
+          </a:p>
+          <a:p>
+            <a:pPr algn="ctr" defTabSz="357188"/>
+            <a:r>
+              <a:rPr lang="ru-RU" sz="2400" b="1" dirty="0"/>
+              <a:t>👍</a:t>
+            </a:r>
+          </a:p>
+        </p:txBody>
+      </p:sp>
+    </p:spTree>
+    <p:extLst>
+      <p:ext uri="{BB962C8B-B14F-4D97-AF65-F5344CB8AC3E}">
+        <p14:creationId xmlns:p14="http://schemas.microsoft.com/office/powerpoint/2010/main" val="2080425121"/>
+      </p:ext>
+    </p:extLst>
+  </p:cSld>
+  <p:clrMapOvr>
+    <a:masterClrMapping/>
+  </p:clrMapOvr>
+</p:sld>
+</file>
+
+<file path=ppt/slides/slide14.xml><?xml version="1.0" encoding="utf-8"?>
+<p:sld xmlns:a="http://schemas.openxmlformats.org/drawingml/2006/main" xmlns:r="http://schemas.openxmlformats.org/officeDocument/2006/relationships" xmlns:p="http://schemas.openxmlformats.org/presentationml/2006/main">
+  <p:cSld>
+    <p:spTree>
+      <p:nvGrpSpPr>
+        <p:cNvPr id="1" name=""/>
+        <p:cNvGrpSpPr/>
+        <p:nvPr/>
+      </p:nvGrpSpPr>
+      <p:grpSpPr>
+        <a:xfrm>
+          <a:off x="0" y="0"/>
+          <a:ext cx="0" cy="0"/>
+          <a:chOff x="0" y="0"/>
+          <a:chExt cx="0" cy="0"/>
+        </a:xfrm>
+      </p:grpSpPr>
+      <p:sp>
+        <p:nvSpPr>
+          <p:cNvPr id="2" name="Title 1"/>
+          <p:cNvSpPr>
+            <a:spLocks noGrp="1"/>
+          </p:cNvSpPr>
+          <p:nvPr>
+            <p:ph type="title"/>
+          </p:nvPr>
+        </p:nvSpPr>
+        <p:spPr>
+          <a:xfrm>
+            <a:off x="1444752" y="373290"/>
+            <a:ext cx="7424928" cy="1050561"/>
+          </a:xfrm>
+        </p:spPr>
+        <p:txBody>
+          <a:bodyPr>
+            <a:normAutofit fontScale="90000"/>
+          </a:bodyPr>
+          <a:lstStyle/>
+          <a:p>
+            <a:r>
+              <a:rPr lang="fr-FR" dirty="0"/>
+              <a:t>Updating the multi-variable model</a:t>
+            </a:r>
+            <a:endParaRPr lang="en-US" dirty="0"/>
+          </a:p>
+        </p:txBody>
+      </p:sp>
+      <p:grpSp>
+        <p:nvGrpSpPr>
+          <p:cNvPr id="3" name="Group 7"/>
+          <p:cNvGrpSpPr>
+            <a:grpSpLocks/>
+          </p:cNvGrpSpPr>
+          <p:nvPr/>
+        </p:nvGrpSpPr>
+        <p:grpSpPr bwMode="auto">
+          <a:xfrm>
+            <a:off x="723038" y="422300"/>
+            <a:ext cx="6634163" cy="1889127"/>
+            <a:chOff x="919" y="1438"/>
+            <a:chExt cx="4179" cy="1190"/>
+          </a:xfrm>
+        </p:grpSpPr>
+        <p:sp>
+          <p:nvSpPr>
+            <p:cNvPr id="10" name="Line 8"/>
+            <p:cNvSpPr>
+              <a:spLocks noChangeShapeType="1"/>
+            </p:cNvSpPr>
+            <p:nvPr/>
+          </p:nvSpPr>
+          <p:spPr bwMode="gray">
+            <a:xfrm>
+              <a:off x="1399" y="1943"/>
+              <a:ext cx="3024" cy="0"/>
+            </a:xfrm>
+            <a:prstGeom prst="line">
+              <a:avLst/>
+            </a:prstGeom>
+            <a:noFill/>
+            <a:ln w="25400">
+              <a:solidFill>
+                <a:srgbClr val="969696"/>
+              </a:solidFill>
+              <a:prstDash val="sysDot"/>
+              <a:round/>
+              <a:headEnd/>
+              <a:tailEnd type="oval" w="med" len="med"/>
+            </a:ln>
+            <a:effectLst/>
+            <a:extLst>
+              <a:ext uri="{909E8E84-426E-40DD-AFC4-6F175D3DCCD1}">
+                <a14:hiddenFill xmlns:a14="http://schemas.microsoft.com/office/drawing/2010/main">
+                  <a:noFill/>
+                </a14:hiddenFill>
+              </a:ext>
+              <a:ext uri="{AF507438-7753-43E0-B8FC-AC1667EBCBE1}">
+                <a14:hiddenEffects xmlns:a14="http://schemas.microsoft.com/office/drawing/2010/main">
+                  <a:effectLst>
+                    <a:outerShdw dist="35921" dir="2700000" algn="ctr" rotWithShape="0">
+                      <a:schemeClr val="bg2"/>
+                    </a:outerShdw>
+                  </a:effectLst>
+                </a14:hiddenEffects>
+              </a:ext>
+            </a:extLst>
+          </p:spPr>
+          <p:txBody>
+            <a:bodyPr wrap="none" anchor="ctr"/>
+            <a:lstStyle/>
+            <a:p>
+              <a:endParaRPr lang="en-US"/>
+            </a:p>
+          </p:txBody>
+        </p:sp>
+        <p:sp>
+          <p:nvSpPr>
+            <p:cNvPr id="11" name="Rectangle 9"/>
+            <p:cNvSpPr>
+              <a:spLocks noChangeArrowheads="1"/>
+            </p:cNvSpPr>
+            <p:nvPr/>
+          </p:nvSpPr>
+          <p:spPr bwMode="gray">
+            <a:xfrm rot="3419336">
+              <a:off x="932" y="1425"/>
+              <a:ext cx="302" cy="328"/>
+            </a:xfrm>
+            <a:prstGeom prst="rect">
+              <a:avLst/>
+            </a:prstGeom>
+            <a:gradFill rotWithShape="1">
+              <a:gsLst>
+                <a:gs pos="0">
+                  <a:srgbClr val="99CC00"/>
+                </a:gs>
+                <a:gs pos="100000">
+                  <a:srgbClr val="99CC00">
+                    <a:gamma/>
+                    <a:shade val="46275"/>
+                    <a:invGamma/>
+                  </a:srgbClr>
+                </a:gs>
+              </a:gsLst>
+              <a:lin ang="5400000" scaled="1"/>
+            </a:gradFill>
+            <a:ln w="9525">
+              <a:miter lim="800000"/>
+              <a:headEnd/>
+              <a:tailEnd/>
+            </a:ln>
+            <a:effectLst/>
+            <a:scene3d>
+              <a:camera prst="legacyPerspectiveFront">
+                <a:rot lat="0" lon="1500000" rev="0"/>
+              </a:camera>
+              <a:lightRig rig="legacyFlat4" dir="b"/>
+            </a:scene3d>
+            <a:sp3d extrusionH="430200" prstMaterial="legacyMatte">
+              <a:bevelT w="13500" h="13500" prst="angle"/>
+              <a:bevelB w="13500" h="13500" prst="angle"/>
+              <a:extrusionClr>
+                <a:srgbClr val="99CC00"/>
+              </a:extrusionClr>
+            </a:sp3d>
+            <a:extLst>
+              <a:ext uri="{AF507438-7753-43E0-B8FC-AC1667EBCBE1}">
+                <a14:hiddenEffects xmlns:a14="http://schemas.microsoft.com/office/drawing/2010/main">
+                  <a:effectLst>
+                    <a:outerShdw dist="35921" dir="2700000" algn="ctr" rotWithShape="0">
+                      <a:schemeClr val="bg2"/>
+                    </a:outerShdw>
+                  </a:effectLst>
+                </a14:hiddenEffects>
+              </a:ext>
+            </a:extLst>
+          </p:spPr>
+          <p:txBody>
+            <a:bodyPr wrap="none" anchor="ctr">
+              <a:flatTx/>
+            </a:bodyPr>
+            <a:lstStyle/>
+            <a:p>
+              <a:endParaRPr lang="en-US"/>
+            </a:p>
+          </p:txBody>
+        </p:sp>
+        <p:sp>
+          <p:nvSpPr>
+            <p:cNvPr id="12" name="Text Box 10"/>
+            <p:cNvSpPr txBox="1">
+              <a:spLocks noChangeArrowheads="1"/>
+            </p:cNvSpPr>
+            <p:nvPr/>
+          </p:nvSpPr>
+          <p:spPr bwMode="gray">
+            <a:xfrm>
+              <a:off x="1377" y="2105"/>
+              <a:ext cx="3721" cy="523"/>
+            </a:xfrm>
+            <a:prstGeom prst="rect">
+              <a:avLst/>
+            </a:prstGeom>
+            <a:noFill/>
+            <a:ln>
+              <a:noFill/>
+            </a:ln>
+            <a:effectLst/>
+            <a:extLst>
+              <a:ext uri="{909E8E84-426E-40DD-AFC4-6F175D3DCCD1}">
+                <a14:hiddenFill xmlns:a14="http://schemas.microsoft.com/office/drawing/2010/main">
+                  <a:solidFill>
+                    <a:schemeClr val="accent1"/>
+                  </a:solidFill>
+                </a14:hiddenFill>
+              </a:ext>
+              <a:ext uri="{91240B29-F687-4F45-9708-019B960494DF}">
+                <a14:hiddenLine xmlns:a14="http://schemas.microsoft.com/office/drawing/2010/main" w="9525" algn="ctr">
+                  <a:solidFill>
+                    <a:schemeClr val="tx1"/>
+                  </a:solidFill>
+                  <a:miter lim="800000"/>
+                  <a:headEnd/>
+                  <a:tailEnd/>
+                </a14:hiddenLine>
+              </a:ext>
+              <a:ext uri="{AF507438-7753-43E0-B8FC-AC1667EBCBE1}">
+                <a14:hiddenEffects xmlns:a14="http://schemas.microsoft.com/office/drawing/2010/main">
+                  <a:effectLst>
+                    <a:outerShdw dist="35921" dir="2700000" algn="ctr" rotWithShape="0">
+                      <a:schemeClr val="bg2"/>
+                    </a:outerShdw>
+                  </a:effectLst>
+                </a14:hiddenEffects>
+              </a:ext>
+            </a:extLst>
+          </p:spPr>
+          <p:txBody>
+            <a:bodyPr wrap="square">
+              <a:spAutoFit/>
+            </a:bodyPr>
+            <a:lstStyle/>
+            <a:p>
+              <a:r>
+                <a:rPr lang="en-US" sz="2400" dirty="0"/>
+                <a:t> </a:t>
+              </a:r>
+              <a:endParaRPr lang="ru-RU" sz="2400" dirty="0"/>
+            </a:p>
+            <a:p>
+              <a:endParaRPr lang="en-US" sz="2400" dirty="0"/>
+            </a:p>
+          </p:txBody>
+        </p:sp>
+        <p:sp>
+          <p:nvSpPr>
+            <p:cNvPr id="13" name="Text Box 11"/>
+            <p:cNvSpPr txBox="1">
+              <a:spLocks noChangeArrowheads="1"/>
+            </p:cNvSpPr>
+            <p:nvPr/>
+          </p:nvSpPr>
+          <p:spPr bwMode="gray">
+            <a:xfrm>
+              <a:off x="1008" y="1443"/>
+              <a:ext cx="214" cy="291"/>
+            </a:xfrm>
+            <a:prstGeom prst="rect">
+              <a:avLst/>
+            </a:prstGeom>
+            <a:noFill/>
+            <a:ln>
+              <a:noFill/>
+            </a:ln>
+            <a:effectLst/>
+            <a:extLst>
+              <a:ext uri="{909E8E84-426E-40DD-AFC4-6F175D3DCCD1}">
+                <a14:hiddenFill xmlns:a14="http://schemas.microsoft.com/office/drawing/2010/main">
+                  <a:solidFill>
+                    <a:schemeClr val="accent1"/>
+                  </a:solidFill>
+                </a14:hiddenFill>
+              </a:ext>
+              <a:ext uri="{91240B29-F687-4F45-9708-019B960494DF}">
+                <a14:hiddenLine xmlns:a14="http://schemas.microsoft.com/office/drawing/2010/main" w="9525" algn="ctr">
+                  <a:solidFill>
+                    <a:schemeClr val="tx1"/>
+                  </a:solidFill>
+                  <a:miter lim="800000"/>
+                  <a:headEnd/>
+                  <a:tailEnd/>
+                </a14:hiddenLine>
+              </a:ext>
+              <a:ext uri="{AF507438-7753-43E0-B8FC-AC1667EBCBE1}">
+                <a14:hiddenEffects xmlns:a14="http://schemas.microsoft.com/office/drawing/2010/main">
+                  <a:effectLst>
+                    <a:outerShdw dist="35921" dir="2700000" algn="ctr" rotWithShape="0">
+                      <a:schemeClr val="bg2"/>
+                    </a:outerShdw>
+                  </a:effectLst>
+                </a14:hiddenEffects>
+              </a:ext>
+            </a:extLst>
+          </p:spPr>
+          <p:txBody>
+            <a:bodyPr wrap="none">
+              <a:spAutoFit/>
+            </a:bodyPr>
+            <a:lstStyle/>
+            <a:p>
+              <a:r>
+                <a:rPr lang="en-US" sz="2400" b="1" dirty="0"/>
+                <a:t>6</a:t>
+              </a:r>
+            </a:p>
+          </p:txBody>
+        </p:sp>
+      </p:grpSp>
+      <p:sp>
+        <p:nvSpPr>
+          <p:cNvPr id="14" name="Прямоугольник 13">
+            <a:extLst>
+              <a:ext uri="{FF2B5EF4-FFF2-40B4-BE49-F238E27FC236}">
+                <a16:creationId xmlns:a16="http://schemas.microsoft.com/office/drawing/2014/main" id="{B2E904BF-98FC-465E-AFC0-8DC0CD69217C}"/>
+              </a:ext>
+            </a:extLst>
+          </p:cNvPr>
+          <p:cNvSpPr/>
+          <p:nvPr/>
+        </p:nvSpPr>
+        <p:spPr>
+          <a:xfrm>
+            <a:off x="1204051" y="1989909"/>
+            <a:ext cx="7424928" cy="3416320"/>
+          </a:xfrm>
+          <a:prstGeom prst="rect">
+            <a:avLst/>
+          </a:prstGeom>
+        </p:spPr>
+        <p:txBody>
+          <a:bodyPr wrap="square">
+            <a:spAutoFit/>
+          </a:bodyPr>
+          <a:lstStyle/>
+          <a:p>
+            <a:r>
+              <a:rPr lang="en-US" sz="2400" b="1" dirty="0"/>
+              <a:t>form ~ </a:t>
+            </a:r>
+            <a:r>
+              <a:rPr lang="en-US" sz="2400" b="1" dirty="0" err="1"/>
+              <a:t>context_pos</a:t>
+            </a:r>
+            <a:r>
+              <a:rPr lang="en-US" sz="2400" b="1" dirty="0"/>
+              <a:t> + </a:t>
+            </a:r>
+            <a:r>
+              <a:rPr lang="en-US" sz="2400" b="1" dirty="0" err="1"/>
+              <a:t>conj</a:t>
+            </a:r>
+            <a:r>
+              <a:rPr lang="en-US" sz="2400" b="1" dirty="0"/>
+              <a:t> + sex</a:t>
+            </a:r>
+            <a:endParaRPr lang="en-US" sz="2400" dirty="0"/>
+          </a:p>
+          <a:p>
+            <a:endParaRPr lang="ru-RU" sz="2400" dirty="0"/>
+          </a:p>
+          <a:p>
+            <a:r>
+              <a:rPr lang="en-US" sz="2400" dirty="0"/>
+              <a:t>Linear regression:</a:t>
+            </a:r>
+          </a:p>
+          <a:p>
+            <a:pPr defTabSz="357188"/>
+            <a:r>
+              <a:rPr lang="en-US" sz="2400" dirty="0"/>
+              <a:t>	***	</a:t>
+            </a:r>
+            <a:r>
+              <a:rPr lang="en-US" sz="2400" dirty="0" err="1"/>
+              <a:t>context_pos</a:t>
+            </a:r>
+            <a:endParaRPr lang="en-US" sz="2400" dirty="0"/>
+          </a:p>
+          <a:p>
+            <a:pPr defTabSz="357188"/>
+            <a:r>
+              <a:rPr lang="en-US" sz="2400" dirty="0"/>
+              <a:t>			</a:t>
+            </a:r>
+            <a:r>
+              <a:rPr lang="en-US" sz="2400" dirty="0" err="1"/>
+              <a:t>conj</a:t>
+            </a:r>
+            <a:endParaRPr lang="en-US" sz="2400" dirty="0"/>
+          </a:p>
+          <a:p>
+            <a:pPr defTabSz="357188"/>
+            <a:r>
+              <a:rPr lang="en-US" sz="2400" dirty="0"/>
+              <a:t>	*		sex</a:t>
+            </a:r>
+          </a:p>
+          <a:p>
+            <a:pPr defTabSz="357188"/>
+            <a:r>
+              <a:rPr lang="en-US" sz="2400" dirty="0"/>
+              <a:t>	</a:t>
+            </a:r>
+            <a:r>
+              <a:rPr lang="en-US" altLang="ru-RU" sz="2400" dirty="0"/>
+              <a:t>R</a:t>
+            </a:r>
+            <a:r>
+              <a:rPr lang="en-US" altLang="ru-RU" sz="2400" baseline="30000" dirty="0"/>
+              <a:t>2</a:t>
+            </a:r>
+            <a:r>
+              <a:rPr lang="en-US" altLang="ru-RU" sz="2400" dirty="0"/>
+              <a:t> = </a:t>
+            </a:r>
+            <a:r>
+              <a:rPr lang="ru-RU" altLang="ru-RU" sz="2400" dirty="0"/>
+              <a:t>0.06038</a:t>
+            </a:r>
+            <a:r>
+              <a:rPr lang="en-US" altLang="ru-RU" sz="2400" dirty="0"/>
+              <a:t>		6%</a:t>
+            </a:r>
+            <a:endParaRPr lang="en-US" sz="2400" dirty="0"/>
+          </a:p>
+          <a:p>
+            <a:endParaRPr lang="en-US" sz="2400" dirty="0"/>
+          </a:p>
+          <a:p>
+            <a:pPr algn="ctr"/>
+            <a:r>
+              <a:rPr lang="ru-RU" sz="2400" b="1" dirty="0"/>
+              <a:t>👍</a:t>
+            </a:r>
+          </a:p>
+        </p:txBody>
+      </p:sp>
+    </p:spTree>
+    <p:extLst>
+      <p:ext uri="{BB962C8B-B14F-4D97-AF65-F5344CB8AC3E}">
+        <p14:creationId xmlns:p14="http://schemas.microsoft.com/office/powerpoint/2010/main" val="1119611138"/>
+      </p:ext>
+    </p:extLst>
+  </p:cSld>
+  <p:clrMapOvr>
+    <a:masterClrMapping/>
+  </p:clrMapOvr>
+</p:sld>
+</file>
+
+<file path=ppt/slides/slide15.xml><?xml version="1.0" encoding="utf-8"?>
+<p:sld xmlns:a="http://schemas.openxmlformats.org/drawingml/2006/main" xmlns:r="http://schemas.openxmlformats.org/officeDocument/2006/relationships" xmlns:p="http://schemas.openxmlformats.org/presentationml/2006/main">
+  <p:cSld>
+    <p:spTree>
+      <p:nvGrpSpPr>
+        <p:cNvPr id="1" name=""/>
+        <p:cNvGrpSpPr/>
+        <p:nvPr/>
+      </p:nvGrpSpPr>
+      <p:grpSpPr>
+        <a:xfrm>
+          <a:off x="0" y="0"/>
+          <a:ext cx="0" cy="0"/>
+          <a:chOff x="0" y="0"/>
+          <a:chExt cx="0" cy="0"/>
+        </a:xfrm>
+      </p:grpSpPr>
+      <p:pic>
+        <p:nvPicPr>
+          <p:cNvPr id="1026" name="Picture 2">
+            <a:extLst>
+              <a:ext uri="{FF2B5EF4-FFF2-40B4-BE49-F238E27FC236}">
+                <a16:creationId xmlns:a16="http://schemas.microsoft.com/office/drawing/2014/main" id="{E9F8C7E3-61FD-47F4-B916-0E015E1F7140}"/>
+              </a:ext>
+            </a:extLst>
+          </p:cNvPr>
+          <p:cNvPicPr>
+            <a:picLocks noChangeAspect="1" noChangeArrowheads="1"/>
+          </p:cNvPicPr>
+          <p:nvPr/>
+        </p:nvPicPr>
+        <p:blipFill>
+          <a:blip r:embed="rId2">
+            <a:extLst>
+              <a:ext uri="{28A0092B-C50C-407E-A947-70E740481C1C}">
+                <a14:useLocalDpi xmlns:a14="http://schemas.microsoft.com/office/drawing/2010/main" val="0"/>
+              </a:ext>
+            </a:extLst>
+          </a:blip>
+          <a:srcRect/>
+          <a:stretch/>
+        </p:blipFill>
+        <p:spPr bwMode="auto">
+          <a:xfrm>
+            <a:off x="3228793" y="1896295"/>
+            <a:ext cx="6667498" cy="4114799"/>
+          </a:xfrm>
+          <a:prstGeom prst="rect">
+            <a:avLst/>
+          </a:prstGeom>
+          <a:noFill/>
+          <a:extLst>
+            <a:ext uri="{909E8E84-426E-40DD-AFC4-6F175D3DCCD1}">
+              <a14:hiddenFill xmlns:a14="http://schemas.microsoft.com/office/drawing/2010/main">
+                <a:solidFill>
+                  <a:srgbClr val="FFFFFF"/>
+                </a:solidFill>
+              </a14:hiddenFill>
+            </a:ext>
+          </a:extLst>
+        </p:spPr>
+      </p:pic>
+      <p:sp>
+        <p:nvSpPr>
+          <p:cNvPr id="2" name="Title 1"/>
+          <p:cNvSpPr>
+            <a:spLocks noGrp="1"/>
+          </p:cNvSpPr>
+          <p:nvPr>
+            <p:ph type="title"/>
+          </p:nvPr>
+        </p:nvSpPr>
+        <p:spPr>
+          <a:xfrm>
+            <a:off x="1444752" y="373290"/>
+            <a:ext cx="7424928" cy="1050561"/>
+          </a:xfrm>
+        </p:spPr>
+        <p:txBody>
+          <a:bodyPr>
+            <a:normAutofit/>
+          </a:bodyPr>
+          <a:lstStyle/>
+          <a:p>
+            <a:r>
+              <a:rPr lang="en-US" dirty="0"/>
+              <a:t>Results: Length</a:t>
+            </a:r>
+          </a:p>
+        </p:txBody>
+      </p:sp>
+      <p:grpSp>
+        <p:nvGrpSpPr>
+          <p:cNvPr id="3" name="Group 7"/>
+          <p:cNvGrpSpPr>
+            <a:grpSpLocks/>
+          </p:cNvGrpSpPr>
+          <p:nvPr/>
+        </p:nvGrpSpPr>
+        <p:grpSpPr bwMode="auto">
+          <a:xfrm>
+            <a:off x="723038" y="422300"/>
+            <a:ext cx="6634163" cy="1889127"/>
+            <a:chOff x="919" y="1438"/>
+            <a:chExt cx="4179" cy="1190"/>
+          </a:xfrm>
+        </p:grpSpPr>
+        <p:sp>
+          <p:nvSpPr>
+            <p:cNvPr id="10" name="Line 8"/>
+            <p:cNvSpPr>
+              <a:spLocks noChangeShapeType="1"/>
+            </p:cNvSpPr>
+            <p:nvPr/>
+          </p:nvSpPr>
+          <p:spPr bwMode="gray">
+            <a:xfrm>
+              <a:off x="1399" y="1943"/>
+              <a:ext cx="3024" cy="0"/>
+            </a:xfrm>
+            <a:prstGeom prst="line">
+              <a:avLst/>
+            </a:prstGeom>
+            <a:noFill/>
+            <a:ln w="25400">
+              <a:solidFill>
+                <a:srgbClr val="969696"/>
+              </a:solidFill>
+              <a:prstDash val="sysDot"/>
+              <a:round/>
+              <a:headEnd/>
+              <a:tailEnd type="oval" w="med" len="med"/>
+            </a:ln>
+            <a:effectLst/>
+            <a:extLst>
+              <a:ext uri="{909E8E84-426E-40DD-AFC4-6F175D3DCCD1}">
+                <a14:hiddenFill xmlns:a14="http://schemas.microsoft.com/office/drawing/2010/main">
+                  <a:noFill/>
+                </a14:hiddenFill>
+              </a:ext>
+              <a:ext uri="{AF507438-7753-43E0-B8FC-AC1667EBCBE1}">
+                <a14:hiddenEffects xmlns:a14="http://schemas.microsoft.com/office/drawing/2010/main">
+                  <a:effectLst>
+                    <a:outerShdw dist="35921" dir="2700000" algn="ctr" rotWithShape="0">
+                      <a:schemeClr val="bg2"/>
+                    </a:outerShdw>
+                  </a:effectLst>
+                </a14:hiddenEffects>
+              </a:ext>
+            </a:extLst>
+          </p:spPr>
+          <p:txBody>
+            <a:bodyPr wrap="none" anchor="ctr"/>
+            <a:lstStyle/>
+            <a:p>
+              <a:endParaRPr lang="en-US"/>
+            </a:p>
+          </p:txBody>
+        </p:sp>
+        <p:sp>
+          <p:nvSpPr>
+            <p:cNvPr id="11" name="Rectangle 9"/>
+            <p:cNvSpPr>
+              <a:spLocks noChangeArrowheads="1"/>
+            </p:cNvSpPr>
+            <p:nvPr/>
+          </p:nvSpPr>
+          <p:spPr bwMode="gray">
+            <a:xfrm rot="3419336">
+              <a:off x="932" y="1425"/>
+              <a:ext cx="302" cy="328"/>
+            </a:xfrm>
+            <a:prstGeom prst="rect">
+              <a:avLst/>
+            </a:prstGeom>
+            <a:gradFill rotWithShape="1">
+              <a:gsLst>
+                <a:gs pos="0">
+                  <a:srgbClr val="99CC00"/>
+                </a:gs>
+                <a:gs pos="100000">
+                  <a:srgbClr val="99CC00">
+                    <a:gamma/>
+                    <a:shade val="46275"/>
+                    <a:invGamma/>
+                  </a:srgbClr>
+                </a:gs>
+              </a:gsLst>
+              <a:lin ang="5400000" scaled="1"/>
+            </a:gradFill>
+            <a:ln w="9525">
+              <a:miter lim="800000"/>
+              <a:headEnd/>
+              <a:tailEnd/>
+            </a:ln>
+            <a:effectLst/>
+            <a:scene3d>
+              <a:camera prst="legacyPerspectiveFront">
+                <a:rot lat="0" lon="1500000" rev="0"/>
+              </a:camera>
+              <a:lightRig rig="legacyFlat4" dir="b"/>
+            </a:scene3d>
+            <a:sp3d extrusionH="430200" prstMaterial="legacyMatte">
+              <a:bevelT w="13500" h="13500" prst="angle"/>
+              <a:bevelB w="13500" h="13500" prst="angle"/>
+              <a:extrusionClr>
+                <a:srgbClr val="99CC00"/>
+              </a:extrusionClr>
+            </a:sp3d>
+            <a:extLst>
+              <a:ext uri="{AF507438-7753-43E0-B8FC-AC1667EBCBE1}">
+                <a14:hiddenEffects xmlns:a14="http://schemas.microsoft.com/office/drawing/2010/main">
+                  <a:effectLst>
+                    <a:outerShdw dist="35921" dir="2700000" algn="ctr" rotWithShape="0">
+                      <a:schemeClr val="bg2"/>
+                    </a:outerShdw>
+                  </a:effectLst>
+                </a14:hiddenEffects>
+              </a:ext>
+            </a:extLst>
+          </p:spPr>
+          <p:txBody>
+            <a:bodyPr wrap="none" anchor="ctr">
+              <a:flatTx/>
+            </a:bodyPr>
+            <a:lstStyle/>
+            <a:p>
+              <a:endParaRPr lang="en-US"/>
+            </a:p>
+          </p:txBody>
+        </p:sp>
+        <p:sp>
+          <p:nvSpPr>
+            <p:cNvPr id="12" name="Text Box 10"/>
+            <p:cNvSpPr txBox="1">
+              <a:spLocks noChangeArrowheads="1"/>
+            </p:cNvSpPr>
+            <p:nvPr/>
+          </p:nvSpPr>
+          <p:spPr bwMode="gray">
+            <a:xfrm>
+              <a:off x="1377" y="2105"/>
+              <a:ext cx="3721" cy="523"/>
+            </a:xfrm>
+            <a:prstGeom prst="rect">
+              <a:avLst/>
+            </a:prstGeom>
+            <a:noFill/>
+            <a:ln>
+              <a:noFill/>
+            </a:ln>
+            <a:effectLst/>
+            <a:extLst>
+              <a:ext uri="{909E8E84-426E-40DD-AFC4-6F175D3DCCD1}">
+                <a14:hiddenFill xmlns:a14="http://schemas.microsoft.com/office/drawing/2010/main">
+                  <a:solidFill>
+                    <a:schemeClr val="accent1"/>
+                  </a:solidFill>
+                </a14:hiddenFill>
+              </a:ext>
+              <a:ext uri="{91240B29-F687-4F45-9708-019B960494DF}">
+                <a14:hiddenLine xmlns:a14="http://schemas.microsoft.com/office/drawing/2010/main" w="9525" algn="ctr">
+                  <a:solidFill>
+                    <a:schemeClr val="tx1"/>
+                  </a:solidFill>
+                  <a:miter lim="800000"/>
+                  <a:headEnd/>
+                  <a:tailEnd/>
+                </a14:hiddenLine>
+              </a:ext>
+              <a:ext uri="{AF507438-7753-43E0-B8FC-AC1667EBCBE1}">
+                <a14:hiddenEffects xmlns:a14="http://schemas.microsoft.com/office/drawing/2010/main">
+                  <a:effectLst>
+                    <a:outerShdw dist="35921" dir="2700000" algn="ctr" rotWithShape="0">
+                      <a:schemeClr val="bg2"/>
+                    </a:outerShdw>
+                  </a:effectLst>
+                </a14:hiddenEffects>
+              </a:ext>
+            </a:extLst>
+          </p:spPr>
+          <p:txBody>
+            <a:bodyPr wrap="square">
+              <a:spAutoFit/>
+            </a:bodyPr>
+            <a:lstStyle/>
+            <a:p>
+              <a:r>
+                <a:rPr lang="en-US" sz="2400" dirty="0"/>
+                <a:t> </a:t>
+              </a:r>
+              <a:endParaRPr lang="ru-RU" sz="2400" dirty="0"/>
+            </a:p>
+            <a:p>
+              <a:endParaRPr lang="en-US" sz="2400" dirty="0"/>
+            </a:p>
+          </p:txBody>
+        </p:sp>
+        <p:sp>
+          <p:nvSpPr>
+            <p:cNvPr id="13" name="Text Box 11"/>
+            <p:cNvSpPr txBox="1">
+              <a:spLocks noChangeArrowheads="1"/>
+            </p:cNvSpPr>
+            <p:nvPr/>
+          </p:nvSpPr>
+          <p:spPr bwMode="gray">
+            <a:xfrm>
+              <a:off x="1008" y="1443"/>
+              <a:ext cx="214" cy="291"/>
+            </a:xfrm>
+            <a:prstGeom prst="rect">
+              <a:avLst/>
+            </a:prstGeom>
+            <a:noFill/>
+            <a:ln>
+              <a:noFill/>
+            </a:ln>
+            <a:effectLst/>
+            <a:extLst>
+              <a:ext uri="{909E8E84-426E-40DD-AFC4-6F175D3DCCD1}">
+                <a14:hiddenFill xmlns:a14="http://schemas.microsoft.com/office/drawing/2010/main">
+                  <a:solidFill>
+                    <a:schemeClr val="accent1"/>
+                  </a:solidFill>
+                </a14:hiddenFill>
+              </a:ext>
+              <a:ext uri="{91240B29-F687-4F45-9708-019B960494DF}">
+                <a14:hiddenLine xmlns:a14="http://schemas.microsoft.com/office/drawing/2010/main" w="9525" algn="ctr">
+                  <a:solidFill>
+                    <a:schemeClr val="tx1"/>
+                  </a:solidFill>
+                  <a:miter lim="800000"/>
+                  <a:headEnd/>
+                  <a:tailEnd/>
+                </a14:hiddenLine>
+              </a:ext>
+              <a:ext uri="{AF507438-7753-43E0-B8FC-AC1667EBCBE1}">
+                <a14:hiddenEffects xmlns:a14="http://schemas.microsoft.com/office/drawing/2010/main">
+                  <a:effectLst>
+                    <a:outerShdw dist="35921" dir="2700000" algn="ctr" rotWithShape="0">
+                      <a:schemeClr val="bg2"/>
+                    </a:outerShdw>
+                  </a:effectLst>
+                </a14:hiddenEffects>
+              </a:ext>
+            </a:extLst>
+          </p:spPr>
+          <p:txBody>
+            <a:bodyPr wrap="none">
+              <a:spAutoFit/>
+            </a:bodyPr>
+            <a:lstStyle/>
+            <a:p>
+              <a:r>
+                <a:rPr lang="en-US" sz="2400" b="1" dirty="0"/>
+                <a:t>6</a:t>
+              </a:r>
+            </a:p>
+          </p:txBody>
+        </p:sp>
+      </p:grpSp>
+      <p:sp>
+        <p:nvSpPr>
+          <p:cNvPr id="29" name="Прямоугольник 28"/>
+          <p:cNvSpPr/>
+          <p:nvPr/>
+        </p:nvSpPr>
+        <p:spPr>
+          <a:xfrm>
+            <a:off x="1204051" y="2734849"/>
+            <a:ext cx="4049485" cy="1446550"/>
+          </a:xfrm>
+          <a:prstGeom prst="rect">
+            <a:avLst/>
+          </a:prstGeom>
+        </p:spPr>
+        <p:txBody>
+          <a:bodyPr wrap="square">
+            <a:spAutoFit/>
+          </a:bodyPr>
+          <a:lstStyle/>
+          <a:p>
+            <a:r>
+              <a:rPr lang="en-US" sz="2200" dirty="0"/>
+              <a:t>Fisher’s test: - (</a:t>
+            </a:r>
+            <a:r>
+              <a:rPr lang="en-US" sz="2200" dirty="0" err="1"/>
+              <a:t>pv</a:t>
+            </a:r>
+            <a:r>
+              <a:rPr lang="en-US" sz="2200" dirty="0"/>
+              <a:t> = </a:t>
+            </a:r>
+            <a:r>
+              <a:rPr lang="ru-RU" altLang="ru-RU" sz="2200" dirty="0"/>
+              <a:t>0.8113</a:t>
+            </a:r>
+            <a:r>
+              <a:rPr lang="en-US" altLang="ru-RU" sz="2200" dirty="0"/>
+              <a:t>)</a:t>
+            </a:r>
+          </a:p>
+          <a:p>
+            <a:endParaRPr lang="en-US" sz="2200" dirty="0"/>
+          </a:p>
+          <a:p>
+            <a:r>
+              <a:rPr lang="en-US" sz="2200" dirty="0"/>
+              <a:t>Linear regression:</a:t>
+            </a:r>
+          </a:p>
+          <a:p>
+            <a:pPr defTabSz="357188"/>
+            <a:r>
+              <a:rPr lang="en-US" altLang="ru-RU" sz="2200" dirty="0"/>
+              <a:t>	-</a:t>
+            </a:r>
+          </a:p>
+        </p:txBody>
+      </p:sp>
+    </p:spTree>
+    <p:extLst>
+      <p:ext uri="{BB962C8B-B14F-4D97-AF65-F5344CB8AC3E}">
+        <p14:creationId xmlns:p14="http://schemas.microsoft.com/office/powerpoint/2010/main" val="2886537630"/>
+      </p:ext>
+    </p:extLst>
+  </p:cSld>
+  <p:clrMapOvr>
+    <a:masterClrMapping/>
+  </p:clrMapOvr>
+</p:sld>
+</file>
+
+<file path=ppt/slides/slide16.xml><?xml version="1.0" encoding="utf-8"?>
+<p:sld xmlns:a="http://schemas.openxmlformats.org/drawingml/2006/main" xmlns:r="http://schemas.openxmlformats.org/officeDocument/2006/relationships" xmlns:p="http://schemas.openxmlformats.org/presentationml/2006/main">
+  <p:cSld>
+    <p:spTree>
+      <p:nvGrpSpPr>
+        <p:cNvPr id="1" name=""/>
+        <p:cNvGrpSpPr/>
+        <p:nvPr/>
+      </p:nvGrpSpPr>
+      <p:grpSpPr>
+        <a:xfrm>
+          <a:off x="0" y="0"/>
+          <a:ext cx="0" cy="0"/>
+          <a:chOff x="0" y="0"/>
+          <a:chExt cx="0" cy="0"/>
+        </a:xfrm>
+      </p:grpSpPr>
+      <p:sp>
+        <p:nvSpPr>
+          <p:cNvPr id="2" name="Title 1"/>
+          <p:cNvSpPr>
+            <a:spLocks noGrp="1"/>
+          </p:cNvSpPr>
+          <p:nvPr>
+            <p:ph type="title"/>
+          </p:nvPr>
+        </p:nvSpPr>
+        <p:spPr>
+          <a:xfrm>
+            <a:off x="1444752" y="373290"/>
+            <a:ext cx="7424928" cy="1050561"/>
+          </a:xfrm>
+        </p:spPr>
+        <p:txBody>
+          <a:bodyPr>
+            <a:normAutofit fontScale="90000"/>
+          </a:bodyPr>
+          <a:lstStyle/>
+          <a:p>
+            <a:r>
+              <a:rPr lang="fr-FR" dirty="0"/>
+              <a:t>Updating the multi-variable model</a:t>
+            </a:r>
+            <a:endParaRPr lang="en-US" dirty="0"/>
+          </a:p>
+        </p:txBody>
+      </p:sp>
+      <p:grpSp>
+        <p:nvGrpSpPr>
+          <p:cNvPr id="3" name="Group 7"/>
+          <p:cNvGrpSpPr>
+            <a:grpSpLocks/>
+          </p:cNvGrpSpPr>
+          <p:nvPr/>
+        </p:nvGrpSpPr>
+        <p:grpSpPr bwMode="auto">
+          <a:xfrm>
+            <a:off x="670787" y="373290"/>
+            <a:ext cx="6634163" cy="1889127"/>
+            <a:chOff x="919" y="1438"/>
+            <a:chExt cx="4179" cy="1190"/>
+          </a:xfrm>
+        </p:grpSpPr>
+        <p:sp>
+          <p:nvSpPr>
+            <p:cNvPr id="10" name="Line 8"/>
+            <p:cNvSpPr>
+              <a:spLocks noChangeShapeType="1"/>
+            </p:cNvSpPr>
+            <p:nvPr/>
+          </p:nvSpPr>
+          <p:spPr bwMode="gray">
+            <a:xfrm>
+              <a:off x="1399" y="1943"/>
+              <a:ext cx="3024" cy="0"/>
+            </a:xfrm>
+            <a:prstGeom prst="line">
+              <a:avLst/>
+            </a:prstGeom>
+            <a:noFill/>
+            <a:ln w="25400">
+              <a:solidFill>
+                <a:srgbClr val="969696"/>
+              </a:solidFill>
+              <a:prstDash val="sysDot"/>
+              <a:round/>
+              <a:headEnd/>
+              <a:tailEnd type="oval" w="med" len="med"/>
+            </a:ln>
+            <a:effectLst/>
+            <a:extLst>
+              <a:ext uri="{909E8E84-426E-40DD-AFC4-6F175D3DCCD1}">
+                <a14:hiddenFill xmlns:a14="http://schemas.microsoft.com/office/drawing/2010/main">
+                  <a:noFill/>
+                </a14:hiddenFill>
+              </a:ext>
+              <a:ext uri="{AF507438-7753-43E0-B8FC-AC1667EBCBE1}">
+                <a14:hiddenEffects xmlns:a14="http://schemas.microsoft.com/office/drawing/2010/main">
+                  <a:effectLst>
+                    <a:outerShdw dist="35921" dir="2700000" algn="ctr" rotWithShape="0">
+                      <a:schemeClr val="bg2"/>
+                    </a:outerShdw>
+                  </a:effectLst>
+                </a14:hiddenEffects>
+              </a:ext>
+            </a:extLst>
+          </p:spPr>
+          <p:txBody>
+            <a:bodyPr wrap="none" anchor="ctr"/>
+            <a:lstStyle/>
+            <a:p>
+              <a:endParaRPr lang="en-US"/>
+            </a:p>
+          </p:txBody>
+        </p:sp>
+        <p:sp>
+          <p:nvSpPr>
+            <p:cNvPr id="11" name="Rectangle 9"/>
+            <p:cNvSpPr>
+              <a:spLocks noChangeArrowheads="1"/>
+            </p:cNvSpPr>
+            <p:nvPr/>
+          </p:nvSpPr>
+          <p:spPr bwMode="gray">
+            <a:xfrm rot="3419336">
+              <a:off x="932" y="1425"/>
+              <a:ext cx="302" cy="328"/>
+            </a:xfrm>
+            <a:prstGeom prst="rect">
+              <a:avLst/>
+            </a:prstGeom>
+            <a:gradFill rotWithShape="1">
+              <a:gsLst>
+                <a:gs pos="0">
+                  <a:srgbClr val="99CC00"/>
+                </a:gs>
+                <a:gs pos="100000">
+                  <a:srgbClr val="99CC00">
+                    <a:gamma/>
+                    <a:shade val="46275"/>
+                    <a:invGamma/>
+                  </a:srgbClr>
+                </a:gs>
+              </a:gsLst>
+              <a:lin ang="5400000" scaled="1"/>
+            </a:gradFill>
+            <a:ln w="9525">
+              <a:miter lim="800000"/>
+              <a:headEnd/>
+              <a:tailEnd/>
+            </a:ln>
+            <a:effectLst/>
+            <a:scene3d>
+              <a:camera prst="legacyPerspectiveFront">
+                <a:rot lat="0" lon="1500000" rev="0"/>
+              </a:camera>
+              <a:lightRig rig="legacyFlat4" dir="b"/>
+            </a:scene3d>
+            <a:sp3d extrusionH="430200" prstMaterial="legacyMatte">
+              <a:bevelT w="13500" h="13500" prst="angle"/>
+              <a:bevelB w="13500" h="13500" prst="angle"/>
+              <a:extrusionClr>
+                <a:srgbClr val="99CC00"/>
+              </a:extrusionClr>
+            </a:sp3d>
+            <a:extLst>
+              <a:ext uri="{AF507438-7753-43E0-B8FC-AC1667EBCBE1}">
+                <a14:hiddenEffects xmlns:a14="http://schemas.microsoft.com/office/drawing/2010/main">
+                  <a:effectLst>
+                    <a:outerShdw dist="35921" dir="2700000" algn="ctr" rotWithShape="0">
+                      <a:schemeClr val="bg2"/>
+                    </a:outerShdw>
+                  </a:effectLst>
+                </a14:hiddenEffects>
+              </a:ext>
+            </a:extLst>
+          </p:spPr>
+          <p:txBody>
+            <a:bodyPr wrap="none" anchor="ctr">
+              <a:flatTx/>
+            </a:bodyPr>
+            <a:lstStyle/>
+            <a:p>
+              <a:endParaRPr lang="en-US"/>
+            </a:p>
+          </p:txBody>
+        </p:sp>
+        <p:sp>
+          <p:nvSpPr>
+            <p:cNvPr id="12" name="Text Box 10"/>
+            <p:cNvSpPr txBox="1">
+              <a:spLocks noChangeArrowheads="1"/>
+            </p:cNvSpPr>
+            <p:nvPr/>
+          </p:nvSpPr>
+          <p:spPr bwMode="gray">
+            <a:xfrm>
+              <a:off x="1377" y="2105"/>
+              <a:ext cx="3721" cy="523"/>
+            </a:xfrm>
+            <a:prstGeom prst="rect">
+              <a:avLst/>
+            </a:prstGeom>
+            <a:noFill/>
+            <a:ln>
+              <a:noFill/>
+            </a:ln>
+            <a:effectLst/>
+            <a:extLst>
+              <a:ext uri="{909E8E84-426E-40DD-AFC4-6F175D3DCCD1}">
+                <a14:hiddenFill xmlns:a14="http://schemas.microsoft.com/office/drawing/2010/main">
+                  <a:solidFill>
+                    <a:schemeClr val="accent1"/>
+                  </a:solidFill>
+                </a14:hiddenFill>
+              </a:ext>
+              <a:ext uri="{91240B29-F687-4F45-9708-019B960494DF}">
+                <a14:hiddenLine xmlns:a14="http://schemas.microsoft.com/office/drawing/2010/main" w="9525" algn="ctr">
+                  <a:solidFill>
+                    <a:schemeClr val="tx1"/>
+                  </a:solidFill>
+                  <a:miter lim="800000"/>
+                  <a:headEnd/>
+                  <a:tailEnd/>
+                </a14:hiddenLine>
+              </a:ext>
+              <a:ext uri="{AF507438-7753-43E0-B8FC-AC1667EBCBE1}">
+                <a14:hiddenEffects xmlns:a14="http://schemas.microsoft.com/office/drawing/2010/main">
+                  <a:effectLst>
+                    <a:outerShdw dist="35921" dir="2700000" algn="ctr" rotWithShape="0">
+                      <a:schemeClr val="bg2"/>
+                    </a:outerShdw>
+                  </a:effectLst>
+                </a14:hiddenEffects>
+              </a:ext>
+            </a:extLst>
+          </p:spPr>
+          <p:txBody>
+            <a:bodyPr wrap="square">
+              <a:spAutoFit/>
+            </a:bodyPr>
+            <a:lstStyle/>
+            <a:p>
+              <a:r>
+                <a:rPr lang="en-US" sz="2400" dirty="0"/>
+                <a:t> </a:t>
+              </a:r>
+              <a:endParaRPr lang="ru-RU" sz="2400" dirty="0"/>
+            </a:p>
+            <a:p>
+              <a:endParaRPr lang="en-US" sz="2400" dirty="0"/>
+            </a:p>
+          </p:txBody>
+        </p:sp>
+        <p:sp>
+          <p:nvSpPr>
+            <p:cNvPr id="13" name="Text Box 11"/>
+            <p:cNvSpPr txBox="1">
+              <a:spLocks noChangeArrowheads="1"/>
+            </p:cNvSpPr>
+            <p:nvPr/>
+          </p:nvSpPr>
+          <p:spPr bwMode="gray">
+            <a:xfrm>
+              <a:off x="1008" y="1443"/>
+              <a:ext cx="214" cy="291"/>
+            </a:xfrm>
+            <a:prstGeom prst="rect">
+              <a:avLst/>
+            </a:prstGeom>
+            <a:noFill/>
+            <a:ln>
+              <a:noFill/>
+            </a:ln>
+            <a:effectLst/>
+            <a:extLst>
+              <a:ext uri="{909E8E84-426E-40DD-AFC4-6F175D3DCCD1}">
+                <a14:hiddenFill xmlns:a14="http://schemas.microsoft.com/office/drawing/2010/main">
+                  <a:solidFill>
+                    <a:schemeClr val="accent1"/>
+                  </a:solidFill>
+                </a14:hiddenFill>
+              </a:ext>
+              <a:ext uri="{91240B29-F687-4F45-9708-019B960494DF}">
+                <a14:hiddenLine xmlns:a14="http://schemas.microsoft.com/office/drawing/2010/main" w="9525" algn="ctr">
+                  <a:solidFill>
+                    <a:schemeClr val="tx1"/>
+                  </a:solidFill>
+                  <a:miter lim="800000"/>
+                  <a:headEnd/>
+                  <a:tailEnd/>
+                </a14:hiddenLine>
+              </a:ext>
+              <a:ext uri="{AF507438-7753-43E0-B8FC-AC1667EBCBE1}">
+                <a14:hiddenEffects xmlns:a14="http://schemas.microsoft.com/office/drawing/2010/main">
+                  <a:effectLst>
+                    <a:outerShdw dist="35921" dir="2700000" algn="ctr" rotWithShape="0">
+                      <a:schemeClr val="bg2"/>
+                    </a:outerShdw>
+                  </a:effectLst>
+                </a14:hiddenEffects>
+              </a:ext>
+            </a:extLst>
+          </p:spPr>
+          <p:txBody>
+            <a:bodyPr wrap="none">
+              <a:spAutoFit/>
+            </a:bodyPr>
+            <a:lstStyle/>
+            <a:p>
+              <a:r>
+                <a:rPr lang="en-US" sz="2400" b="1" dirty="0"/>
+                <a:t>6</a:t>
+              </a:r>
+            </a:p>
+          </p:txBody>
+        </p:sp>
+      </p:grpSp>
+      <p:sp>
+        <p:nvSpPr>
+          <p:cNvPr id="14" name="Прямоугольник 13">
+            <a:extLst>
+              <a:ext uri="{FF2B5EF4-FFF2-40B4-BE49-F238E27FC236}">
+                <a16:creationId xmlns:a16="http://schemas.microsoft.com/office/drawing/2014/main" id="{B2E904BF-98FC-465E-AFC0-8DC0CD69217C}"/>
+              </a:ext>
+            </a:extLst>
+          </p:cNvPr>
+          <p:cNvSpPr/>
+          <p:nvPr/>
+        </p:nvSpPr>
+        <p:spPr>
+          <a:xfrm>
+            <a:off x="1204051" y="1989909"/>
+            <a:ext cx="7424928" cy="3785652"/>
+          </a:xfrm>
+          <a:prstGeom prst="rect">
+            <a:avLst/>
+          </a:prstGeom>
+        </p:spPr>
+        <p:txBody>
+          <a:bodyPr wrap="square">
+            <a:spAutoFit/>
+          </a:bodyPr>
+          <a:lstStyle/>
+          <a:p>
+            <a:r>
+              <a:rPr lang="en-US" sz="2400" b="1" dirty="0"/>
+              <a:t>form ~ </a:t>
+            </a:r>
+            <a:r>
+              <a:rPr lang="en-US" sz="2400" b="1" dirty="0" err="1"/>
+              <a:t>context_pos</a:t>
+            </a:r>
+            <a:r>
+              <a:rPr lang="en-US" sz="2400" b="1" dirty="0"/>
+              <a:t> + </a:t>
+            </a:r>
+            <a:r>
+              <a:rPr lang="en-US" sz="2400" b="1" dirty="0" err="1"/>
+              <a:t>conj</a:t>
+            </a:r>
+            <a:r>
+              <a:rPr lang="en-US" sz="2400" b="1" dirty="0"/>
+              <a:t> + sex + length</a:t>
+            </a:r>
+            <a:endParaRPr lang="en-US" sz="2400" dirty="0"/>
+          </a:p>
+          <a:p>
+            <a:endParaRPr lang="ru-RU" sz="2400" dirty="0"/>
+          </a:p>
+          <a:p>
+            <a:r>
+              <a:rPr lang="en-US" sz="2400" dirty="0"/>
+              <a:t>Linear regression:</a:t>
+            </a:r>
+          </a:p>
+          <a:p>
+            <a:pPr defTabSz="357188"/>
+            <a:r>
+              <a:rPr lang="en-US" sz="2400" dirty="0"/>
+              <a:t>	***	</a:t>
+            </a:r>
+            <a:r>
+              <a:rPr lang="en-US" sz="2400" dirty="0" err="1"/>
+              <a:t>context_pos</a:t>
+            </a:r>
+            <a:endParaRPr lang="en-US" sz="2400" dirty="0"/>
+          </a:p>
+          <a:p>
+            <a:pPr defTabSz="357188"/>
+            <a:r>
+              <a:rPr lang="en-US" sz="2400" dirty="0"/>
+              <a:t>	**		</a:t>
+            </a:r>
+            <a:r>
+              <a:rPr lang="en-US" sz="2400" dirty="0" err="1"/>
+              <a:t>conj</a:t>
+            </a:r>
+            <a:endParaRPr lang="en-US" sz="2400" dirty="0"/>
+          </a:p>
+          <a:p>
+            <a:pPr defTabSz="357188"/>
+            <a:r>
+              <a:rPr lang="en-US" sz="2400" dirty="0"/>
+              <a:t>	*		sex</a:t>
+            </a:r>
+          </a:p>
+          <a:p>
+            <a:pPr defTabSz="357188"/>
+            <a:r>
+              <a:rPr lang="en-US" sz="2400" dirty="0"/>
+              <a:t>	**		length</a:t>
+            </a:r>
+          </a:p>
+          <a:p>
+            <a:pPr defTabSz="357188"/>
+            <a:r>
+              <a:rPr lang="en-US" sz="2400" dirty="0"/>
+              <a:t>	</a:t>
+            </a:r>
+            <a:r>
+              <a:rPr lang="en-US" altLang="ru-RU" sz="2400" dirty="0"/>
+              <a:t>R</a:t>
+            </a:r>
+            <a:r>
+              <a:rPr lang="en-US" altLang="ru-RU" sz="2400" baseline="30000" dirty="0"/>
+              <a:t>2</a:t>
+            </a:r>
+            <a:r>
+              <a:rPr lang="en-US" altLang="ru-RU" sz="2400" dirty="0"/>
+              <a:t> = </a:t>
+            </a:r>
+            <a:r>
+              <a:rPr lang="ru-RU" altLang="ru-RU" sz="2400" dirty="0"/>
+              <a:t>0.0802</a:t>
+            </a:r>
+            <a:r>
+              <a:rPr lang="en-US" altLang="ru-RU" sz="2400" dirty="0"/>
+              <a:t>		8%</a:t>
+            </a:r>
+            <a:r>
+              <a:rPr lang="ru-RU" altLang="ru-RU" sz="2400" dirty="0"/>
+              <a:t> (!)</a:t>
+            </a:r>
+            <a:endParaRPr lang="en-US" sz="2400" dirty="0"/>
+          </a:p>
+          <a:p>
+            <a:endParaRPr lang="en-US" sz="2400" dirty="0"/>
+          </a:p>
+          <a:p>
+            <a:pPr algn="ctr"/>
+            <a:r>
+              <a:rPr lang="ru-RU" sz="2400" b="1" dirty="0"/>
+              <a:t>👍</a:t>
+            </a:r>
+          </a:p>
+        </p:txBody>
+      </p:sp>
+    </p:spTree>
+    <p:extLst>
+      <p:ext uri="{BB962C8B-B14F-4D97-AF65-F5344CB8AC3E}">
+        <p14:creationId xmlns:p14="http://schemas.microsoft.com/office/powerpoint/2010/main" val="3130756317"/>
+      </p:ext>
+    </p:extLst>
+  </p:cSld>
+  <p:clrMapOvr>
+    <a:masterClrMapping/>
+  </p:clrMapOvr>
+</p:sld>
+</file>
+
+<file path=ppt/slides/slide17.xml><?xml version="1.0" encoding="utf-8"?>
+<p:sld xmlns:a="http://schemas.openxmlformats.org/drawingml/2006/main" xmlns:r="http://schemas.openxmlformats.org/officeDocument/2006/relationships" xmlns:p="http://schemas.openxmlformats.org/presentationml/2006/main">
+  <p:cSld>
+    <p:spTree>
+      <p:nvGrpSpPr>
+        <p:cNvPr id="1" name=""/>
+        <p:cNvGrpSpPr/>
+        <p:nvPr/>
+      </p:nvGrpSpPr>
+      <p:grpSpPr>
+        <a:xfrm>
+          <a:off x="0" y="0"/>
+          <a:ext cx="0" cy="0"/>
+          <a:chOff x="0" y="0"/>
+          <a:chExt cx="0" cy="0"/>
+        </a:xfrm>
+      </p:grpSpPr>
+      <p:pic>
+        <p:nvPicPr>
+          <p:cNvPr id="1026" name="Picture 2">
+            <a:extLst>
+              <a:ext uri="{FF2B5EF4-FFF2-40B4-BE49-F238E27FC236}">
+                <a16:creationId xmlns:a16="http://schemas.microsoft.com/office/drawing/2014/main" id="{E9F8C7E3-61FD-47F4-B916-0E015E1F7140}"/>
+              </a:ext>
+            </a:extLst>
+          </p:cNvPr>
+          <p:cNvPicPr>
+            <a:picLocks noChangeAspect="1" noChangeArrowheads="1"/>
+          </p:cNvPicPr>
+          <p:nvPr/>
+        </p:nvPicPr>
+        <p:blipFill>
+          <a:blip r:embed="rId2">
+            <a:extLst>
+              <a:ext uri="{28A0092B-C50C-407E-A947-70E740481C1C}">
+                <a14:useLocalDpi xmlns:a14="http://schemas.microsoft.com/office/drawing/2010/main" val="0"/>
+              </a:ext>
+            </a:extLst>
+          </a:blip>
+          <a:srcRect/>
+          <a:stretch/>
+        </p:blipFill>
+        <p:spPr bwMode="auto">
+          <a:xfrm>
+            <a:off x="3228793" y="1896295"/>
+            <a:ext cx="6667498" cy="4114798"/>
+          </a:xfrm>
+          <a:prstGeom prst="rect">
+            <a:avLst/>
+          </a:prstGeom>
+          <a:noFill/>
+          <a:extLst>
+            <a:ext uri="{909E8E84-426E-40DD-AFC4-6F175D3DCCD1}">
+              <a14:hiddenFill xmlns:a14="http://schemas.microsoft.com/office/drawing/2010/main">
+                <a:solidFill>
+                  <a:srgbClr val="FFFFFF"/>
+                </a:solidFill>
+              </a14:hiddenFill>
+            </a:ext>
+          </a:extLst>
+        </p:spPr>
+      </p:pic>
+      <p:sp>
+        <p:nvSpPr>
+          <p:cNvPr id="2" name="Title 1"/>
+          <p:cNvSpPr>
+            <a:spLocks noGrp="1"/>
+          </p:cNvSpPr>
+          <p:nvPr>
+            <p:ph type="title"/>
+          </p:nvPr>
+        </p:nvSpPr>
+        <p:spPr>
+          <a:xfrm>
+            <a:off x="1444752" y="373290"/>
+            <a:ext cx="7424928" cy="1050561"/>
+          </a:xfrm>
+        </p:spPr>
+        <p:txBody>
+          <a:bodyPr>
+            <a:normAutofit/>
+          </a:bodyPr>
+          <a:lstStyle/>
+          <a:p>
+            <a:r>
+              <a:rPr lang="en-US" dirty="0"/>
+              <a:t>Results: Part of speech</a:t>
+            </a:r>
+          </a:p>
+        </p:txBody>
+      </p:sp>
+      <p:grpSp>
+        <p:nvGrpSpPr>
+          <p:cNvPr id="3" name="Group 7"/>
+          <p:cNvGrpSpPr>
+            <a:grpSpLocks/>
+          </p:cNvGrpSpPr>
+          <p:nvPr/>
+        </p:nvGrpSpPr>
+        <p:grpSpPr bwMode="auto">
+          <a:xfrm>
+            <a:off x="723038" y="422300"/>
+            <a:ext cx="6634163" cy="1889127"/>
+            <a:chOff x="919" y="1438"/>
+            <a:chExt cx="4179" cy="1190"/>
+          </a:xfrm>
+        </p:grpSpPr>
+        <p:sp>
+          <p:nvSpPr>
+            <p:cNvPr id="10" name="Line 8"/>
+            <p:cNvSpPr>
+              <a:spLocks noChangeShapeType="1"/>
+            </p:cNvSpPr>
+            <p:nvPr/>
+          </p:nvSpPr>
+          <p:spPr bwMode="gray">
+            <a:xfrm>
+              <a:off x="1399" y="1943"/>
+              <a:ext cx="3024" cy="0"/>
+            </a:xfrm>
+            <a:prstGeom prst="line">
+              <a:avLst/>
+            </a:prstGeom>
+            <a:noFill/>
+            <a:ln w="25400">
+              <a:solidFill>
+                <a:srgbClr val="969696"/>
+              </a:solidFill>
+              <a:prstDash val="sysDot"/>
+              <a:round/>
+              <a:headEnd/>
+              <a:tailEnd type="oval" w="med" len="med"/>
+            </a:ln>
+            <a:effectLst/>
+            <a:extLst>
+              <a:ext uri="{909E8E84-426E-40DD-AFC4-6F175D3DCCD1}">
+                <a14:hiddenFill xmlns:a14="http://schemas.microsoft.com/office/drawing/2010/main">
+                  <a:noFill/>
+                </a14:hiddenFill>
+              </a:ext>
+              <a:ext uri="{AF507438-7753-43E0-B8FC-AC1667EBCBE1}">
+                <a14:hiddenEffects xmlns:a14="http://schemas.microsoft.com/office/drawing/2010/main">
+                  <a:effectLst>
+                    <a:outerShdw dist="35921" dir="2700000" algn="ctr" rotWithShape="0">
+                      <a:schemeClr val="bg2"/>
+                    </a:outerShdw>
+                  </a:effectLst>
+                </a14:hiddenEffects>
+              </a:ext>
+            </a:extLst>
+          </p:spPr>
+          <p:txBody>
+            <a:bodyPr wrap="none" anchor="ctr"/>
+            <a:lstStyle/>
+            <a:p>
+              <a:endParaRPr lang="en-US"/>
+            </a:p>
+          </p:txBody>
+        </p:sp>
+        <p:sp>
+          <p:nvSpPr>
+            <p:cNvPr id="11" name="Rectangle 9"/>
+            <p:cNvSpPr>
+              <a:spLocks noChangeArrowheads="1"/>
+            </p:cNvSpPr>
+            <p:nvPr/>
+          </p:nvSpPr>
+          <p:spPr bwMode="gray">
+            <a:xfrm rot="3419336">
+              <a:off x="932" y="1425"/>
+              <a:ext cx="302" cy="328"/>
+            </a:xfrm>
+            <a:prstGeom prst="rect">
+              <a:avLst/>
+            </a:prstGeom>
+            <a:gradFill rotWithShape="1">
+              <a:gsLst>
+                <a:gs pos="0">
+                  <a:srgbClr val="99CC00"/>
+                </a:gs>
+                <a:gs pos="100000">
+                  <a:srgbClr val="99CC00">
+                    <a:gamma/>
+                    <a:shade val="46275"/>
+                    <a:invGamma/>
+                  </a:srgbClr>
+                </a:gs>
+              </a:gsLst>
+              <a:lin ang="5400000" scaled="1"/>
+            </a:gradFill>
+            <a:ln w="9525">
+              <a:miter lim="800000"/>
+              <a:headEnd/>
+              <a:tailEnd/>
+            </a:ln>
+            <a:effectLst/>
+            <a:scene3d>
+              <a:camera prst="legacyPerspectiveFront">
+                <a:rot lat="0" lon="1500000" rev="0"/>
+              </a:camera>
+              <a:lightRig rig="legacyFlat4" dir="b"/>
+            </a:scene3d>
+            <a:sp3d extrusionH="430200" prstMaterial="legacyMatte">
+              <a:bevelT w="13500" h="13500" prst="angle"/>
+              <a:bevelB w="13500" h="13500" prst="angle"/>
+              <a:extrusionClr>
+                <a:srgbClr val="99CC00"/>
+              </a:extrusionClr>
+            </a:sp3d>
+            <a:extLst>
+              <a:ext uri="{AF507438-7753-43E0-B8FC-AC1667EBCBE1}">
+                <a14:hiddenEffects xmlns:a14="http://schemas.microsoft.com/office/drawing/2010/main">
+                  <a:effectLst>
+                    <a:outerShdw dist="35921" dir="2700000" algn="ctr" rotWithShape="0">
+                      <a:schemeClr val="bg2"/>
+                    </a:outerShdw>
+                  </a:effectLst>
+                </a14:hiddenEffects>
+              </a:ext>
+            </a:extLst>
+          </p:spPr>
+          <p:txBody>
+            <a:bodyPr wrap="none" anchor="ctr">
+              <a:flatTx/>
+            </a:bodyPr>
+            <a:lstStyle/>
+            <a:p>
+              <a:endParaRPr lang="en-US"/>
+            </a:p>
+          </p:txBody>
+        </p:sp>
+        <p:sp>
+          <p:nvSpPr>
+            <p:cNvPr id="12" name="Text Box 10"/>
+            <p:cNvSpPr txBox="1">
+              <a:spLocks noChangeArrowheads="1"/>
+            </p:cNvSpPr>
+            <p:nvPr/>
+          </p:nvSpPr>
+          <p:spPr bwMode="gray">
+            <a:xfrm>
+              <a:off x="1377" y="2105"/>
+              <a:ext cx="3721" cy="523"/>
+            </a:xfrm>
+            <a:prstGeom prst="rect">
+              <a:avLst/>
+            </a:prstGeom>
+            <a:noFill/>
+            <a:ln>
+              <a:noFill/>
+            </a:ln>
+            <a:effectLst/>
+            <a:extLst>
+              <a:ext uri="{909E8E84-426E-40DD-AFC4-6F175D3DCCD1}">
+                <a14:hiddenFill xmlns:a14="http://schemas.microsoft.com/office/drawing/2010/main">
+                  <a:solidFill>
+                    <a:schemeClr val="accent1"/>
+                  </a:solidFill>
+                </a14:hiddenFill>
+              </a:ext>
+              <a:ext uri="{91240B29-F687-4F45-9708-019B960494DF}">
+                <a14:hiddenLine xmlns:a14="http://schemas.microsoft.com/office/drawing/2010/main" w="9525" algn="ctr">
+                  <a:solidFill>
+                    <a:schemeClr val="tx1"/>
+                  </a:solidFill>
+                  <a:miter lim="800000"/>
+                  <a:headEnd/>
+                  <a:tailEnd/>
+                </a14:hiddenLine>
+              </a:ext>
+              <a:ext uri="{AF507438-7753-43E0-B8FC-AC1667EBCBE1}">
+                <a14:hiddenEffects xmlns:a14="http://schemas.microsoft.com/office/drawing/2010/main">
+                  <a:effectLst>
+                    <a:outerShdw dist="35921" dir="2700000" algn="ctr" rotWithShape="0">
+                      <a:schemeClr val="bg2"/>
+                    </a:outerShdw>
+                  </a:effectLst>
+                </a14:hiddenEffects>
+              </a:ext>
+            </a:extLst>
+          </p:spPr>
+          <p:txBody>
+            <a:bodyPr wrap="square">
+              <a:spAutoFit/>
+            </a:bodyPr>
+            <a:lstStyle/>
+            <a:p>
+              <a:r>
+                <a:rPr lang="en-US" sz="2400" dirty="0"/>
+                <a:t> </a:t>
+              </a:r>
+              <a:endParaRPr lang="ru-RU" sz="2400" dirty="0"/>
+            </a:p>
+            <a:p>
+              <a:endParaRPr lang="en-US" sz="2400" dirty="0"/>
+            </a:p>
+          </p:txBody>
+        </p:sp>
+        <p:sp>
+          <p:nvSpPr>
+            <p:cNvPr id="13" name="Text Box 11"/>
+            <p:cNvSpPr txBox="1">
+              <a:spLocks noChangeArrowheads="1"/>
+            </p:cNvSpPr>
+            <p:nvPr/>
+          </p:nvSpPr>
+          <p:spPr bwMode="gray">
+            <a:xfrm>
+              <a:off x="1008" y="1443"/>
+              <a:ext cx="214" cy="291"/>
+            </a:xfrm>
+            <a:prstGeom prst="rect">
+              <a:avLst/>
+            </a:prstGeom>
+            <a:noFill/>
+            <a:ln>
+              <a:noFill/>
+            </a:ln>
+            <a:effectLst/>
+            <a:extLst>
+              <a:ext uri="{909E8E84-426E-40DD-AFC4-6F175D3DCCD1}">
+                <a14:hiddenFill xmlns:a14="http://schemas.microsoft.com/office/drawing/2010/main">
+                  <a:solidFill>
+                    <a:schemeClr val="accent1"/>
+                  </a:solidFill>
+                </a14:hiddenFill>
+              </a:ext>
+              <a:ext uri="{91240B29-F687-4F45-9708-019B960494DF}">
+                <a14:hiddenLine xmlns:a14="http://schemas.microsoft.com/office/drawing/2010/main" w="9525" algn="ctr">
+                  <a:solidFill>
+                    <a:schemeClr val="tx1"/>
+                  </a:solidFill>
+                  <a:miter lim="800000"/>
+                  <a:headEnd/>
+                  <a:tailEnd/>
+                </a14:hiddenLine>
+              </a:ext>
+              <a:ext uri="{AF507438-7753-43E0-B8FC-AC1667EBCBE1}">
+                <a14:hiddenEffects xmlns:a14="http://schemas.microsoft.com/office/drawing/2010/main">
+                  <a:effectLst>
+                    <a:outerShdw dist="35921" dir="2700000" algn="ctr" rotWithShape="0">
+                      <a:schemeClr val="bg2"/>
+                    </a:outerShdw>
+                  </a:effectLst>
+                </a14:hiddenEffects>
+              </a:ext>
+            </a:extLst>
+          </p:spPr>
+          <p:txBody>
+            <a:bodyPr wrap="none">
+              <a:spAutoFit/>
+            </a:bodyPr>
+            <a:lstStyle/>
+            <a:p>
+              <a:r>
+                <a:rPr lang="en-US" sz="2400" b="1" dirty="0"/>
+                <a:t>6</a:t>
+              </a:r>
+            </a:p>
+          </p:txBody>
+        </p:sp>
+      </p:grpSp>
+      <p:sp>
+        <p:nvSpPr>
+          <p:cNvPr id="29" name="Прямоугольник 28"/>
+          <p:cNvSpPr/>
+          <p:nvPr/>
+        </p:nvSpPr>
+        <p:spPr>
+          <a:xfrm>
+            <a:off x="1204051" y="2734849"/>
+            <a:ext cx="4049485" cy="3170099"/>
+          </a:xfrm>
+          <a:prstGeom prst="rect">
+            <a:avLst/>
+          </a:prstGeom>
+        </p:spPr>
+        <p:txBody>
+          <a:bodyPr wrap="square">
+            <a:spAutoFit/>
+          </a:bodyPr>
+          <a:lstStyle/>
+          <a:p>
+            <a:r>
+              <a:rPr lang="en-US" sz="2200" dirty="0"/>
+              <a:t>Fisher’s test: ++ (</a:t>
+            </a:r>
+            <a:r>
+              <a:rPr lang="en-US" sz="2200" dirty="0" err="1"/>
+              <a:t>pv</a:t>
+            </a:r>
+            <a:r>
+              <a:rPr lang="en-US" sz="2200" dirty="0"/>
+              <a:t> = </a:t>
+            </a:r>
+            <a:r>
+              <a:rPr lang="en-US" altLang="ru-RU" sz="2200" dirty="0"/>
+              <a:t>3.08e-08)</a:t>
+            </a:r>
+          </a:p>
+          <a:p>
+            <a:endParaRPr lang="en-US" sz="2200" dirty="0"/>
+          </a:p>
+          <a:p>
+            <a:r>
+              <a:rPr lang="en-US" sz="2200" dirty="0"/>
+              <a:t>Linear regression:</a:t>
+            </a:r>
+          </a:p>
+          <a:p>
+            <a:pPr defTabSz="357188"/>
+            <a:r>
+              <a:rPr lang="en-US" altLang="ru-RU" sz="2200" dirty="0"/>
+              <a:t>	*		adv</a:t>
+            </a:r>
+          </a:p>
+          <a:p>
+            <a:pPr defTabSz="357188"/>
+            <a:r>
+              <a:rPr lang="en-US" altLang="ru-RU" sz="2200" dirty="0"/>
+              <a:t>			part</a:t>
+            </a:r>
+          </a:p>
+          <a:p>
+            <a:pPr defTabSz="357188"/>
+            <a:r>
+              <a:rPr lang="en-US" altLang="ru-RU" sz="2200" dirty="0"/>
+              <a:t>	***	v</a:t>
+            </a:r>
+          </a:p>
+          <a:p>
+            <a:pPr defTabSz="357188"/>
+            <a:r>
+              <a:rPr lang="en-US" altLang="ru-RU" sz="2200" dirty="0"/>
+              <a:t>	R</a:t>
+            </a:r>
+            <a:r>
+              <a:rPr lang="en-US" altLang="ru-RU" sz="2200" baseline="30000" dirty="0"/>
+              <a:t>2</a:t>
+            </a:r>
+            <a:r>
+              <a:rPr lang="en-US" altLang="ru-RU" sz="2200" dirty="0"/>
+              <a:t> = </a:t>
+            </a:r>
+            <a:r>
+              <a:rPr lang="ru-RU" altLang="ru-RU" sz="2200" dirty="0"/>
+              <a:t>0.07762 </a:t>
+            </a:r>
+            <a:r>
+              <a:rPr lang="en-US" altLang="ru-RU" sz="2200" dirty="0"/>
+              <a:t>	7%	 (!)</a:t>
+            </a:r>
+          </a:p>
+          <a:p>
+            <a:pPr defTabSz="357188"/>
+            <a:endParaRPr lang="en-US" sz="2200" b="1" dirty="0"/>
+          </a:p>
+          <a:p>
+            <a:pPr algn="ctr" defTabSz="357188"/>
+            <a:r>
+              <a:rPr lang="ru-RU" sz="2400" b="1" dirty="0"/>
+              <a:t>👍</a:t>
+            </a:r>
+          </a:p>
+        </p:txBody>
+      </p:sp>
+    </p:spTree>
+    <p:extLst>
+      <p:ext uri="{BB962C8B-B14F-4D97-AF65-F5344CB8AC3E}">
+        <p14:creationId xmlns:p14="http://schemas.microsoft.com/office/powerpoint/2010/main" val="3534823627"/>
+      </p:ext>
+    </p:extLst>
+  </p:cSld>
+  <p:clrMapOvr>
+    <a:masterClrMapping/>
+  </p:clrMapOvr>
+</p:sld>
+</file>
+
+<file path=ppt/slides/slide18.xml><?xml version="1.0" encoding="utf-8"?>
+<p:sld xmlns:a="http://schemas.openxmlformats.org/drawingml/2006/main" xmlns:r="http://schemas.openxmlformats.org/officeDocument/2006/relationships" xmlns:p="http://schemas.openxmlformats.org/presentationml/2006/main">
+  <p:cSld>
+    <p:spTree>
+      <p:nvGrpSpPr>
+        <p:cNvPr id="1" name=""/>
+        <p:cNvGrpSpPr/>
+        <p:nvPr/>
+      </p:nvGrpSpPr>
+      <p:grpSpPr>
+        <a:xfrm>
+          <a:off x="0" y="0"/>
+          <a:ext cx="0" cy="0"/>
+          <a:chOff x="0" y="0"/>
+          <a:chExt cx="0" cy="0"/>
+        </a:xfrm>
+      </p:grpSpPr>
+      <p:sp>
+        <p:nvSpPr>
+          <p:cNvPr id="2" name="Title 1"/>
+          <p:cNvSpPr>
+            <a:spLocks noGrp="1"/>
+          </p:cNvSpPr>
+          <p:nvPr>
+            <p:ph type="title"/>
+          </p:nvPr>
+        </p:nvSpPr>
+        <p:spPr>
+          <a:xfrm>
+            <a:off x="1444752" y="373290"/>
+            <a:ext cx="7424928" cy="1050561"/>
+          </a:xfrm>
+        </p:spPr>
+        <p:txBody>
+          <a:bodyPr>
+            <a:normAutofit fontScale="90000"/>
+          </a:bodyPr>
+          <a:lstStyle/>
+          <a:p>
+            <a:r>
+              <a:rPr lang="fr-FR" dirty="0"/>
+              <a:t>Updating the multi-variable model</a:t>
+            </a:r>
+            <a:endParaRPr lang="en-US" dirty="0"/>
+          </a:p>
+        </p:txBody>
+      </p:sp>
+      <p:grpSp>
+        <p:nvGrpSpPr>
+          <p:cNvPr id="3" name="Group 7"/>
+          <p:cNvGrpSpPr>
+            <a:grpSpLocks/>
+          </p:cNvGrpSpPr>
+          <p:nvPr/>
+        </p:nvGrpSpPr>
+        <p:grpSpPr bwMode="auto">
+          <a:xfrm>
+            <a:off x="670787" y="373290"/>
+            <a:ext cx="6634163" cy="1889127"/>
+            <a:chOff x="919" y="1438"/>
+            <a:chExt cx="4179" cy="1190"/>
+          </a:xfrm>
+        </p:grpSpPr>
+        <p:sp>
+          <p:nvSpPr>
+            <p:cNvPr id="10" name="Line 8"/>
+            <p:cNvSpPr>
+              <a:spLocks noChangeShapeType="1"/>
+            </p:cNvSpPr>
+            <p:nvPr/>
+          </p:nvSpPr>
+          <p:spPr bwMode="gray">
+            <a:xfrm>
+              <a:off x="1399" y="1943"/>
+              <a:ext cx="3024" cy="0"/>
+            </a:xfrm>
+            <a:prstGeom prst="line">
+              <a:avLst/>
+            </a:prstGeom>
+            <a:noFill/>
+            <a:ln w="25400">
+              <a:solidFill>
+                <a:srgbClr val="969696"/>
+              </a:solidFill>
+              <a:prstDash val="sysDot"/>
+              <a:round/>
+              <a:headEnd/>
+              <a:tailEnd type="oval" w="med" len="med"/>
+            </a:ln>
+            <a:effectLst/>
+            <a:extLst>
+              <a:ext uri="{909E8E84-426E-40DD-AFC4-6F175D3DCCD1}">
+                <a14:hiddenFill xmlns:a14="http://schemas.microsoft.com/office/drawing/2010/main">
+                  <a:noFill/>
+                </a14:hiddenFill>
+              </a:ext>
+              <a:ext uri="{AF507438-7753-43E0-B8FC-AC1667EBCBE1}">
+                <a14:hiddenEffects xmlns:a14="http://schemas.microsoft.com/office/drawing/2010/main">
+                  <a:effectLst>
+                    <a:outerShdw dist="35921" dir="2700000" algn="ctr" rotWithShape="0">
+                      <a:schemeClr val="bg2"/>
+                    </a:outerShdw>
+                  </a:effectLst>
+                </a14:hiddenEffects>
+              </a:ext>
+            </a:extLst>
+          </p:spPr>
+          <p:txBody>
+            <a:bodyPr wrap="none" anchor="ctr"/>
+            <a:lstStyle/>
+            <a:p>
+              <a:endParaRPr lang="en-US"/>
+            </a:p>
+          </p:txBody>
+        </p:sp>
+        <p:sp>
+          <p:nvSpPr>
+            <p:cNvPr id="11" name="Rectangle 9"/>
+            <p:cNvSpPr>
+              <a:spLocks noChangeArrowheads="1"/>
+            </p:cNvSpPr>
+            <p:nvPr/>
+          </p:nvSpPr>
+          <p:spPr bwMode="gray">
+            <a:xfrm rot="3419336">
+              <a:off x="932" y="1425"/>
+              <a:ext cx="302" cy="328"/>
+            </a:xfrm>
+            <a:prstGeom prst="rect">
+              <a:avLst/>
+            </a:prstGeom>
+            <a:gradFill rotWithShape="1">
+              <a:gsLst>
+                <a:gs pos="0">
+                  <a:srgbClr val="99CC00"/>
+                </a:gs>
+                <a:gs pos="100000">
+                  <a:srgbClr val="99CC00">
+                    <a:gamma/>
+                    <a:shade val="46275"/>
+                    <a:invGamma/>
+                  </a:srgbClr>
+                </a:gs>
+              </a:gsLst>
+              <a:lin ang="5400000" scaled="1"/>
+            </a:gradFill>
+            <a:ln w="9525">
+              <a:miter lim="800000"/>
+              <a:headEnd/>
+              <a:tailEnd/>
+            </a:ln>
+            <a:effectLst/>
+            <a:scene3d>
+              <a:camera prst="legacyPerspectiveFront">
+                <a:rot lat="0" lon="1500000" rev="0"/>
+              </a:camera>
+              <a:lightRig rig="legacyFlat4" dir="b"/>
+            </a:scene3d>
+            <a:sp3d extrusionH="430200" prstMaterial="legacyMatte">
+              <a:bevelT w="13500" h="13500" prst="angle"/>
+              <a:bevelB w="13500" h="13500" prst="angle"/>
+              <a:extrusionClr>
+                <a:srgbClr val="99CC00"/>
+              </a:extrusionClr>
+            </a:sp3d>
+            <a:extLst>
+              <a:ext uri="{AF507438-7753-43E0-B8FC-AC1667EBCBE1}">
+                <a14:hiddenEffects xmlns:a14="http://schemas.microsoft.com/office/drawing/2010/main">
+                  <a:effectLst>
+                    <a:outerShdw dist="35921" dir="2700000" algn="ctr" rotWithShape="0">
+                      <a:schemeClr val="bg2"/>
+                    </a:outerShdw>
+                  </a:effectLst>
+                </a14:hiddenEffects>
+              </a:ext>
+            </a:extLst>
+          </p:spPr>
+          <p:txBody>
+            <a:bodyPr wrap="none" anchor="ctr">
+              <a:flatTx/>
+            </a:bodyPr>
+            <a:lstStyle/>
+            <a:p>
+              <a:endParaRPr lang="en-US"/>
+            </a:p>
+          </p:txBody>
+        </p:sp>
+        <p:sp>
+          <p:nvSpPr>
+            <p:cNvPr id="12" name="Text Box 10"/>
+            <p:cNvSpPr txBox="1">
+              <a:spLocks noChangeArrowheads="1"/>
+            </p:cNvSpPr>
+            <p:nvPr/>
+          </p:nvSpPr>
+          <p:spPr bwMode="gray">
+            <a:xfrm>
+              <a:off x="1377" y="2105"/>
+              <a:ext cx="3721" cy="523"/>
+            </a:xfrm>
+            <a:prstGeom prst="rect">
+              <a:avLst/>
+            </a:prstGeom>
+            <a:noFill/>
+            <a:ln>
+              <a:noFill/>
+            </a:ln>
+            <a:effectLst/>
+            <a:extLst>
+              <a:ext uri="{909E8E84-426E-40DD-AFC4-6F175D3DCCD1}">
+                <a14:hiddenFill xmlns:a14="http://schemas.microsoft.com/office/drawing/2010/main">
+                  <a:solidFill>
+                    <a:schemeClr val="accent1"/>
+                  </a:solidFill>
+                </a14:hiddenFill>
+              </a:ext>
+              <a:ext uri="{91240B29-F687-4F45-9708-019B960494DF}">
+                <a14:hiddenLine xmlns:a14="http://schemas.microsoft.com/office/drawing/2010/main" w="9525" algn="ctr">
+                  <a:solidFill>
+                    <a:schemeClr val="tx1"/>
+                  </a:solidFill>
+                  <a:miter lim="800000"/>
+                  <a:headEnd/>
+                  <a:tailEnd/>
+                </a14:hiddenLine>
+              </a:ext>
+              <a:ext uri="{AF507438-7753-43E0-B8FC-AC1667EBCBE1}">
+                <a14:hiddenEffects xmlns:a14="http://schemas.microsoft.com/office/drawing/2010/main">
+                  <a:effectLst>
+                    <a:outerShdw dist="35921" dir="2700000" algn="ctr" rotWithShape="0">
+                      <a:schemeClr val="bg2"/>
+                    </a:outerShdw>
+                  </a:effectLst>
+                </a14:hiddenEffects>
+              </a:ext>
+            </a:extLst>
+          </p:spPr>
+          <p:txBody>
+            <a:bodyPr wrap="square">
+              <a:spAutoFit/>
+            </a:bodyPr>
+            <a:lstStyle/>
+            <a:p>
+              <a:r>
+                <a:rPr lang="en-US" sz="2400" dirty="0"/>
+                <a:t> </a:t>
+              </a:r>
+              <a:endParaRPr lang="ru-RU" sz="2400" dirty="0"/>
+            </a:p>
+            <a:p>
+              <a:endParaRPr lang="en-US" sz="2400" dirty="0"/>
+            </a:p>
+          </p:txBody>
+        </p:sp>
+        <p:sp>
+          <p:nvSpPr>
+            <p:cNvPr id="13" name="Text Box 11"/>
+            <p:cNvSpPr txBox="1">
+              <a:spLocks noChangeArrowheads="1"/>
+            </p:cNvSpPr>
+            <p:nvPr/>
+          </p:nvSpPr>
+          <p:spPr bwMode="gray">
+            <a:xfrm>
+              <a:off x="1008" y="1443"/>
+              <a:ext cx="214" cy="291"/>
+            </a:xfrm>
+            <a:prstGeom prst="rect">
+              <a:avLst/>
+            </a:prstGeom>
+            <a:noFill/>
+            <a:ln>
+              <a:noFill/>
+            </a:ln>
+            <a:effectLst/>
+            <a:extLst>
+              <a:ext uri="{909E8E84-426E-40DD-AFC4-6F175D3DCCD1}">
+                <a14:hiddenFill xmlns:a14="http://schemas.microsoft.com/office/drawing/2010/main">
+                  <a:solidFill>
+                    <a:schemeClr val="accent1"/>
+                  </a:solidFill>
+                </a14:hiddenFill>
+              </a:ext>
+              <a:ext uri="{91240B29-F687-4F45-9708-019B960494DF}">
+                <a14:hiddenLine xmlns:a14="http://schemas.microsoft.com/office/drawing/2010/main" w="9525" algn="ctr">
+                  <a:solidFill>
+                    <a:schemeClr val="tx1"/>
+                  </a:solidFill>
+                  <a:miter lim="800000"/>
+                  <a:headEnd/>
+                  <a:tailEnd/>
+                </a14:hiddenLine>
+              </a:ext>
+              <a:ext uri="{AF507438-7753-43E0-B8FC-AC1667EBCBE1}">
+                <a14:hiddenEffects xmlns:a14="http://schemas.microsoft.com/office/drawing/2010/main">
+                  <a:effectLst>
+                    <a:outerShdw dist="35921" dir="2700000" algn="ctr" rotWithShape="0">
+                      <a:schemeClr val="bg2"/>
+                    </a:outerShdw>
+                  </a:effectLst>
+                </a14:hiddenEffects>
+              </a:ext>
+            </a:extLst>
+          </p:spPr>
+          <p:txBody>
+            <a:bodyPr wrap="none">
+              <a:spAutoFit/>
+            </a:bodyPr>
+            <a:lstStyle/>
+            <a:p>
+              <a:r>
+                <a:rPr lang="en-US" sz="2400" b="1" dirty="0"/>
+                <a:t>6</a:t>
+              </a:r>
+            </a:p>
+          </p:txBody>
+        </p:sp>
+      </p:grpSp>
+      <p:sp>
+        <p:nvSpPr>
+          <p:cNvPr id="14" name="Прямоугольник 13">
+            <a:extLst>
+              <a:ext uri="{FF2B5EF4-FFF2-40B4-BE49-F238E27FC236}">
+                <a16:creationId xmlns:a16="http://schemas.microsoft.com/office/drawing/2014/main" id="{B2E904BF-98FC-465E-AFC0-8DC0CD69217C}"/>
+              </a:ext>
+            </a:extLst>
+          </p:cNvPr>
+          <p:cNvSpPr/>
+          <p:nvPr/>
+        </p:nvSpPr>
+        <p:spPr>
+          <a:xfrm>
+            <a:off x="1204051" y="1989909"/>
+            <a:ext cx="7424928" cy="4524315"/>
+          </a:xfrm>
+          <a:prstGeom prst="rect">
+            <a:avLst/>
+          </a:prstGeom>
+        </p:spPr>
+        <p:txBody>
+          <a:bodyPr wrap="square">
+            <a:spAutoFit/>
+          </a:bodyPr>
+          <a:lstStyle/>
+          <a:p>
+            <a:r>
+              <a:rPr lang="en-US" sz="2400" b="1" dirty="0"/>
+              <a:t>form ~ </a:t>
+            </a:r>
+            <a:r>
+              <a:rPr lang="en-US" sz="2400" b="1" dirty="0" err="1"/>
+              <a:t>context_pos</a:t>
+            </a:r>
+            <a:r>
+              <a:rPr lang="en-US" sz="2400" b="1" dirty="0"/>
+              <a:t> + </a:t>
+            </a:r>
+            <a:r>
+              <a:rPr lang="en-US" sz="2400" b="1" dirty="0" err="1"/>
+              <a:t>conj</a:t>
+            </a:r>
+            <a:r>
+              <a:rPr lang="en-US" sz="2400" b="1" dirty="0"/>
+              <a:t> + sex + length +</a:t>
+            </a:r>
+          </a:p>
+          <a:p>
+            <a:r>
+              <a:rPr lang="en-US" sz="2400" b="1" dirty="0"/>
+              <a:t>	+ </a:t>
+            </a:r>
+            <a:r>
+              <a:rPr lang="en-US" sz="2400" b="1" dirty="0" err="1"/>
+              <a:t>part_of_speech</a:t>
+            </a:r>
+            <a:endParaRPr lang="en-US" sz="2400" dirty="0"/>
+          </a:p>
+          <a:p>
+            <a:endParaRPr lang="ru-RU" sz="2400" dirty="0"/>
+          </a:p>
+          <a:p>
+            <a:r>
+              <a:rPr lang="en-US" sz="2400" dirty="0"/>
+              <a:t>Linear regression:</a:t>
+            </a:r>
+          </a:p>
+          <a:p>
+            <a:pPr defTabSz="357188"/>
+            <a:r>
+              <a:rPr lang="en-US" sz="2400" dirty="0"/>
+              <a:t>	***	</a:t>
+            </a:r>
+            <a:r>
+              <a:rPr lang="en-US" sz="2400" dirty="0" err="1"/>
+              <a:t>context_pos</a:t>
+            </a:r>
+            <a:r>
+              <a:rPr lang="en-US" sz="2400" dirty="0"/>
+              <a:t>				part</a:t>
+            </a:r>
+          </a:p>
+          <a:p>
+            <a:pPr defTabSz="357188"/>
+            <a:r>
+              <a:rPr lang="en-US" sz="2400" dirty="0"/>
+              <a:t>	**		</a:t>
+            </a:r>
+            <a:r>
+              <a:rPr lang="en-US" sz="2400" dirty="0" err="1"/>
+              <a:t>conj</a:t>
+            </a:r>
+            <a:r>
+              <a:rPr lang="en-US" sz="2400" dirty="0"/>
+              <a:t>					*		v</a:t>
+            </a:r>
+          </a:p>
+          <a:p>
+            <a:pPr defTabSz="357188"/>
+            <a:r>
+              <a:rPr lang="en-US" sz="2400" dirty="0"/>
+              <a:t>	*		sex					</a:t>
+            </a:r>
+          </a:p>
+          <a:p>
+            <a:pPr defTabSz="357188"/>
+            <a:r>
+              <a:rPr lang="en-US" sz="2400" dirty="0"/>
+              <a:t>	**		length</a:t>
+            </a:r>
+          </a:p>
+          <a:p>
+            <a:pPr defTabSz="357188"/>
+            <a:r>
+              <a:rPr lang="en-US" sz="2400" dirty="0"/>
+              <a:t>	**		adv</a:t>
+            </a:r>
+          </a:p>
+          <a:p>
+            <a:pPr defTabSz="357188"/>
+            <a:r>
+              <a:rPr lang="en-US" sz="2400" dirty="0"/>
+              <a:t>	</a:t>
+            </a:r>
+            <a:r>
+              <a:rPr lang="en-US" altLang="ru-RU" sz="2400" dirty="0"/>
+              <a:t>R</a:t>
+            </a:r>
+            <a:r>
+              <a:rPr lang="en-US" altLang="ru-RU" sz="2400" baseline="30000" dirty="0"/>
+              <a:t>2</a:t>
+            </a:r>
+            <a:r>
+              <a:rPr lang="en-US" altLang="ru-RU" sz="2400" dirty="0"/>
+              <a:t> = </a:t>
+            </a:r>
+            <a:r>
+              <a:rPr lang="ru-RU" altLang="ru-RU" sz="2400" dirty="0"/>
+              <a:t>0.1367</a:t>
+            </a:r>
+            <a:r>
+              <a:rPr lang="en-US" altLang="ru-RU" sz="2400" dirty="0"/>
+              <a:t>		14%</a:t>
+            </a:r>
+            <a:endParaRPr lang="en-US" sz="2400" dirty="0"/>
+          </a:p>
+          <a:p>
+            <a:endParaRPr lang="en-US" sz="2400" dirty="0"/>
+          </a:p>
+          <a:p>
+            <a:pPr algn="ctr"/>
+            <a:r>
+              <a:rPr lang="ru-RU" sz="2400" b="1" dirty="0"/>
+              <a:t>👍</a:t>
+            </a:r>
+          </a:p>
+        </p:txBody>
+      </p:sp>
+    </p:spTree>
+    <p:extLst>
+      <p:ext uri="{BB962C8B-B14F-4D97-AF65-F5344CB8AC3E}">
+        <p14:creationId xmlns:p14="http://schemas.microsoft.com/office/powerpoint/2010/main" val="517708103"/>
+      </p:ext>
+    </p:extLst>
+  </p:cSld>
+  <p:clrMapOvr>
+    <a:masterClrMapping/>
+  </p:clrMapOvr>
+</p:sld>
+</file>
+
+<file path=ppt/slides/slide19.xml><?xml version="1.0" encoding="utf-8"?>
+<p:sld xmlns:a="http://schemas.openxmlformats.org/drawingml/2006/main" xmlns:r="http://schemas.openxmlformats.org/officeDocument/2006/relationships" xmlns:p="http://schemas.openxmlformats.org/presentationml/2006/main">
+  <p:cSld>
+    <p:spTree>
+      <p:nvGrpSpPr>
+        <p:cNvPr id="1" name=""/>
+        <p:cNvGrpSpPr/>
+        <p:nvPr/>
+      </p:nvGrpSpPr>
+      <p:grpSpPr>
+        <a:xfrm>
+          <a:off x="0" y="0"/>
+          <a:ext cx="0" cy="0"/>
+          <a:chOff x="0" y="0"/>
+          <a:chExt cx="0" cy="0"/>
+        </a:xfrm>
+      </p:grpSpPr>
+      <p:pic>
+        <p:nvPicPr>
+          <p:cNvPr id="1026" name="Picture 2">
+            <a:extLst>
+              <a:ext uri="{FF2B5EF4-FFF2-40B4-BE49-F238E27FC236}">
+                <a16:creationId xmlns:a16="http://schemas.microsoft.com/office/drawing/2014/main" id="{E9F8C7E3-61FD-47F4-B916-0E015E1F7140}"/>
+              </a:ext>
+            </a:extLst>
+          </p:cNvPr>
+          <p:cNvPicPr>
+            <a:picLocks noChangeAspect="1" noChangeArrowheads="1"/>
+          </p:cNvPicPr>
+          <p:nvPr/>
+        </p:nvPicPr>
+        <p:blipFill>
+          <a:blip r:embed="rId2">
+            <a:extLst>
+              <a:ext uri="{28A0092B-C50C-407E-A947-70E740481C1C}">
+                <a14:useLocalDpi xmlns:a14="http://schemas.microsoft.com/office/drawing/2010/main" val="0"/>
+              </a:ext>
+            </a:extLst>
+          </a:blip>
+          <a:srcRect/>
+          <a:stretch/>
+        </p:blipFill>
+        <p:spPr bwMode="auto">
+          <a:xfrm>
+            <a:off x="3228793" y="1896295"/>
+            <a:ext cx="6667498" cy="4114798"/>
+          </a:xfrm>
+          <a:prstGeom prst="rect">
+            <a:avLst/>
+          </a:prstGeom>
+          <a:noFill/>
+          <a:extLst>
+            <a:ext uri="{909E8E84-426E-40DD-AFC4-6F175D3DCCD1}">
+              <a14:hiddenFill xmlns:a14="http://schemas.microsoft.com/office/drawing/2010/main">
+                <a:solidFill>
+                  <a:srgbClr val="FFFFFF"/>
+                </a:solidFill>
+              </a14:hiddenFill>
+            </a:ext>
+          </a:extLst>
+        </p:spPr>
+      </p:pic>
+      <p:sp>
+        <p:nvSpPr>
+          <p:cNvPr id="2" name="Title 1"/>
+          <p:cNvSpPr>
+            <a:spLocks noGrp="1"/>
+          </p:cNvSpPr>
+          <p:nvPr>
+            <p:ph type="title"/>
+          </p:nvPr>
+        </p:nvSpPr>
+        <p:spPr>
+          <a:xfrm>
+            <a:off x="1444752" y="373290"/>
+            <a:ext cx="7424928" cy="1050561"/>
+          </a:xfrm>
+        </p:spPr>
+        <p:txBody>
+          <a:bodyPr>
+            <a:normAutofit/>
+          </a:bodyPr>
+          <a:lstStyle/>
+          <a:p>
+            <a:r>
+              <a:rPr lang="en-US" dirty="0"/>
+              <a:t>Results: Positivity and negativity</a:t>
+            </a:r>
+          </a:p>
+        </p:txBody>
+      </p:sp>
+      <p:grpSp>
+        <p:nvGrpSpPr>
+          <p:cNvPr id="3" name="Group 7"/>
+          <p:cNvGrpSpPr>
+            <a:grpSpLocks/>
+          </p:cNvGrpSpPr>
+          <p:nvPr/>
+        </p:nvGrpSpPr>
+        <p:grpSpPr bwMode="auto">
+          <a:xfrm>
+            <a:off x="723038" y="422300"/>
+            <a:ext cx="6634163" cy="1889127"/>
+            <a:chOff x="919" y="1438"/>
+            <a:chExt cx="4179" cy="1190"/>
+          </a:xfrm>
+        </p:grpSpPr>
+        <p:sp>
+          <p:nvSpPr>
+            <p:cNvPr id="10" name="Line 8"/>
+            <p:cNvSpPr>
+              <a:spLocks noChangeShapeType="1"/>
+            </p:cNvSpPr>
+            <p:nvPr/>
+          </p:nvSpPr>
+          <p:spPr bwMode="gray">
+            <a:xfrm>
+              <a:off x="1399" y="1943"/>
+              <a:ext cx="3024" cy="0"/>
+            </a:xfrm>
+            <a:prstGeom prst="line">
+              <a:avLst/>
+            </a:prstGeom>
+            <a:noFill/>
+            <a:ln w="25400">
+              <a:solidFill>
+                <a:srgbClr val="969696"/>
+              </a:solidFill>
+              <a:prstDash val="sysDot"/>
+              <a:round/>
+              <a:headEnd/>
+              <a:tailEnd type="oval" w="med" len="med"/>
+            </a:ln>
+            <a:effectLst/>
+            <a:extLst>
+              <a:ext uri="{909E8E84-426E-40DD-AFC4-6F175D3DCCD1}">
+                <a14:hiddenFill xmlns:a14="http://schemas.microsoft.com/office/drawing/2010/main">
+                  <a:noFill/>
+                </a14:hiddenFill>
+              </a:ext>
+              <a:ext uri="{AF507438-7753-43E0-B8FC-AC1667EBCBE1}">
+                <a14:hiddenEffects xmlns:a14="http://schemas.microsoft.com/office/drawing/2010/main">
+                  <a:effectLst>
+                    <a:outerShdw dist="35921" dir="2700000" algn="ctr" rotWithShape="0">
+                      <a:schemeClr val="bg2"/>
+                    </a:outerShdw>
+                  </a:effectLst>
+                </a14:hiddenEffects>
+              </a:ext>
+            </a:extLst>
+          </p:spPr>
+          <p:txBody>
+            <a:bodyPr wrap="none" anchor="ctr"/>
+            <a:lstStyle/>
+            <a:p>
+              <a:endParaRPr lang="en-US"/>
+            </a:p>
+          </p:txBody>
+        </p:sp>
+        <p:sp>
+          <p:nvSpPr>
+            <p:cNvPr id="11" name="Rectangle 9"/>
+            <p:cNvSpPr>
+              <a:spLocks noChangeArrowheads="1"/>
+            </p:cNvSpPr>
+            <p:nvPr/>
+          </p:nvSpPr>
+          <p:spPr bwMode="gray">
+            <a:xfrm rot="3419336">
+              <a:off x="932" y="1425"/>
+              <a:ext cx="302" cy="328"/>
+            </a:xfrm>
+            <a:prstGeom prst="rect">
+              <a:avLst/>
+            </a:prstGeom>
+            <a:gradFill rotWithShape="1">
+              <a:gsLst>
+                <a:gs pos="0">
+                  <a:srgbClr val="99CC00"/>
+                </a:gs>
+                <a:gs pos="100000">
+                  <a:srgbClr val="99CC00">
+                    <a:gamma/>
+                    <a:shade val="46275"/>
+                    <a:invGamma/>
+                  </a:srgbClr>
+                </a:gs>
+              </a:gsLst>
+              <a:lin ang="5400000" scaled="1"/>
+            </a:gradFill>
+            <a:ln w="9525">
+              <a:miter lim="800000"/>
+              <a:headEnd/>
+              <a:tailEnd/>
+            </a:ln>
+            <a:effectLst/>
+            <a:scene3d>
+              <a:camera prst="legacyPerspectiveFront">
+                <a:rot lat="0" lon="1500000" rev="0"/>
+              </a:camera>
+              <a:lightRig rig="legacyFlat4" dir="b"/>
+            </a:scene3d>
+            <a:sp3d extrusionH="430200" prstMaterial="legacyMatte">
+              <a:bevelT w="13500" h="13500" prst="angle"/>
+              <a:bevelB w="13500" h="13500" prst="angle"/>
+              <a:extrusionClr>
+                <a:srgbClr val="99CC00"/>
+              </a:extrusionClr>
+            </a:sp3d>
+            <a:extLst>
+              <a:ext uri="{AF507438-7753-43E0-B8FC-AC1667EBCBE1}">
+                <a14:hiddenEffects xmlns:a14="http://schemas.microsoft.com/office/drawing/2010/main">
+                  <a:effectLst>
+                    <a:outerShdw dist="35921" dir="2700000" algn="ctr" rotWithShape="0">
+                      <a:schemeClr val="bg2"/>
+                    </a:outerShdw>
+                  </a:effectLst>
+                </a14:hiddenEffects>
+              </a:ext>
+            </a:extLst>
+          </p:spPr>
+          <p:txBody>
+            <a:bodyPr wrap="none" anchor="ctr">
+              <a:flatTx/>
+            </a:bodyPr>
+            <a:lstStyle/>
+            <a:p>
+              <a:endParaRPr lang="en-US"/>
+            </a:p>
+          </p:txBody>
+        </p:sp>
+        <p:sp>
+          <p:nvSpPr>
+            <p:cNvPr id="12" name="Text Box 10"/>
+            <p:cNvSpPr txBox="1">
+              <a:spLocks noChangeArrowheads="1"/>
+            </p:cNvSpPr>
+            <p:nvPr/>
+          </p:nvSpPr>
+          <p:spPr bwMode="gray">
+            <a:xfrm>
+              <a:off x="1377" y="2105"/>
+              <a:ext cx="3721" cy="523"/>
+            </a:xfrm>
+            <a:prstGeom prst="rect">
+              <a:avLst/>
+            </a:prstGeom>
+            <a:noFill/>
+            <a:ln>
+              <a:noFill/>
+            </a:ln>
+            <a:effectLst/>
+            <a:extLst>
+              <a:ext uri="{909E8E84-426E-40DD-AFC4-6F175D3DCCD1}">
+                <a14:hiddenFill xmlns:a14="http://schemas.microsoft.com/office/drawing/2010/main">
+                  <a:solidFill>
+                    <a:schemeClr val="accent1"/>
+                  </a:solidFill>
+                </a14:hiddenFill>
+              </a:ext>
+              <a:ext uri="{91240B29-F687-4F45-9708-019B960494DF}">
+                <a14:hiddenLine xmlns:a14="http://schemas.microsoft.com/office/drawing/2010/main" w="9525" algn="ctr">
+                  <a:solidFill>
+                    <a:schemeClr val="tx1"/>
+                  </a:solidFill>
+                  <a:miter lim="800000"/>
+                  <a:headEnd/>
+                  <a:tailEnd/>
+                </a14:hiddenLine>
+              </a:ext>
+              <a:ext uri="{AF507438-7753-43E0-B8FC-AC1667EBCBE1}">
+                <a14:hiddenEffects xmlns:a14="http://schemas.microsoft.com/office/drawing/2010/main">
+                  <a:effectLst>
+                    <a:outerShdw dist="35921" dir="2700000" algn="ctr" rotWithShape="0">
+                      <a:schemeClr val="bg2"/>
+                    </a:outerShdw>
+                  </a:effectLst>
+                </a14:hiddenEffects>
+              </a:ext>
+            </a:extLst>
+          </p:spPr>
+          <p:txBody>
+            <a:bodyPr wrap="square">
+              <a:spAutoFit/>
+            </a:bodyPr>
+            <a:lstStyle/>
+            <a:p>
+              <a:r>
+                <a:rPr lang="en-US" sz="2400" dirty="0"/>
+                <a:t> </a:t>
+              </a:r>
+              <a:endParaRPr lang="ru-RU" sz="2400" dirty="0"/>
+            </a:p>
+            <a:p>
+              <a:endParaRPr lang="en-US" sz="2400" dirty="0"/>
+            </a:p>
+          </p:txBody>
+        </p:sp>
+        <p:sp>
+          <p:nvSpPr>
+            <p:cNvPr id="13" name="Text Box 11"/>
+            <p:cNvSpPr txBox="1">
+              <a:spLocks noChangeArrowheads="1"/>
+            </p:cNvSpPr>
+            <p:nvPr/>
+          </p:nvSpPr>
+          <p:spPr bwMode="gray">
+            <a:xfrm>
+              <a:off x="1008" y="1443"/>
+              <a:ext cx="214" cy="291"/>
+            </a:xfrm>
+            <a:prstGeom prst="rect">
+              <a:avLst/>
+            </a:prstGeom>
+            <a:noFill/>
+            <a:ln>
+              <a:noFill/>
+            </a:ln>
+            <a:effectLst/>
+            <a:extLst>
+              <a:ext uri="{909E8E84-426E-40DD-AFC4-6F175D3DCCD1}">
+                <a14:hiddenFill xmlns:a14="http://schemas.microsoft.com/office/drawing/2010/main">
+                  <a:solidFill>
+                    <a:schemeClr val="accent1"/>
+                  </a:solidFill>
+                </a14:hiddenFill>
+              </a:ext>
+              <a:ext uri="{91240B29-F687-4F45-9708-019B960494DF}">
+                <a14:hiddenLine xmlns:a14="http://schemas.microsoft.com/office/drawing/2010/main" w="9525" algn="ctr">
+                  <a:solidFill>
+                    <a:schemeClr val="tx1"/>
+                  </a:solidFill>
+                  <a:miter lim="800000"/>
+                  <a:headEnd/>
+                  <a:tailEnd/>
+                </a14:hiddenLine>
+              </a:ext>
+              <a:ext uri="{AF507438-7753-43E0-B8FC-AC1667EBCBE1}">
+                <a14:hiddenEffects xmlns:a14="http://schemas.microsoft.com/office/drawing/2010/main">
+                  <a:effectLst>
+                    <a:outerShdw dist="35921" dir="2700000" algn="ctr" rotWithShape="0">
+                      <a:schemeClr val="bg2"/>
+                    </a:outerShdw>
+                  </a:effectLst>
+                </a14:hiddenEffects>
+              </a:ext>
+            </a:extLst>
+          </p:spPr>
+          <p:txBody>
+            <a:bodyPr wrap="none">
+              <a:spAutoFit/>
+            </a:bodyPr>
+            <a:lstStyle/>
+            <a:p>
+              <a:r>
+                <a:rPr lang="en-US" sz="2400" b="1" dirty="0"/>
+                <a:t>6</a:t>
+              </a:r>
+            </a:p>
+          </p:txBody>
+        </p:sp>
+      </p:grpSp>
+      <p:sp>
+        <p:nvSpPr>
+          <p:cNvPr id="29" name="Прямоугольник 28"/>
+          <p:cNvSpPr/>
+          <p:nvPr/>
+        </p:nvSpPr>
+        <p:spPr>
+          <a:xfrm>
+            <a:off x="1204051" y="2734849"/>
+            <a:ext cx="4049485" cy="2492990"/>
+          </a:xfrm>
+          <a:prstGeom prst="rect">
+            <a:avLst/>
+          </a:prstGeom>
+        </p:spPr>
+        <p:txBody>
+          <a:bodyPr wrap="square">
+            <a:spAutoFit/>
+          </a:bodyPr>
+          <a:lstStyle/>
+          <a:p>
+            <a:r>
+              <a:rPr lang="en-US" sz="2200" dirty="0"/>
+              <a:t>Fisher’s test: + (</a:t>
+            </a:r>
+            <a:r>
+              <a:rPr lang="en-US" sz="2200" dirty="0" err="1"/>
+              <a:t>pv</a:t>
+            </a:r>
+            <a:r>
+              <a:rPr lang="en-US" sz="2200" dirty="0"/>
+              <a:t> = </a:t>
+            </a:r>
+            <a:r>
+              <a:rPr lang="ru-RU" altLang="ru-RU" sz="2200" dirty="0"/>
+              <a:t>0.000213</a:t>
+            </a:r>
+            <a:r>
+              <a:rPr lang="en-US" altLang="ru-RU" sz="2200" dirty="0"/>
+              <a:t>)</a:t>
+            </a:r>
+          </a:p>
+          <a:p>
+            <a:endParaRPr lang="en-US" sz="2200" dirty="0"/>
+          </a:p>
+          <a:p>
+            <a:r>
+              <a:rPr lang="en-US" sz="2200" dirty="0"/>
+              <a:t>Linear regression:</a:t>
+            </a:r>
+          </a:p>
+          <a:p>
+            <a:pPr defTabSz="357188"/>
+            <a:r>
+              <a:rPr lang="en-US" altLang="ru-RU" sz="2200" dirty="0"/>
+              <a:t>	***</a:t>
+            </a:r>
+          </a:p>
+          <a:p>
+            <a:pPr defTabSz="357188"/>
+            <a:r>
+              <a:rPr lang="en-US" altLang="ru-RU" sz="2200" dirty="0"/>
+              <a:t>	R</a:t>
+            </a:r>
+            <a:r>
+              <a:rPr lang="en-US" altLang="ru-RU" sz="2200" baseline="30000" dirty="0"/>
+              <a:t>2</a:t>
+            </a:r>
+            <a:r>
+              <a:rPr lang="en-US" altLang="ru-RU" sz="2200" dirty="0"/>
+              <a:t> = </a:t>
+            </a:r>
+            <a:r>
+              <a:rPr lang="ru-RU" altLang="ru-RU" sz="2200" dirty="0"/>
+              <a:t>0.03177 </a:t>
+            </a:r>
+            <a:r>
+              <a:rPr lang="en-US" altLang="ru-RU" sz="2200" dirty="0"/>
+              <a:t>	3%</a:t>
+            </a:r>
+          </a:p>
+          <a:p>
+            <a:pPr defTabSz="357188"/>
+            <a:endParaRPr lang="en-US" sz="2200" b="1" dirty="0"/>
+          </a:p>
+          <a:p>
+            <a:pPr algn="ctr" defTabSz="357188"/>
+            <a:r>
+              <a:rPr lang="ru-RU" sz="2400" b="1" dirty="0"/>
+              <a:t>👍</a:t>
+            </a:r>
+          </a:p>
+        </p:txBody>
+      </p:sp>
+    </p:spTree>
+    <p:extLst>
+      <p:ext uri="{BB962C8B-B14F-4D97-AF65-F5344CB8AC3E}">
+        <p14:creationId xmlns:p14="http://schemas.microsoft.com/office/powerpoint/2010/main" val="3020035650"/>
+      </p:ext>
+    </p:extLst>
+  </p:cSld>
+  <p:clrMapOvr>
+    <a:masterClrMapping/>
+  </p:clrMapOvr>
+</p:sld>
+</file>
+
+<file path=ppt/slides/slide2.xml><?xml version="1.0" encoding="utf-8"?>
+<p:sld xmlns:a="http://schemas.openxmlformats.org/drawingml/2006/main" xmlns:r="http://schemas.openxmlformats.org/officeDocument/2006/relationships" xmlns:p="http://schemas.openxmlformats.org/presentationml/2006/main">
+  <p:cSld>
+    <p:spTree>
+      <p:nvGrpSpPr>
+        <p:cNvPr id="1" name=""/>
+        <p:cNvGrpSpPr/>
+        <p:nvPr/>
+      </p:nvGrpSpPr>
+      <p:grpSpPr>
+        <a:xfrm>
+          <a:off x="0" y="0"/>
+          <a:ext cx="0" cy="0"/>
+          <a:chOff x="0" y="0"/>
+          <a:chExt cx="0" cy="0"/>
+        </a:xfrm>
+      </p:grpSpPr>
+      <p:sp>
+        <p:nvSpPr>
+          <p:cNvPr id="2" name="Title 1"/>
+          <p:cNvSpPr>
+            <a:spLocks noGrp="1"/>
+          </p:cNvSpPr>
+          <p:nvPr>
+            <p:ph type="title"/>
+          </p:nvPr>
+        </p:nvSpPr>
+        <p:spPr>
+          <a:xfrm>
+            <a:off x="1444752" y="321039"/>
+            <a:ext cx="6713982" cy="1325563"/>
+          </a:xfrm>
+        </p:spPr>
+        <p:txBody>
+          <a:bodyPr/>
+          <a:lstStyle/>
+          <a:p>
+            <a:r>
+              <a:rPr lang="en-US" dirty="0"/>
+              <a:t>Hypothesis</a:t>
+            </a:r>
+            <a:br>
+              <a:rPr lang="en-US" dirty="0"/>
+            </a:br>
+            <a:endParaRPr lang="en-US" dirty="0"/>
+          </a:p>
+        </p:txBody>
+      </p:sp>
+      <p:grpSp>
+        <p:nvGrpSpPr>
+          <p:cNvPr id="9" name="Group 7"/>
+          <p:cNvGrpSpPr>
+            <a:grpSpLocks/>
+          </p:cNvGrpSpPr>
+          <p:nvPr/>
+        </p:nvGrpSpPr>
+        <p:grpSpPr bwMode="auto">
+          <a:xfrm>
+            <a:off x="723038" y="422301"/>
+            <a:ext cx="6827293" cy="2164355"/>
+            <a:chOff x="919" y="1438"/>
+            <a:chExt cx="4171" cy="1246"/>
+          </a:xfrm>
+        </p:grpSpPr>
+        <p:sp>
+          <p:nvSpPr>
+            <p:cNvPr id="10" name="Line 8"/>
+            <p:cNvSpPr>
+              <a:spLocks noChangeShapeType="1"/>
+            </p:cNvSpPr>
+            <p:nvPr/>
+          </p:nvSpPr>
+          <p:spPr bwMode="gray">
+            <a:xfrm>
+              <a:off x="1440" y="2380"/>
+              <a:ext cx="3024" cy="0"/>
+            </a:xfrm>
+            <a:prstGeom prst="line">
+              <a:avLst/>
+            </a:prstGeom>
+            <a:noFill/>
+            <a:ln w="25400">
+              <a:solidFill>
+                <a:srgbClr val="969696"/>
+              </a:solidFill>
+              <a:prstDash val="sysDot"/>
+              <a:round/>
+              <a:headEnd/>
+              <a:tailEnd type="oval" w="med" len="med"/>
+            </a:ln>
+            <a:effectLst/>
+            <a:extLst>
+              <a:ext uri="{909E8E84-426E-40DD-AFC4-6F175D3DCCD1}">
+                <a14:hiddenFill xmlns:a14="http://schemas.microsoft.com/office/drawing/2010/main">
+                  <a:noFill/>
+                </a14:hiddenFill>
+              </a:ext>
+              <a:ext uri="{AF507438-7753-43E0-B8FC-AC1667EBCBE1}">
+                <a14:hiddenEffects xmlns:a14="http://schemas.microsoft.com/office/drawing/2010/main">
+                  <a:effectLst>
+                    <a:outerShdw dist="35921" dir="2700000" algn="ctr" rotWithShape="0">
+                      <a:schemeClr val="bg2"/>
+                    </a:outerShdw>
+                  </a:effectLst>
+                </a14:hiddenEffects>
+              </a:ext>
+            </a:extLst>
+          </p:spPr>
+          <p:txBody>
+            <a:bodyPr wrap="none" anchor="ctr"/>
+            <a:lstStyle/>
+            <a:p>
+              <a:endParaRPr lang="en-US"/>
+            </a:p>
+          </p:txBody>
+        </p:sp>
+        <p:sp>
+          <p:nvSpPr>
+            <p:cNvPr id="11" name="Rectangle 9"/>
+            <p:cNvSpPr>
+              <a:spLocks noChangeArrowheads="1"/>
+            </p:cNvSpPr>
+            <p:nvPr/>
+          </p:nvSpPr>
+          <p:spPr bwMode="gray">
+            <a:xfrm rot="3419336">
+              <a:off x="932" y="1425"/>
+              <a:ext cx="302" cy="328"/>
+            </a:xfrm>
+            <a:prstGeom prst="rect">
+              <a:avLst/>
+            </a:prstGeom>
+            <a:gradFill rotWithShape="1">
+              <a:gsLst>
+                <a:gs pos="0">
+                  <a:srgbClr val="99CC00"/>
+                </a:gs>
+                <a:gs pos="100000">
+                  <a:srgbClr val="99CC00">
+                    <a:gamma/>
+                    <a:shade val="46275"/>
+                    <a:invGamma/>
+                  </a:srgbClr>
+                </a:gs>
+              </a:gsLst>
+              <a:lin ang="5400000" scaled="1"/>
+            </a:gradFill>
+            <a:ln w="9525">
+              <a:miter lim="800000"/>
+              <a:headEnd/>
+              <a:tailEnd/>
+            </a:ln>
+            <a:effectLst/>
+            <a:scene3d>
+              <a:camera prst="legacyPerspectiveFront">
+                <a:rot lat="0" lon="1500000" rev="0"/>
+              </a:camera>
+              <a:lightRig rig="legacyFlat4" dir="b"/>
+            </a:scene3d>
+            <a:sp3d extrusionH="430200" prstMaterial="legacyMatte">
+              <a:bevelT w="13500" h="13500" prst="angle"/>
+              <a:bevelB w="13500" h="13500" prst="angle"/>
+              <a:extrusionClr>
+                <a:srgbClr val="99CC00"/>
+              </a:extrusionClr>
+            </a:sp3d>
+            <a:extLst>
+              <a:ext uri="{AF507438-7753-43E0-B8FC-AC1667EBCBE1}">
+                <a14:hiddenEffects xmlns:a14="http://schemas.microsoft.com/office/drawing/2010/main">
+                  <a:effectLst>
+                    <a:outerShdw dist="35921" dir="2700000" algn="ctr" rotWithShape="0">
+                      <a:schemeClr val="bg2"/>
+                    </a:outerShdw>
+                  </a:effectLst>
+                </a14:hiddenEffects>
+              </a:ext>
+            </a:extLst>
+          </p:spPr>
+          <p:txBody>
+            <a:bodyPr wrap="none" anchor="ctr">
+              <a:flatTx/>
+            </a:bodyPr>
+            <a:lstStyle/>
+            <a:p>
+              <a:endParaRPr lang="en-US"/>
+            </a:p>
+          </p:txBody>
+        </p:sp>
+        <p:sp>
+          <p:nvSpPr>
+            <p:cNvPr id="12" name="Text Box 10"/>
+            <p:cNvSpPr txBox="1">
+              <a:spLocks noChangeArrowheads="1"/>
+            </p:cNvSpPr>
+            <p:nvPr/>
+          </p:nvSpPr>
+          <p:spPr bwMode="gray">
+            <a:xfrm>
               <a:off x="1369" y="1928"/>
               <a:ext cx="3721" cy="756"/>
             </a:xfrm>
@@ -4861,8 +8151,8 @@
         </p:nvSpPr>
         <p:spPr>
           <a:xfrm>
-            <a:off x="1136469" y="2333685"/>
-            <a:ext cx="7367451" cy="4524315"/>
+            <a:off x="1153886" y="2084510"/>
+            <a:ext cx="7367451" cy="3785652"/>
           </a:xfrm>
           <a:prstGeom prst="rect">
             <a:avLst/>
@@ -4874,7 +8164,7 @@
           </a:bodyPr>
           <a:lstStyle/>
           <a:p>
-            <a:pPr marL="342900" indent="-342900">
+            <a:pPr marL="800100" lvl="1" indent="-342900">
               <a:buAutoNum type="arabicParenR"/>
             </a:pPr>
             <a:r>
@@ -4890,6 +8180,20 @@
               <a:t>, </a:t>
             </a:r>
             <a:endParaRPr lang="ru-RU" sz="2400" dirty="0"/>
+          </a:p>
+          <a:p>
+            <a:pPr marL="800100" lvl="1" indent="-342900">
+              <a:buAutoNum type="arabicParenR"/>
+            </a:pPr>
+            <a:r>
+              <a:rPr lang="en-US" sz="2400" dirty="0"/>
+              <a:t>verbal form</a:t>
+            </a:r>
+            <a:r>
+              <a:rPr lang="ru-RU" sz="2400" dirty="0"/>
+              <a:t>.</a:t>
+            </a:r>
+            <a:endParaRPr lang="en-US" sz="2400" dirty="0"/>
           </a:p>
           <a:p>
             <a:pPr marL="342900" indent="-342900">
@@ -4899,23 +8203,13 @@
           </a:p>
           <a:p>
             <a:pPr marL="342900" indent="-342900">
-              <a:buAutoNum type="arabicParenR"/>
+              <a:buFont typeface="Arial" pitchFamily="34" charset="0"/>
+              <a:buChar char="•"/>
             </a:pPr>
             <a:r>
               <a:rPr lang="en-US" sz="2400" dirty="0"/>
-              <a:t>verbal form</a:t>
-            </a:r>
-            <a:r>
-              <a:rPr lang="ru-RU" sz="2400" dirty="0"/>
-              <a:t>.</a:t>
-            </a:r>
-            <a:endParaRPr lang="en-US" sz="2400" dirty="0"/>
-          </a:p>
-          <a:p>
-            <a:pPr marL="342900" indent="-342900">
-              <a:buAutoNum type="arabicParenR"/>
-            </a:pPr>
-            <a:endParaRPr lang="ru-RU" sz="2400" dirty="0"/>
+              <a:t>No difference in meaning</a:t>
+            </a:r>
           </a:p>
           <a:p>
             <a:pPr marL="342900" indent="-342900">
@@ -4924,29 +8218,19 @@
             </a:pPr>
             <a:r>
               <a:rPr lang="en-US" sz="2400" dirty="0"/>
-              <a:t>No difference in meaning between them. </a:t>
-            </a:r>
-          </a:p>
-          <a:p>
-            <a:pPr marL="342900" indent="-342900">
+              <a:t>Most obvious of the possible dependencies</a:t>
+            </a:r>
+            <a:r>
+              <a:rPr lang="ru-RU" sz="2400" dirty="0"/>
+              <a:t>:</a:t>
+            </a:r>
+          </a:p>
+          <a:p>
+            <a:pPr marL="800100" lvl="1" indent="-342900">
               <a:buFont typeface="Arial" pitchFamily="34" charset="0"/>
               <a:buChar char="•"/>
             </a:pPr>
             <a:r>
-              <a:rPr lang="en-US" sz="2400" dirty="0"/>
-              <a:t>Choice might depend on</a:t>
-            </a:r>
-            <a:r>
-              <a:rPr lang="ru-RU" sz="2400" dirty="0"/>
-              <a:t>:</a:t>
-            </a:r>
-          </a:p>
-          <a:p>
-            <a:pPr marL="342900" indent="-342900">
-              <a:buFont typeface="+mj-lt"/>
-              <a:buAutoNum type="arabicPeriod"/>
-            </a:pPr>
-            <a:r>
               <a:rPr lang="ru-RU" sz="2400" dirty="0"/>
               <a:t>с</a:t>
             </a:r>
@@ -4960,44 +8244,53 @@
             </a:r>
             <a:r>
               <a:rPr lang="en-US" sz="2400" dirty="0"/>
-              <a:t>(we will consider only </a:t>
-            </a:r>
-            <a:r>
-              <a:rPr lang="ru-RU" sz="2400" dirty="0"/>
-              <a:t>1</a:t>
-            </a:r>
-            <a:r>
-              <a:rPr lang="en-US" sz="2400" dirty="0" err="1"/>
+              <a:t>(1</a:t>
+            </a:r>
+            <a:r>
+              <a:rPr lang="en-US" sz="2400" baseline="30000" dirty="0"/>
               <a:t>st</a:t>
             </a:r>
             <a:r>
               <a:rPr lang="en-US" sz="2400" dirty="0"/>
-              <a:t> and 2nd, leaving out 3rd as its ability-expressing strategy is somewhat different), </a:t>
-            </a:r>
-            <a:endParaRPr lang="ru-RU" sz="2400" dirty="0"/>
-          </a:p>
-          <a:p>
-            <a:pPr marL="342900" indent="-342900">
-              <a:buFont typeface="+mj-lt"/>
-              <a:buAutoNum type="arabicPeriod"/>
+              <a:t> or 2</a:t>
+            </a:r>
+            <a:r>
+              <a:rPr lang="en-US" sz="2400" baseline="30000" dirty="0"/>
+              <a:t>nd</a:t>
+            </a:r>
+            <a:r>
+              <a:rPr lang="en-US" sz="2400" dirty="0"/>
+              <a:t>)</a:t>
+            </a:r>
+          </a:p>
+          <a:p>
+            <a:pPr marL="800100" lvl="1" indent="-342900">
+              <a:buFont typeface="Arial" pitchFamily="34" charset="0"/>
+              <a:buChar char="•"/>
             </a:pPr>
             <a:r>
               <a:rPr lang="en-US" sz="2400" dirty="0"/>
               <a:t>length of the verb that holds the main semantics (the number of syllables that it comprises)</a:t>
             </a:r>
-            <a:r>
-              <a:rPr lang="ru-RU" sz="2400" dirty="0"/>
-              <a:t>,</a:t>
-            </a:r>
-          </a:p>
-          <a:p>
-            <a:pPr marL="342900" indent="-342900">
-              <a:buFont typeface="+mj-lt"/>
-              <a:buAutoNum type="arabicPeriod"/>
+          </a:p>
+          <a:p>
+            <a:pPr marL="800100" lvl="1" indent="-342900">
+              <a:buFont typeface="Arial" pitchFamily="34" charset="0"/>
+              <a:buChar char="•"/>
             </a:pPr>
             <a:r>
               <a:rPr lang="en-US" sz="2400" dirty="0"/>
-              <a:t>other factors.</a:t>
+              <a:t>speaker’s sex</a:t>
+            </a:r>
+          </a:p>
+          <a:p>
+            <a:pPr marL="800100" lvl="1" indent="-342900">
+              <a:buFont typeface="Arial" pitchFamily="34" charset="0"/>
+              <a:buChar char="•"/>
+            </a:pPr>
+            <a:r>
+              <a:rPr lang="en-US" sz="2400" dirty="0"/>
+              <a:t>…</a:t>
             </a:r>
             <a:endParaRPr lang="ru-RU" sz="2400" dirty="0"/>
           </a:p>
@@ -5007,6 +8300,4425 @@
     <p:extLst>
       <p:ext uri="{BB962C8B-B14F-4D97-AF65-F5344CB8AC3E}">
         <p14:creationId xmlns:p14="http://schemas.microsoft.com/office/powerpoint/2010/main" val="779576598"/>
+      </p:ext>
+    </p:extLst>
+  </p:cSld>
+  <p:clrMapOvr>
+    <a:masterClrMapping/>
+  </p:clrMapOvr>
+</p:sld>
+</file>
+
+<file path=ppt/slides/slide20.xml><?xml version="1.0" encoding="utf-8"?>
+<p:sld xmlns:a="http://schemas.openxmlformats.org/drawingml/2006/main" xmlns:r="http://schemas.openxmlformats.org/officeDocument/2006/relationships" xmlns:p="http://schemas.openxmlformats.org/presentationml/2006/main">
+  <p:cSld>
+    <p:spTree>
+      <p:nvGrpSpPr>
+        <p:cNvPr id="1" name=""/>
+        <p:cNvGrpSpPr/>
+        <p:nvPr/>
+      </p:nvGrpSpPr>
+      <p:grpSpPr>
+        <a:xfrm>
+          <a:off x="0" y="0"/>
+          <a:ext cx="0" cy="0"/>
+          <a:chOff x="0" y="0"/>
+          <a:chExt cx="0" cy="0"/>
+        </a:xfrm>
+      </p:grpSpPr>
+      <p:sp>
+        <p:nvSpPr>
+          <p:cNvPr id="2" name="Title 1"/>
+          <p:cNvSpPr>
+            <a:spLocks noGrp="1"/>
+          </p:cNvSpPr>
+          <p:nvPr>
+            <p:ph type="title"/>
+          </p:nvPr>
+        </p:nvSpPr>
+        <p:spPr>
+          <a:xfrm>
+            <a:off x="1444752" y="373290"/>
+            <a:ext cx="7424928" cy="1050561"/>
+          </a:xfrm>
+        </p:spPr>
+        <p:txBody>
+          <a:bodyPr>
+            <a:normAutofit fontScale="90000"/>
+          </a:bodyPr>
+          <a:lstStyle/>
+          <a:p>
+            <a:r>
+              <a:rPr lang="fr-FR" dirty="0"/>
+              <a:t>Updating the multi-variable model</a:t>
+            </a:r>
+            <a:endParaRPr lang="en-US" dirty="0"/>
+          </a:p>
+        </p:txBody>
+      </p:sp>
+      <p:grpSp>
+        <p:nvGrpSpPr>
+          <p:cNvPr id="3" name="Group 7"/>
+          <p:cNvGrpSpPr>
+            <a:grpSpLocks/>
+          </p:cNvGrpSpPr>
+          <p:nvPr/>
+        </p:nvGrpSpPr>
+        <p:grpSpPr bwMode="auto">
+          <a:xfrm>
+            <a:off x="670787" y="373290"/>
+            <a:ext cx="6634163" cy="1889127"/>
+            <a:chOff x="919" y="1438"/>
+            <a:chExt cx="4179" cy="1190"/>
+          </a:xfrm>
+        </p:grpSpPr>
+        <p:sp>
+          <p:nvSpPr>
+            <p:cNvPr id="10" name="Line 8"/>
+            <p:cNvSpPr>
+              <a:spLocks noChangeShapeType="1"/>
+            </p:cNvSpPr>
+            <p:nvPr/>
+          </p:nvSpPr>
+          <p:spPr bwMode="gray">
+            <a:xfrm>
+              <a:off x="1399" y="1943"/>
+              <a:ext cx="3024" cy="0"/>
+            </a:xfrm>
+            <a:prstGeom prst="line">
+              <a:avLst/>
+            </a:prstGeom>
+            <a:noFill/>
+            <a:ln w="25400">
+              <a:solidFill>
+                <a:srgbClr val="969696"/>
+              </a:solidFill>
+              <a:prstDash val="sysDot"/>
+              <a:round/>
+              <a:headEnd/>
+              <a:tailEnd type="oval" w="med" len="med"/>
+            </a:ln>
+            <a:effectLst/>
+            <a:extLst>
+              <a:ext uri="{909E8E84-426E-40DD-AFC4-6F175D3DCCD1}">
+                <a14:hiddenFill xmlns:a14="http://schemas.microsoft.com/office/drawing/2010/main">
+                  <a:noFill/>
+                </a14:hiddenFill>
+              </a:ext>
+              <a:ext uri="{AF507438-7753-43E0-B8FC-AC1667EBCBE1}">
+                <a14:hiddenEffects xmlns:a14="http://schemas.microsoft.com/office/drawing/2010/main">
+                  <a:effectLst>
+                    <a:outerShdw dist="35921" dir="2700000" algn="ctr" rotWithShape="0">
+                      <a:schemeClr val="bg2"/>
+                    </a:outerShdw>
+                  </a:effectLst>
+                </a14:hiddenEffects>
+              </a:ext>
+            </a:extLst>
+          </p:spPr>
+          <p:txBody>
+            <a:bodyPr wrap="none" anchor="ctr"/>
+            <a:lstStyle/>
+            <a:p>
+              <a:endParaRPr lang="en-US"/>
+            </a:p>
+          </p:txBody>
+        </p:sp>
+        <p:sp>
+          <p:nvSpPr>
+            <p:cNvPr id="11" name="Rectangle 9"/>
+            <p:cNvSpPr>
+              <a:spLocks noChangeArrowheads="1"/>
+            </p:cNvSpPr>
+            <p:nvPr/>
+          </p:nvSpPr>
+          <p:spPr bwMode="gray">
+            <a:xfrm rot="3419336">
+              <a:off x="932" y="1425"/>
+              <a:ext cx="302" cy="328"/>
+            </a:xfrm>
+            <a:prstGeom prst="rect">
+              <a:avLst/>
+            </a:prstGeom>
+            <a:gradFill rotWithShape="1">
+              <a:gsLst>
+                <a:gs pos="0">
+                  <a:srgbClr val="99CC00"/>
+                </a:gs>
+                <a:gs pos="100000">
+                  <a:srgbClr val="99CC00">
+                    <a:gamma/>
+                    <a:shade val="46275"/>
+                    <a:invGamma/>
+                  </a:srgbClr>
+                </a:gs>
+              </a:gsLst>
+              <a:lin ang="5400000" scaled="1"/>
+            </a:gradFill>
+            <a:ln w="9525">
+              <a:miter lim="800000"/>
+              <a:headEnd/>
+              <a:tailEnd/>
+            </a:ln>
+            <a:effectLst/>
+            <a:scene3d>
+              <a:camera prst="legacyPerspectiveFront">
+                <a:rot lat="0" lon="1500000" rev="0"/>
+              </a:camera>
+              <a:lightRig rig="legacyFlat4" dir="b"/>
+            </a:scene3d>
+            <a:sp3d extrusionH="430200" prstMaterial="legacyMatte">
+              <a:bevelT w="13500" h="13500" prst="angle"/>
+              <a:bevelB w="13500" h="13500" prst="angle"/>
+              <a:extrusionClr>
+                <a:srgbClr val="99CC00"/>
+              </a:extrusionClr>
+            </a:sp3d>
+            <a:extLst>
+              <a:ext uri="{AF507438-7753-43E0-B8FC-AC1667EBCBE1}">
+                <a14:hiddenEffects xmlns:a14="http://schemas.microsoft.com/office/drawing/2010/main">
+                  <a:effectLst>
+                    <a:outerShdw dist="35921" dir="2700000" algn="ctr" rotWithShape="0">
+                      <a:schemeClr val="bg2"/>
+                    </a:outerShdw>
+                  </a:effectLst>
+                </a14:hiddenEffects>
+              </a:ext>
+            </a:extLst>
+          </p:spPr>
+          <p:txBody>
+            <a:bodyPr wrap="none" anchor="ctr">
+              <a:flatTx/>
+            </a:bodyPr>
+            <a:lstStyle/>
+            <a:p>
+              <a:endParaRPr lang="en-US"/>
+            </a:p>
+          </p:txBody>
+        </p:sp>
+        <p:sp>
+          <p:nvSpPr>
+            <p:cNvPr id="12" name="Text Box 10"/>
+            <p:cNvSpPr txBox="1">
+              <a:spLocks noChangeArrowheads="1"/>
+            </p:cNvSpPr>
+            <p:nvPr/>
+          </p:nvSpPr>
+          <p:spPr bwMode="gray">
+            <a:xfrm>
+              <a:off x="1377" y="2105"/>
+              <a:ext cx="3721" cy="523"/>
+            </a:xfrm>
+            <a:prstGeom prst="rect">
+              <a:avLst/>
+            </a:prstGeom>
+            <a:noFill/>
+            <a:ln>
+              <a:noFill/>
+            </a:ln>
+            <a:effectLst/>
+            <a:extLst>
+              <a:ext uri="{909E8E84-426E-40DD-AFC4-6F175D3DCCD1}">
+                <a14:hiddenFill xmlns:a14="http://schemas.microsoft.com/office/drawing/2010/main">
+                  <a:solidFill>
+                    <a:schemeClr val="accent1"/>
+                  </a:solidFill>
+                </a14:hiddenFill>
+              </a:ext>
+              <a:ext uri="{91240B29-F687-4F45-9708-019B960494DF}">
+                <a14:hiddenLine xmlns:a14="http://schemas.microsoft.com/office/drawing/2010/main" w="9525" algn="ctr">
+                  <a:solidFill>
+                    <a:schemeClr val="tx1"/>
+                  </a:solidFill>
+                  <a:miter lim="800000"/>
+                  <a:headEnd/>
+                  <a:tailEnd/>
+                </a14:hiddenLine>
+              </a:ext>
+              <a:ext uri="{AF507438-7753-43E0-B8FC-AC1667EBCBE1}">
+                <a14:hiddenEffects xmlns:a14="http://schemas.microsoft.com/office/drawing/2010/main">
+                  <a:effectLst>
+                    <a:outerShdw dist="35921" dir="2700000" algn="ctr" rotWithShape="0">
+                      <a:schemeClr val="bg2"/>
+                    </a:outerShdw>
+                  </a:effectLst>
+                </a14:hiddenEffects>
+              </a:ext>
+            </a:extLst>
+          </p:spPr>
+          <p:txBody>
+            <a:bodyPr wrap="square">
+              <a:spAutoFit/>
+            </a:bodyPr>
+            <a:lstStyle/>
+            <a:p>
+              <a:r>
+                <a:rPr lang="en-US" sz="2400" dirty="0"/>
+                <a:t> </a:t>
+              </a:r>
+              <a:endParaRPr lang="ru-RU" sz="2400" dirty="0"/>
+            </a:p>
+            <a:p>
+              <a:endParaRPr lang="en-US" sz="2400" dirty="0"/>
+            </a:p>
+          </p:txBody>
+        </p:sp>
+        <p:sp>
+          <p:nvSpPr>
+            <p:cNvPr id="13" name="Text Box 11"/>
+            <p:cNvSpPr txBox="1">
+              <a:spLocks noChangeArrowheads="1"/>
+            </p:cNvSpPr>
+            <p:nvPr/>
+          </p:nvSpPr>
+          <p:spPr bwMode="gray">
+            <a:xfrm>
+              <a:off x="1008" y="1443"/>
+              <a:ext cx="214" cy="291"/>
+            </a:xfrm>
+            <a:prstGeom prst="rect">
+              <a:avLst/>
+            </a:prstGeom>
+            <a:noFill/>
+            <a:ln>
+              <a:noFill/>
+            </a:ln>
+            <a:effectLst/>
+            <a:extLst>
+              <a:ext uri="{909E8E84-426E-40DD-AFC4-6F175D3DCCD1}">
+                <a14:hiddenFill xmlns:a14="http://schemas.microsoft.com/office/drawing/2010/main">
+                  <a:solidFill>
+                    <a:schemeClr val="accent1"/>
+                  </a:solidFill>
+                </a14:hiddenFill>
+              </a:ext>
+              <a:ext uri="{91240B29-F687-4F45-9708-019B960494DF}">
+                <a14:hiddenLine xmlns:a14="http://schemas.microsoft.com/office/drawing/2010/main" w="9525" algn="ctr">
+                  <a:solidFill>
+                    <a:schemeClr val="tx1"/>
+                  </a:solidFill>
+                  <a:miter lim="800000"/>
+                  <a:headEnd/>
+                  <a:tailEnd/>
+                </a14:hiddenLine>
+              </a:ext>
+              <a:ext uri="{AF507438-7753-43E0-B8FC-AC1667EBCBE1}">
+                <a14:hiddenEffects xmlns:a14="http://schemas.microsoft.com/office/drawing/2010/main">
+                  <a:effectLst>
+                    <a:outerShdw dist="35921" dir="2700000" algn="ctr" rotWithShape="0">
+                      <a:schemeClr val="bg2"/>
+                    </a:outerShdw>
+                  </a:effectLst>
+                </a14:hiddenEffects>
+              </a:ext>
+            </a:extLst>
+          </p:spPr>
+          <p:txBody>
+            <a:bodyPr wrap="none">
+              <a:spAutoFit/>
+            </a:bodyPr>
+            <a:lstStyle/>
+            <a:p>
+              <a:r>
+                <a:rPr lang="en-US" sz="2400" b="1" dirty="0"/>
+                <a:t>6</a:t>
+              </a:r>
+            </a:p>
+          </p:txBody>
+        </p:sp>
+      </p:grpSp>
+      <p:sp>
+        <p:nvSpPr>
+          <p:cNvPr id="14" name="Прямоугольник 13">
+            <a:extLst>
+              <a:ext uri="{FF2B5EF4-FFF2-40B4-BE49-F238E27FC236}">
+                <a16:creationId xmlns:a16="http://schemas.microsoft.com/office/drawing/2014/main" id="{B2E904BF-98FC-465E-AFC0-8DC0CD69217C}"/>
+              </a:ext>
+            </a:extLst>
+          </p:cNvPr>
+          <p:cNvSpPr/>
+          <p:nvPr/>
+        </p:nvSpPr>
+        <p:spPr>
+          <a:xfrm>
+            <a:off x="1204051" y="1989909"/>
+            <a:ext cx="7424928" cy="4524315"/>
+          </a:xfrm>
+          <a:prstGeom prst="rect">
+            <a:avLst/>
+          </a:prstGeom>
+        </p:spPr>
+        <p:txBody>
+          <a:bodyPr wrap="square">
+            <a:spAutoFit/>
+          </a:bodyPr>
+          <a:lstStyle/>
+          <a:p>
+            <a:r>
+              <a:rPr lang="en-US" sz="2400" b="1" dirty="0"/>
+              <a:t>form ~ </a:t>
+            </a:r>
+            <a:r>
+              <a:rPr lang="en-US" sz="2400" b="1" dirty="0" err="1"/>
+              <a:t>context_pos</a:t>
+            </a:r>
+            <a:r>
+              <a:rPr lang="en-US" sz="2400" b="1" dirty="0"/>
+              <a:t> + </a:t>
+            </a:r>
+            <a:r>
+              <a:rPr lang="en-US" sz="2400" b="1" dirty="0" err="1"/>
+              <a:t>conj</a:t>
+            </a:r>
+            <a:r>
+              <a:rPr lang="en-US" sz="2400" b="1" dirty="0"/>
+              <a:t> + sex + length +</a:t>
+            </a:r>
+          </a:p>
+          <a:p>
+            <a:r>
+              <a:rPr lang="en-US" sz="2400" b="1" dirty="0"/>
+              <a:t>	+ </a:t>
+            </a:r>
+            <a:r>
+              <a:rPr lang="en-US" sz="2400" b="1" dirty="0" err="1"/>
+              <a:t>part_of_speech</a:t>
+            </a:r>
+            <a:r>
+              <a:rPr lang="en-US" sz="2400" b="1" dirty="0"/>
+              <a:t> + </a:t>
+            </a:r>
+            <a:r>
+              <a:rPr lang="en-US" sz="2400" b="1" dirty="0" err="1"/>
+              <a:t>pos_neg</a:t>
+            </a:r>
+            <a:endParaRPr lang="en-US" sz="2400" dirty="0"/>
+          </a:p>
+          <a:p>
+            <a:endParaRPr lang="ru-RU" sz="2400" dirty="0"/>
+          </a:p>
+          <a:p>
+            <a:r>
+              <a:rPr lang="en-US" sz="2400" dirty="0"/>
+              <a:t>Linear regression:</a:t>
+            </a:r>
+          </a:p>
+          <a:p>
+            <a:pPr defTabSz="357188"/>
+            <a:r>
+              <a:rPr lang="en-US" sz="2400" dirty="0"/>
+              <a:t>	***	</a:t>
+            </a:r>
+            <a:r>
+              <a:rPr lang="en-US" sz="2400" dirty="0" err="1"/>
+              <a:t>context_pos</a:t>
+            </a:r>
+            <a:r>
+              <a:rPr lang="en-US" sz="2400" dirty="0"/>
+              <a:t>				part</a:t>
+            </a:r>
+          </a:p>
+          <a:p>
+            <a:pPr defTabSz="357188"/>
+            <a:r>
+              <a:rPr lang="en-US" sz="2400" dirty="0"/>
+              <a:t>	**		</a:t>
+            </a:r>
+            <a:r>
+              <a:rPr lang="en-US" sz="2400" dirty="0" err="1"/>
+              <a:t>conj</a:t>
+            </a:r>
+            <a:r>
+              <a:rPr lang="en-US" sz="2400" dirty="0"/>
+              <a:t>							v</a:t>
+            </a:r>
+          </a:p>
+          <a:p>
+            <a:pPr defTabSz="357188"/>
+            <a:r>
+              <a:rPr lang="en-US" sz="2400" dirty="0"/>
+              <a:t>	*		sex							</a:t>
+            </a:r>
+            <a:r>
+              <a:rPr lang="en-US" sz="2400" dirty="0" err="1"/>
+              <a:t>pos_neg</a:t>
+            </a:r>
+            <a:endParaRPr lang="en-US" sz="2400" dirty="0"/>
+          </a:p>
+          <a:p>
+            <a:pPr defTabSz="357188"/>
+            <a:r>
+              <a:rPr lang="en-US" sz="2400" dirty="0"/>
+              <a:t>	**		length						</a:t>
+            </a:r>
+          </a:p>
+          <a:p>
+            <a:pPr defTabSz="357188"/>
+            <a:r>
+              <a:rPr lang="en-US" sz="2400" dirty="0"/>
+              <a:t>	**		adv</a:t>
+            </a:r>
+          </a:p>
+          <a:p>
+            <a:pPr defTabSz="357188"/>
+            <a:r>
+              <a:rPr lang="en-US" sz="2400" dirty="0"/>
+              <a:t>	</a:t>
+            </a:r>
+            <a:r>
+              <a:rPr lang="en-US" altLang="ru-RU" sz="2400" dirty="0"/>
+              <a:t>R</a:t>
+            </a:r>
+            <a:r>
+              <a:rPr lang="en-US" altLang="ru-RU" sz="2400" baseline="30000" dirty="0"/>
+              <a:t>2</a:t>
+            </a:r>
+            <a:r>
+              <a:rPr lang="en-US" altLang="ru-RU" sz="2400" dirty="0"/>
+              <a:t> = </a:t>
+            </a:r>
+            <a:r>
+              <a:rPr lang="ru-RU" altLang="ru-RU" sz="2400" dirty="0"/>
+              <a:t>0.1369</a:t>
+            </a:r>
+            <a:r>
+              <a:rPr lang="en-US" altLang="ru-RU" sz="2400" dirty="0"/>
+              <a:t>		14% (+</a:t>
+            </a:r>
+            <a:r>
+              <a:rPr lang="ru-RU" altLang="ru-RU" sz="2400" dirty="0"/>
+              <a:t>0.</a:t>
+            </a:r>
+            <a:r>
+              <a:rPr lang="en-US" altLang="ru-RU" sz="2400" dirty="0"/>
+              <a:t>02%)</a:t>
+            </a:r>
+            <a:endParaRPr lang="en-US" sz="2400" dirty="0"/>
+          </a:p>
+          <a:p>
+            <a:endParaRPr lang="en-US" sz="2400" dirty="0"/>
+          </a:p>
+          <a:p>
+            <a:pPr algn="ctr"/>
+            <a:r>
+              <a:rPr lang="en-US" sz="2400" b="1" dirty="0"/>
+              <a:t>Not worth it.</a:t>
+            </a:r>
+            <a:endParaRPr lang="ru-RU" sz="2400" b="1" dirty="0"/>
+          </a:p>
+        </p:txBody>
+      </p:sp>
+    </p:spTree>
+    <p:extLst>
+      <p:ext uri="{BB962C8B-B14F-4D97-AF65-F5344CB8AC3E}">
+        <p14:creationId xmlns:p14="http://schemas.microsoft.com/office/powerpoint/2010/main" val="2779876871"/>
+      </p:ext>
+    </p:extLst>
+  </p:cSld>
+  <p:clrMapOvr>
+    <a:masterClrMapping/>
+  </p:clrMapOvr>
+</p:sld>
+</file>
+
+<file path=ppt/slides/slide21.xml><?xml version="1.0" encoding="utf-8"?>
+<p:sld xmlns:a="http://schemas.openxmlformats.org/drawingml/2006/main" xmlns:r="http://schemas.openxmlformats.org/officeDocument/2006/relationships" xmlns:p="http://schemas.openxmlformats.org/presentationml/2006/main">
+  <p:cSld>
+    <p:spTree>
+      <p:nvGrpSpPr>
+        <p:cNvPr id="1" name=""/>
+        <p:cNvGrpSpPr/>
+        <p:nvPr/>
+      </p:nvGrpSpPr>
+      <p:grpSpPr>
+        <a:xfrm>
+          <a:off x="0" y="0"/>
+          <a:ext cx="0" cy="0"/>
+          <a:chOff x="0" y="0"/>
+          <a:chExt cx="0" cy="0"/>
+        </a:xfrm>
+      </p:grpSpPr>
+      <p:pic>
+        <p:nvPicPr>
+          <p:cNvPr id="1026" name="Picture 2">
+            <a:extLst>
+              <a:ext uri="{FF2B5EF4-FFF2-40B4-BE49-F238E27FC236}">
+                <a16:creationId xmlns:a16="http://schemas.microsoft.com/office/drawing/2014/main" id="{E9F8C7E3-61FD-47F4-B916-0E015E1F7140}"/>
+              </a:ext>
+            </a:extLst>
+          </p:cNvPr>
+          <p:cNvPicPr>
+            <a:picLocks noChangeAspect="1" noChangeArrowheads="1"/>
+          </p:cNvPicPr>
+          <p:nvPr/>
+        </p:nvPicPr>
+        <p:blipFill>
+          <a:blip r:embed="rId2">
+            <a:extLst>
+              <a:ext uri="{28A0092B-C50C-407E-A947-70E740481C1C}">
+                <a14:useLocalDpi xmlns:a14="http://schemas.microsoft.com/office/drawing/2010/main" val="0"/>
+              </a:ext>
+            </a:extLst>
+          </a:blip>
+          <a:srcRect/>
+          <a:stretch/>
+        </p:blipFill>
+        <p:spPr bwMode="auto">
+          <a:xfrm>
+            <a:off x="3228793" y="1896295"/>
+            <a:ext cx="6667498" cy="4114798"/>
+          </a:xfrm>
+          <a:prstGeom prst="rect">
+            <a:avLst/>
+          </a:prstGeom>
+          <a:noFill/>
+          <a:extLst>
+            <a:ext uri="{909E8E84-426E-40DD-AFC4-6F175D3DCCD1}">
+              <a14:hiddenFill xmlns:a14="http://schemas.microsoft.com/office/drawing/2010/main">
+                <a:solidFill>
+                  <a:srgbClr val="FFFFFF"/>
+                </a:solidFill>
+              </a14:hiddenFill>
+            </a:ext>
+          </a:extLst>
+        </p:spPr>
+      </p:pic>
+      <p:sp>
+        <p:nvSpPr>
+          <p:cNvPr id="2" name="Title 1"/>
+          <p:cNvSpPr>
+            <a:spLocks noGrp="1"/>
+          </p:cNvSpPr>
+          <p:nvPr>
+            <p:ph type="title"/>
+          </p:nvPr>
+        </p:nvSpPr>
+        <p:spPr>
+          <a:xfrm>
+            <a:off x="1444752" y="373290"/>
+            <a:ext cx="7424928" cy="1050561"/>
+          </a:xfrm>
+        </p:spPr>
+        <p:txBody>
+          <a:bodyPr>
+            <a:normAutofit/>
+          </a:bodyPr>
+          <a:lstStyle/>
+          <a:p>
+            <a:r>
+              <a:rPr lang="en-US" dirty="0"/>
+              <a:t>Results: Past tense</a:t>
+            </a:r>
+          </a:p>
+        </p:txBody>
+      </p:sp>
+      <p:grpSp>
+        <p:nvGrpSpPr>
+          <p:cNvPr id="3" name="Group 7"/>
+          <p:cNvGrpSpPr>
+            <a:grpSpLocks/>
+          </p:cNvGrpSpPr>
+          <p:nvPr/>
+        </p:nvGrpSpPr>
+        <p:grpSpPr bwMode="auto">
+          <a:xfrm>
+            <a:off x="723038" y="422300"/>
+            <a:ext cx="6634163" cy="1889127"/>
+            <a:chOff x="919" y="1438"/>
+            <a:chExt cx="4179" cy="1190"/>
+          </a:xfrm>
+        </p:grpSpPr>
+        <p:sp>
+          <p:nvSpPr>
+            <p:cNvPr id="10" name="Line 8"/>
+            <p:cNvSpPr>
+              <a:spLocks noChangeShapeType="1"/>
+            </p:cNvSpPr>
+            <p:nvPr/>
+          </p:nvSpPr>
+          <p:spPr bwMode="gray">
+            <a:xfrm>
+              <a:off x="1399" y="1943"/>
+              <a:ext cx="3024" cy="0"/>
+            </a:xfrm>
+            <a:prstGeom prst="line">
+              <a:avLst/>
+            </a:prstGeom>
+            <a:noFill/>
+            <a:ln w="25400">
+              <a:solidFill>
+                <a:srgbClr val="969696"/>
+              </a:solidFill>
+              <a:prstDash val="sysDot"/>
+              <a:round/>
+              <a:headEnd/>
+              <a:tailEnd type="oval" w="med" len="med"/>
+            </a:ln>
+            <a:effectLst/>
+            <a:extLst>
+              <a:ext uri="{909E8E84-426E-40DD-AFC4-6F175D3DCCD1}">
+                <a14:hiddenFill xmlns:a14="http://schemas.microsoft.com/office/drawing/2010/main">
+                  <a:noFill/>
+                </a14:hiddenFill>
+              </a:ext>
+              <a:ext uri="{AF507438-7753-43E0-B8FC-AC1667EBCBE1}">
+                <a14:hiddenEffects xmlns:a14="http://schemas.microsoft.com/office/drawing/2010/main">
+                  <a:effectLst>
+                    <a:outerShdw dist="35921" dir="2700000" algn="ctr" rotWithShape="0">
+                      <a:schemeClr val="bg2"/>
+                    </a:outerShdw>
+                  </a:effectLst>
+                </a14:hiddenEffects>
+              </a:ext>
+            </a:extLst>
+          </p:spPr>
+          <p:txBody>
+            <a:bodyPr wrap="none" anchor="ctr"/>
+            <a:lstStyle/>
+            <a:p>
+              <a:endParaRPr lang="en-US"/>
+            </a:p>
+          </p:txBody>
+        </p:sp>
+        <p:sp>
+          <p:nvSpPr>
+            <p:cNvPr id="11" name="Rectangle 9"/>
+            <p:cNvSpPr>
+              <a:spLocks noChangeArrowheads="1"/>
+            </p:cNvSpPr>
+            <p:nvPr/>
+          </p:nvSpPr>
+          <p:spPr bwMode="gray">
+            <a:xfrm rot="3419336">
+              <a:off x="932" y="1425"/>
+              <a:ext cx="302" cy="328"/>
+            </a:xfrm>
+            <a:prstGeom prst="rect">
+              <a:avLst/>
+            </a:prstGeom>
+            <a:gradFill rotWithShape="1">
+              <a:gsLst>
+                <a:gs pos="0">
+                  <a:srgbClr val="99CC00"/>
+                </a:gs>
+                <a:gs pos="100000">
+                  <a:srgbClr val="99CC00">
+                    <a:gamma/>
+                    <a:shade val="46275"/>
+                    <a:invGamma/>
+                  </a:srgbClr>
+                </a:gs>
+              </a:gsLst>
+              <a:lin ang="5400000" scaled="1"/>
+            </a:gradFill>
+            <a:ln w="9525">
+              <a:miter lim="800000"/>
+              <a:headEnd/>
+              <a:tailEnd/>
+            </a:ln>
+            <a:effectLst/>
+            <a:scene3d>
+              <a:camera prst="legacyPerspectiveFront">
+                <a:rot lat="0" lon="1500000" rev="0"/>
+              </a:camera>
+              <a:lightRig rig="legacyFlat4" dir="b"/>
+            </a:scene3d>
+            <a:sp3d extrusionH="430200" prstMaterial="legacyMatte">
+              <a:bevelT w="13500" h="13500" prst="angle"/>
+              <a:bevelB w="13500" h="13500" prst="angle"/>
+              <a:extrusionClr>
+                <a:srgbClr val="99CC00"/>
+              </a:extrusionClr>
+            </a:sp3d>
+            <a:extLst>
+              <a:ext uri="{AF507438-7753-43E0-B8FC-AC1667EBCBE1}">
+                <a14:hiddenEffects xmlns:a14="http://schemas.microsoft.com/office/drawing/2010/main">
+                  <a:effectLst>
+                    <a:outerShdw dist="35921" dir="2700000" algn="ctr" rotWithShape="0">
+                      <a:schemeClr val="bg2"/>
+                    </a:outerShdw>
+                  </a:effectLst>
+                </a14:hiddenEffects>
+              </a:ext>
+            </a:extLst>
+          </p:spPr>
+          <p:txBody>
+            <a:bodyPr wrap="none" anchor="ctr">
+              <a:flatTx/>
+            </a:bodyPr>
+            <a:lstStyle/>
+            <a:p>
+              <a:endParaRPr lang="en-US"/>
+            </a:p>
+          </p:txBody>
+        </p:sp>
+        <p:sp>
+          <p:nvSpPr>
+            <p:cNvPr id="12" name="Text Box 10"/>
+            <p:cNvSpPr txBox="1">
+              <a:spLocks noChangeArrowheads="1"/>
+            </p:cNvSpPr>
+            <p:nvPr/>
+          </p:nvSpPr>
+          <p:spPr bwMode="gray">
+            <a:xfrm>
+              <a:off x="1377" y="2105"/>
+              <a:ext cx="3721" cy="523"/>
+            </a:xfrm>
+            <a:prstGeom prst="rect">
+              <a:avLst/>
+            </a:prstGeom>
+            <a:noFill/>
+            <a:ln>
+              <a:noFill/>
+            </a:ln>
+            <a:effectLst/>
+            <a:extLst>
+              <a:ext uri="{909E8E84-426E-40DD-AFC4-6F175D3DCCD1}">
+                <a14:hiddenFill xmlns:a14="http://schemas.microsoft.com/office/drawing/2010/main">
+                  <a:solidFill>
+                    <a:schemeClr val="accent1"/>
+                  </a:solidFill>
+                </a14:hiddenFill>
+              </a:ext>
+              <a:ext uri="{91240B29-F687-4F45-9708-019B960494DF}">
+                <a14:hiddenLine xmlns:a14="http://schemas.microsoft.com/office/drawing/2010/main" w="9525" algn="ctr">
+                  <a:solidFill>
+                    <a:schemeClr val="tx1"/>
+                  </a:solidFill>
+                  <a:miter lim="800000"/>
+                  <a:headEnd/>
+                  <a:tailEnd/>
+                </a14:hiddenLine>
+              </a:ext>
+              <a:ext uri="{AF507438-7753-43E0-B8FC-AC1667EBCBE1}">
+                <a14:hiddenEffects xmlns:a14="http://schemas.microsoft.com/office/drawing/2010/main">
+                  <a:effectLst>
+                    <a:outerShdw dist="35921" dir="2700000" algn="ctr" rotWithShape="0">
+                      <a:schemeClr val="bg2"/>
+                    </a:outerShdw>
+                  </a:effectLst>
+                </a14:hiddenEffects>
+              </a:ext>
+            </a:extLst>
+          </p:spPr>
+          <p:txBody>
+            <a:bodyPr wrap="square">
+              <a:spAutoFit/>
+            </a:bodyPr>
+            <a:lstStyle/>
+            <a:p>
+              <a:r>
+                <a:rPr lang="en-US" sz="2400" dirty="0"/>
+                <a:t> </a:t>
+              </a:r>
+              <a:endParaRPr lang="ru-RU" sz="2400" dirty="0"/>
+            </a:p>
+            <a:p>
+              <a:endParaRPr lang="en-US" sz="2400" dirty="0"/>
+            </a:p>
+          </p:txBody>
+        </p:sp>
+        <p:sp>
+          <p:nvSpPr>
+            <p:cNvPr id="13" name="Text Box 11"/>
+            <p:cNvSpPr txBox="1">
+              <a:spLocks noChangeArrowheads="1"/>
+            </p:cNvSpPr>
+            <p:nvPr/>
+          </p:nvSpPr>
+          <p:spPr bwMode="gray">
+            <a:xfrm>
+              <a:off x="1008" y="1443"/>
+              <a:ext cx="214" cy="291"/>
+            </a:xfrm>
+            <a:prstGeom prst="rect">
+              <a:avLst/>
+            </a:prstGeom>
+            <a:noFill/>
+            <a:ln>
+              <a:noFill/>
+            </a:ln>
+            <a:effectLst/>
+            <a:extLst>
+              <a:ext uri="{909E8E84-426E-40DD-AFC4-6F175D3DCCD1}">
+                <a14:hiddenFill xmlns:a14="http://schemas.microsoft.com/office/drawing/2010/main">
+                  <a:solidFill>
+                    <a:schemeClr val="accent1"/>
+                  </a:solidFill>
+                </a14:hiddenFill>
+              </a:ext>
+              <a:ext uri="{91240B29-F687-4F45-9708-019B960494DF}">
+                <a14:hiddenLine xmlns:a14="http://schemas.microsoft.com/office/drawing/2010/main" w="9525" algn="ctr">
+                  <a:solidFill>
+                    <a:schemeClr val="tx1"/>
+                  </a:solidFill>
+                  <a:miter lim="800000"/>
+                  <a:headEnd/>
+                  <a:tailEnd/>
+                </a14:hiddenLine>
+              </a:ext>
+              <a:ext uri="{AF507438-7753-43E0-B8FC-AC1667EBCBE1}">
+                <a14:hiddenEffects xmlns:a14="http://schemas.microsoft.com/office/drawing/2010/main">
+                  <a:effectLst>
+                    <a:outerShdw dist="35921" dir="2700000" algn="ctr" rotWithShape="0">
+                      <a:schemeClr val="bg2"/>
+                    </a:outerShdw>
+                  </a:effectLst>
+                </a14:hiddenEffects>
+              </a:ext>
+            </a:extLst>
+          </p:spPr>
+          <p:txBody>
+            <a:bodyPr wrap="none">
+              <a:spAutoFit/>
+            </a:bodyPr>
+            <a:lstStyle/>
+            <a:p>
+              <a:r>
+                <a:rPr lang="en-US" sz="2400" b="1" dirty="0"/>
+                <a:t>6</a:t>
+              </a:r>
+            </a:p>
+          </p:txBody>
+        </p:sp>
+      </p:grpSp>
+      <p:sp>
+        <p:nvSpPr>
+          <p:cNvPr id="29" name="Прямоугольник 28"/>
+          <p:cNvSpPr/>
+          <p:nvPr/>
+        </p:nvSpPr>
+        <p:spPr>
+          <a:xfrm>
+            <a:off x="1204051" y="2734849"/>
+            <a:ext cx="4049485" cy="1785104"/>
+          </a:xfrm>
+          <a:prstGeom prst="rect">
+            <a:avLst/>
+          </a:prstGeom>
+        </p:spPr>
+        <p:txBody>
+          <a:bodyPr wrap="square">
+            <a:spAutoFit/>
+          </a:bodyPr>
+          <a:lstStyle/>
+          <a:p>
+            <a:r>
+              <a:rPr lang="en-US" sz="2200" dirty="0"/>
+              <a:t>Fisher’s test: +- (</a:t>
+            </a:r>
+            <a:r>
+              <a:rPr lang="en-US" sz="2200" dirty="0" err="1"/>
+              <a:t>pv</a:t>
+            </a:r>
+            <a:r>
+              <a:rPr lang="en-US" sz="2200" dirty="0"/>
+              <a:t> = </a:t>
+            </a:r>
+            <a:r>
+              <a:rPr lang="ru-RU" altLang="ru-RU" sz="2200" dirty="0"/>
+              <a:t>0.004539</a:t>
+            </a:r>
+            <a:r>
+              <a:rPr lang="en-US" altLang="ru-RU" sz="2200" dirty="0"/>
+              <a:t>)</a:t>
+            </a:r>
+          </a:p>
+          <a:p>
+            <a:endParaRPr lang="en-US" sz="2200" dirty="0"/>
+          </a:p>
+          <a:p>
+            <a:r>
+              <a:rPr lang="en-US" sz="2200" dirty="0"/>
+              <a:t>Linear regression:</a:t>
+            </a:r>
+          </a:p>
+          <a:p>
+            <a:pPr defTabSz="357188"/>
+            <a:r>
+              <a:rPr lang="en-US" altLang="ru-RU" sz="2200" dirty="0"/>
+              <a:t>	.</a:t>
+            </a:r>
+          </a:p>
+          <a:p>
+            <a:pPr defTabSz="357188"/>
+            <a:r>
+              <a:rPr lang="en-US" altLang="ru-RU" sz="2200" dirty="0"/>
+              <a:t>	R</a:t>
+            </a:r>
+            <a:r>
+              <a:rPr lang="en-US" altLang="ru-RU" sz="2200" baseline="30000" dirty="0"/>
+              <a:t>2</a:t>
+            </a:r>
+            <a:r>
+              <a:rPr lang="en-US" altLang="ru-RU" sz="2200" dirty="0"/>
+              <a:t> = </a:t>
+            </a:r>
+            <a:r>
+              <a:rPr lang="ru-RU" altLang="ru-RU" sz="2200" dirty="0"/>
+              <a:t>0.006273 </a:t>
+            </a:r>
+            <a:r>
+              <a:rPr lang="en-US" altLang="ru-RU" sz="2200" dirty="0"/>
+              <a:t>	0.6%</a:t>
+            </a:r>
+          </a:p>
+        </p:txBody>
+      </p:sp>
+    </p:spTree>
+    <p:extLst>
+      <p:ext uri="{BB962C8B-B14F-4D97-AF65-F5344CB8AC3E}">
+        <p14:creationId xmlns:p14="http://schemas.microsoft.com/office/powerpoint/2010/main" val="4099288936"/>
+      </p:ext>
+    </p:extLst>
+  </p:cSld>
+  <p:clrMapOvr>
+    <a:masterClrMapping/>
+  </p:clrMapOvr>
+</p:sld>
+</file>
+
+<file path=ppt/slides/slide22.xml><?xml version="1.0" encoding="utf-8"?>
+<p:sld xmlns:a="http://schemas.openxmlformats.org/drawingml/2006/main" xmlns:r="http://schemas.openxmlformats.org/officeDocument/2006/relationships" xmlns:p="http://schemas.openxmlformats.org/presentationml/2006/main">
+  <p:cSld>
+    <p:spTree>
+      <p:nvGrpSpPr>
+        <p:cNvPr id="1" name=""/>
+        <p:cNvGrpSpPr/>
+        <p:nvPr/>
+      </p:nvGrpSpPr>
+      <p:grpSpPr>
+        <a:xfrm>
+          <a:off x="0" y="0"/>
+          <a:ext cx="0" cy="0"/>
+          <a:chOff x="0" y="0"/>
+          <a:chExt cx="0" cy="0"/>
+        </a:xfrm>
+      </p:grpSpPr>
+      <p:sp>
+        <p:nvSpPr>
+          <p:cNvPr id="2" name="Title 1"/>
+          <p:cNvSpPr>
+            <a:spLocks noGrp="1"/>
+          </p:cNvSpPr>
+          <p:nvPr>
+            <p:ph type="title"/>
+          </p:nvPr>
+        </p:nvSpPr>
+        <p:spPr>
+          <a:xfrm>
+            <a:off x="1444752" y="373290"/>
+            <a:ext cx="7424928" cy="1050561"/>
+          </a:xfrm>
+        </p:spPr>
+        <p:txBody>
+          <a:bodyPr>
+            <a:normAutofit fontScale="90000"/>
+          </a:bodyPr>
+          <a:lstStyle/>
+          <a:p>
+            <a:r>
+              <a:rPr lang="fr-FR" dirty="0"/>
+              <a:t>Updating the multi-variable model</a:t>
+            </a:r>
+            <a:endParaRPr lang="en-US" dirty="0"/>
+          </a:p>
+        </p:txBody>
+      </p:sp>
+      <p:grpSp>
+        <p:nvGrpSpPr>
+          <p:cNvPr id="3" name="Group 7"/>
+          <p:cNvGrpSpPr>
+            <a:grpSpLocks/>
+          </p:cNvGrpSpPr>
+          <p:nvPr/>
+        </p:nvGrpSpPr>
+        <p:grpSpPr bwMode="auto">
+          <a:xfrm>
+            <a:off x="670787" y="373290"/>
+            <a:ext cx="6634163" cy="1889127"/>
+            <a:chOff x="919" y="1438"/>
+            <a:chExt cx="4179" cy="1190"/>
+          </a:xfrm>
+        </p:grpSpPr>
+        <p:sp>
+          <p:nvSpPr>
+            <p:cNvPr id="10" name="Line 8"/>
+            <p:cNvSpPr>
+              <a:spLocks noChangeShapeType="1"/>
+            </p:cNvSpPr>
+            <p:nvPr/>
+          </p:nvSpPr>
+          <p:spPr bwMode="gray">
+            <a:xfrm>
+              <a:off x="1399" y="1943"/>
+              <a:ext cx="3024" cy="0"/>
+            </a:xfrm>
+            <a:prstGeom prst="line">
+              <a:avLst/>
+            </a:prstGeom>
+            <a:noFill/>
+            <a:ln w="25400">
+              <a:solidFill>
+                <a:srgbClr val="969696"/>
+              </a:solidFill>
+              <a:prstDash val="sysDot"/>
+              <a:round/>
+              <a:headEnd/>
+              <a:tailEnd type="oval" w="med" len="med"/>
+            </a:ln>
+            <a:effectLst/>
+            <a:extLst>
+              <a:ext uri="{909E8E84-426E-40DD-AFC4-6F175D3DCCD1}">
+                <a14:hiddenFill xmlns:a14="http://schemas.microsoft.com/office/drawing/2010/main">
+                  <a:noFill/>
+                </a14:hiddenFill>
+              </a:ext>
+              <a:ext uri="{AF507438-7753-43E0-B8FC-AC1667EBCBE1}">
+                <a14:hiddenEffects xmlns:a14="http://schemas.microsoft.com/office/drawing/2010/main">
+                  <a:effectLst>
+                    <a:outerShdw dist="35921" dir="2700000" algn="ctr" rotWithShape="0">
+                      <a:schemeClr val="bg2"/>
+                    </a:outerShdw>
+                  </a:effectLst>
+                </a14:hiddenEffects>
+              </a:ext>
+            </a:extLst>
+          </p:spPr>
+          <p:txBody>
+            <a:bodyPr wrap="none" anchor="ctr"/>
+            <a:lstStyle/>
+            <a:p>
+              <a:endParaRPr lang="en-US"/>
+            </a:p>
+          </p:txBody>
+        </p:sp>
+        <p:sp>
+          <p:nvSpPr>
+            <p:cNvPr id="11" name="Rectangle 9"/>
+            <p:cNvSpPr>
+              <a:spLocks noChangeArrowheads="1"/>
+            </p:cNvSpPr>
+            <p:nvPr/>
+          </p:nvSpPr>
+          <p:spPr bwMode="gray">
+            <a:xfrm rot="3419336">
+              <a:off x="932" y="1425"/>
+              <a:ext cx="302" cy="328"/>
+            </a:xfrm>
+            <a:prstGeom prst="rect">
+              <a:avLst/>
+            </a:prstGeom>
+            <a:gradFill rotWithShape="1">
+              <a:gsLst>
+                <a:gs pos="0">
+                  <a:srgbClr val="99CC00"/>
+                </a:gs>
+                <a:gs pos="100000">
+                  <a:srgbClr val="99CC00">
+                    <a:gamma/>
+                    <a:shade val="46275"/>
+                    <a:invGamma/>
+                  </a:srgbClr>
+                </a:gs>
+              </a:gsLst>
+              <a:lin ang="5400000" scaled="1"/>
+            </a:gradFill>
+            <a:ln w="9525">
+              <a:miter lim="800000"/>
+              <a:headEnd/>
+              <a:tailEnd/>
+            </a:ln>
+            <a:effectLst/>
+            <a:scene3d>
+              <a:camera prst="legacyPerspectiveFront">
+                <a:rot lat="0" lon="1500000" rev="0"/>
+              </a:camera>
+              <a:lightRig rig="legacyFlat4" dir="b"/>
+            </a:scene3d>
+            <a:sp3d extrusionH="430200" prstMaterial="legacyMatte">
+              <a:bevelT w="13500" h="13500" prst="angle"/>
+              <a:bevelB w="13500" h="13500" prst="angle"/>
+              <a:extrusionClr>
+                <a:srgbClr val="99CC00"/>
+              </a:extrusionClr>
+            </a:sp3d>
+            <a:extLst>
+              <a:ext uri="{AF507438-7753-43E0-B8FC-AC1667EBCBE1}">
+                <a14:hiddenEffects xmlns:a14="http://schemas.microsoft.com/office/drawing/2010/main">
+                  <a:effectLst>
+                    <a:outerShdw dist="35921" dir="2700000" algn="ctr" rotWithShape="0">
+                      <a:schemeClr val="bg2"/>
+                    </a:outerShdw>
+                  </a:effectLst>
+                </a14:hiddenEffects>
+              </a:ext>
+            </a:extLst>
+          </p:spPr>
+          <p:txBody>
+            <a:bodyPr wrap="none" anchor="ctr">
+              <a:flatTx/>
+            </a:bodyPr>
+            <a:lstStyle/>
+            <a:p>
+              <a:endParaRPr lang="en-US"/>
+            </a:p>
+          </p:txBody>
+        </p:sp>
+        <p:sp>
+          <p:nvSpPr>
+            <p:cNvPr id="12" name="Text Box 10"/>
+            <p:cNvSpPr txBox="1">
+              <a:spLocks noChangeArrowheads="1"/>
+            </p:cNvSpPr>
+            <p:nvPr/>
+          </p:nvSpPr>
+          <p:spPr bwMode="gray">
+            <a:xfrm>
+              <a:off x="1377" y="2105"/>
+              <a:ext cx="3721" cy="523"/>
+            </a:xfrm>
+            <a:prstGeom prst="rect">
+              <a:avLst/>
+            </a:prstGeom>
+            <a:noFill/>
+            <a:ln>
+              <a:noFill/>
+            </a:ln>
+            <a:effectLst/>
+            <a:extLst>
+              <a:ext uri="{909E8E84-426E-40DD-AFC4-6F175D3DCCD1}">
+                <a14:hiddenFill xmlns:a14="http://schemas.microsoft.com/office/drawing/2010/main">
+                  <a:solidFill>
+                    <a:schemeClr val="accent1"/>
+                  </a:solidFill>
+                </a14:hiddenFill>
+              </a:ext>
+              <a:ext uri="{91240B29-F687-4F45-9708-019B960494DF}">
+                <a14:hiddenLine xmlns:a14="http://schemas.microsoft.com/office/drawing/2010/main" w="9525" algn="ctr">
+                  <a:solidFill>
+                    <a:schemeClr val="tx1"/>
+                  </a:solidFill>
+                  <a:miter lim="800000"/>
+                  <a:headEnd/>
+                  <a:tailEnd/>
+                </a14:hiddenLine>
+              </a:ext>
+              <a:ext uri="{AF507438-7753-43E0-B8FC-AC1667EBCBE1}">
+                <a14:hiddenEffects xmlns:a14="http://schemas.microsoft.com/office/drawing/2010/main">
+                  <a:effectLst>
+                    <a:outerShdw dist="35921" dir="2700000" algn="ctr" rotWithShape="0">
+                      <a:schemeClr val="bg2"/>
+                    </a:outerShdw>
+                  </a:effectLst>
+                </a14:hiddenEffects>
+              </a:ext>
+            </a:extLst>
+          </p:spPr>
+          <p:txBody>
+            <a:bodyPr wrap="square">
+              <a:spAutoFit/>
+            </a:bodyPr>
+            <a:lstStyle/>
+            <a:p>
+              <a:r>
+                <a:rPr lang="en-US" sz="2400" dirty="0"/>
+                <a:t> </a:t>
+              </a:r>
+              <a:endParaRPr lang="ru-RU" sz="2400" dirty="0"/>
+            </a:p>
+            <a:p>
+              <a:endParaRPr lang="en-US" sz="2400" dirty="0"/>
+            </a:p>
+          </p:txBody>
+        </p:sp>
+        <p:sp>
+          <p:nvSpPr>
+            <p:cNvPr id="13" name="Text Box 11"/>
+            <p:cNvSpPr txBox="1">
+              <a:spLocks noChangeArrowheads="1"/>
+            </p:cNvSpPr>
+            <p:nvPr/>
+          </p:nvSpPr>
+          <p:spPr bwMode="gray">
+            <a:xfrm>
+              <a:off x="1008" y="1443"/>
+              <a:ext cx="214" cy="291"/>
+            </a:xfrm>
+            <a:prstGeom prst="rect">
+              <a:avLst/>
+            </a:prstGeom>
+            <a:noFill/>
+            <a:ln>
+              <a:noFill/>
+            </a:ln>
+            <a:effectLst/>
+            <a:extLst>
+              <a:ext uri="{909E8E84-426E-40DD-AFC4-6F175D3DCCD1}">
+                <a14:hiddenFill xmlns:a14="http://schemas.microsoft.com/office/drawing/2010/main">
+                  <a:solidFill>
+                    <a:schemeClr val="accent1"/>
+                  </a:solidFill>
+                </a14:hiddenFill>
+              </a:ext>
+              <a:ext uri="{91240B29-F687-4F45-9708-019B960494DF}">
+                <a14:hiddenLine xmlns:a14="http://schemas.microsoft.com/office/drawing/2010/main" w="9525" algn="ctr">
+                  <a:solidFill>
+                    <a:schemeClr val="tx1"/>
+                  </a:solidFill>
+                  <a:miter lim="800000"/>
+                  <a:headEnd/>
+                  <a:tailEnd/>
+                </a14:hiddenLine>
+              </a:ext>
+              <a:ext uri="{AF507438-7753-43E0-B8FC-AC1667EBCBE1}">
+                <a14:hiddenEffects xmlns:a14="http://schemas.microsoft.com/office/drawing/2010/main">
+                  <a:effectLst>
+                    <a:outerShdw dist="35921" dir="2700000" algn="ctr" rotWithShape="0">
+                      <a:schemeClr val="bg2"/>
+                    </a:outerShdw>
+                  </a:effectLst>
+                </a14:hiddenEffects>
+              </a:ext>
+            </a:extLst>
+          </p:spPr>
+          <p:txBody>
+            <a:bodyPr wrap="none">
+              <a:spAutoFit/>
+            </a:bodyPr>
+            <a:lstStyle/>
+            <a:p>
+              <a:r>
+                <a:rPr lang="en-US" sz="2400" b="1" dirty="0"/>
+                <a:t>6</a:t>
+              </a:r>
+            </a:p>
+          </p:txBody>
+        </p:sp>
+      </p:grpSp>
+      <p:sp>
+        <p:nvSpPr>
+          <p:cNvPr id="14" name="Прямоугольник 13">
+            <a:extLst>
+              <a:ext uri="{FF2B5EF4-FFF2-40B4-BE49-F238E27FC236}">
+                <a16:creationId xmlns:a16="http://schemas.microsoft.com/office/drawing/2014/main" id="{B2E904BF-98FC-465E-AFC0-8DC0CD69217C}"/>
+              </a:ext>
+            </a:extLst>
+          </p:cNvPr>
+          <p:cNvSpPr/>
+          <p:nvPr/>
+        </p:nvSpPr>
+        <p:spPr>
+          <a:xfrm>
+            <a:off x="1204051" y="1989909"/>
+            <a:ext cx="7424928" cy="4524315"/>
+          </a:xfrm>
+          <a:prstGeom prst="rect">
+            <a:avLst/>
+          </a:prstGeom>
+        </p:spPr>
+        <p:txBody>
+          <a:bodyPr wrap="square">
+            <a:spAutoFit/>
+          </a:bodyPr>
+          <a:lstStyle/>
+          <a:p>
+            <a:r>
+              <a:rPr lang="en-US" sz="2400" b="1" dirty="0"/>
+              <a:t>form ~ </a:t>
+            </a:r>
+            <a:r>
+              <a:rPr lang="en-US" sz="2400" b="1" dirty="0" err="1"/>
+              <a:t>context_pos</a:t>
+            </a:r>
+            <a:r>
+              <a:rPr lang="en-US" sz="2400" b="1" dirty="0"/>
+              <a:t> + </a:t>
+            </a:r>
+            <a:r>
+              <a:rPr lang="en-US" sz="2400" b="1" dirty="0" err="1"/>
+              <a:t>conj</a:t>
+            </a:r>
+            <a:r>
+              <a:rPr lang="en-US" sz="2400" b="1" dirty="0"/>
+              <a:t> + sex + length +</a:t>
+            </a:r>
+          </a:p>
+          <a:p>
+            <a:r>
+              <a:rPr lang="en-US" sz="2400" b="1" dirty="0"/>
+              <a:t>	+ </a:t>
+            </a:r>
+            <a:r>
+              <a:rPr lang="en-US" sz="2400" b="1" dirty="0" err="1"/>
+              <a:t>part_of_speech</a:t>
+            </a:r>
+            <a:r>
+              <a:rPr lang="en-US" sz="2400" b="1" dirty="0"/>
+              <a:t> + </a:t>
+            </a:r>
+            <a:r>
+              <a:rPr lang="en-US" sz="2400" b="1" dirty="0" err="1"/>
+              <a:t>past_tense</a:t>
+            </a:r>
+            <a:endParaRPr lang="en-US" sz="2400" dirty="0"/>
+          </a:p>
+          <a:p>
+            <a:endParaRPr lang="ru-RU" sz="2400" dirty="0"/>
+          </a:p>
+          <a:p>
+            <a:r>
+              <a:rPr lang="en-US" sz="2400" dirty="0"/>
+              <a:t>Linear regression:</a:t>
+            </a:r>
+          </a:p>
+          <a:p>
+            <a:pPr defTabSz="357188"/>
+            <a:r>
+              <a:rPr lang="en-US" sz="2400" dirty="0"/>
+              <a:t>	***	</a:t>
+            </a:r>
+            <a:r>
+              <a:rPr lang="en-US" sz="2400" dirty="0" err="1"/>
+              <a:t>context_pos</a:t>
+            </a:r>
+            <a:r>
+              <a:rPr lang="en-US" sz="2400" dirty="0"/>
+              <a:t>				part</a:t>
+            </a:r>
+          </a:p>
+          <a:p>
+            <a:pPr defTabSz="357188"/>
+            <a:r>
+              <a:rPr lang="en-US" sz="2400" dirty="0"/>
+              <a:t>	**		</a:t>
+            </a:r>
+            <a:r>
+              <a:rPr lang="en-US" sz="2400" dirty="0" err="1"/>
+              <a:t>conj</a:t>
+            </a:r>
+            <a:r>
+              <a:rPr lang="en-US" sz="2400" dirty="0"/>
+              <a:t>							v</a:t>
+            </a:r>
+          </a:p>
+          <a:p>
+            <a:pPr defTabSz="357188"/>
+            <a:r>
+              <a:rPr lang="en-US" sz="2400" dirty="0"/>
+              <a:t>	*		sex						 	</a:t>
+            </a:r>
+            <a:r>
+              <a:rPr lang="en-US" sz="2400" dirty="0" err="1"/>
+              <a:t>past_tense</a:t>
+            </a:r>
+            <a:endParaRPr lang="en-US" sz="2400" dirty="0"/>
+          </a:p>
+          <a:p>
+            <a:pPr defTabSz="357188"/>
+            <a:r>
+              <a:rPr lang="en-US" sz="2400" dirty="0"/>
+              <a:t>	**		length						</a:t>
+            </a:r>
+          </a:p>
+          <a:p>
+            <a:pPr defTabSz="357188"/>
+            <a:r>
+              <a:rPr lang="en-US" sz="2400" dirty="0"/>
+              <a:t>	**		adv</a:t>
+            </a:r>
+          </a:p>
+          <a:p>
+            <a:pPr defTabSz="357188"/>
+            <a:r>
+              <a:rPr lang="en-US" sz="2400" dirty="0"/>
+              <a:t>	</a:t>
+            </a:r>
+            <a:r>
+              <a:rPr lang="en-US" altLang="ru-RU" sz="2400" dirty="0"/>
+              <a:t>R</a:t>
+            </a:r>
+            <a:r>
+              <a:rPr lang="en-US" altLang="ru-RU" sz="2400" baseline="30000" dirty="0"/>
+              <a:t>2</a:t>
+            </a:r>
+            <a:r>
+              <a:rPr lang="en-US" altLang="ru-RU" sz="2400" dirty="0"/>
+              <a:t> = </a:t>
+            </a:r>
+            <a:r>
+              <a:rPr lang="ru-RU" altLang="ru-RU" sz="2400" dirty="0"/>
+              <a:t>0.1381</a:t>
+            </a:r>
+            <a:r>
+              <a:rPr lang="en-US" altLang="ru-RU" sz="2400" dirty="0"/>
+              <a:t>		14% (+</a:t>
+            </a:r>
+            <a:r>
+              <a:rPr lang="ru-RU" altLang="ru-RU" sz="2400" dirty="0"/>
+              <a:t>0.</a:t>
+            </a:r>
+            <a:r>
+              <a:rPr lang="en-US" altLang="ru-RU" sz="2400" dirty="0"/>
+              <a:t>12%)</a:t>
+            </a:r>
+            <a:endParaRPr lang="en-US" sz="2400" dirty="0"/>
+          </a:p>
+          <a:p>
+            <a:endParaRPr lang="en-US" sz="2400" dirty="0"/>
+          </a:p>
+          <a:p>
+            <a:pPr algn="ctr"/>
+            <a:r>
+              <a:rPr lang="en-US" sz="2400" b="1" dirty="0"/>
+              <a:t>Not worth it.</a:t>
+            </a:r>
+            <a:endParaRPr lang="ru-RU" sz="2400" b="1" dirty="0"/>
+          </a:p>
+        </p:txBody>
+      </p:sp>
+    </p:spTree>
+    <p:extLst>
+      <p:ext uri="{BB962C8B-B14F-4D97-AF65-F5344CB8AC3E}">
+        <p14:creationId xmlns:p14="http://schemas.microsoft.com/office/powerpoint/2010/main" val="4027944340"/>
+      </p:ext>
+    </p:extLst>
+  </p:cSld>
+  <p:clrMapOvr>
+    <a:masterClrMapping/>
+  </p:clrMapOvr>
+</p:sld>
+</file>
+
+<file path=ppt/slides/slide23.xml><?xml version="1.0" encoding="utf-8"?>
+<p:sld xmlns:a="http://schemas.openxmlformats.org/drawingml/2006/main" xmlns:r="http://schemas.openxmlformats.org/officeDocument/2006/relationships" xmlns:p="http://schemas.openxmlformats.org/presentationml/2006/main">
+  <p:cSld>
+    <p:spTree>
+      <p:nvGrpSpPr>
+        <p:cNvPr id="1" name=""/>
+        <p:cNvGrpSpPr/>
+        <p:nvPr/>
+      </p:nvGrpSpPr>
+      <p:grpSpPr>
+        <a:xfrm>
+          <a:off x="0" y="0"/>
+          <a:ext cx="0" cy="0"/>
+          <a:chOff x="0" y="0"/>
+          <a:chExt cx="0" cy="0"/>
+        </a:xfrm>
+      </p:grpSpPr>
+      <p:pic>
+        <p:nvPicPr>
+          <p:cNvPr id="1026" name="Picture 2">
+            <a:extLst>
+              <a:ext uri="{FF2B5EF4-FFF2-40B4-BE49-F238E27FC236}">
+                <a16:creationId xmlns:a16="http://schemas.microsoft.com/office/drawing/2014/main" id="{E9F8C7E3-61FD-47F4-B916-0E015E1F7140}"/>
+              </a:ext>
+            </a:extLst>
+          </p:cNvPr>
+          <p:cNvPicPr>
+            <a:picLocks noChangeAspect="1" noChangeArrowheads="1"/>
+          </p:cNvPicPr>
+          <p:nvPr/>
+        </p:nvPicPr>
+        <p:blipFill>
+          <a:blip r:embed="rId2">
+            <a:extLst>
+              <a:ext uri="{28A0092B-C50C-407E-A947-70E740481C1C}">
+                <a14:useLocalDpi xmlns:a14="http://schemas.microsoft.com/office/drawing/2010/main" val="0"/>
+              </a:ext>
+            </a:extLst>
+          </a:blip>
+          <a:srcRect/>
+          <a:stretch/>
+        </p:blipFill>
+        <p:spPr bwMode="auto">
+          <a:xfrm>
+            <a:off x="3228794" y="1896295"/>
+            <a:ext cx="6667496" cy="4114797"/>
+          </a:xfrm>
+          <a:prstGeom prst="rect">
+            <a:avLst/>
+          </a:prstGeom>
+          <a:noFill/>
+          <a:extLst>
+            <a:ext uri="{909E8E84-426E-40DD-AFC4-6F175D3DCCD1}">
+              <a14:hiddenFill xmlns:a14="http://schemas.microsoft.com/office/drawing/2010/main">
+                <a:solidFill>
+                  <a:srgbClr val="FFFFFF"/>
+                </a:solidFill>
+              </a14:hiddenFill>
+            </a:ext>
+          </a:extLst>
+        </p:spPr>
+      </p:pic>
+      <p:sp>
+        <p:nvSpPr>
+          <p:cNvPr id="2" name="Title 1"/>
+          <p:cNvSpPr>
+            <a:spLocks noGrp="1"/>
+          </p:cNvSpPr>
+          <p:nvPr>
+            <p:ph type="title"/>
+          </p:nvPr>
+        </p:nvSpPr>
+        <p:spPr>
+          <a:xfrm>
+            <a:off x="1444752" y="373290"/>
+            <a:ext cx="7424928" cy="1050561"/>
+          </a:xfrm>
+        </p:spPr>
+        <p:txBody>
+          <a:bodyPr>
+            <a:normAutofit fontScale="90000"/>
+          </a:bodyPr>
+          <a:lstStyle/>
+          <a:p>
+            <a:r>
+              <a:rPr lang="en-US" dirty="0"/>
+              <a:t>Results: Provisional and</a:t>
+            </a:r>
+            <a:br>
+              <a:rPr lang="en-US" dirty="0"/>
+            </a:br>
+            <a:r>
+              <a:rPr lang="en-US" dirty="0"/>
+              <a:t>conditional form</a:t>
+            </a:r>
+            <a:br>
+              <a:rPr lang="en-US" dirty="0"/>
+            </a:br>
+            <a:endParaRPr lang="en-US" dirty="0"/>
+          </a:p>
+        </p:txBody>
+      </p:sp>
+      <p:grpSp>
+        <p:nvGrpSpPr>
+          <p:cNvPr id="3" name="Group 7"/>
+          <p:cNvGrpSpPr>
+            <a:grpSpLocks/>
+          </p:cNvGrpSpPr>
+          <p:nvPr/>
+        </p:nvGrpSpPr>
+        <p:grpSpPr bwMode="auto">
+          <a:xfrm>
+            <a:off x="723038" y="422300"/>
+            <a:ext cx="6634163" cy="1889127"/>
+            <a:chOff x="919" y="1438"/>
+            <a:chExt cx="4179" cy="1190"/>
+          </a:xfrm>
+        </p:grpSpPr>
+        <p:sp>
+          <p:nvSpPr>
+            <p:cNvPr id="10" name="Line 8"/>
+            <p:cNvSpPr>
+              <a:spLocks noChangeShapeType="1"/>
+            </p:cNvSpPr>
+            <p:nvPr/>
+          </p:nvSpPr>
+          <p:spPr bwMode="gray">
+            <a:xfrm>
+              <a:off x="1399" y="1943"/>
+              <a:ext cx="3024" cy="0"/>
+            </a:xfrm>
+            <a:prstGeom prst="line">
+              <a:avLst/>
+            </a:prstGeom>
+            <a:noFill/>
+            <a:ln w="25400">
+              <a:solidFill>
+                <a:srgbClr val="969696"/>
+              </a:solidFill>
+              <a:prstDash val="sysDot"/>
+              <a:round/>
+              <a:headEnd/>
+              <a:tailEnd type="oval" w="med" len="med"/>
+            </a:ln>
+            <a:effectLst/>
+            <a:extLst>
+              <a:ext uri="{909E8E84-426E-40DD-AFC4-6F175D3DCCD1}">
+                <a14:hiddenFill xmlns:a14="http://schemas.microsoft.com/office/drawing/2010/main">
+                  <a:noFill/>
+                </a14:hiddenFill>
+              </a:ext>
+              <a:ext uri="{AF507438-7753-43E0-B8FC-AC1667EBCBE1}">
+                <a14:hiddenEffects xmlns:a14="http://schemas.microsoft.com/office/drawing/2010/main">
+                  <a:effectLst>
+                    <a:outerShdw dist="35921" dir="2700000" algn="ctr" rotWithShape="0">
+                      <a:schemeClr val="bg2"/>
+                    </a:outerShdw>
+                  </a:effectLst>
+                </a14:hiddenEffects>
+              </a:ext>
+            </a:extLst>
+          </p:spPr>
+          <p:txBody>
+            <a:bodyPr wrap="none" anchor="ctr"/>
+            <a:lstStyle/>
+            <a:p>
+              <a:endParaRPr lang="en-US"/>
+            </a:p>
+          </p:txBody>
+        </p:sp>
+        <p:sp>
+          <p:nvSpPr>
+            <p:cNvPr id="11" name="Rectangle 9"/>
+            <p:cNvSpPr>
+              <a:spLocks noChangeArrowheads="1"/>
+            </p:cNvSpPr>
+            <p:nvPr/>
+          </p:nvSpPr>
+          <p:spPr bwMode="gray">
+            <a:xfrm rot="3419336">
+              <a:off x="932" y="1425"/>
+              <a:ext cx="302" cy="328"/>
+            </a:xfrm>
+            <a:prstGeom prst="rect">
+              <a:avLst/>
+            </a:prstGeom>
+            <a:gradFill rotWithShape="1">
+              <a:gsLst>
+                <a:gs pos="0">
+                  <a:srgbClr val="99CC00"/>
+                </a:gs>
+                <a:gs pos="100000">
+                  <a:srgbClr val="99CC00">
+                    <a:gamma/>
+                    <a:shade val="46275"/>
+                    <a:invGamma/>
+                  </a:srgbClr>
+                </a:gs>
+              </a:gsLst>
+              <a:lin ang="5400000" scaled="1"/>
+            </a:gradFill>
+            <a:ln w="9525">
+              <a:miter lim="800000"/>
+              <a:headEnd/>
+              <a:tailEnd/>
+            </a:ln>
+            <a:effectLst/>
+            <a:scene3d>
+              <a:camera prst="legacyPerspectiveFront">
+                <a:rot lat="0" lon="1500000" rev="0"/>
+              </a:camera>
+              <a:lightRig rig="legacyFlat4" dir="b"/>
+            </a:scene3d>
+            <a:sp3d extrusionH="430200" prstMaterial="legacyMatte">
+              <a:bevelT w="13500" h="13500" prst="angle"/>
+              <a:bevelB w="13500" h="13500" prst="angle"/>
+              <a:extrusionClr>
+                <a:srgbClr val="99CC00"/>
+              </a:extrusionClr>
+            </a:sp3d>
+            <a:extLst>
+              <a:ext uri="{AF507438-7753-43E0-B8FC-AC1667EBCBE1}">
+                <a14:hiddenEffects xmlns:a14="http://schemas.microsoft.com/office/drawing/2010/main">
+                  <a:effectLst>
+                    <a:outerShdw dist="35921" dir="2700000" algn="ctr" rotWithShape="0">
+                      <a:schemeClr val="bg2"/>
+                    </a:outerShdw>
+                  </a:effectLst>
+                </a14:hiddenEffects>
+              </a:ext>
+            </a:extLst>
+          </p:spPr>
+          <p:txBody>
+            <a:bodyPr wrap="none" anchor="ctr">
+              <a:flatTx/>
+            </a:bodyPr>
+            <a:lstStyle/>
+            <a:p>
+              <a:endParaRPr lang="en-US"/>
+            </a:p>
+          </p:txBody>
+        </p:sp>
+        <p:sp>
+          <p:nvSpPr>
+            <p:cNvPr id="12" name="Text Box 10"/>
+            <p:cNvSpPr txBox="1">
+              <a:spLocks noChangeArrowheads="1"/>
+            </p:cNvSpPr>
+            <p:nvPr/>
+          </p:nvSpPr>
+          <p:spPr bwMode="gray">
+            <a:xfrm>
+              <a:off x="1377" y="2105"/>
+              <a:ext cx="3721" cy="523"/>
+            </a:xfrm>
+            <a:prstGeom prst="rect">
+              <a:avLst/>
+            </a:prstGeom>
+            <a:noFill/>
+            <a:ln>
+              <a:noFill/>
+            </a:ln>
+            <a:effectLst/>
+            <a:extLst>
+              <a:ext uri="{909E8E84-426E-40DD-AFC4-6F175D3DCCD1}">
+                <a14:hiddenFill xmlns:a14="http://schemas.microsoft.com/office/drawing/2010/main">
+                  <a:solidFill>
+                    <a:schemeClr val="accent1"/>
+                  </a:solidFill>
+                </a14:hiddenFill>
+              </a:ext>
+              <a:ext uri="{91240B29-F687-4F45-9708-019B960494DF}">
+                <a14:hiddenLine xmlns:a14="http://schemas.microsoft.com/office/drawing/2010/main" w="9525" algn="ctr">
+                  <a:solidFill>
+                    <a:schemeClr val="tx1"/>
+                  </a:solidFill>
+                  <a:miter lim="800000"/>
+                  <a:headEnd/>
+                  <a:tailEnd/>
+                </a14:hiddenLine>
+              </a:ext>
+              <a:ext uri="{AF507438-7753-43E0-B8FC-AC1667EBCBE1}">
+                <a14:hiddenEffects xmlns:a14="http://schemas.microsoft.com/office/drawing/2010/main">
+                  <a:effectLst>
+                    <a:outerShdw dist="35921" dir="2700000" algn="ctr" rotWithShape="0">
+                      <a:schemeClr val="bg2"/>
+                    </a:outerShdw>
+                  </a:effectLst>
+                </a14:hiddenEffects>
+              </a:ext>
+            </a:extLst>
+          </p:spPr>
+          <p:txBody>
+            <a:bodyPr wrap="square">
+              <a:spAutoFit/>
+            </a:bodyPr>
+            <a:lstStyle/>
+            <a:p>
+              <a:r>
+                <a:rPr lang="en-US" sz="2400" dirty="0"/>
+                <a:t> </a:t>
+              </a:r>
+              <a:endParaRPr lang="ru-RU" sz="2400" dirty="0"/>
+            </a:p>
+            <a:p>
+              <a:endParaRPr lang="en-US" sz="2400" dirty="0"/>
+            </a:p>
+          </p:txBody>
+        </p:sp>
+        <p:sp>
+          <p:nvSpPr>
+            <p:cNvPr id="13" name="Text Box 11"/>
+            <p:cNvSpPr txBox="1">
+              <a:spLocks noChangeArrowheads="1"/>
+            </p:cNvSpPr>
+            <p:nvPr/>
+          </p:nvSpPr>
+          <p:spPr bwMode="gray">
+            <a:xfrm>
+              <a:off x="1008" y="1443"/>
+              <a:ext cx="214" cy="291"/>
+            </a:xfrm>
+            <a:prstGeom prst="rect">
+              <a:avLst/>
+            </a:prstGeom>
+            <a:noFill/>
+            <a:ln>
+              <a:noFill/>
+            </a:ln>
+            <a:effectLst/>
+            <a:extLst>
+              <a:ext uri="{909E8E84-426E-40DD-AFC4-6F175D3DCCD1}">
+                <a14:hiddenFill xmlns:a14="http://schemas.microsoft.com/office/drawing/2010/main">
+                  <a:solidFill>
+                    <a:schemeClr val="accent1"/>
+                  </a:solidFill>
+                </a14:hiddenFill>
+              </a:ext>
+              <a:ext uri="{91240B29-F687-4F45-9708-019B960494DF}">
+                <a14:hiddenLine xmlns:a14="http://schemas.microsoft.com/office/drawing/2010/main" w="9525" algn="ctr">
+                  <a:solidFill>
+                    <a:schemeClr val="tx1"/>
+                  </a:solidFill>
+                  <a:miter lim="800000"/>
+                  <a:headEnd/>
+                  <a:tailEnd/>
+                </a14:hiddenLine>
+              </a:ext>
+              <a:ext uri="{AF507438-7753-43E0-B8FC-AC1667EBCBE1}">
+                <a14:hiddenEffects xmlns:a14="http://schemas.microsoft.com/office/drawing/2010/main">
+                  <a:effectLst>
+                    <a:outerShdw dist="35921" dir="2700000" algn="ctr" rotWithShape="0">
+                      <a:schemeClr val="bg2"/>
+                    </a:outerShdw>
+                  </a:effectLst>
+                </a14:hiddenEffects>
+              </a:ext>
+            </a:extLst>
+          </p:spPr>
+          <p:txBody>
+            <a:bodyPr wrap="none">
+              <a:spAutoFit/>
+            </a:bodyPr>
+            <a:lstStyle/>
+            <a:p>
+              <a:r>
+                <a:rPr lang="en-US" sz="2400" b="1" dirty="0"/>
+                <a:t>6</a:t>
+              </a:r>
+            </a:p>
+          </p:txBody>
+        </p:sp>
+      </p:grpSp>
+      <p:sp>
+        <p:nvSpPr>
+          <p:cNvPr id="29" name="Прямоугольник 28"/>
+          <p:cNvSpPr/>
+          <p:nvPr/>
+        </p:nvSpPr>
+        <p:spPr>
+          <a:xfrm>
+            <a:off x="1204051" y="2734849"/>
+            <a:ext cx="4049485" cy="2769989"/>
+          </a:xfrm>
+          <a:prstGeom prst="rect">
+            <a:avLst/>
+          </a:prstGeom>
+        </p:spPr>
+        <p:txBody>
+          <a:bodyPr wrap="square">
+            <a:spAutoFit/>
+          </a:bodyPr>
+          <a:lstStyle/>
+          <a:p>
+            <a:r>
+              <a:rPr lang="en-US" sz="2200" dirty="0"/>
+              <a:t>Fisher’s test: ++ (</a:t>
+            </a:r>
+            <a:r>
+              <a:rPr lang="en-US" sz="2200" dirty="0" err="1"/>
+              <a:t>pv</a:t>
+            </a:r>
+            <a:r>
+              <a:rPr lang="en-US" sz="2200" dirty="0"/>
+              <a:t> = </a:t>
+            </a:r>
+            <a:r>
+              <a:rPr lang="en-US" altLang="ru-RU" sz="2200" dirty="0"/>
+              <a:t>1.533e-12)</a:t>
+            </a:r>
+          </a:p>
+          <a:p>
+            <a:endParaRPr lang="en-US" sz="2200" dirty="0"/>
+          </a:p>
+          <a:p>
+            <a:r>
+              <a:rPr lang="en-US" sz="2200" dirty="0"/>
+              <a:t>Linear regression:</a:t>
+            </a:r>
+          </a:p>
+          <a:p>
+            <a:pPr defTabSz="357188"/>
+            <a:r>
+              <a:rPr lang="en-US" altLang="ru-RU" sz="2200" dirty="0"/>
+              <a:t>	***	separate word</a:t>
+            </a:r>
+          </a:p>
+          <a:p>
+            <a:pPr defTabSz="357188"/>
+            <a:r>
+              <a:rPr lang="en-US" altLang="ru-RU" sz="2200" dirty="0"/>
+              <a:t>	.		Verbal form</a:t>
+            </a:r>
+          </a:p>
+          <a:p>
+            <a:pPr defTabSz="357188"/>
+            <a:r>
+              <a:rPr lang="en-US" altLang="ru-RU" sz="2200" dirty="0"/>
+              <a:t>	R</a:t>
+            </a:r>
+            <a:r>
+              <a:rPr lang="en-US" altLang="ru-RU" sz="2200" baseline="30000" dirty="0"/>
+              <a:t>2</a:t>
+            </a:r>
+            <a:r>
+              <a:rPr lang="en-US" altLang="ru-RU" sz="2200" dirty="0"/>
+              <a:t> = </a:t>
+            </a:r>
+            <a:r>
+              <a:rPr lang="ru-RU" altLang="ru-RU" sz="2200" dirty="0"/>
+              <a:t>0.112 </a:t>
+            </a:r>
+            <a:r>
+              <a:rPr lang="en-US" altLang="ru-RU" sz="2200" dirty="0"/>
+              <a:t>	11% (!)</a:t>
+            </a:r>
+          </a:p>
+          <a:p>
+            <a:pPr defTabSz="357188"/>
+            <a:endParaRPr lang="en-US" altLang="ru-RU" sz="2200" dirty="0"/>
+          </a:p>
+          <a:p>
+            <a:pPr algn="ctr" defTabSz="357188"/>
+            <a:r>
+              <a:rPr lang="ru-RU" sz="2000" b="1" dirty="0"/>
+              <a:t>👍</a:t>
+            </a:r>
+          </a:p>
+        </p:txBody>
+      </p:sp>
+    </p:spTree>
+    <p:extLst>
+      <p:ext uri="{BB962C8B-B14F-4D97-AF65-F5344CB8AC3E}">
+        <p14:creationId xmlns:p14="http://schemas.microsoft.com/office/powerpoint/2010/main" val="1246773444"/>
+      </p:ext>
+    </p:extLst>
+  </p:cSld>
+  <p:clrMapOvr>
+    <a:masterClrMapping/>
+  </p:clrMapOvr>
+</p:sld>
+</file>
+
+<file path=ppt/slides/slide24.xml><?xml version="1.0" encoding="utf-8"?>
+<p:sld xmlns:a="http://schemas.openxmlformats.org/drawingml/2006/main" xmlns:r="http://schemas.openxmlformats.org/officeDocument/2006/relationships" xmlns:p="http://schemas.openxmlformats.org/presentationml/2006/main">
+  <p:cSld>
+    <p:spTree>
+      <p:nvGrpSpPr>
+        <p:cNvPr id="1" name=""/>
+        <p:cNvGrpSpPr/>
+        <p:nvPr/>
+      </p:nvGrpSpPr>
+      <p:grpSpPr>
+        <a:xfrm>
+          <a:off x="0" y="0"/>
+          <a:ext cx="0" cy="0"/>
+          <a:chOff x="0" y="0"/>
+          <a:chExt cx="0" cy="0"/>
+        </a:xfrm>
+      </p:grpSpPr>
+      <p:sp>
+        <p:nvSpPr>
+          <p:cNvPr id="2" name="Title 1"/>
+          <p:cNvSpPr>
+            <a:spLocks noGrp="1"/>
+          </p:cNvSpPr>
+          <p:nvPr>
+            <p:ph type="title"/>
+          </p:nvPr>
+        </p:nvSpPr>
+        <p:spPr>
+          <a:xfrm>
+            <a:off x="1444752" y="373290"/>
+            <a:ext cx="7424928" cy="1050561"/>
+          </a:xfrm>
+        </p:spPr>
+        <p:txBody>
+          <a:bodyPr>
+            <a:normAutofit fontScale="90000"/>
+          </a:bodyPr>
+          <a:lstStyle/>
+          <a:p>
+            <a:r>
+              <a:rPr lang="fr-FR" dirty="0"/>
+              <a:t>Updating the multi-variable model</a:t>
+            </a:r>
+            <a:endParaRPr lang="en-US" dirty="0"/>
+          </a:p>
+        </p:txBody>
+      </p:sp>
+      <p:grpSp>
+        <p:nvGrpSpPr>
+          <p:cNvPr id="3" name="Group 7"/>
+          <p:cNvGrpSpPr>
+            <a:grpSpLocks/>
+          </p:cNvGrpSpPr>
+          <p:nvPr/>
+        </p:nvGrpSpPr>
+        <p:grpSpPr bwMode="auto">
+          <a:xfrm>
+            <a:off x="670787" y="373290"/>
+            <a:ext cx="6634163" cy="1889127"/>
+            <a:chOff x="919" y="1438"/>
+            <a:chExt cx="4179" cy="1190"/>
+          </a:xfrm>
+        </p:grpSpPr>
+        <p:sp>
+          <p:nvSpPr>
+            <p:cNvPr id="10" name="Line 8"/>
+            <p:cNvSpPr>
+              <a:spLocks noChangeShapeType="1"/>
+            </p:cNvSpPr>
+            <p:nvPr/>
+          </p:nvSpPr>
+          <p:spPr bwMode="gray">
+            <a:xfrm>
+              <a:off x="1399" y="1943"/>
+              <a:ext cx="3024" cy="0"/>
+            </a:xfrm>
+            <a:prstGeom prst="line">
+              <a:avLst/>
+            </a:prstGeom>
+            <a:noFill/>
+            <a:ln w="25400">
+              <a:solidFill>
+                <a:srgbClr val="969696"/>
+              </a:solidFill>
+              <a:prstDash val="sysDot"/>
+              <a:round/>
+              <a:headEnd/>
+              <a:tailEnd type="oval" w="med" len="med"/>
+            </a:ln>
+            <a:effectLst/>
+            <a:extLst>
+              <a:ext uri="{909E8E84-426E-40DD-AFC4-6F175D3DCCD1}">
+                <a14:hiddenFill xmlns:a14="http://schemas.microsoft.com/office/drawing/2010/main">
+                  <a:noFill/>
+                </a14:hiddenFill>
+              </a:ext>
+              <a:ext uri="{AF507438-7753-43E0-B8FC-AC1667EBCBE1}">
+                <a14:hiddenEffects xmlns:a14="http://schemas.microsoft.com/office/drawing/2010/main">
+                  <a:effectLst>
+                    <a:outerShdw dist="35921" dir="2700000" algn="ctr" rotWithShape="0">
+                      <a:schemeClr val="bg2"/>
+                    </a:outerShdw>
+                  </a:effectLst>
+                </a14:hiddenEffects>
+              </a:ext>
+            </a:extLst>
+          </p:spPr>
+          <p:txBody>
+            <a:bodyPr wrap="none" anchor="ctr"/>
+            <a:lstStyle/>
+            <a:p>
+              <a:endParaRPr lang="en-US"/>
+            </a:p>
+          </p:txBody>
+        </p:sp>
+        <p:sp>
+          <p:nvSpPr>
+            <p:cNvPr id="11" name="Rectangle 9"/>
+            <p:cNvSpPr>
+              <a:spLocks noChangeArrowheads="1"/>
+            </p:cNvSpPr>
+            <p:nvPr/>
+          </p:nvSpPr>
+          <p:spPr bwMode="gray">
+            <a:xfrm rot="3419336">
+              <a:off x="932" y="1425"/>
+              <a:ext cx="302" cy="328"/>
+            </a:xfrm>
+            <a:prstGeom prst="rect">
+              <a:avLst/>
+            </a:prstGeom>
+            <a:gradFill rotWithShape="1">
+              <a:gsLst>
+                <a:gs pos="0">
+                  <a:srgbClr val="99CC00"/>
+                </a:gs>
+                <a:gs pos="100000">
+                  <a:srgbClr val="99CC00">
+                    <a:gamma/>
+                    <a:shade val="46275"/>
+                    <a:invGamma/>
+                  </a:srgbClr>
+                </a:gs>
+              </a:gsLst>
+              <a:lin ang="5400000" scaled="1"/>
+            </a:gradFill>
+            <a:ln w="9525">
+              <a:miter lim="800000"/>
+              <a:headEnd/>
+              <a:tailEnd/>
+            </a:ln>
+            <a:effectLst/>
+            <a:scene3d>
+              <a:camera prst="legacyPerspectiveFront">
+                <a:rot lat="0" lon="1500000" rev="0"/>
+              </a:camera>
+              <a:lightRig rig="legacyFlat4" dir="b"/>
+            </a:scene3d>
+            <a:sp3d extrusionH="430200" prstMaterial="legacyMatte">
+              <a:bevelT w="13500" h="13500" prst="angle"/>
+              <a:bevelB w="13500" h="13500" prst="angle"/>
+              <a:extrusionClr>
+                <a:srgbClr val="99CC00"/>
+              </a:extrusionClr>
+            </a:sp3d>
+            <a:extLst>
+              <a:ext uri="{AF507438-7753-43E0-B8FC-AC1667EBCBE1}">
+                <a14:hiddenEffects xmlns:a14="http://schemas.microsoft.com/office/drawing/2010/main">
+                  <a:effectLst>
+                    <a:outerShdw dist="35921" dir="2700000" algn="ctr" rotWithShape="0">
+                      <a:schemeClr val="bg2"/>
+                    </a:outerShdw>
+                  </a:effectLst>
+                </a14:hiddenEffects>
+              </a:ext>
+            </a:extLst>
+          </p:spPr>
+          <p:txBody>
+            <a:bodyPr wrap="none" anchor="ctr">
+              <a:flatTx/>
+            </a:bodyPr>
+            <a:lstStyle/>
+            <a:p>
+              <a:endParaRPr lang="en-US"/>
+            </a:p>
+          </p:txBody>
+        </p:sp>
+        <p:sp>
+          <p:nvSpPr>
+            <p:cNvPr id="12" name="Text Box 10"/>
+            <p:cNvSpPr txBox="1">
+              <a:spLocks noChangeArrowheads="1"/>
+            </p:cNvSpPr>
+            <p:nvPr/>
+          </p:nvSpPr>
+          <p:spPr bwMode="gray">
+            <a:xfrm>
+              <a:off x="1377" y="2105"/>
+              <a:ext cx="3721" cy="523"/>
+            </a:xfrm>
+            <a:prstGeom prst="rect">
+              <a:avLst/>
+            </a:prstGeom>
+            <a:noFill/>
+            <a:ln>
+              <a:noFill/>
+            </a:ln>
+            <a:effectLst/>
+            <a:extLst>
+              <a:ext uri="{909E8E84-426E-40DD-AFC4-6F175D3DCCD1}">
+                <a14:hiddenFill xmlns:a14="http://schemas.microsoft.com/office/drawing/2010/main">
+                  <a:solidFill>
+                    <a:schemeClr val="accent1"/>
+                  </a:solidFill>
+                </a14:hiddenFill>
+              </a:ext>
+              <a:ext uri="{91240B29-F687-4F45-9708-019B960494DF}">
+                <a14:hiddenLine xmlns:a14="http://schemas.microsoft.com/office/drawing/2010/main" w="9525" algn="ctr">
+                  <a:solidFill>
+                    <a:schemeClr val="tx1"/>
+                  </a:solidFill>
+                  <a:miter lim="800000"/>
+                  <a:headEnd/>
+                  <a:tailEnd/>
+                </a14:hiddenLine>
+              </a:ext>
+              <a:ext uri="{AF507438-7753-43E0-B8FC-AC1667EBCBE1}">
+                <a14:hiddenEffects xmlns:a14="http://schemas.microsoft.com/office/drawing/2010/main">
+                  <a:effectLst>
+                    <a:outerShdw dist="35921" dir="2700000" algn="ctr" rotWithShape="0">
+                      <a:schemeClr val="bg2"/>
+                    </a:outerShdw>
+                  </a:effectLst>
+                </a14:hiddenEffects>
+              </a:ext>
+            </a:extLst>
+          </p:spPr>
+          <p:txBody>
+            <a:bodyPr wrap="square">
+              <a:spAutoFit/>
+            </a:bodyPr>
+            <a:lstStyle/>
+            <a:p>
+              <a:r>
+                <a:rPr lang="en-US" sz="2400" dirty="0"/>
+                <a:t> </a:t>
+              </a:r>
+              <a:endParaRPr lang="ru-RU" sz="2400" dirty="0"/>
+            </a:p>
+            <a:p>
+              <a:endParaRPr lang="en-US" sz="2400" dirty="0"/>
+            </a:p>
+          </p:txBody>
+        </p:sp>
+        <p:sp>
+          <p:nvSpPr>
+            <p:cNvPr id="13" name="Text Box 11"/>
+            <p:cNvSpPr txBox="1">
+              <a:spLocks noChangeArrowheads="1"/>
+            </p:cNvSpPr>
+            <p:nvPr/>
+          </p:nvSpPr>
+          <p:spPr bwMode="gray">
+            <a:xfrm>
+              <a:off x="1008" y="1443"/>
+              <a:ext cx="214" cy="291"/>
+            </a:xfrm>
+            <a:prstGeom prst="rect">
+              <a:avLst/>
+            </a:prstGeom>
+            <a:noFill/>
+            <a:ln>
+              <a:noFill/>
+            </a:ln>
+            <a:effectLst/>
+            <a:extLst>
+              <a:ext uri="{909E8E84-426E-40DD-AFC4-6F175D3DCCD1}">
+                <a14:hiddenFill xmlns:a14="http://schemas.microsoft.com/office/drawing/2010/main">
+                  <a:solidFill>
+                    <a:schemeClr val="accent1"/>
+                  </a:solidFill>
+                </a14:hiddenFill>
+              </a:ext>
+              <a:ext uri="{91240B29-F687-4F45-9708-019B960494DF}">
+                <a14:hiddenLine xmlns:a14="http://schemas.microsoft.com/office/drawing/2010/main" w="9525" algn="ctr">
+                  <a:solidFill>
+                    <a:schemeClr val="tx1"/>
+                  </a:solidFill>
+                  <a:miter lim="800000"/>
+                  <a:headEnd/>
+                  <a:tailEnd/>
+                </a14:hiddenLine>
+              </a:ext>
+              <a:ext uri="{AF507438-7753-43E0-B8FC-AC1667EBCBE1}">
+                <a14:hiddenEffects xmlns:a14="http://schemas.microsoft.com/office/drawing/2010/main">
+                  <a:effectLst>
+                    <a:outerShdw dist="35921" dir="2700000" algn="ctr" rotWithShape="0">
+                      <a:schemeClr val="bg2"/>
+                    </a:outerShdw>
+                  </a:effectLst>
+                </a14:hiddenEffects>
+              </a:ext>
+            </a:extLst>
+          </p:spPr>
+          <p:txBody>
+            <a:bodyPr wrap="none">
+              <a:spAutoFit/>
+            </a:bodyPr>
+            <a:lstStyle/>
+            <a:p>
+              <a:r>
+                <a:rPr lang="en-US" sz="2400" b="1" dirty="0"/>
+                <a:t>6</a:t>
+              </a:r>
+            </a:p>
+          </p:txBody>
+        </p:sp>
+      </p:grpSp>
+      <p:sp>
+        <p:nvSpPr>
+          <p:cNvPr id="14" name="Прямоугольник 13">
+            <a:extLst>
+              <a:ext uri="{FF2B5EF4-FFF2-40B4-BE49-F238E27FC236}">
+                <a16:creationId xmlns:a16="http://schemas.microsoft.com/office/drawing/2014/main" id="{B2E904BF-98FC-465E-AFC0-8DC0CD69217C}"/>
+              </a:ext>
+            </a:extLst>
+          </p:cNvPr>
+          <p:cNvSpPr/>
+          <p:nvPr/>
+        </p:nvSpPr>
+        <p:spPr>
+          <a:xfrm>
+            <a:off x="1204051" y="1989909"/>
+            <a:ext cx="7424928" cy="4524315"/>
+          </a:xfrm>
+          <a:prstGeom prst="rect">
+            <a:avLst/>
+          </a:prstGeom>
+        </p:spPr>
+        <p:txBody>
+          <a:bodyPr wrap="square">
+            <a:spAutoFit/>
+          </a:bodyPr>
+          <a:lstStyle/>
+          <a:p>
+            <a:r>
+              <a:rPr lang="en-US" sz="2400" b="1" dirty="0"/>
+              <a:t>form ~ </a:t>
+            </a:r>
+            <a:r>
+              <a:rPr lang="en-US" sz="2400" b="1" dirty="0" err="1"/>
+              <a:t>context_pos</a:t>
+            </a:r>
+            <a:r>
+              <a:rPr lang="en-US" sz="2400" b="1" dirty="0"/>
+              <a:t> + </a:t>
+            </a:r>
+            <a:r>
+              <a:rPr lang="en-US" sz="2400" b="1" dirty="0" err="1"/>
+              <a:t>conj</a:t>
+            </a:r>
+            <a:r>
+              <a:rPr lang="en-US" sz="2400" b="1" dirty="0"/>
+              <a:t> + sex + length +</a:t>
+            </a:r>
+          </a:p>
+          <a:p>
+            <a:r>
+              <a:rPr lang="en-US" sz="2400" b="1" dirty="0"/>
+              <a:t>	+ </a:t>
+            </a:r>
+            <a:r>
+              <a:rPr lang="en-US" sz="2400" b="1" dirty="0" err="1"/>
+              <a:t>part_of_speech</a:t>
+            </a:r>
+            <a:r>
+              <a:rPr lang="en-US" sz="2400" b="1" dirty="0"/>
+              <a:t> + </a:t>
+            </a:r>
+            <a:r>
+              <a:rPr lang="en-US" sz="2400" b="1" dirty="0" err="1"/>
+              <a:t>prov_cond</a:t>
+            </a:r>
+            <a:endParaRPr lang="en-US" sz="2400" dirty="0"/>
+          </a:p>
+          <a:p>
+            <a:endParaRPr lang="ru-RU" sz="2400" dirty="0"/>
+          </a:p>
+          <a:p>
+            <a:r>
+              <a:rPr lang="en-US" sz="2400" dirty="0"/>
+              <a:t>Linear regression:</a:t>
+            </a:r>
+          </a:p>
+          <a:p>
+            <a:pPr defTabSz="357188"/>
+            <a:r>
+              <a:rPr lang="en-US" sz="2400" dirty="0"/>
+              <a:t>	**		</a:t>
+            </a:r>
+            <a:r>
+              <a:rPr lang="en-US" sz="2400" dirty="0" err="1"/>
+              <a:t>context_pos</a:t>
+            </a:r>
+            <a:r>
+              <a:rPr lang="en-US" sz="2400" dirty="0"/>
+              <a:t>				part</a:t>
+            </a:r>
+          </a:p>
+          <a:p>
+            <a:pPr defTabSz="357188"/>
+            <a:r>
+              <a:rPr lang="en-US" sz="2400" dirty="0"/>
+              <a:t>	**		</a:t>
+            </a:r>
+            <a:r>
+              <a:rPr lang="en-US" sz="2400" dirty="0" err="1"/>
+              <a:t>conj</a:t>
+            </a:r>
+            <a:r>
+              <a:rPr lang="en-US" sz="2400" dirty="0"/>
+              <a:t>					.		v</a:t>
+            </a:r>
+          </a:p>
+          <a:p>
+            <a:pPr defTabSz="357188"/>
+            <a:r>
+              <a:rPr lang="en-US" sz="2400" dirty="0"/>
+              <a:t>	*		sex					 ***	</a:t>
+            </a:r>
+            <a:r>
+              <a:rPr lang="en-US" sz="2400" dirty="0" err="1"/>
+              <a:t>prov_cond</a:t>
+            </a:r>
+            <a:r>
+              <a:rPr lang="en-US" sz="2400" dirty="0"/>
+              <a:t> </a:t>
+            </a:r>
+            <a:r>
+              <a:rPr lang="en-US" sz="2400" dirty="0" err="1"/>
+              <a:t>sep</a:t>
+            </a:r>
+            <a:endParaRPr lang="en-US" sz="2400" dirty="0"/>
+          </a:p>
+          <a:p>
+            <a:pPr defTabSz="357188"/>
+            <a:r>
+              <a:rPr lang="en-US" sz="2400" dirty="0"/>
+              <a:t>	**		length						</a:t>
+            </a:r>
+            <a:r>
+              <a:rPr lang="en-US" sz="2400" dirty="0" err="1"/>
+              <a:t>prov_cond</a:t>
+            </a:r>
+            <a:r>
+              <a:rPr lang="en-US" sz="2400" dirty="0"/>
+              <a:t> </a:t>
+            </a:r>
+            <a:r>
+              <a:rPr lang="en-US" sz="2400" dirty="0" err="1"/>
+              <a:t>vf</a:t>
+            </a:r>
+            <a:endParaRPr lang="en-US" sz="2400" dirty="0"/>
+          </a:p>
+          <a:p>
+            <a:pPr defTabSz="357188"/>
+            <a:r>
+              <a:rPr lang="en-US" sz="2400" dirty="0"/>
+              <a:t>	*		adv					</a:t>
+            </a:r>
+          </a:p>
+          <a:p>
+            <a:pPr defTabSz="357188"/>
+            <a:r>
+              <a:rPr lang="en-US" sz="2400" dirty="0"/>
+              <a:t>	</a:t>
+            </a:r>
+            <a:r>
+              <a:rPr lang="en-US" altLang="ru-RU" sz="2400" dirty="0"/>
+              <a:t>R</a:t>
+            </a:r>
+            <a:r>
+              <a:rPr lang="en-US" altLang="ru-RU" sz="2400" baseline="30000" dirty="0"/>
+              <a:t>2</a:t>
+            </a:r>
+            <a:r>
+              <a:rPr lang="en-US" altLang="ru-RU" sz="2400" dirty="0"/>
+              <a:t> = </a:t>
+            </a:r>
+            <a:r>
+              <a:rPr lang="ru-RU" altLang="ru-RU" sz="2400" dirty="0"/>
+              <a:t>0.2052</a:t>
+            </a:r>
+            <a:r>
+              <a:rPr lang="en-US" altLang="ru-RU" sz="2400" dirty="0"/>
+              <a:t>		21%</a:t>
+            </a:r>
+            <a:endParaRPr lang="en-US" sz="2400" dirty="0"/>
+          </a:p>
+          <a:p>
+            <a:endParaRPr lang="en-US" sz="2400" dirty="0"/>
+          </a:p>
+          <a:p>
+            <a:pPr algn="ctr"/>
+            <a:r>
+              <a:rPr lang="ru-RU" sz="2400" b="1" dirty="0"/>
+              <a:t>👍</a:t>
+            </a:r>
+          </a:p>
+        </p:txBody>
+      </p:sp>
+    </p:spTree>
+    <p:extLst>
+      <p:ext uri="{BB962C8B-B14F-4D97-AF65-F5344CB8AC3E}">
+        <p14:creationId xmlns:p14="http://schemas.microsoft.com/office/powerpoint/2010/main" val="2162041512"/>
+      </p:ext>
+    </p:extLst>
+  </p:cSld>
+  <p:clrMapOvr>
+    <a:masterClrMapping/>
+  </p:clrMapOvr>
+</p:sld>
+</file>
+
+<file path=ppt/slides/slide25.xml><?xml version="1.0" encoding="utf-8"?>
+<p:sld xmlns:a="http://schemas.openxmlformats.org/drawingml/2006/main" xmlns:r="http://schemas.openxmlformats.org/officeDocument/2006/relationships" xmlns:p="http://schemas.openxmlformats.org/presentationml/2006/main">
+  <p:cSld>
+    <p:spTree>
+      <p:nvGrpSpPr>
+        <p:cNvPr id="1" name=""/>
+        <p:cNvGrpSpPr/>
+        <p:nvPr/>
+      </p:nvGrpSpPr>
+      <p:grpSpPr>
+        <a:xfrm>
+          <a:off x="0" y="0"/>
+          <a:ext cx="0" cy="0"/>
+          <a:chOff x="0" y="0"/>
+          <a:chExt cx="0" cy="0"/>
+        </a:xfrm>
+      </p:grpSpPr>
+      <p:pic>
+        <p:nvPicPr>
+          <p:cNvPr id="1026" name="Picture 2">
+            <a:extLst>
+              <a:ext uri="{FF2B5EF4-FFF2-40B4-BE49-F238E27FC236}">
+                <a16:creationId xmlns:a16="http://schemas.microsoft.com/office/drawing/2014/main" id="{E9F8C7E3-61FD-47F4-B916-0E015E1F7140}"/>
+              </a:ext>
+            </a:extLst>
+          </p:cNvPr>
+          <p:cNvPicPr>
+            <a:picLocks noChangeAspect="1" noChangeArrowheads="1"/>
+          </p:cNvPicPr>
+          <p:nvPr/>
+        </p:nvPicPr>
+        <p:blipFill>
+          <a:blip r:embed="rId2">
+            <a:extLst>
+              <a:ext uri="{28A0092B-C50C-407E-A947-70E740481C1C}">
+                <a14:useLocalDpi xmlns:a14="http://schemas.microsoft.com/office/drawing/2010/main" val="0"/>
+              </a:ext>
+            </a:extLst>
+          </a:blip>
+          <a:srcRect/>
+          <a:stretch/>
+        </p:blipFill>
+        <p:spPr bwMode="auto">
+          <a:xfrm>
+            <a:off x="3228794" y="1896295"/>
+            <a:ext cx="6667495" cy="4114797"/>
+          </a:xfrm>
+          <a:prstGeom prst="rect">
+            <a:avLst/>
+          </a:prstGeom>
+          <a:noFill/>
+          <a:extLst>
+            <a:ext uri="{909E8E84-426E-40DD-AFC4-6F175D3DCCD1}">
+              <a14:hiddenFill xmlns:a14="http://schemas.microsoft.com/office/drawing/2010/main">
+                <a:solidFill>
+                  <a:srgbClr val="FFFFFF"/>
+                </a:solidFill>
+              </a14:hiddenFill>
+            </a:ext>
+          </a:extLst>
+        </p:spPr>
+      </p:pic>
+      <p:sp>
+        <p:nvSpPr>
+          <p:cNvPr id="2" name="Title 1"/>
+          <p:cNvSpPr>
+            <a:spLocks noGrp="1"/>
+          </p:cNvSpPr>
+          <p:nvPr>
+            <p:ph type="title"/>
+          </p:nvPr>
+        </p:nvSpPr>
+        <p:spPr>
+          <a:xfrm>
+            <a:off x="1444752" y="373290"/>
+            <a:ext cx="7424928" cy="1050561"/>
+          </a:xfrm>
+        </p:spPr>
+        <p:txBody>
+          <a:bodyPr>
+            <a:normAutofit/>
+          </a:bodyPr>
+          <a:lstStyle/>
+          <a:p>
+            <a:r>
+              <a:rPr lang="en-US" dirty="0"/>
+              <a:t>Results: Question</a:t>
+            </a:r>
+          </a:p>
+        </p:txBody>
+      </p:sp>
+      <p:grpSp>
+        <p:nvGrpSpPr>
+          <p:cNvPr id="3" name="Group 7"/>
+          <p:cNvGrpSpPr>
+            <a:grpSpLocks/>
+          </p:cNvGrpSpPr>
+          <p:nvPr/>
+        </p:nvGrpSpPr>
+        <p:grpSpPr bwMode="auto">
+          <a:xfrm>
+            <a:off x="723038" y="422300"/>
+            <a:ext cx="6634163" cy="1889127"/>
+            <a:chOff x="919" y="1438"/>
+            <a:chExt cx="4179" cy="1190"/>
+          </a:xfrm>
+        </p:grpSpPr>
+        <p:sp>
+          <p:nvSpPr>
+            <p:cNvPr id="10" name="Line 8"/>
+            <p:cNvSpPr>
+              <a:spLocks noChangeShapeType="1"/>
+            </p:cNvSpPr>
+            <p:nvPr/>
+          </p:nvSpPr>
+          <p:spPr bwMode="gray">
+            <a:xfrm>
+              <a:off x="1399" y="1943"/>
+              <a:ext cx="3024" cy="0"/>
+            </a:xfrm>
+            <a:prstGeom prst="line">
+              <a:avLst/>
+            </a:prstGeom>
+            <a:noFill/>
+            <a:ln w="25400">
+              <a:solidFill>
+                <a:srgbClr val="969696"/>
+              </a:solidFill>
+              <a:prstDash val="sysDot"/>
+              <a:round/>
+              <a:headEnd/>
+              <a:tailEnd type="oval" w="med" len="med"/>
+            </a:ln>
+            <a:effectLst/>
+            <a:extLst>
+              <a:ext uri="{909E8E84-426E-40DD-AFC4-6F175D3DCCD1}">
+                <a14:hiddenFill xmlns:a14="http://schemas.microsoft.com/office/drawing/2010/main">
+                  <a:noFill/>
+                </a14:hiddenFill>
+              </a:ext>
+              <a:ext uri="{AF507438-7753-43E0-B8FC-AC1667EBCBE1}">
+                <a14:hiddenEffects xmlns:a14="http://schemas.microsoft.com/office/drawing/2010/main">
+                  <a:effectLst>
+                    <a:outerShdw dist="35921" dir="2700000" algn="ctr" rotWithShape="0">
+                      <a:schemeClr val="bg2"/>
+                    </a:outerShdw>
+                  </a:effectLst>
+                </a14:hiddenEffects>
+              </a:ext>
+            </a:extLst>
+          </p:spPr>
+          <p:txBody>
+            <a:bodyPr wrap="none" anchor="ctr"/>
+            <a:lstStyle/>
+            <a:p>
+              <a:endParaRPr lang="en-US"/>
+            </a:p>
+          </p:txBody>
+        </p:sp>
+        <p:sp>
+          <p:nvSpPr>
+            <p:cNvPr id="11" name="Rectangle 9"/>
+            <p:cNvSpPr>
+              <a:spLocks noChangeArrowheads="1"/>
+            </p:cNvSpPr>
+            <p:nvPr/>
+          </p:nvSpPr>
+          <p:spPr bwMode="gray">
+            <a:xfrm rot="3419336">
+              <a:off x="932" y="1425"/>
+              <a:ext cx="302" cy="328"/>
+            </a:xfrm>
+            <a:prstGeom prst="rect">
+              <a:avLst/>
+            </a:prstGeom>
+            <a:gradFill rotWithShape="1">
+              <a:gsLst>
+                <a:gs pos="0">
+                  <a:srgbClr val="99CC00"/>
+                </a:gs>
+                <a:gs pos="100000">
+                  <a:srgbClr val="99CC00">
+                    <a:gamma/>
+                    <a:shade val="46275"/>
+                    <a:invGamma/>
+                  </a:srgbClr>
+                </a:gs>
+              </a:gsLst>
+              <a:lin ang="5400000" scaled="1"/>
+            </a:gradFill>
+            <a:ln w="9525">
+              <a:miter lim="800000"/>
+              <a:headEnd/>
+              <a:tailEnd/>
+            </a:ln>
+            <a:effectLst/>
+            <a:scene3d>
+              <a:camera prst="legacyPerspectiveFront">
+                <a:rot lat="0" lon="1500000" rev="0"/>
+              </a:camera>
+              <a:lightRig rig="legacyFlat4" dir="b"/>
+            </a:scene3d>
+            <a:sp3d extrusionH="430200" prstMaterial="legacyMatte">
+              <a:bevelT w="13500" h="13500" prst="angle"/>
+              <a:bevelB w="13500" h="13500" prst="angle"/>
+              <a:extrusionClr>
+                <a:srgbClr val="99CC00"/>
+              </a:extrusionClr>
+            </a:sp3d>
+            <a:extLst>
+              <a:ext uri="{AF507438-7753-43E0-B8FC-AC1667EBCBE1}">
+                <a14:hiddenEffects xmlns:a14="http://schemas.microsoft.com/office/drawing/2010/main">
+                  <a:effectLst>
+                    <a:outerShdw dist="35921" dir="2700000" algn="ctr" rotWithShape="0">
+                      <a:schemeClr val="bg2"/>
+                    </a:outerShdw>
+                  </a:effectLst>
+                </a14:hiddenEffects>
+              </a:ext>
+            </a:extLst>
+          </p:spPr>
+          <p:txBody>
+            <a:bodyPr wrap="none" anchor="ctr">
+              <a:flatTx/>
+            </a:bodyPr>
+            <a:lstStyle/>
+            <a:p>
+              <a:endParaRPr lang="en-US"/>
+            </a:p>
+          </p:txBody>
+        </p:sp>
+        <p:sp>
+          <p:nvSpPr>
+            <p:cNvPr id="12" name="Text Box 10"/>
+            <p:cNvSpPr txBox="1">
+              <a:spLocks noChangeArrowheads="1"/>
+            </p:cNvSpPr>
+            <p:nvPr/>
+          </p:nvSpPr>
+          <p:spPr bwMode="gray">
+            <a:xfrm>
+              <a:off x="1377" y="2105"/>
+              <a:ext cx="3721" cy="523"/>
+            </a:xfrm>
+            <a:prstGeom prst="rect">
+              <a:avLst/>
+            </a:prstGeom>
+            <a:noFill/>
+            <a:ln>
+              <a:noFill/>
+            </a:ln>
+            <a:effectLst/>
+            <a:extLst>
+              <a:ext uri="{909E8E84-426E-40DD-AFC4-6F175D3DCCD1}">
+                <a14:hiddenFill xmlns:a14="http://schemas.microsoft.com/office/drawing/2010/main">
+                  <a:solidFill>
+                    <a:schemeClr val="accent1"/>
+                  </a:solidFill>
+                </a14:hiddenFill>
+              </a:ext>
+              <a:ext uri="{91240B29-F687-4F45-9708-019B960494DF}">
+                <a14:hiddenLine xmlns:a14="http://schemas.microsoft.com/office/drawing/2010/main" w="9525" algn="ctr">
+                  <a:solidFill>
+                    <a:schemeClr val="tx1"/>
+                  </a:solidFill>
+                  <a:miter lim="800000"/>
+                  <a:headEnd/>
+                  <a:tailEnd/>
+                </a14:hiddenLine>
+              </a:ext>
+              <a:ext uri="{AF507438-7753-43E0-B8FC-AC1667EBCBE1}">
+                <a14:hiddenEffects xmlns:a14="http://schemas.microsoft.com/office/drawing/2010/main">
+                  <a:effectLst>
+                    <a:outerShdw dist="35921" dir="2700000" algn="ctr" rotWithShape="0">
+                      <a:schemeClr val="bg2"/>
+                    </a:outerShdw>
+                  </a:effectLst>
+                </a14:hiddenEffects>
+              </a:ext>
+            </a:extLst>
+          </p:spPr>
+          <p:txBody>
+            <a:bodyPr wrap="square">
+              <a:spAutoFit/>
+            </a:bodyPr>
+            <a:lstStyle/>
+            <a:p>
+              <a:r>
+                <a:rPr lang="en-US" sz="2400" dirty="0"/>
+                <a:t> </a:t>
+              </a:r>
+              <a:endParaRPr lang="ru-RU" sz="2400" dirty="0"/>
+            </a:p>
+            <a:p>
+              <a:endParaRPr lang="en-US" sz="2400" dirty="0"/>
+            </a:p>
+          </p:txBody>
+        </p:sp>
+        <p:sp>
+          <p:nvSpPr>
+            <p:cNvPr id="13" name="Text Box 11"/>
+            <p:cNvSpPr txBox="1">
+              <a:spLocks noChangeArrowheads="1"/>
+            </p:cNvSpPr>
+            <p:nvPr/>
+          </p:nvSpPr>
+          <p:spPr bwMode="gray">
+            <a:xfrm>
+              <a:off x="1008" y="1443"/>
+              <a:ext cx="214" cy="291"/>
+            </a:xfrm>
+            <a:prstGeom prst="rect">
+              <a:avLst/>
+            </a:prstGeom>
+            <a:noFill/>
+            <a:ln>
+              <a:noFill/>
+            </a:ln>
+            <a:effectLst/>
+            <a:extLst>
+              <a:ext uri="{909E8E84-426E-40DD-AFC4-6F175D3DCCD1}">
+                <a14:hiddenFill xmlns:a14="http://schemas.microsoft.com/office/drawing/2010/main">
+                  <a:solidFill>
+                    <a:schemeClr val="accent1"/>
+                  </a:solidFill>
+                </a14:hiddenFill>
+              </a:ext>
+              <a:ext uri="{91240B29-F687-4F45-9708-019B960494DF}">
+                <a14:hiddenLine xmlns:a14="http://schemas.microsoft.com/office/drawing/2010/main" w="9525" algn="ctr">
+                  <a:solidFill>
+                    <a:schemeClr val="tx1"/>
+                  </a:solidFill>
+                  <a:miter lim="800000"/>
+                  <a:headEnd/>
+                  <a:tailEnd/>
+                </a14:hiddenLine>
+              </a:ext>
+              <a:ext uri="{AF507438-7753-43E0-B8FC-AC1667EBCBE1}">
+                <a14:hiddenEffects xmlns:a14="http://schemas.microsoft.com/office/drawing/2010/main">
+                  <a:effectLst>
+                    <a:outerShdw dist="35921" dir="2700000" algn="ctr" rotWithShape="0">
+                      <a:schemeClr val="bg2"/>
+                    </a:outerShdw>
+                  </a:effectLst>
+                </a14:hiddenEffects>
+              </a:ext>
+            </a:extLst>
+          </p:spPr>
+          <p:txBody>
+            <a:bodyPr wrap="none">
+              <a:spAutoFit/>
+            </a:bodyPr>
+            <a:lstStyle/>
+            <a:p>
+              <a:r>
+                <a:rPr lang="en-US" sz="2400" b="1" dirty="0"/>
+                <a:t>6</a:t>
+              </a:r>
+            </a:p>
+          </p:txBody>
+        </p:sp>
+      </p:grpSp>
+      <p:sp>
+        <p:nvSpPr>
+          <p:cNvPr id="29" name="Прямоугольник 28"/>
+          <p:cNvSpPr/>
+          <p:nvPr/>
+        </p:nvSpPr>
+        <p:spPr>
+          <a:xfrm>
+            <a:off x="1204051" y="2734849"/>
+            <a:ext cx="4049485" cy="1446550"/>
+          </a:xfrm>
+          <a:prstGeom prst="rect">
+            <a:avLst/>
+          </a:prstGeom>
+        </p:spPr>
+        <p:txBody>
+          <a:bodyPr wrap="square">
+            <a:spAutoFit/>
+          </a:bodyPr>
+          <a:lstStyle/>
+          <a:p>
+            <a:r>
+              <a:rPr lang="en-US" sz="2200" dirty="0"/>
+              <a:t>Fisher’s test: -- (</a:t>
+            </a:r>
+            <a:r>
+              <a:rPr lang="en-US" sz="2200" dirty="0" err="1"/>
+              <a:t>pv</a:t>
+            </a:r>
+            <a:r>
+              <a:rPr lang="en-US" sz="2200" dirty="0"/>
+              <a:t> = </a:t>
+            </a:r>
+            <a:r>
+              <a:rPr lang="en-US" altLang="ru-RU" sz="2200" dirty="0"/>
+              <a:t>1)</a:t>
+            </a:r>
+          </a:p>
+          <a:p>
+            <a:endParaRPr lang="en-US" sz="2200" dirty="0"/>
+          </a:p>
+          <a:p>
+            <a:r>
+              <a:rPr lang="en-US" sz="2200" dirty="0"/>
+              <a:t>Linear regression:</a:t>
+            </a:r>
+          </a:p>
+          <a:p>
+            <a:pPr defTabSz="357188"/>
+            <a:r>
+              <a:rPr lang="en-US" altLang="ru-RU" sz="2200" dirty="0"/>
+              <a:t>	-</a:t>
+            </a:r>
+            <a:endParaRPr lang="ru-RU" sz="2000" b="1" dirty="0"/>
+          </a:p>
+        </p:txBody>
+      </p:sp>
+    </p:spTree>
+    <p:extLst>
+      <p:ext uri="{BB962C8B-B14F-4D97-AF65-F5344CB8AC3E}">
+        <p14:creationId xmlns:p14="http://schemas.microsoft.com/office/powerpoint/2010/main" val="2702246414"/>
+      </p:ext>
+    </p:extLst>
+  </p:cSld>
+  <p:clrMapOvr>
+    <a:masterClrMapping/>
+  </p:clrMapOvr>
+</p:sld>
+</file>
+
+<file path=ppt/slides/slide26.xml><?xml version="1.0" encoding="utf-8"?>
+<p:sld xmlns:a="http://schemas.openxmlformats.org/drawingml/2006/main" xmlns:r="http://schemas.openxmlformats.org/officeDocument/2006/relationships" xmlns:p="http://schemas.openxmlformats.org/presentationml/2006/main">
+  <p:cSld>
+    <p:spTree>
+      <p:nvGrpSpPr>
+        <p:cNvPr id="1" name=""/>
+        <p:cNvGrpSpPr/>
+        <p:nvPr/>
+      </p:nvGrpSpPr>
+      <p:grpSpPr>
+        <a:xfrm>
+          <a:off x="0" y="0"/>
+          <a:ext cx="0" cy="0"/>
+          <a:chOff x="0" y="0"/>
+          <a:chExt cx="0" cy="0"/>
+        </a:xfrm>
+      </p:grpSpPr>
+      <p:sp>
+        <p:nvSpPr>
+          <p:cNvPr id="2" name="Title 1"/>
+          <p:cNvSpPr>
+            <a:spLocks noGrp="1"/>
+          </p:cNvSpPr>
+          <p:nvPr>
+            <p:ph type="title"/>
+          </p:nvPr>
+        </p:nvSpPr>
+        <p:spPr>
+          <a:xfrm>
+            <a:off x="1444752" y="373290"/>
+            <a:ext cx="7424928" cy="1050561"/>
+          </a:xfrm>
+        </p:spPr>
+        <p:txBody>
+          <a:bodyPr>
+            <a:normAutofit fontScale="90000"/>
+          </a:bodyPr>
+          <a:lstStyle/>
+          <a:p>
+            <a:r>
+              <a:rPr lang="fr-FR" dirty="0"/>
+              <a:t>Updating the multi-variable model</a:t>
+            </a:r>
+            <a:endParaRPr lang="en-US" dirty="0"/>
+          </a:p>
+        </p:txBody>
+      </p:sp>
+      <p:grpSp>
+        <p:nvGrpSpPr>
+          <p:cNvPr id="3" name="Group 7"/>
+          <p:cNvGrpSpPr>
+            <a:grpSpLocks/>
+          </p:cNvGrpSpPr>
+          <p:nvPr/>
+        </p:nvGrpSpPr>
+        <p:grpSpPr bwMode="auto">
+          <a:xfrm>
+            <a:off x="670787" y="373290"/>
+            <a:ext cx="6634163" cy="1889127"/>
+            <a:chOff x="919" y="1438"/>
+            <a:chExt cx="4179" cy="1190"/>
+          </a:xfrm>
+        </p:grpSpPr>
+        <p:sp>
+          <p:nvSpPr>
+            <p:cNvPr id="10" name="Line 8"/>
+            <p:cNvSpPr>
+              <a:spLocks noChangeShapeType="1"/>
+            </p:cNvSpPr>
+            <p:nvPr/>
+          </p:nvSpPr>
+          <p:spPr bwMode="gray">
+            <a:xfrm>
+              <a:off x="1399" y="1943"/>
+              <a:ext cx="3024" cy="0"/>
+            </a:xfrm>
+            <a:prstGeom prst="line">
+              <a:avLst/>
+            </a:prstGeom>
+            <a:noFill/>
+            <a:ln w="25400">
+              <a:solidFill>
+                <a:srgbClr val="969696"/>
+              </a:solidFill>
+              <a:prstDash val="sysDot"/>
+              <a:round/>
+              <a:headEnd/>
+              <a:tailEnd type="oval" w="med" len="med"/>
+            </a:ln>
+            <a:effectLst/>
+            <a:extLst>
+              <a:ext uri="{909E8E84-426E-40DD-AFC4-6F175D3DCCD1}">
+                <a14:hiddenFill xmlns:a14="http://schemas.microsoft.com/office/drawing/2010/main">
+                  <a:noFill/>
+                </a14:hiddenFill>
+              </a:ext>
+              <a:ext uri="{AF507438-7753-43E0-B8FC-AC1667EBCBE1}">
+                <a14:hiddenEffects xmlns:a14="http://schemas.microsoft.com/office/drawing/2010/main">
+                  <a:effectLst>
+                    <a:outerShdw dist="35921" dir="2700000" algn="ctr" rotWithShape="0">
+                      <a:schemeClr val="bg2"/>
+                    </a:outerShdw>
+                  </a:effectLst>
+                </a14:hiddenEffects>
+              </a:ext>
+            </a:extLst>
+          </p:spPr>
+          <p:txBody>
+            <a:bodyPr wrap="none" anchor="ctr"/>
+            <a:lstStyle/>
+            <a:p>
+              <a:endParaRPr lang="en-US"/>
+            </a:p>
+          </p:txBody>
+        </p:sp>
+        <p:sp>
+          <p:nvSpPr>
+            <p:cNvPr id="11" name="Rectangle 9"/>
+            <p:cNvSpPr>
+              <a:spLocks noChangeArrowheads="1"/>
+            </p:cNvSpPr>
+            <p:nvPr/>
+          </p:nvSpPr>
+          <p:spPr bwMode="gray">
+            <a:xfrm rot="3419336">
+              <a:off x="932" y="1425"/>
+              <a:ext cx="302" cy="328"/>
+            </a:xfrm>
+            <a:prstGeom prst="rect">
+              <a:avLst/>
+            </a:prstGeom>
+            <a:gradFill rotWithShape="1">
+              <a:gsLst>
+                <a:gs pos="0">
+                  <a:srgbClr val="99CC00"/>
+                </a:gs>
+                <a:gs pos="100000">
+                  <a:srgbClr val="99CC00">
+                    <a:gamma/>
+                    <a:shade val="46275"/>
+                    <a:invGamma/>
+                  </a:srgbClr>
+                </a:gs>
+              </a:gsLst>
+              <a:lin ang="5400000" scaled="1"/>
+            </a:gradFill>
+            <a:ln w="9525">
+              <a:miter lim="800000"/>
+              <a:headEnd/>
+              <a:tailEnd/>
+            </a:ln>
+            <a:effectLst/>
+            <a:scene3d>
+              <a:camera prst="legacyPerspectiveFront">
+                <a:rot lat="0" lon="1500000" rev="0"/>
+              </a:camera>
+              <a:lightRig rig="legacyFlat4" dir="b"/>
+            </a:scene3d>
+            <a:sp3d extrusionH="430200" prstMaterial="legacyMatte">
+              <a:bevelT w="13500" h="13500" prst="angle"/>
+              <a:bevelB w="13500" h="13500" prst="angle"/>
+              <a:extrusionClr>
+                <a:srgbClr val="99CC00"/>
+              </a:extrusionClr>
+            </a:sp3d>
+            <a:extLst>
+              <a:ext uri="{AF507438-7753-43E0-B8FC-AC1667EBCBE1}">
+                <a14:hiddenEffects xmlns:a14="http://schemas.microsoft.com/office/drawing/2010/main">
+                  <a:effectLst>
+                    <a:outerShdw dist="35921" dir="2700000" algn="ctr" rotWithShape="0">
+                      <a:schemeClr val="bg2"/>
+                    </a:outerShdw>
+                  </a:effectLst>
+                </a14:hiddenEffects>
+              </a:ext>
+            </a:extLst>
+          </p:spPr>
+          <p:txBody>
+            <a:bodyPr wrap="none" anchor="ctr">
+              <a:flatTx/>
+            </a:bodyPr>
+            <a:lstStyle/>
+            <a:p>
+              <a:endParaRPr lang="en-US"/>
+            </a:p>
+          </p:txBody>
+        </p:sp>
+        <p:sp>
+          <p:nvSpPr>
+            <p:cNvPr id="12" name="Text Box 10"/>
+            <p:cNvSpPr txBox="1">
+              <a:spLocks noChangeArrowheads="1"/>
+            </p:cNvSpPr>
+            <p:nvPr/>
+          </p:nvSpPr>
+          <p:spPr bwMode="gray">
+            <a:xfrm>
+              <a:off x="1377" y="2105"/>
+              <a:ext cx="3721" cy="523"/>
+            </a:xfrm>
+            <a:prstGeom prst="rect">
+              <a:avLst/>
+            </a:prstGeom>
+            <a:noFill/>
+            <a:ln>
+              <a:noFill/>
+            </a:ln>
+            <a:effectLst/>
+            <a:extLst>
+              <a:ext uri="{909E8E84-426E-40DD-AFC4-6F175D3DCCD1}">
+                <a14:hiddenFill xmlns:a14="http://schemas.microsoft.com/office/drawing/2010/main">
+                  <a:solidFill>
+                    <a:schemeClr val="accent1"/>
+                  </a:solidFill>
+                </a14:hiddenFill>
+              </a:ext>
+              <a:ext uri="{91240B29-F687-4F45-9708-019B960494DF}">
+                <a14:hiddenLine xmlns:a14="http://schemas.microsoft.com/office/drawing/2010/main" w="9525" algn="ctr">
+                  <a:solidFill>
+                    <a:schemeClr val="tx1"/>
+                  </a:solidFill>
+                  <a:miter lim="800000"/>
+                  <a:headEnd/>
+                  <a:tailEnd/>
+                </a14:hiddenLine>
+              </a:ext>
+              <a:ext uri="{AF507438-7753-43E0-B8FC-AC1667EBCBE1}">
+                <a14:hiddenEffects xmlns:a14="http://schemas.microsoft.com/office/drawing/2010/main">
+                  <a:effectLst>
+                    <a:outerShdw dist="35921" dir="2700000" algn="ctr" rotWithShape="0">
+                      <a:schemeClr val="bg2"/>
+                    </a:outerShdw>
+                  </a:effectLst>
+                </a14:hiddenEffects>
+              </a:ext>
+            </a:extLst>
+          </p:spPr>
+          <p:txBody>
+            <a:bodyPr wrap="square">
+              <a:spAutoFit/>
+            </a:bodyPr>
+            <a:lstStyle/>
+            <a:p>
+              <a:r>
+                <a:rPr lang="en-US" sz="2400" dirty="0"/>
+                <a:t> </a:t>
+              </a:r>
+              <a:endParaRPr lang="ru-RU" sz="2400" dirty="0"/>
+            </a:p>
+            <a:p>
+              <a:endParaRPr lang="en-US" sz="2400" dirty="0"/>
+            </a:p>
+          </p:txBody>
+        </p:sp>
+        <p:sp>
+          <p:nvSpPr>
+            <p:cNvPr id="13" name="Text Box 11"/>
+            <p:cNvSpPr txBox="1">
+              <a:spLocks noChangeArrowheads="1"/>
+            </p:cNvSpPr>
+            <p:nvPr/>
+          </p:nvSpPr>
+          <p:spPr bwMode="gray">
+            <a:xfrm>
+              <a:off x="1008" y="1443"/>
+              <a:ext cx="214" cy="291"/>
+            </a:xfrm>
+            <a:prstGeom prst="rect">
+              <a:avLst/>
+            </a:prstGeom>
+            <a:noFill/>
+            <a:ln>
+              <a:noFill/>
+            </a:ln>
+            <a:effectLst/>
+            <a:extLst>
+              <a:ext uri="{909E8E84-426E-40DD-AFC4-6F175D3DCCD1}">
+                <a14:hiddenFill xmlns:a14="http://schemas.microsoft.com/office/drawing/2010/main">
+                  <a:solidFill>
+                    <a:schemeClr val="accent1"/>
+                  </a:solidFill>
+                </a14:hiddenFill>
+              </a:ext>
+              <a:ext uri="{91240B29-F687-4F45-9708-019B960494DF}">
+                <a14:hiddenLine xmlns:a14="http://schemas.microsoft.com/office/drawing/2010/main" w="9525" algn="ctr">
+                  <a:solidFill>
+                    <a:schemeClr val="tx1"/>
+                  </a:solidFill>
+                  <a:miter lim="800000"/>
+                  <a:headEnd/>
+                  <a:tailEnd/>
+                </a14:hiddenLine>
+              </a:ext>
+              <a:ext uri="{AF507438-7753-43E0-B8FC-AC1667EBCBE1}">
+                <a14:hiddenEffects xmlns:a14="http://schemas.microsoft.com/office/drawing/2010/main">
+                  <a:effectLst>
+                    <a:outerShdw dist="35921" dir="2700000" algn="ctr" rotWithShape="0">
+                      <a:schemeClr val="bg2"/>
+                    </a:outerShdw>
+                  </a:effectLst>
+                </a14:hiddenEffects>
+              </a:ext>
+            </a:extLst>
+          </p:spPr>
+          <p:txBody>
+            <a:bodyPr wrap="none">
+              <a:spAutoFit/>
+            </a:bodyPr>
+            <a:lstStyle/>
+            <a:p>
+              <a:r>
+                <a:rPr lang="en-US" sz="2400" b="1" dirty="0"/>
+                <a:t>6</a:t>
+              </a:r>
+            </a:p>
+          </p:txBody>
+        </p:sp>
+      </p:grpSp>
+      <p:sp>
+        <p:nvSpPr>
+          <p:cNvPr id="14" name="Прямоугольник 13">
+            <a:extLst>
+              <a:ext uri="{FF2B5EF4-FFF2-40B4-BE49-F238E27FC236}">
+                <a16:creationId xmlns:a16="http://schemas.microsoft.com/office/drawing/2014/main" id="{B2E904BF-98FC-465E-AFC0-8DC0CD69217C}"/>
+              </a:ext>
+            </a:extLst>
+          </p:cNvPr>
+          <p:cNvSpPr/>
+          <p:nvPr/>
+        </p:nvSpPr>
+        <p:spPr>
+          <a:xfrm>
+            <a:off x="1204051" y="1989909"/>
+            <a:ext cx="7424928" cy="4524315"/>
+          </a:xfrm>
+          <a:prstGeom prst="rect">
+            <a:avLst/>
+          </a:prstGeom>
+        </p:spPr>
+        <p:txBody>
+          <a:bodyPr wrap="square">
+            <a:spAutoFit/>
+          </a:bodyPr>
+          <a:lstStyle/>
+          <a:p>
+            <a:r>
+              <a:rPr lang="en-US" sz="2400" b="1" dirty="0"/>
+              <a:t>form ~ </a:t>
+            </a:r>
+            <a:r>
+              <a:rPr lang="en-US" sz="2400" b="1" dirty="0" err="1"/>
+              <a:t>context_pos</a:t>
+            </a:r>
+            <a:r>
+              <a:rPr lang="en-US" sz="2400" b="1" dirty="0"/>
+              <a:t> + </a:t>
+            </a:r>
+            <a:r>
+              <a:rPr lang="en-US" sz="2400" b="1" dirty="0" err="1"/>
+              <a:t>conj</a:t>
+            </a:r>
+            <a:r>
+              <a:rPr lang="en-US" sz="2400" b="1" dirty="0"/>
+              <a:t> + sex + length +</a:t>
+            </a:r>
+          </a:p>
+          <a:p>
+            <a:r>
+              <a:rPr lang="en-US" sz="2400" b="1" dirty="0"/>
+              <a:t>	+ </a:t>
+            </a:r>
+            <a:r>
+              <a:rPr lang="en-US" sz="2400" b="1" dirty="0" err="1"/>
+              <a:t>part_of_speech</a:t>
+            </a:r>
+            <a:r>
+              <a:rPr lang="en-US" sz="2400" b="1" dirty="0"/>
+              <a:t> + </a:t>
+            </a:r>
+            <a:r>
+              <a:rPr lang="en-US" sz="2400" b="1" dirty="0" err="1"/>
+              <a:t>prov_cond</a:t>
+            </a:r>
+            <a:r>
+              <a:rPr lang="en-US" sz="2400" b="1" dirty="0"/>
+              <a:t> + quest</a:t>
+            </a:r>
+            <a:endParaRPr lang="en-US" sz="2400" dirty="0"/>
+          </a:p>
+          <a:p>
+            <a:endParaRPr lang="ru-RU" sz="2400" dirty="0"/>
+          </a:p>
+          <a:p>
+            <a:r>
+              <a:rPr lang="en-US" sz="2400" dirty="0"/>
+              <a:t>Linear regression:</a:t>
+            </a:r>
+          </a:p>
+          <a:p>
+            <a:pPr defTabSz="357188"/>
+            <a:r>
+              <a:rPr lang="en-US" sz="2400" dirty="0"/>
+              <a:t>	**		</a:t>
+            </a:r>
+            <a:r>
+              <a:rPr lang="en-US" sz="2400" dirty="0" err="1"/>
+              <a:t>context_pos</a:t>
+            </a:r>
+            <a:r>
+              <a:rPr lang="en-US" sz="2400" dirty="0"/>
+              <a:t>				part</a:t>
+            </a:r>
+          </a:p>
+          <a:p>
+            <a:pPr defTabSz="357188"/>
+            <a:r>
+              <a:rPr lang="en-US" sz="2400" dirty="0"/>
+              <a:t>	**		</a:t>
+            </a:r>
+            <a:r>
+              <a:rPr lang="en-US" sz="2400" dirty="0" err="1"/>
+              <a:t>conj</a:t>
+            </a:r>
+            <a:r>
+              <a:rPr lang="en-US" sz="2400" dirty="0"/>
+              <a:t>					.		v</a:t>
+            </a:r>
+          </a:p>
+          <a:p>
+            <a:pPr defTabSz="357188"/>
+            <a:r>
+              <a:rPr lang="en-US" sz="2400" dirty="0"/>
+              <a:t>	*		sex					 ***	</a:t>
+            </a:r>
+            <a:r>
+              <a:rPr lang="en-US" sz="2400" dirty="0" err="1"/>
+              <a:t>prov_cond</a:t>
+            </a:r>
+            <a:r>
+              <a:rPr lang="en-US" sz="2400" dirty="0"/>
+              <a:t> </a:t>
+            </a:r>
+            <a:r>
+              <a:rPr lang="en-US" sz="2400" dirty="0" err="1"/>
+              <a:t>sep</a:t>
+            </a:r>
+            <a:endParaRPr lang="en-US" sz="2400" dirty="0"/>
+          </a:p>
+          <a:p>
+            <a:pPr defTabSz="357188"/>
+            <a:r>
+              <a:rPr lang="en-US" sz="2400" dirty="0"/>
+              <a:t>	**		length				 		</a:t>
+            </a:r>
+            <a:r>
+              <a:rPr lang="en-US" sz="2400" dirty="0" err="1"/>
+              <a:t>prov_cond</a:t>
+            </a:r>
+            <a:r>
+              <a:rPr lang="en-US" sz="2400" dirty="0"/>
+              <a:t> </a:t>
+            </a:r>
+            <a:r>
+              <a:rPr lang="en-US" sz="2400" dirty="0" err="1"/>
+              <a:t>vf</a:t>
+            </a:r>
+            <a:endParaRPr lang="en-US" sz="2400" dirty="0"/>
+          </a:p>
+          <a:p>
+            <a:pPr defTabSz="357188"/>
+            <a:r>
+              <a:rPr lang="en-US" sz="2400" dirty="0"/>
+              <a:t>	*		adv							quest</a:t>
+            </a:r>
+          </a:p>
+          <a:p>
+            <a:pPr defTabSz="357188"/>
+            <a:r>
+              <a:rPr lang="en-US" sz="2400" dirty="0"/>
+              <a:t>	</a:t>
+            </a:r>
+            <a:r>
+              <a:rPr lang="en-US" altLang="ru-RU" sz="2400" dirty="0"/>
+              <a:t>R</a:t>
+            </a:r>
+            <a:r>
+              <a:rPr lang="en-US" altLang="ru-RU" sz="2400" baseline="30000" dirty="0"/>
+              <a:t>2</a:t>
+            </a:r>
+            <a:r>
+              <a:rPr lang="en-US" altLang="ru-RU" sz="2400" dirty="0"/>
+              <a:t> = </a:t>
+            </a:r>
+            <a:r>
+              <a:rPr lang="ru-RU" altLang="ru-RU" sz="2400" dirty="0"/>
+              <a:t>0.203</a:t>
+            </a:r>
+            <a:r>
+              <a:rPr lang="en-US" altLang="ru-RU" sz="2400" dirty="0"/>
+              <a:t>		20%</a:t>
+            </a:r>
+            <a:endParaRPr lang="en-US" sz="2400" dirty="0"/>
+          </a:p>
+          <a:p>
+            <a:endParaRPr lang="en-US" sz="2400" dirty="0"/>
+          </a:p>
+          <a:p>
+            <a:pPr algn="ctr"/>
+            <a:r>
+              <a:rPr lang="en-US" sz="2400" b="1" dirty="0"/>
+              <a:t>Reduces R</a:t>
+            </a:r>
+            <a:r>
+              <a:rPr lang="en-US" sz="2400" b="1" baseline="30000" dirty="0"/>
+              <a:t>2</a:t>
+            </a:r>
+            <a:r>
+              <a:rPr lang="en-US" sz="2400" b="1" dirty="0"/>
+              <a:t>.</a:t>
+            </a:r>
+            <a:endParaRPr lang="ru-RU" sz="2400" b="1" dirty="0"/>
+          </a:p>
+        </p:txBody>
+      </p:sp>
+    </p:spTree>
+    <p:extLst>
+      <p:ext uri="{BB962C8B-B14F-4D97-AF65-F5344CB8AC3E}">
+        <p14:creationId xmlns:p14="http://schemas.microsoft.com/office/powerpoint/2010/main" val="120490143"/>
+      </p:ext>
+    </p:extLst>
+  </p:cSld>
+  <p:clrMapOvr>
+    <a:masterClrMapping/>
+  </p:clrMapOvr>
+</p:sld>
+</file>
+
+<file path=ppt/slides/slide27.xml><?xml version="1.0" encoding="utf-8"?>
+<p:sld xmlns:a="http://schemas.openxmlformats.org/drawingml/2006/main" xmlns:r="http://schemas.openxmlformats.org/officeDocument/2006/relationships" xmlns:p="http://schemas.openxmlformats.org/presentationml/2006/main">
+  <p:cSld>
+    <p:spTree>
+      <p:nvGrpSpPr>
+        <p:cNvPr id="1" name=""/>
+        <p:cNvGrpSpPr/>
+        <p:nvPr/>
+      </p:nvGrpSpPr>
+      <p:grpSpPr>
+        <a:xfrm>
+          <a:off x="0" y="0"/>
+          <a:ext cx="0" cy="0"/>
+          <a:chOff x="0" y="0"/>
+          <a:chExt cx="0" cy="0"/>
+        </a:xfrm>
+      </p:grpSpPr>
+      <p:sp>
+        <p:nvSpPr>
+          <p:cNvPr id="2" name="Title 1"/>
+          <p:cNvSpPr>
+            <a:spLocks noGrp="1"/>
+          </p:cNvSpPr>
+          <p:nvPr>
+            <p:ph type="title"/>
+          </p:nvPr>
+        </p:nvSpPr>
+        <p:spPr>
+          <a:xfrm>
+            <a:off x="1444752" y="373290"/>
+            <a:ext cx="7699248" cy="1050561"/>
+          </a:xfrm>
+        </p:spPr>
+        <p:txBody>
+          <a:bodyPr>
+            <a:normAutofit fontScale="90000"/>
+          </a:bodyPr>
+          <a:lstStyle/>
+          <a:p>
+            <a:r>
+              <a:rPr lang="en-US" dirty="0"/>
+              <a:t>Final model and conclusion</a:t>
+            </a:r>
+            <a:br>
+              <a:rPr lang="en-US" dirty="0"/>
+            </a:br>
+            <a:endParaRPr lang="en-US" dirty="0"/>
+          </a:p>
+        </p:txBody>
+      </p:sp>
+      <p:grpSp>
+        <p:nvGrpSpPr>
+          <p:cNvPr id="3" name="Group 7"/>
+          <p:cNvGrpSpPr>
+            <a:grpSpLocks/>
+          </p:cNvGrpSpPr>
+          <p:nvPr/>
+        </p:nvGrpSpPr>
+        <p:grpSpPr bwMode="auto">
+          <a:xfrm>
+            <a:off x="723038" y="422300"/>
+            <a:ext cx="6634163" cy="1889127"/>
+            <a:chOff x="919" y="1438"/>
+            <a:chExt cx="4179" cy="1190"/>
+          </a:xfrm>
+        </p:grpSpPr>
+        <p:sp>
+          <p:nvSpPr>
+            <p:cNvPr id="10" name="Line 8"/>
+            <p:cNvSpPr>
+              <a:spLocks noChangeShapeType="1"/>
+            </p:cNvSpPr>
+            <p:nvPr/>
+          </p:nvSpPr>
+          <p:spPr bwMode="gray">
+            <a:xfrm>
+              <a:off x="1399" y="1943"/>
+              <a:ext cx="3024" cy="0"/>
+            </a:xfrm>
+            <a:prstGeom prst="line">
+              <a:avLst/>
+            </a:prstGeom>
+            <a:noFill/>
+            <a:ln w="25400">
+              <a:solidFill>
+                <a:srgbClr val="969696"/>
+              </a:solidFill>
+              <a:prstDash val="sysDot"/>
+              <a:round/>
+              <a:headEnd/>
+              <a:tailEnd type="oval" w="med" len="med"/>
+            </a:ln>
+            <a:effectLst/>
+            <a:extLst>
+              <a:ext uri="{909E8E84-426E-40DD-AFC4-6F175D3DCCD1}">
+                <a14:hiddenFill xmlns:a14="http://schemas.microsoft.com/office/drawing/2010/main">
+                  <a:noFill/>
+                </a14:hiddenFill>
+              </a:ext>
+              <a:ext uri="{AF507438-7753-43E0-B8FC-AC1667EBCBE1}">
+                <a14:hiddenEffects xmlns:a14="http://schemas.microsoft.com/office/drawing/2010/main">
+                  <a:effectLst>
+                    <a:outerShdw dist="35921" dir="2700000" algn="ctr" rotWithShape="0">
+                      <a:schemeClr val="bg2"/>
+                    </a:outerShdw>
+                  </a:effectLst>
+                </a14:hiddenEffects>
+              </a:ext>
+            </a:extLst>
+          </p:spPr>
+          <p:txBody>
+            <a:bodyPr wrap="none" anchor="ctr"/>
+            <a:lstStyle/>
+            <a:p>
+              <a:endParaRPr lang="en-US"/>
+            </a:p>
+          </p:txBody>
+        </p:sp>
+        <p:sp>
+          <p:nvSpPr>
+            <p:cNvPr id="11" name="Rectangle 9"/>
+            <p:cNvSpPr>
+              <a:spLocks noChangeArrowheads="1"/>
+            </p:cNvSpPr>
+            <p:nvPr/>
+          </p:nvSpPr>
+          <p:spPr bwMode="gray">
+            <a:xfrm rot="3419336">
+              <a:off x="932" y="1425"/>
+              <a:ext cx="302" cy="328"/>
+            </a:xfrm>
+            <a:prstGeom prst="rect">
+              <a:avLst/>
+            </a:prstGeom>
+            <a:gradFill rotWithShape="1">
+              <a:gsLst>
+                <a:gs pos="0">
+                  <a:srgbClr val="99CC00"/>
+                </a:gs>
+                <a:gs pos="100000">
+                  <a:srgbClr val="99CC00">
+                    <a:gamma/>
+                    <a:shade val="46275"/>
+                    <a:invGamma/>
+                  </a:srgbClr>
+                </a:gs>
+              </a:gsLst>
+              <a:lin ang="5400000" scaled="1"/>
+            </a:gradFill>
+            <a:ln w="9525">
+              <a:miter lim="800000"/>
+              <a:headEnd/>
+              <a:tailEnd/>
+            </a:ln>
+            <a:effectLst/>
+            <a:scene3d>
+              <a:camera prst="legacyPerspectiveFront">
+                <a:rot lat="0" lon="1500000" rev="0"/>
+              </a:camera>
+              <a:lightRig rig="legacyFlat4" dir="b"/>
+            </a:scene3d>
+            <a:sp3d extrusionH="430200" prstMaterial="legacyMatte">
+              <a:bevelT w="13500" h="13500" prst="angle"/>
+              <a:bevelB w="13500" h="13500" prst="angle"/>
+              <a:extrusionClr>
+                <a:srgbClr val="99CC00"/>
+              </a:extrusionClr>
+            </a:sp3d>
+            <a:extLst>
+              <a:ext uri="{AF507438-7753-43E0-B8FC-AC1667EBCBE1}">
+                <a14:hiddenEffects xmlns:a14="http://schemas.microsoft.com/office/drawing/2010/main">
+                  <a:effectLst>
+                    <a:outerShdw dist="35921" dir="2700000" algn="ctr" rotWithShape="0">
+                      <a:schemeClr val="bg2"/>
+                    </a:outerShdw>
+                  </a:effectLst>
+                </a14:hiddenEffects>
+              </a:ext>
+            </a:extLst>
+          </p:spPr>
+          <p:txBody>
+            <a:bodyPr wrap="none" anchor="ctr">
+              <a:flatTx/>
+            </a:bodyPr>
+            <a:lstStyle/>
+            <a:p>
+              <a:endParaRPr lang="en-US"/>
+            </a:p>
+          </p:txBody>
+        </p:sp>
+        <p:sp>
+          <p:nvSpPr>
+            <p:cNvPr id="12" name="Text Box 10"/>
+            <p:cNvSpPr txBox="1">
+              <a:spLocks noChangeArrowheads="1"/>
+            </p:cNvSpPr>
+            <p:nvPr/>
+          </p:nvSpPr>
+          <p:spPr bwMode="gray">
+            <a:xfrm>
+              <a:off x="1377" y="2105"/>
+              <a:ext cx="3721" cy="523"/>
+            </a:xfrm>
+            <a:prstGeom prst="rect">
+              <a:avLst/>
+            </a:prstGeom>
+            <a:noFill/>
+            <a:ln>
+              <a:noFill/>
+            </a:ln>
+            <a:effectLst/>
+            <a:extLst>
+              <a:ext uri="{909E8E84-426E-40DD-AFC4-6F175D3DCCD1}">
+                <a14:hiddenFill xmlns:a14="http://schemas.microsoft.com/office/drawing/2010/main">
+                  <a:solidFill>
+                    <a:schemeClr val="accent1"/>
+                  </a:solidFill>
+                </a14:hiddenFill>
+              </a:ext>
+              <a:ext uri="{91240B29-F687-4F45-9708-019B960494DF}">
+                <a14:hiddenLine xmlns:a14="http://schemas.microsoft.com/office/drawing/2010/main" w="9525" algn="ctr">
+                  <a:solidFill>
+                    <a:schemeClr val="tx1"/>
+                  </a:solidFill>
+                  <a:miter lim="800000"/>
+                  <a:headEnd/>
+                  <a:tailEnd/>
+                </a14:hiddenLine>
+              </a:ext>
+              <a:ext uri="{AF507438-7753-43E0-B8FC-AC1667EBCBE1}">
+                <a14:hiddenEffects xmlns:a14="http://schemas.microsoft.com/office/drawing/2010/main">
+                  <a:effectLst>
+                    <a:outerShdw dist="35921" dir="2700000" algn="ctr" rotWithShape="0">
+                      <a:schemeClr val="bg2"/>
+                    </a:outerShdw>
+                  </a:effectLst>
+                </a14:hiddenEffects>
+              </a:ext>
+            </a:extLst>
+          </p:spPr>
+          <p:txBody>
+            <a:bodyPr wrap="square">
+              <a:spAutoFit/>
+            </a:bodyPr>
+            <a:lstStyle/>
+            <a:p>
+              <a:r>
+                <a:rPr lang="en-US" sz="2400" dirty="0"/>
+                <a:t> </a:t>
+              </a:r>
+              <a:endParaRPr lang="ru-RU" sz="2400" dirty="0"/>
+            </a:p>
+            <a:p>
+              <a:endParaRPr lang="en-US" sz="2400" dirty="0"/>
+            </a:p>
+          </p:txBody>
+        </p:sp>
+        <p:sp>
+          <p:nvSpPr>
+            <p:cNvPr id="13" name="Text Box 11"/>
+            <p:cNvSpPr txBox="1">
+              <a:spLocks noChangeArrowheads="1"/>
+            </p:cNvSpPr>
+            <p:nvPr/>
+          </p:nvSpPr>
+          <p:spPr bwMode="gray">
+            <a:xfrm>
+              <a:off x="1008" y="1443"/>
+              <a:ext cx="214" cy="291"/>
+            </a:xfrm>
+            <a:prstGeom prst="rect">
+              <a:avLst/>
+            </a:prstGeom>
+            <a:noFill/>
+            <a:ln>
+              <a:noFill/>
+            </a:ln>
+            <a:effectLst/>
+            <a:extLst>
+              <a:ext uri="{909E8E84-426E-40DD-AFC4-6F175D3DCCD1}">
+                <a14:hiddenFill xmlns:a14="http://schemas.microsoft.com/office/drawing/2010/main">
+                  <a:solidFill>
+                    <a:schemeClr val="accent1"/>
+                  </a:solidFill>
+                </a14:hiddenFill>
+              </a:ext>
+              <a:ext uri="{91240B29-F687-4F45-9708-019B960494DF}">
+                <a14:hiddenLine xmlns:a14="http://schemas.microsoft.com/office/drawing/2010/main" w="9525" algn="ctr">
+                  <a:solidFill>
+                    <a:schemeClr val="tx1"/>
+                  </a:solidFill>
+                  <a:miter lim="800000"/>
+                  <a:headEnd/>
+                  <a:tailEnd/>
+                </a14:hiddenLine>
+              </a:ext>
+              <a:ext uri="{AF507438-7753-43E0-B8FC-AC1667EBCBE1}">
+                <a14:hiddenEffects xmlns:a14="http://schemas.microsoft.com/office/drawing/2010/main">
+                  <a:effectLst>
+                    <a:outerShdw dist="35921" dir="2700000" algn="ctr" rotWithShape="0">
+                      <a:schemeClr val="bg2"/>
+                    </a:outerShdw>
+                  </a:effectLst>
+                </a14:hiddenEffects>
+              </a:ext>
+            </a:extLst>
+          </p:spPr>
+          <p:txBody>
+            <a:bodyPr wrap="none">
+              <a:spAutoFit/>
+            </a:bodyPr>
+            <a:lstStyle/>
+            <a:p>
+              <a:r>
+                <a:rPr lang="en-US" sz="2400" b="1" dirty="0"/>
+                <a:t>6</a:t>
+              </a:r>
+            </a:p>
+          </p:txBody>
+        </p:sp>
+      </p:grpSp>
+      <p:sp>
+        <p:nvSpPr>
+          <p:cNvPr id="29" name="Прямоугольник 28"/>
+          <p:cNvSpPr/>
+          <p:nvPr/>
+        </p:nvSpPr>
+        <p:spPr>
+          <a:xfrm>
+            <a:off x="1136468" y="1593669"/>
+            <a:ext cx="8007531" cy="3785652"/>
+          </a:xfrm>
+          <a:prstGeom prst="rect">
+            <a:avLst/>
+          </a:prstGeom>
+        </p:spPr>
+        <p:txBody>
+          <a:bodyPr wrap="square">
+            <a:spAutoFit/>
+          </a:bodyPr>
+          <a:lstStyle/>
+          <a:p>
+            <a:r>
+              <a:rPr lang="en-US" sz="2000" dirty="0"/>
+              <a:t>Final</a:t>
+            </a:r>
+          </a:p>
+          <a:p>
+            <a:endParaRPr lang="en-US" sz="2000" dirty="0"/>
+          </a:p>
+          <a:p>
+            <a:r>
+              <a:rPr lang="en-US" sz="2000" b="1" dirty="0"/>
+              <a:t>form ~ </a:t>
+            </a:r>
+            <a:r>
+              <a:rPr lang="en-US" sz="2000" b="1" dirty="0" err="1"/>
+              <a:t>context_pos</a:t>
+            </a:r>
+            <a:r>
+              <a:rPr lang="en-US" sz="2000" b="1" dirty="0"/>
+              <a:t> + </a:t>
+            </a:r>
+            <a:r>
+              <a:rPr lang="en-US" sz="2000" b="1" dirty="0" err="1"/>
+              <a:t>conj</a:t>
+            </a:r>
+            <a:r>
+              <a:rPr lang="en-US" sz="2000" b="1" dirty="0"/>
+              <a:t> + sex + length + </a:t>
+            </a:r>
+            <a:r>
+              <a:rPr lang="en-US" sz="2000" b="1" dirty="0" err="1"/>
+              <a:t>part_of_speech</a:t>
+            </a:r>
+            <a:r>
+              <a:rPr lang="en-US" sz="2000" b="1" dirty="0"/>
+              <a:t> + </a:t>
+            </a:r>
+            <a:r>
+              <a:rPr lang="en-US" sz="2000" b="1" dirty="0" err="1"/>
+              <a:t>prov_cond</a:t>
+            </a:r>
+            <a:endParaRPr lang="en-US" sz="2000" dirty="0"/>
+          </a:p>
+          <a:p>
+            <a:endParaRPr lang="en-US" sz="2000" b="1" dirty="0"/>
+          </a:p>
+          <a:p>
+            <a:r>
+              <a:rPr lang="en-US" sz="2000" dirty="0"/>
+              <a:t>with R</a:t>
+            </a:r>
+            <a:r>
+              <a:rPr lang="en-US" sz="2000" baseline="30000" dirty="0"/>
+              <a:t>2</a:t>
+            </a:r>
+            <a:r>
+              <a:rPr lang="en-US" sz="2000" dirty="0"/>
+              <a:t> = 0.1856 and 4 highly significant factors out of 9, ambiguous contexts not included.</a:t>
+            </a:r>
+          </a:p>
+          <a:p>
+            <a:endParaRPr lang="en-US" sz="2000" dirty="0"/>
+          </a:p>
+          <a:p>
+            <a:r>
+              <a:rPr lang="en-US" sz="2000" dirty="0">
+                <a:sym typeface="Wingdings" pitchFamily="2" charset="2"/>
+              </a:rPr>
+              <a:t> </a:t>
+            </a:r>
+            <a:r>
+              <a:rPr lang="en-US" sz="2000" dirty="0"/>
+              <a:t>Conclusion:</a:t>
+            </a:r>
+          </a:p>
+          <a:p>
+            <a:r>
+              <a:rPr lang="en-US" sz="2000" dirty="0"/>
+              <a:t> 	these factors cannot be used to predict the strategy</a:t>
+            </a:r>
+            <a:br>
+              <a:rPr lang="en-US" sz="2000" dirty="0"/>
+            </a:br>
+            <a:r>
+              <a:rPr lang="en-US" sz="2000" dirty="0"/>
+              <a:t> </a:t>
+            </a:r>
+            <a:br>
+              <a:rPr lang="en-US" sz="2000" dirty="0"/>
+            </a:br>
+            <a:r>
+              <a:rPr lang="en-US" sz="2000" dirty="0"/>
+              <a:t> </a:t>
+            </a:r>
+            <a:br>
+              <a:rPr lang="en-US" sz="2000" dirty="0"/>
+            </a:br>
+            <a:endParaRPr lang="ru-RU" sz="2000" dirty="0"/>
+          </a:p>
+        </p:txBody>
+      </p:sp>
+    </p:spTree>
+    <p:extLst>
+      <p:ext uri="{BB962C8B-B14F-4D97-AF65-F5344CB8AC3E}">
+        <p14:creationId xmlns:p14="http://schemas.microsoft.com/office/powerpoint/2010/main" val="779576598"/>
+      </p:ext>
+    </p:extLst>
+  </p:cSld>
+  <p:clrMapOvr>
+    <a:masterClrMapping/>
+  </p:clrMapOvr>
+</p:sld>
+</file>
+
+<file path=ppt/slides/slide28.xml><?xml version="1.0" encoding="utf-8"?>
+<p:sld xmlns:a="http://schemas.openxmlformats.org/drawingml/2006/main" xmlns:r="http://schemas.openxmlformats.org/officeDocument/2006/relationships" xmlns:p="http://schemas.openxmlformats.org/presentationml/2006/main">
+  <p:cSld>
+    <p:spTree>
+      <p:nvGrpSpPr>
+        <p:cNvPr id="1" name=""/>
+        <p:cNvGrpSpPr/>
+        <p:nvPr/>
+      </p:nvGrpSpPr>
+      <p:grpSpPr>
+        <a:xfrm>
+          <a:off x="0" y="0"/>
+          <a:ext cx="0" cy="0"/>
+          <a:chOff x="0" y="0"/>
+          <a:chExt cx="0" cy="0"/>
+        </a:xfrm>
+      </p:grpSpPr>
+      <p:pic>
+        <p:nvPicPr>
+          <p:cNvPr id="1026" name="Picture 2">
+            <a:extLst>
+              <a:ext uri="{FF2B5EF4-FFF2-40B4-BE49-F238E27FC236}">
+                <a16:creationId xmlns:a16="http://schemas.microsoft.com/office/drawing/2014/main" id="{E9F8C7E3-61FD-47F4-B916-0E015E1F7140}"/>
+              </a:ext>
+            </a:extLst>
+          </p:cNvPr>
+          <p:cNvPicPr>
+            <a:picLocks noChangeAspect="1" noChangeArrowheads="1"/>
+          </p:cNvPicPr>
+          <p:nvPr/>
+        </p:nvPicPr>
+        <p:blipFill>
+          <a:blip r:embed="rId2">
+            <a:extLst>
+              <a:ext uri="{28A0092B-C50C-407E-A947-70E740481C1C}">
+                <a14:useLocalDpi xmlns:a14="http://schemas.microsoft.com/office/drawing/2010/main" val="0"/>
+              </a:ext>
+            </a:extLst>
+          </a:blip>
+          <a:srcRect/>
+          <a:stretch/>
+        </p:blipFill>
+        <p:spPr bwMode="auto">
+          <a:xfrm>
+            <a:off x="3228794" y="1896295"/>
+            <a:ext cx="6667495" cy="4114796"/>
+          </a:xfrm>
+          <a:prstGeom prst="rect">
+            <a:avLst/>
+          </a:prstGeom>
+          <a:noFill/>
+          <a:extLst>
+            <a:ext uri="{909E8E84-426E-40DD-AFC4-6F175D3DCCD1}">
+              <a14:hiddenFill xmlns:a14="http://schemas.microsoft.com/office/drawing/2010/main">
+                <a:solidFill>
+                  <a:srgbClr val="FFFFFF"/>
+                </a:solidFill>
+              </a14:hiddenFill>
+            </a:ext>
+          </a:extLst>
+        </p:spPr>
+      </p:pic>
+      <p:sp>
+        <p:nvSpPr>
+          <p:cNvPr id="2" name="Title 1"/>
+          <p:cNvSpPr>
+            <a:spLocks noGrp="1"/>
+          </p:cNvSpPr>
+          <p:nvPr>
+            <p:ph type="title"/>
+          </p:nvPr>
+        </p:nvSpPr>
+        <p:spPr>
+          <a:xfrm>
+            <a:off x="1444752" y="373290"/>
+            <a:ext cx="7424928" cy="1050561"/>
+          </a:xfrm>
+        </p:spPr>
+        <p:txBody>
+          <a:bodyPr>
+            <a:normAutofit/>
+          </a:bodyPr>
+          <a:lstStyle/>
+          <a:p>
+            <a:r>
+              <a:rPr lang="fr-FR" dirty="0"/>
+              <a:t>Final model and conclusion</a:t>
+            </a:r>
+            <a:endParaRPr lang="en-US" dirty="0"/>
+          </a:p>
+        </p:txBody>
+      </p:sp>
+      <p:grpSp>
+        <p:nvGrpSpPr>
+          <p:cNvPr id="3" name="Group 7"/>
+          <p:cNvGrpSpPr>
+            <a:grpSpLocks/>
+          </p:cNvGrpSpPr>
+          <p:nvPr/>
+        </p:nvGrpSpPr>
+        <p:grpSpPr bwMode="auto">
+          <a:xfrm>
+            <a:off x="723038" y="422300"/>
+            <a:ext cx="6634163" cy="1889127"/>
+            <a:chOff x="919" y="1438"/>
+            <a:chExt cx="4179" cy="1190"/>
+          </a:xfrm>
+        </p:grpSpPr>
+        <p:sp>
+          <p:nvSpPr>
+            <p:cNvPr id="10" name="Line 8"/>
+            <p:cNvSpPr>
+              <a:spLocks noChangeShapeType="1"/>
+            </p:cNvSpPr>
+            <p:nvPr/>
+          </p:nvSpPr>
+          <p:spPr bwMode="gray">
+            <a:xfrm>
+              <a:off x="1399" y="1943"/>
+              <a:ext cx="3024" cy="0"/>
+            </a:xfrm>
+            <a:prstGeom prst="line">
+              <a:avLst/>
+            </a:prstGeom>
+            <a:noFill/>
+            <a:ln w="25400">
+              <a:solidFill>
+                <a:srgbClr val="969696"/>
+              </a:solidFill>
+              <a:prstDash val="sysDot"/>
+              <a:round/>
+              <a:headEnd/>
+              <a:tailEnd type="oval" w="med" len="med"/>
+            </a:ln>
+            <a:effectLst/>
+            <a:extLst>
+              <a:ext uri="{909E8E84-426E-40DD-AFC4-6F175D3DCCD1}">
+                <a14:hiddenFill xmlns:a14="http://schemas.microsoft.com/office/drawing/2010/main">
+                  <a:noFill/>
+                </a14:hiddenFill>
+              </a:ext>
+              <a:ext uri="{AF507438-7753-43E0-B8FC-AC1667EBCBE1}">
+                <a14:hiddenEffects xmlns:a14="http://schemas.microsoft.com/office/drawing/2010/main">
+                  <a:effectLst>
+                    <a:outerShdw dist="35921" dir="2700000" algn="ctr" rotWithShape="0">
+                      <a:schemeClr val="bg2"/>
+                    </a:outerShdw>
+                  </a:effectLst>
+                </a14:hiddenEffects>
+              </a:ext>
+            </a:extLst>
+          </p:spPr>
+          <p:txBody>
+            <a:bodyPr wrap="none" anchor="ctr"/>
+            <a:lstStyle/>
+            <a:p>
+              <a:endParaRPr lang="en-US"/>
+            </a:p>
+          </p:txBody>
+        </p:sp>
+        <p:sp>
+          <p:nvSpPr>
+            <p:cNvPr id="11" name="Rectangle 9"/>
+            <p:cNvSpPr>
+              <a:spLocks noChangeArrowheads="1"/>
+            </p:cNvSpPr>
+            <p:nvPr/>
+          </p:nvSpPr>
+          <p:spPr bwMode="gray">
+            <a:xfrm rot="3419336">
+              <a:off x="932" y="1425"/>
+              <a:ext cx="302" cy="328"/>
+            </a:xfrm>
+            <a:prstGeom prst="rect">
+              <a:avLst/>
+            </a:prstGeom>
+            <a:gradFill rotWithShape="1">
+              <a:gsLst>
+                <a:gs pos="0">
+                  <a:srgbClr val="99CC00"/>
+                </a:gs>
+                <a:gs pos="100000">
+                  <a:srgbClr val="99CC00">
+                    <a:gamma/>
+                    <a:shade val="46275"/>
+                    <a:invGamma/>
+                  </a:srgbClr>
+                </a:gs>
+              </a:gsLst>
+              <a:lin ang="5400000" scaled="1"/>
+            </a:gradFill>
+            <a:ln w="9525">
+              <a:miter lim="800000"/>
+              <a:headEnd/>
+              <a:tailEnd/>
+            </a:ln>
+            <a:effectLst/>
+            <a:scene3d>
+              <a:camera prst="legacyPerspectiveFront">
+                <a:rot lat="0" lon="1500000" rev="0"/>
+              </a:camera>
+              <a:lightRig rig="legacyFlat4" dir="b"/>
+            </a:scene3d>
+            <a:sp3d extrusionH="430200" prstMaterial="legacyMatte">
+              <a:bevelT w="13500" h="13500" prst="angle"/>
+              <a:bevelB w="13500" h="13500" prst="angle"/>
+              <a:extrusionClr>
+                <a:srgbClr val="99CC00"/>
+              </a:extrusionClr>
+            </a:sp3d>
+            <a:extLst>
+              <a:ext uri="{AF507438-7753-43E0-B8FC-AC1667EBCBE1}">
+                <a14:hiddenEffects xmlns:a14="http://schemas.microsoft.com/office/drawing/2010/main">
+                  <a:effectLst>
+                    <a:outerShdw dist="35921" dir="2700000" algn="ctr" rotWithShape="0">
+                      <a:schemeClr val="bg2"/>
+                    </a:outerShdw>
+                  </a:effectLst>
+                </a14:hiddenEffects>
+              </a:ext>
+            </a:extLst>
+          </p:spPr>
+          <p:txBody>
+            <a:bodyPr wrap="none" anchor="ctr">
+              <a:flatTx/>
+            </a:bodyPr>
+            <a:lstStyle/>
+            <a:p>
+              <a:endParaRPr lang="en-US"/>
+            </a:p>
+          </p:txBody>
+        </p:sp>
+        <p:sp>
+          <p:nvSpPr>
+            <p:cNvPr id="12" name="Text Box 10"/>
+            <p:cNvSpPr txBox="1">
+              <a:spLocks noChangeArrowheads="1"/>
+            </p:cNvSpPr>
+            <p:nvPr/>
+          </p:nvSpPr>
+          <p:spPr bwMode="gray">
+            <a:xfrm>
+              <a:off x="1377" y="2105"/>
+              <a:ext cx="3721" cy="523"/>
+            </a:xfrm>
+            <a:prstGeom prst="rect">
+              <a:avLst/>
+            </a:prstGeom>
+            <a:noFill/>
+            <a:ln>
+              <a:noFill/>
+            </a:ln>
+            <a:effectLst/>
+            <a:extLst>
+              <a:ext uri="{909E8E84-426E-40DD-AFC4-6F175D3DCCD1}">
+                <a14:hiddenFill xmlns:a14="http://schemas.microsoft.com/office/drawing/2010/main">
+                  <a:solidFill>
+                    <a:schemeClr val="accent1"/>
+                  </a:solidFill>
+                </a14:hiddenFill>
+              </a:ext>
+              <a:ext uri="{91240B29-F687-4F45-9708-019B960494DF}">
+                <a14:hiddenLine xmlns:a14="http://schemas.microsoft.com/office/drawing/2010/main" w="9525" algn="ctr">
+                  <a:solidFill>
+                    <a:schemeClr val="tx1"/>
+                  </a:solidFill>
+                  <a:miter lim="800000"/>
+                  <a:headEnd/>
+                  <a:tailEnd/>
+                </a14:hiddenLine>
+              </a:ext>
+              <a:ext uri="{AF507438-7753-43E0-B8FC-AC1667EBCBE1}">
+                <a14:hiddenEffects xmlns:a14="http://schemas.microsoft.com/office/drawing/2010/main">
+                  <a:effectLst>
+                    <a:outerShdw dist="35921" dir="2700000" algn="ctr" rotWithShape="0">
+                      <a:schemeClr val="bg2"/>
+                    </a:outerShdw>
+                  </a:effectLst>
+                </a14:hiddenEffects>
+              </a:ext>
+            </a:extLst>
+          </p:spPr>
+          <p:txBody>
+            <a:bodyPr wrap="square">
+              <a:spAutoFit/>
+            </a:bodyPr>
+            <a:lstStyle/>
+            <a:p>
+              <a:r>
+                <a:rPr lang="en-US" sz="2400" dirty="0"/>
+                <a:t> </a:t>
+              </a:r>
+              <a:endParaRPr lang="ru-RU" sz="2400" dirty="0"/>
+            </a:p>
+            <a:p>
+              <a:endParaRPr lang="en-US" sz="2400" dirty="0"/>
+            </a:p>
+          </p:txBody>
+        </p:sp>
+        <p:sp>
+          <p:nvSpPr>
+            <p:cNvPr id="13" name="Text Box 11"/>
+            <p:cNvSpPr txBox="1">
+              <a:spLocks noChangeArrowheads="1"/>
+            </p:cNvSpPr>
+            <p:nvPr/>
+          </p:nvSpPr>
+          <p:spPr bwMode="gray">
+            <a:xfrm>
+              <a:off x="1008" y="1443"/>
+              <a:ext cx="214" cy="291"/>
+            </a:xfrm>
+            <a:prstGeom prst="rect">
+              <a:avLst/>
+            </a:prstGeom>
+            <a:noFill/>
+            <a:ln>
+              <a:noFill/>
+            </a:ln>
+            <a:effectLst/>
+            <a:extLst>
+              <a:ext uri="{909E8E84-426E-40DD-AFC4-6F175D3DCCD1}">
+                <a14:hiddenFill xmlns:a14="http://schemas.microsoft.com/office/drawing/2010/main">
+                  <a:solidFill>
+                    <a:schemeClr val="accent1"/>
+                  </a:solidFill>
+                </a14:hiddenFill>
+              </a:ext>
+              <a:ext uri="{91240B29-F687-4F45-9708-019B960494DF}">
+                <a14:hiddenLine xmlns:a14="http://schemas.microsoft.com/office/drawing/2010/main" w="9525" algn="ctr">
+                  <a:solidFill>
+                    <a:schemeClr val="tx1"/>
+                  </a:solidFill>
+                  <a:miter lim="800000"/>
+                  <a:headEnd/>
+                  <a:tailEnd/>
+                </a14:hiddenLine>
+              </a:ext>
+              <a:ext uri="{AF507438-7753-43E0-B8FC-AC1667EBCBE1}">
+                <a14:hiddenEffects xmlns:a14="http://schemas.microsoft.com/office/drawing/2010/main">
+                  <a:effectLst>
+                    <a:outerShdw dist="35921" dir="2700000" algn="ctr" rotWithShape="0">
+                      <a:schemeClr val="bg2"/>
+                    </a:outerShdw>
+                  </a:effectLst>
+                </a14:hiddenEffects>
+              </a:ext>
+            </a:extLst>
+          </p:spPr>
+          <p:txBody>
+            <a:bodyPr wrap="none">
+              <a:spAutoFit/>
+            </a:bodyPr>
+            <a:lstStyle/>
+            <a:p>
+              <a:r>
+                <a:rPr lang="en-US" sz="2400" b="1" dirty="0"/>
+                <a:t>6</a:t>
+              </a:r>
+            </a:p>
+          </p:txBody>
+        </p:sp>
+      </p:grpSp>
+      <p:sp>
+        <p:nvSpPr>
+          <p:cNvPr id="29" name="Прямоугольник 28"/>
+          <p:cNvSpPr/>
+          <p:nvPr/>
+        </p:nvSpPr>
+        <p:spPr>
+          <a:xfrm>
+            <a:off x="1204051" y="1855565"/>
+            <a:ext cx="3778766" cy="3785652"/>
+          </a:xfrm>
+          <a:prstGeom prst="rect">
+            <a:avLst/>
+          </a:prstGeom>
+        </p:spPr>
+        <p:txBody>
+          <a:bodyPr wrap="square">
+            <a:spAutoFit/>
+          </a:bodyPr>
+          <a:lstStyle/>
+          <a:p>
+            <a:r>
+              <a:rPr lang="en-US" sz="2000" b="1" dirty="0"/>
+              <a:t>form ~ </a:t>
+            </a:r>
+            <a:r>
+              <a:rPr lang="en-US" sz="2000" b="1" dirty="0" err="1"/>
+              <a:t>context_pos</a:t>
+            </a:r>
+            <a:r>
+              <a:rPr lang="en-US" sz="2000" b="1" dirty="0"/>
+              <a:t> + </a:t>
+            </a:r>
+            <a:r>
+              <a:rPr lang="en-US" sz="2000" b="1" dirty="0" err="1"/>
+              <a:t>conj</a:t>
+            </a:r>
+            <a:r>
+              <a:rPr lang="en-US" sz="2000" b="1" dirty="0"/>
+              <a:t> + sex +</a:t>
+            </a:r>
+          </a:p>
+          <a:p>
+            <a:pPr defTabSz="357188"/>
+            <a:r>
+              <a:rPr lang="en-US" sz="2000" b="1" dirty="0"/>
+              <a:t>	+ length + </a:t>
+            </a:r>
+            <a:r>
+              <a:rPr lang="en-US" sz="2000" b="1" dirty="0" err="1"/>
+              <a:t>part_of_speech</a:t>
+            </a:r>
+            <a:r>
+              <a:rPr lang="en-US" sz="2000" b="1" dirty="0"/>
+              <a:t> +</a:t>
+            </a:r>
+          </a:p>
+          <a:p>
+            <a:pPr defTabSz="357188"/>
+            <a:r>
+              <a:rPr lang="en-US" sz="2000" b="1" dirty="0"/>
+              <a:t>	+ </a:t>
+            </a:r>
+            <a:r>
+              <a:rPr lang="en-US" sz="2000" b="1" dirty="0" err="1"/>
+              <a:t>prov_cond</a:t>
+            </a:r>
+            <a:endParaRPr lang="en-US" sz="2000" dirty="0"/>
+          </a:p>
+          <a:p>
+            <a:endParaRPr lang="en-US" altLang="ru-RU" sz="2000" dirty="0"/>
+          </a:p>
+          <a:p>
+            <a:r>
+              <a:rPr lang="en-US" altLang="ru-RU" sz="2000" dirty="0"/>
+              <a:t>Explains 21% of the strategy variable’s variance.</a:t>
+            </a:r>
+          </a:p>
+          <a:p>
+            <a:r>
+              <a:rPr lang="en-US" sz="2000" dirty="0"/>
+              <a:t>F p-value: 6.898e-13</a:t>
+            </a:r>
+          </a:p>
+          <a:p>
+            <a:r>
+              <a:rPr lang="ja-JP" altLang="en-US" sz="2000" dirty="0"/>
+              <a:t>→</a:t>
+            </a:r>
+            <a:r>
+              <a:rPr lang="ru-RU" altLang="ja-JP" sz="2000" dirty="0"/>
+              <a:t> </a:t>
+            </a:r>
+            <a:r>
+              <a:rPr lang="en-US" sz="2000" u="sng" dirty="0"/>
+              <a:t>Cannot be used to predict the strategy.</a:t>
+            </a:r>
+            <a:r>
+              <a:rPr lang="en-US" sz="2000" dirty="0">
+                <a:sym typeface="Wingdings" panose="05000000000000000000" pitchFamily="2" charset="2"/>
+              </a:rPr>
+              <a:t> </a:t>
+            </a:r>
+          </a:p>
+          <a:p>
+            <a:endParaRPr lang="en-US" sz="2000" u="sng" dirty="0"/>
+          </a:p>
+          <a:p>
+            <a:pPr marL="342900" indent="-342900">
+              <a:buFont typeface="Arial" panose="020B0604020202020204" pitchFamily="34" charset="0"/>
+              <a:buChar char="•"/>
+            </a:pPr>
+            <a:r>
+              <a:rPr lang="en-US" sz="2000" dirty="0"/>
+              <a:t>wrong factors?</a:t>
+            </a:r>
+          </a:p>
+          <a:p>
+            <a:pPr marL="342900" indent="-342900">
+              <a:buFont typeface="Arial" panose="020B0604020202020204" pitchFamily="34" charset="0"/>
+              <a:buChar char="•"/>
+            </a:pPr>
+            <a:r>
+              <a:rPr lang="en-US" sz="2000" dirty="0"/>
+              <a:t>can’t be predicted in principle?</a:t>
+            </a:r>
+          </a:p>
+        </p:txBody>
+      </p:sp>
+    </p:spTree>
+    <p:extLst>
+      <p:ext uri="{BB962C8B-B14F-4D97-AF65-F5344CB8AC3E}">
+        <p14:creationId xmlns:p14="http://schemas.microsoft.com/office/powerpoint/2010/main" val="2440111960"/>
       </p:ext>
     </p:extLst>
   </p:cSld>
@@ -5075,9 +12787,9 @@
         <p:grpSpPr bwMode="auto">
           <a:xfrm>
             <a:off x="588101" y="397891"/>
-            <a:ext cx="8255001" cy="2211643"/>
+            <a:ext cx="8255001" cy="2019643"/>
             <a:chOff x="834" y="1410"/>
-            <a:chExt cx="5200" cy="2730"/>
+            <a:chExt cx="5200" cy="2493"/>
           </a:xfrm>
         </p:grpSpPr>
         <p:sp>
@@ -5214,8 +12926,8 @@
           </p:nvSpPr>
           <p:spPr bwMode="gray">
             <a:xfrm>
-              <a:off x="834" y="2354"/>
-              <a:ext cx="5200" cy="1786"/>
+              <a:off x="834" y="2953"/>
+              <a:ext cx="5200" cy="950"/>
             </a:xfrm>
             <a:prstGeom prst="rect">
               <a:avLst/>
@@ -5262,47 +12974,11 @@
             <a:p>
               <a:r>
                 <a:rPr lang="en-US" sz="2200" b="1" dirty="0"/>
-                <a:t>Materials</a:t>
+                <a:t>Data:</a:t>
               </a:r>
               <a:r>
                 <a:rPr lang="en-US" sz="2200" dirty="0"/>
-                <a:t> from parallel Japanese-English corpora at </a:t>
-              </a:r>
-              <a:r>
-                <a:rPr lang="en-US" sz="2200" u="sng" dirty="0">
-                  <a:hlinkClick r:id="rId2"/>
-                </a:rPr>
-                <a:t>https://context.reverso.net/</a:t>
-              </a:r>
-              <a:r>
-                <a:rPr lang="en-US" sz="2200" dirty="0"/>
-                <a:t> and</a:t>
-              </a:r>
-              <a:r>
-                <a:rPr lang="en-US" sz="2200" dirty="0">
-                  <a:hlinkClick r:id="rId3"/>
-                </a:rPr>
-                <a:t> </a:t>
-              </a:r>
-              <a:r>
-                <a:rPr lang="en-US" sz="2200" u="sng" dirty="0">
-                  <a:hlinkClick r:id="rId4"/>
-                </a:rPr>
-                <a:t>http://www.manythings.org/corpus/</a:t>
-              </a:r>
-              <a:r>
-                <a:rPr lang="en-US" sz="2200" dirty="0"/>
-                <a:t>. Data from </a:t>
-              </a:r>
-              <a:r>
-                <a:rPr lang="en-US" sz="2200" u="sng" dirty="0">
-                  <a:hlinkClick r:id="rId5"/>
-                </a:rPr>
-                <a:t>https://www5.atwiki.jp/hmiku/</a:t>
-              </a:r>
-              <a:r>
-                <a:rPr lang="en-US" sz="2200" dirty="0"/>
-                <a:t> lyrics database for more precise statistical testing.</a:t>
+                <a:t> from parallel Japanese-English corpora and database of contemporary song lyrics.</a:t>
               </a:r>
             </a:p>
           </p:txBody>
@@ -6180,8 +13856,12 @@
               <a:t>(1) </a:t>
             </a:r>
             <a:r>
+              <a:rPr lang="ja-JP" altLang="en-US" sz="2000" u="sng" dirty="0"/>
+              <a:t>僕</a:t>
+            </a:r>
+            <a:r>
               <a:rPr lang="ja-JP" altLang="en-US" sz="2000" dirty="0"/>
-              <a:t>僕         は           歌う</a:t>
+              <a:t>         は           歌う←</a:t>
             </a:r>
           </a:p>
           <a:p>
@@ -6238,7 +13918,15 @@
             </a:r>
             <a:r>
               <a:rPr lang="ja-JP" altLang="en-US" sz="2000" dirty="0"/>
-              <a:t>僕      は           歌       を     歌う</a:t>
+              <a:t>僕      は           </a:t>
+            </a:r>
+            <a:r>
+              <a:rPr lang="ja-JP" altLang="en-US" sz="2000" u="sng" dirty="0"/>
+              <a:t>歌</a:t>
+            </a:r>
+            <a:r>
+              <a:rPr lang="ja-JP" altLang="en-US" sz="2000" dirty="0"/>
+              <a:t>       を     歌う←</a:t>
             </a:r>
           </a:p>
           <a:p>
@@ -6683,7 +14371,11 @@
             </a:r>
             <a:r>
               <a:rPr lang="ja-JP" altLang="en-US" sz="2000" dirty="0"/>
-              <a:t>僕      が       歌う      歌</a:t>
+              <a:t>僕      が →歌う      </a:t>
+            </a:r>
+            <a:r>
+              <a:rPr lang="ja-JP" altLang="en-US" sz="2000" u="sng" dirty="0"/>
+              <a:t>歌</a:t>
             </a:r>
           </a:p>
           <a:p>
@@ -6750,8 +14442,24 @@
               <a:t>(4) </a:t>
             </a:r>
             <a:r>
+              <a:rPr lang="ru-RU" sz="2000" dirty="0"/>
+              <a:t>(</a:t>
+            </a:r>
+            <a:r>
               <a:rPr lang="ja-JP" altLang="en-US" sz="2000" dirty="0"/>
-              <a:t>歌      を      歌う       僕</a:t>
+              <a:t>歌      を</a:t>
+            </a:r>
+            <a:r>
+              <a:rPr lang="ru-RU" altLang="ja-JP" sz="2000" dirty="0"/>
+              <a:t>)</a:t>
+            </a:r>
+            <a:r>
+              <a:rPr lang="ja-JP" altLang="en-US" sz="2000" dirty="0"/>
+              <a:t> →歌う       </a:t>
+            </a:r>
+            <a:r>
+              <a:rPr lang="ja-JP" altLang="en-US" sz="2000" u="sng" dirty="0"/>
+              <a:t>僕</a:t>
             </a:r>
           </a:p>
           <a:p>
@@ -6806,8 +14514,21 @@
           <a:p>
             <a:r>
               <a:rPr lang="en-US" sz="2000" dirty="0"/>
-              <a:t>      I who sing a song</a:t>
-            </a:r>
+              <a:t>      I who sing </a:t>
+            </a:r>
+            <a:r>
+              <a:rPr lang="ru-RU" sz="2000" dirty="0"/>
+              <a:t>(</a:t>
+            </a:r>
+            <a:r>
+              <a:rPr lang="en-US" sz="2000" dirty="0"/>
+              <a:t>a song</a:t>
+            </a:r>
+            <a:r>
+              <a:rPr lang="ru-RU" sz="2000" dirty="0"/>
+              <a:t>)</a:t>
+            </a:r>
+            <a:endParaRPr lang="en-US" sz="2000" dirty="0"/>
           </a:p>
           <a:p>
             <a:br>
@@ -7269,6 +14990,51 @@
           <a:chExt cx="0" cy="0"/>
         </a:xfrm>
       </p:grpSpPr>
+      <p:pic>
+        <p:nvPicPr>
+          <p:cNvPr id="1026" name="Picture 2">
+            <a:extLst>
+              <a:ext uri="{FF2B5EF4-FFF2-40B4-BE49-F238E27FC236}">
+                <a16:creationId xmlns:a16="http://schemas.microsoft.com/office/drawing/2014/main" id="{E9F8C7E3-61FD-47F4-B916-0E015E1F7140}"/>
+              </a:ext>
+            </a:extLst>
+          </p:cNvPr>
+          <p:cNvPicPr>
+            <a:picLocks noChangeAspect="1" noChangeArrowheads="1"/>
+          </p:cNvPicPr>
+          <p:nvPr/>
+        </p:nvPicPr>
+        <p:blipFill>
+          <a:blip r:embed="rId2">
+            <a:extLst>
+              <a:ext uri="{28A0092B-C50C-407E-A947-70E740481C1C}">
+                <a14:useLocalDpi xmlns:a14="http://schemas.microsoft.com/office/drawing/2010/main" val="0"/>
+              </a:ext>
+            </a:extLst>
+          </a:blip>
+          <a:srcRect/>
+          <a:stretch/>
+        </p:blipFill>
+        <p:spPr bwMode="auto">
+          <a:xfrm>
+            <a:off x="3228793" y="1896295"/>
+            <a:ext cx="6667499" cy="4114800"/>
+          </a:xfrm>
+          <a:prstGeom prst="rect">
+            <a:avLst/>
+          </a:prstGeom>
+          <a:noFill/>
+          <a:extLst>
+            <a:ext uri="{909E8E84-426E-40DD-AFC4-6F175D3DCCD1}">
+              <a14:hiddenFill xmlns:a14="http://schemas.microsoft.com/office/drawing/2010/main">
+                <a:solidFill>
+                  <a:srgbClr val="FFFFFF"/>
+                </a:solidFill>
+              </a14:hiddenFill>
+            </a:ext>
+          </a:extLst>
+        </p:spPr>
+      </p:pic>
       <p:sp>
         <p:nvSpPr>
           <p:cNvPr id="2" name="Title 1"/>
@@ -7287,18 +15053,14 @@
         </p:spPr>
         <p:txBody>
           <a:bodyPr>
-            <a:normAutofit fontScale="90000"/>
+            <a:normAutofit/>
           </a:bodyPr>
           <a:lstStyle/>
           <a:p>
             <a:r>
               <a:rPr lang="en-US" dirty="0"/>
-              <a:t>Results: conjugation; context position </a:t>
-            </a:r>
-            <a:br>
-              <a:rPr lang="en-US" dirty="0"/>
-            </a:br>
-            <a:endParaRPr lang="en-US" dirty="0"/>
+              <a:t>Results: Conjugation</a:t>
+            </a:r>
           </a:p>
         </p:txBody>
       </p:sp>
@@ -7581,8 +15343,8 @@
         </p:nvSpPr>
         <p:spPr>
           <a:xfrm>
-            <a:off x="1136469" y="1371599"/>
-            <a:ext cx="7694022" cy="5509200"/>
+            <a:off x="1204051" y="2734849"/>
+            <a:ext cx="4049485" cy="1446550"/>
           </a:xfrm>
           <a:prstGeom prst="rect">
             <a:avLst/>
@@ -7594,126 +15356,75 @@
           </a:bodyPr>
           <a:lstStyle/>
           <a:p>
-            <a:pPr marL="457200" indent="-457200">
-              <a:buAutoNum type="arabicParenR"/>
-            </a:pPr>
             <a:r>
               <a:rPr lang="en-US" sz="2200" dirty="0"/>
-              <a:t>Choice of strategy depends on the verb’s conjugation</a:t>
-            </a:r>
-            <a:r>
-              <a:rPr lang="ru-RU" sz="2200" dirty="0"/>
-              <a:t>?</a:t>
+              <a:t>Fisher’s test: +- (</a:t>
+            </a:r>
+            <a:r>
+              <a:rPr lang="en-US" sz="2200" dirty="0" err="1"/>
+              <a:t>pv</a:t>
             </a:r>
             <a:r>
               <a:rPr lang="en-US" sz="2200" dirty="0"/>
-              <a:t> </a:t>
-            </a:r>
-            <a:endParaRPr lang="ru-RU" sz="2200" dirty="0"/>
-          </a:p>
-          <a:p>
-            <a:pPr marL="457200" indent="-457200"/>
+              <a:t> = </a:t>
+            </a:r>
+            <a:r>
+              <a:rPr lang="ru-RU" altLang="ru-RU" sz="2200" dirty="0"/>
+              <a:t>0.05095</a:t>
+            </a:r>
+            <a:r>
+              <a:rPr lang="en-US" altLang="ru-RU" sz="2200" dirty="0"/>
+              <a:t>)</a:t>
+            </a:r>
+            <a:endParaRPr lang="en-US" sz="2200" dirty="0"/>
+          </a:p>
+          <a:p>
             <a:r>
               <a:rPr lang="en-US" sz="2200" dirty="0"/>
-              <a:t>Fisher test</a:t>
-            </a:r>
-            <a:r>
-              <a:rPr lang="ru-RU" sz="2200" dirty="0"/>
-              <a:t>: </a:t>
-            </a:r>
+              <a:t>Linear regression:</a:t>
+            </a:r>
+          </a:p>
+          <a:p>
+            <a:pPr defTabSz="355600"/>
             <a:r>
               <a:rPr lang="en-US" sz="2200" dirty="0"/>
-              <a:t>the dependence turned out to be much less than we</a:t>
-            </a:r>
-            <a:endParaRPr lang="ru-RU" sz="2200" dirty="0"/>
-          </a:p>
-          <a:p>
-            <a:pPr marL="457200" indent="-457200"/>
-            <a:r>
-              <a:rPr lang="en-US" sz="2200" dirty="0"/>
-              <a:t>expected, with p-value = 0.05095. Regression proved the</a:t>
-            </a:r>
-            <a:endParaRPr lang="ru-RU" sz="2200" dirty="0"/>
-          </a:p>
-          <a:p>
-            <a:pPr marL="457200" indent="-457200"/>
-            <a:r>
-              <a:rPr lang="en-US" sz="2200" dirty="0"/>
-              <a:t>conjugation to be a lesser-important factor with p-value =</a:t>
-            </a:r>
-            <a:endParaRPr lang="ru-RU" sz="2200" dirty="0"/>
-          </a:p>
-          <a:p>
-            <a:pPr marL="457200" indent="-457200"/>
-            <a:r>
-              <a:rPr lang="en-US" sz="2200" dirty="0"/>
-              <a:t>0.05095.</a:t>
-            </a:r>
-          </a:p>
-          <a:p>
-            <a:pPr>
-              <a:buFont typeface="Arial" pitchFamily="34" charset="0"/>
-              <a:buChar char="•"/>
-            </a:pPr>
-            <a:endParaRPr lang="en-US" sz="2200" dirty="0"/>
-          </a:p>
-          <a:p>
-            <a:r>
-              <a:rPr lang="en-US" sz="2200" dirty="0"/>
-              <a:t>2) </a:t>
-            </a:r>
-            <a:r>
-              <a:rPr lang="ru-RU" sz="2200" dirty="0"/>
-              <a:t>С</a:t>
-            </a:r>
-            <a:r>
-              <a:rPr lang="en-US" sz="2200" dirty="0" err="1"/>
-              <a:t>ontext</a:t>
-            </a:r>
-            <a:r>
-              <a:rPr lang="en-US" sz="2200" dirty="0"/>
-              <a:t> position -- with and without ambiguous contexts. Unambiguous contexts</a:t>
-            </a:r>
-            <a:r>
-              <a:rPr lang="ru-RU" sz="2200" dirty="0"/>
-              <a:t>: </a:t>
-            </a:r>
-            <a:r>
-              <a:rPr lang="en-US" sz="2200" dirty="0"/>
-              <a:t>strong dependence with strategies (p-value = 0.0002458)</a:t>
-            </a:r>
-            <a:endParaRPr lang="ru-RU" sz="2200" dirty="0"/>
-          </a:p>
-          <a:p>
-            <a:r>
-              <a:rPr lang="en-US" sz="2200" dirty="0"/>
-              <a:t>Ambiguous contexts increased p-value a bit (p-value =  0.0004691). </a:t>
-            </a:r>
-          </a:p>
-          <a:p>
-            <a:r>
-              <a:rPr lang="en-US" sz="2200" dirty="0"/>
-              <a:t>Regression outputs was also very good for both of them, but R</a:t>
-            </a:r>
-            <a:r>
-              <a:rPr lang="en-US" sz="2200" baseline="30000" dirty="0"/>
+              <a:t>	</a:t>
+            </a:r>
+            <a:r>
+              <a:rPr lang="en-US" altLang="ru-RU" sz="2200" dirty="0"/>
+              <a:t>*</a:t>
+            </a:r>
+          </a:p>
+          <a:p>
+            <a:pPr defTabSz="355600"/>
+            <a:r>
+              <a:rPr lang="en-US" altLang="ru-RU" sz="2200" dirty="0"/>
+              <a:t>	R</a:t>
+            </a:r>
+            <a:r>
+              <a:rPr lang="en-US" altLang="ru-RU" sz="2200" baseline="30000" dirty="0"/>
               <a:t>2</a:t>
             </a:r>
             <a:r>
-              <a:rPr lang="en-US" sz="2200" dirty="0"/>
-              <a:t> for the one with unambiguous contexts only was almost twice as great as the one with inclusions of ambiguity, so we decided that we will from now on exclude ambiguous contexts.</a:t>
-            </a:r>
-            <a:br>
-              <a:rPr lang="en-US" sz="2200" dirty="0"/>
-            </a:br>
-            <a:endParaRPr lang="ru-RU" sz="2200" dirty="0"/>
+              <a:rPr lang="en-US" altLang="ru-RU" sz="2200" dirty="0"/>
+              <a:t> = </a:t>
+            </a:r>
+            <a:r>
+              <a:rPr lang="ru-RU" altLang="ru-RU" sz="2200" dirty="0"/>
+              <a:t>0.007147</a:t>
+            </a:r>
+            <a:r>
+              <a:rPr lang="en-US" altLang="ru-RU" sz="2200" dirty="0"/>
+              <a:t>	0.7%</a:t>
+            </a:r>
+            <a:endParaRPr lang="ru-RU" altLang="ru-RU" sz="2200" dirty="0"/>
           </a:p>
         </p:txBody>
       </p:sp>
     </p:spTree>
     <p:extLst>
       <p:ext uri="{BB962C8B-B14F-4D97-AF65-F5344CB8AC3E}">
-        <p14:creationId xmlns:p14="http://schemas.microsoft.com/office/powerpoint/2010/main" val="779576598"/>
+        <p14:creationId xmlns:p14="http://schemas.microsoft.com/office/powerpoint/2010/main" val="3627399111"/>
       </p:ext>
     </p:extLst>
   </p:cSld>
@@ -7740,6 +15451,51 @@
           <a:chExt cx="0" cy="0"/>
         </a:xfrm>
       </p:grpSpPr>
+      <p:pic>
+        <p:nvPicPr>
+          <p:cNvPr id="1026" name="Picture 2">
+            <a:extLst>
+              <a:ext uri="{FF2B5EF4-FFF2-40B4-BE49-F238E27FC236}">
+                <a16:creationId xmlns:a16="http://schemas.microsoft.com/office/drawing/2014/main" id="{E9F8C7E3-61FD-47F4-B916-0E015E1F7140}"/>
+              </a:ext>
+            </a:extLst>
+          </p:cNvPr>
+          <p:cNvPicPr>
+            <a:picLocks noChangeAspect="1" noChangeArrowheads="1"/>
+          </p:cNvPicPr>
+          <p:nvPr/>
+        </p:nvPicPr>
+        <p:blipFill>
+          <a:blip r:embed="rId2">
+            <a:extLst>
+              <a:ext uri="{28A0092B-C50C-407E-A947-70E740481C1C}">
+                <a14:useLocalDpi xmlns:a14="http://schemas.microsoft.com/office/drawing/2010/main" val="0"/>
+              </a:ext>
+            </a:extLst>
+          </a:blip>
+          <a:srcRect/>
+          <a:stretch/>
+        </p:blipFill>
+        <p:spPr bwMode="auto">
+          <a:xfrm>
+            <a:off x="3228793" y="1896295"/>
+            <a:ext cx="6667499" cy="4114799"/>
+          </a:xfrm>
+          <a:prstGeom prst="rect">
+            <a:avLst/>
+          </a:prstGeom>
+          <a:noFill/>
+          <a:extLst>
+            <a:ext uri="{909E8E84-426E-40DD-AFC4-6F175D3DCCD1}">
+              <a14:hiddenFill xmlns:a14="http://schemas.microsoft.com/office/drawing/2010/main">
+                <a:solidFill>
+                  <a:srgbClr val="FFFFFF"/>
+                </a:solidFill>
+              </a14:hiddenFill>
+            </a:ext>
+          </a:extLst>
+        </p:spPr>
+      </p:pic>
       <p:sp>
         <p:nvSpPr>
           <p:cNvPr id="2" name="Title 1"/>
@@ -7758,22 +15514,14 @@
         </p:spPr>
         <p:txBody>
           <a:bodyPr>
-            <a:normAutofit fontScale="90000"/>
+            <a:normAutofit/>
           </a:bodyPr>
           <a:lstStyle/>
           <a:p>
             <a:r>
-              <a:rPr lang="fr-FR" dirty="0"/>
-              <a:t>Mixed model: context position + conjugation; </a:t>
-            </a:r>
-            <a:r>
               <a:rPr lang="en-US" dirty="0"/>
-              <a:t>Speakers’ sex</a:t>
-            </a:r>
-            <a:br>
-              <a:rPr lang="en-US" dirty="0"/>
-            </a:br>
-            <a:endParaRPr lang="en-US" dirty="0"/>
+              <a:t>Results: Context position</a:t>
+            </a:r>
           </a:p>
         </p:txBody>
       </p:sp>
@@ -8056,8 +15804,8 @@
         </p:nvSpPr>
         <p:spPr>
           <a:xfrm>
-            <a:off x="1136468" y="1201783"/>
-            <a:ext cx="8007531" cy="6555641"/>
+            <a:off x="1204051" y="2734849"/>
+            <a:ext cx="4049485" cy="2462213"/>
           </a:xfrm>
           <a:prstGeom prst="rect">
             <a:avLst/>
@@ -8069,159 +15817,86 @@
           </a:bodyPr>
           <a:lstStyle/>
           <a:p>
-            <a:endParaRPr lang="en-US" sz="2000" dirty="0"/>
-          </a:p>
-          <a:p>
-            <a:r>
-              <a:rPr lang="en-US" sz="2000" dirty="0"/>
-              <a:t>3) Mixed model with conjugation as a random effect and context position as a fixed effect </a:t>
-            </a:r>
-            <a:r>
-              <a:rPr lang="en-US" sz="2000" dirty="0">
-                <a:sym typeface="Wingdings" pitchFamily="2" charset="2"/>
-              </a:rPr>
-              <a:t> </a:t>
-            </a:r>
-            <a:r>
-              <a:rPr lang="en-US" sz="2000" dirty="0"/>
-              <a:t>better results</a:t>
-            </a:r>
-            <a:r>
-              <a:rPr lang="ru-RU" sz="2000" dirty="0"/>
-              <a:t>?</a:t>
-            </a:r>
-          </a:p>
-          <a:p>
-            <a:r>
-              <a:rPr lang="en-US" sz="2000" dirty="0"/>
-              <a:t>Obtained interclass correlation turned out to be extremely small -- 0.0040 -- and we decided not to keep it.</a:t>
-            </a:r>
-          </a:p>
-          <a:p>
-            <a:endParaRPr lang="en-US" sz="2000" dirty="0"/>
-          </a:p>
-          <a:p>
-            <a:r>
-              <a:rPr lang="en-US" sz="2000" dirty="0"/>
-              <a:t>4) Difference between Japanese spoken by men and women: dependence to be quite strong between the speaker’s sex and the strategy</a:t>
-            </a:r>
-            <a:r>
-              <a:rPr lang="ru-RU" sz="2000" dirty="0"/>
-              <a:t>?</a:t>
-            </a:r>
-            <a:r>
-              <a:rPr lang="en-US" sz="2000" dirty="0"/>
-              <a:t> It was quite strong</a:t>
-            </a:r>
-            <a:r>
-              <a:rPr lang="ru-RU" sz="2000" dirty="0"/>
-              <a:t> </a:t>
-            </a:r>
-            <a:r>
-              <a:rPr lang="en-US" sz="2000" dirty="0"/>
-              <a:t>with p-value = 0.003389.</a:t>
-            </a:r>
-          </a:p>
-          <a:p>
-            <a:r>
-              <a:rPr lang="en-US" sz="2000" dirty="0"/>
-              <a:t>Then we ran a regression, which turned out </a:t>
-            </a:r>
-            <a:r>
-              <a:rPr lang="en-US" dirty="0"/>
-              <a:t>pretty mediocre</a:t>
-            </a:r>
-            <a:r>
-              <a:rPr lang="en-US" sz="2000" dirty="0"/>
-              <a:t>, with p-value = 0.00182 and R</a:t>
-            </a:r>
-            <a:r>
-              <a:rPr lang="en-US" sz="2000" baseline="30000" dirty="0"/>
+            <a:r>
+              <a:rPr lang="en-US" sz="2200" dirty="0"/>
+              <a:t>With ambiguous contexts:</a:t>
+            </a:r>
+          </a:p>
+          <a:p>
+            <a:r>
+              <a:rPr lang="en-US" sz="2200" dirty="0"/>
+              <a:t>Fisher’s test: + (</a:t>
+            </a:r>
+            <a:r>
+              <a:rPr lang="en-US" sz="2200" dirty="0" err="1"/>
+              <a:t>pv</a:t>
+            </a:r>
+            <a:r>
+              <a:rPr lang="en-US" sz="2200" dirty="0"/>
+              <a:t> = </a:t>
+            </a:r>
+            <a:r>
+              <a:rPr lang="ru-RU" altLang="ru-RU" sz="2200" dirty="0"/>
+              <a:t>0.0004691</a:t>
+            </a:r>
+            <a:r>
+              <a:rPr lang="en-US" altLang="ru-RU" sz="2200" dirty="0"/>
+              <a:t>)</a:t>
+            </a:r>
+          </a:p>
+          <a:p>
+            <a:endParaRPr lang="en-US" sz="2200" dirty="0"/>
+          </a:p>
+          <a:p>
+            <a:r>
+              <a:rPr lang="en-US" sz="2200" dirty="0"/>
+              <a:t>Linear regression:</a:t>
+            </a:r>
+          </a:p>
+          <a:p>
+            <a:pPr defTabSz="357188"/>
+            <a:r>
+              <a:rPr lang="en-US" altLang="ru-RU" sz="2200" dirty="0"/>
+              <a:t>	***	right</a:t>
+            </a:r>
+          </a:p>
+          <a:p>
+            <a:pPr defTabSz="357188"/>
+            <a:r>
+              <a:rPr lang="en-US" sz="2200" dirty="0"/>
+              <a:t>	**		unclear</a:t>
+            </a:r>
+          </a:p>
+          <a:p>
+            <a:pPr defTabSz="355600"/>
+            <a:r>
+              <a:rPr lang="en-US" altLang="ru-RU" sz="2200" dirty="0"/>
+              <a:t>	R</a:t>
+            </a:r>
+            <a:r>
+              <a:rPr lang="en-US" altLang="ru-RU" sz="2200" baseline="30000" dirty="0"/>
               <a:t>2</a:t>
             </a:r>
             <a:r>
-              <a:rPr lang="en-US" sz="2000" dirty="0"/>
-              <a:t> = 0.</a:t>
-            </a:r>
-            <a:r>
-              <a:rPr lang="ru-RU" sz="2000" dirty="0"/>
-              <a:t>0</a:t>
-            </a:r>
-            <a:r>
-              <a:rPr lang="en-US" sz="2000" dirty="0"/>
-              <a:t>21.</a:t>
-            </a:r>
-          </a:p>
-          <a:p>
-            <a:r>
-              <a:rPr lang="en-US" sz="2000" dirty="0"/>
-              <a:t>Would combining this regression model with the previously best one would be of any use?</a:t>
-            </a:r>
-          </a:p>
-          <a:p>
-            <a:r>
-              <a:rPr lang="en-US" sz="2000" b="1" dirty="0"/>
-              <a:t>form ~ sex + </a:t>
-            </a:r>
-            <a:r>
-              <a:rPr lang="en-US" sz="2000" b="1" dirty="0" err="1"/>
-              <a:t>context_pos</a:t>
-            </a:r>
-            <a:r>
-              <a:rPr lang="en-US" sz="2000" b="1" dirty="0"/>
-              <a:t> + conj.</a:t>
-            </a:r>
-          </a:p>
-          <a:p>
-            <a:endParaRPr lang="ru-RU" sz="2000" dirty="0"/>
-          </a:p>
-          <a:p>
-            <a:r>
-              <a:rPr lang="en-US" sz="2000" dirty="0">
-                <a:sym typeface="Wingdings" pitchFamily="2" charset="2"/>
-              </a:rPr>
-              <a:t> </a:t>
-            </a:r>
-            <a:r>
-              <a:rPr lang="en-US" sz="2000" dirty="0"/>
-              <a:t>R</a:t>
-            </a:r>
-            <a:r>
-              <a:rPr lang="en-US" sz="2000" baseline="30000" dirty="0"/>
-              <a:t>2 </a:t>
-            </a:r>
-            <a:r>
-              <a:rPr lang="en-US" sz="2000" dirty="0"/>
-              <a:t>increased for both strictly unambiguous contexts and contexts with ambiguity, but the strictly unambiguous contexts had a greater R</a:t>
-            </a:r>
-            <a:r>
-              <a:rPr lang="en-US" sz="2000" baseline="30000" dirty="0"/>
-              <a:t>2</a:t>
-            </a:r>
-            <a:r>
-              <a:rPr lang="en-US" sz="2000" dirty="0"/>
-              <a:t> equaling 0.06, and so we made it our new best model.</a:t>
-            </a:r>
-          </a:p>
-          <a:p>
-            <a:br>
-              <a:rPr lang="en-US" sz="2000" dirty="0"/>
-            </a:br>
-            <a:r>
-              <a:rPr lang="en-US" sz="2000" dirty="0"/>
-              <a:t> </a:t>
-            </a:r>
-            <a:br>
-              <a:rPr lang="en-US" sz="2000" dirty="0"/>
-            </a:br>
-            <a:endParaRPr lang="ru-RU" sz="2000" dirty="0"/>
+              <a:rPr lang="en-US" altLang="ru-RU" sz="2200" dirty="0"/>
+              <a:t> = </a:t>
+            </a:r>
+            <a:r>
+              <a:rPr lang="ru-RU" altLang="ru-RU" sz="2200" dirty="0"/>
+              <a:t>0.007147</a:t>
+            </a:r>
+            <a:r>
+              <a:rPr lang="en-US" altLang="ru-RU" sz="2200" dirty="0"/>
+              <a:t>	3%</a:t>
+            </a:r>
+            <a:endParaRPr lang="ru-RU" altLang="ru-RU" sz="2200" dirty="0"/>
           </a:p>
         </p:txBody>
       </p:sp>
     </p:spTree>
     <p:extLst>
       <p:ext uri="{BB962C8B-B14F-4D97-AF65-F5344CB8AC3E}">
-        <p14:creationId xmlns:p14="http://schemas.microsoft.com/office/powerpoint/2010/main" val="779576598"/>
+        <p14:creationId xmlns:p14="http://schemas.microsoft.com/office/powerpoint/2010/main" val="2345425494"/>
       </p:ext>
     </p:extLst>
   </p:cSld>

--- a/slides.pptx
+++ b/slides.pptx
@@ -1,9 +1,12 @@
 
 <file path=ppt/presentation.xml><?xml version="1.0" encoding="utf-8"?>
-<p:presentation xmlns:a="http://schemas.openxmlformats.org/drawingml/2006/main" xmlns:r="http://schemas.openxmlformats.org/officeDocument/2006/relationships" xmlns:p="http://schemas.openxmlformats.org/presentationml/2006/main" saveSubsetFonts="1">
+<p:presentation xmlns:a="http://schemas.openxmlformats.org/drawingml/2006/main" xmlns:r="http://schemas.openxmlformats.org/officeDocument/2006/relationships" xmlns:p="http://schemas.openxmlformats.org/presentationml/2006/main" showSpecialPlsOnTitleSld="0" saveSubsetFonts="1">
   <p:sldMasterIdLst>
     <p:sldMasterId id="2147483660" r:id="rId1"/>
   </p:sldMasterIdLst>
+  <p:notesMasterIdLst>
+    <p:notesMasterId r:id="rId29"/>
+  </p:notesMasterIdLst>
   <p:sldIdLst>
     <p:sldId id="256" r:id="rId2"/>
     <p:sldId id="257" r:id="rId3"/>
@@ -31,8 +34,7 @@
     <p:sldId id="295" r:id="rId25"/>
     <p:sldId id="296" r:id="rId26"/>
     <p:sldId id="297" r:id="rId27"/>
-    <p:sldId id="267" r:id="rId28"/>
-    <p:sldId id="299" r:id="rId29"/>
+    <p:sldId id="299" r:id="rId28"/>
   </p:sldIdLst>
   <p:sldSz cx="9144000" cy="6858000" type="screen4x3"/>
   <p:notesSz cx="6858000" cy="9144000"/>
@@ -150,6 +152,355 @@
 </p:presentation>
 </file>
 
+<file path=ppt/notesMasters/notesMaster1.xml><?xml version="1.0" encoding="utf-8"?>
+<p:notesMaster xmlns:a="http://schemas.openxmlformats.org/drawingml/2006/main" xmlns:r="http://schemas.openxmlformats.org/officeDocument/2006/relationships" xmlns:p="http://schemas.openxmlformats.org/presentationml/2006/main">
+  <p:cSld>
+    <p:bg>
+      <p:bgRef idx="1001">
+        <a:schemeClr val="bg1"/>
+      </p:bgRef>
+    </p:bg>
+    <p:spTree>
+      <p:nvGrpSpPr>
+        <p:cNvPr id="1" name=""/>
+        <p:cNvGrpSpPr/>
+        <p:nvPr/>
+      </p:nvGrpSpPr>
+      <p:grpSpPr>
+        <a:xfrm>
+          <a:off x="0" y="0"/>
+          <a:ext cx="0" cy="0"/>
+          <a:chOff x="0" y="0"/>
+          <a:chExt cx="0" cy="0"/>
+        </a:xfrm>
+      </p:grpSpPr>
+      <p:sp>
+        <p:nvSpPr>
+          <p:cNvPr id="2" name="Верхний колонтитул 1"/>
+          <p:cNvSpPr>
+            <a:spLocks noGrp="1"/>
+          </p:cNvSpPr>
+          <p:nvPr>
+            <p:ph type="hdr" sz="quarter"/>
+          </p:nvPr>
+        </p:nvSpPr>
+        <p:spPr>
+          <a:xfrm>
+            <a:off x="0" y="0"/>
+            <a:ext cx="2971800" cy="458788"/>
+          </a:xfrm>
+          <a:prstGeom prst="rect">
+            <a:avLst/>
+          </a:prstGeom>
+        </p:spPr>
+        <p:txBody>
+          <a:bodyPr vert="horz" lIns="91440" tIns="45720" rIns="91440" bIns="45720" rtlCol="0"/>
+          <a:lstStyle>
+            <a:lvl1pPr algn="l">
+              <a:defRPr sz="1200"/>
+            </a:lvl1pPr>
+          </a:lstStyle>
+          <a:p>
+            <a:endParaRPr lang="ru-RU"/>
+          </a:p>
+        </p:txBody>
+      </p:sp>
+      <p:sp>
+        <p:nvSpPr>
+          <p:cNvPr id="3" name="Дата 2"/>
+          <p:cNvSpPr>
+            <a:spLocks noGrp="1"/>
+          </p:cNvSpPr>
+          <p:nvPr>
+            <p:ph type="dt" idx="1"/>
+          </p:nvPr>
+        </p:nvSpPr>
+        <p:spPr>
+          <a:xfrm>
+            <a:off x="3884613" y="0"/>
+            <a:ext cx="2971800" cy="458788"/>
+          </a:xfrm>
+          <a:prstGeom prst="rect">
+            <a:avLst/>
+          </a:prstGeom>
+        </p:spPr>
+        <p:txBody>
+          <a:bodyPr vert="horz" lIns="91440" tIns="45720" rIns="91440" bIns="45720" rtlCol="0"/>
+          <a:lstStyle>
+            <a:lvl1pPr algn="r">
+              <a:defRPr sz="1200"/>
+            </a:lvl1pPr>
+          </a:lstStyle>
+          <a:p>
+            <a:fld id="{037BFD57-9220-4356-88AD-4145FEB93569}" type="datetimeFigureOut">
+              <a:rPr lang="ru-RU" smtClean="0"/>
+              <a:t>25.06.2019</a:t>
+            </a:fld>
+            <a:endParaRPr lang="ru-RU"/>
+          </a:p>
+        </p:txBody>
+      </p:sp>
+      <p:sp>
+        <p:nvSpPr>
+          <p:cNvPr id="4" name="Образ слайда 3"/>
+          <p:cNvSpPr>
+            <a:spLocks noGrp="1" noRot="1" noChangeAspect="1"/>
+          </p:cNvSpPr>
+          <p:nvPr>
+            <p:ph type="sldImg" idx="2"/>
+          </p:nvPr>
+        </p:nvSpPr>
+        <p:spPr>
+          <a:xfrm>
+            <a:off x="1371600" y="1143000"/>
+            <a:ext cx="4114800" cy="3086100"/>
+          </a:xfrm>
+          <a:prstGeom prst="rect">
+            <a:avLst/>
+          </a:prstGeom>
+          <a:noFill/>
+          <a:ln w="12700">
+            <a:solidFill>
+              <a:prstClr val="black"/>
+            </a:solidFill>
+          </a:ln>
+        </p:spPr>
+        <p:txBody>
+          <a:bodyPr vert="horz" lIns="91440" tIns="45720" rIns="91440" bIns="45720" rtlCol="0" anchor="ctr"/>
+          <a:lstStyle/>
+          <a:p>
+            <a:endParaRPr lang="ru-RU"/>
+          </a:p>
+        </p:txBody>
+      </p:sp>
+      <p:sp>
+        <p:nvSpPr>
+          <p:cNvPr id="5" name="Заметки 4"/>
+          <p:cNvSpPr>
+            <a:spLocks noGrp="1"/>
+          </p:cNvSpPr>
+          <p:nvPr>
+            <p:ph type="body" sz="quarter" idx="3"/>
+          </p:nvPr>
+        </p:nvSpPr>
+        <p:spPr>
+          <a:xfrm>
+            <a:off x="685800" y="4400550"/>
+            <a:ext cx="5486400" cy="3600450"/>
+          </a:xfrm>
+          <a:prstGeom prst="rect">
+            <a:avLst/>
+          </a:prstGeom>
+        </p:spPr>
+        <p:txBody>
+          <a:bodyPr vert="horz" lIns="91440" tIns="45720" rIns="91440" bIns="45720" rtlCol="0"/>
+          <a:lstStyle/>
+          <a:p>
+            <a:pPr lvl="0"/>
+            <a:r>
+              <a:rPr lang="ru-RU"/>
+              <a:t>Образец текста</a:t>
+            </a:r>
+          </a:p>
+          <a:p>
+            <a:pPr lvl="1"/>
+            <a:r>
+              <a:rPr lang="ru-RU"/>
+              <a:t>Второй уровень</a:t>
+            </a:r>
+          </a:p>
+          <a:p>
+            <a:pPr lvl="2"/>
+            <a:r>
+              <a:rPr lang="ru-RU"/>
+              <a:t>Третий уровень</a:t>
+            </a:r>
+          </a:p>
+          <a:p>
+            <a:pPr lvl="3"/>
+            <a:r>
+              <a:rPr lang="ru-RU"/>
+              <a:t>Четвертый уровень</a:t>
+            </a:r>
+          </a:p>
+          <a:p>
+            <a:pPr lvl="4"/>
+            <a:r>
+              <a:rPr lang="ru-RU"/>
+              <a:t>Пятый уровень</a:t>
+            </a:r>
+          </a:p>
+        </p:txBody>
+      </p:sp>
+      <p:sp>
+        <p:nvSpPr>
+          <p:cNvPr id="6" name="Нижний колонтитул 5"/>
+          <p:cNvSpPr>
+            <a:spLocks noGrp="1"/>
+          </p:cNvSpPr>
+          <p:nvPr>
+            <p:ph type="ftr" sz="quarter" idx="4"/>
+          </p:nvPr>
+        </p:nvSpPr>
+        <p:spPr>
+          <a:xfrm>
+            <a:off x="0" y="8685213"/>
+            <a:ext cx="2971800" cy="458787"/>
+          </a:xfrm>
+          <a:prstGeom prst="rect">
+            <a:avLst/>
+          </a:prstGeom>
+        </p:spPr>
+        <p:txBody>
+          <a:bodyPr vert="horz" lIns="91440" tIns="45720" rIns="91440" bIns="45720" rtlCol="0" anchor="b"/>
+          <a:lstStyle>
+            <a:lvl1pPr algn="l">
+              <a:defRPr sz="1200"/>
+            </a:lvl1pPr>
+          </a:lstStyle>
+          <a:p>
+            <a:endParaRPr lang="ru-RU"/>
+          </a:p>
+        </p:txBody>
+      </p:sp>
+      <p:sp>
+        <p:nvSpPr>
+          <p:cNvPr id="7" name="Номер слайда 6"/>
+          <p:cNvSpPr>
+            <a:spLocks noGrp="1"/>
+          </p:cNvSpPr>
+          <p:nvPr>
+            <p:ph type="sldNum" sz="quarter" idx="5"/>
+          </p:nvPr>
+        </p:nvSpPr>
+        <p:spPr>
+          <a:xfrm>
+            <a:off x="3884613" y="8685213"/>
+            <a:ext cx="2971800" cy="458787"/>
+          </a:xfrm>
+          <a:prstGeom prst="rect">
+            <a:avLst/>
+          </a:prstGeom>
+        </p:spPr>
+        <p:txBody>
+          <a:bodyPr vert="horz" lIns="91440" tIns="45720" rIns="91440" bIns="45720" rtlCol="0" anchor="b"/>
+          <a:lstStyle>
+            <a:lvl1pPr algn="r">
+              <a:defRPr sz="1200"/>
+            </a:lvl1pPr>
+          </a:lstStyle>
+          <a:p>
+            <a:fld id="{34FE3CC8-3965-40B3-9C72-18776529F49B}" type="slidenum">
+              <a:rPr lang="ru-RU" smtClean="0"/>
+              <a:t>‹#›</a:t>
+            </a:fld>
+            <a:endParaRPr lang="ru-RU"/>
+          </a:p>
+        </p:txBody>
+      </p:sp>
+    </p:spTree>
+    <p:extLst>
+      <p:ext uri="{BB962C8B-B14F-4D97-AF65-F5344CB8AC3E}">
+        <p14:creationId xmlns:p14="http://schemas.microsoft.com/office/powerpoint/2010/main" val="3202790305"/>
+      </p:ext>
+    </p:extLst>
+  </p:cSld>
+  <p:clrMap bg1="lt1" tx1="dk1" bg2="lt2" tx2="dk2" accent1="accent1" accent2="accent2" accent3="accent3" accent4="accent4" accent5="accent5" accent6="accent6" hlink="hlink" folHlink="folHlink"/>
+  <p:notesStyle>
+    <a:lvl1pPr marL="0" algn="l" defTabSz="914400" rtl="0" eaLnBrk="1" latinLnBrk="0" hangingPunct="1">
+      <a:defRPr sz="1200" kern="1200">
+        <a:solidFill>
+          <a:schemeClr val="tx1"/>
+        </a:solidFill>
+        <a:latin typeface="+mn-lt"/>
+        <a:ea typeface="+mn-ea"/>
+        <a:cs typeface="+mn-cs"/>
+      </a:defRPr>
+    </a:lvl1pPr>
+    <a:lvl2pPr marL="457200" algn="l" defTabSz="914400" rtl="0" eaLnBrk="1" latinLnBrk="0" hangingPunct="1">
+      <a:defRPr sz="1200" kern="1200">
+        <a:solidFill>
+          <a:schemeClr val="tx1"/>
+        </a:solidFill>
+        <a:latin typeface="+mn-lt"/>
+        <a:ea typeface="+mn-ea"/>
+        <a:cs typeface="+mn-cs"/>
+      </a:defRPr>
+    </a:lvl2pPr>
+    <a:lvl3pPr marL="914400" algn="l" defTabSz="914400" rtl="0" eaLnBrk="1" latinLnBrk="0" hangingPunct="1">
+      <a:defRPr sz="1200" kern="1200">
+        <a:solidFill>
+          <a:schemeClr val="tx1"/>
+        </a:solidFill>
+        <a:latin typeface="+mn-lt"/>
+        <a:ea typeface="+mn-ea"/>
+        <a:cs typeface="+mn-cs"/>
+      </a:defRPr>
+    </a:lvl3pPr>
+    <a:lvl4pPr marL="1371600" algn="l" defTabSz="914400" rtl="0" eaLnBrk="1" latinLnBrk="0" hangingPunct="1">
+      <a:defRPr sz="1200" kern="1200">
+        <a:solidFill>
+          <a:schemeClr val="tx1"/>
+        </a:solidFill>
+        <a:latin typeface="+mn-lt"/>
+        <a:ea typeface="+mn-ea"/>
+        <a:cs typeface="+mn-cs"/>
+      </a:defRPr>
+    </a:lvl4pPr>
+    <a:lvl5pPr marL="1828800" algn="l" defTabSz="914400" rtl="0" eaLnBrk="1" latinLnBrk="0" hangingPunct="1">
+      <a:defRPr sz="1200" kern="1200">
+        <a:solidFill>
+          <a:schemeClr val="tx1"/>
+        </a:solidFill>
+        <a:latin typeface="+mn-lt"/>
+        <a:ea typeface="+mn-ea"/>
+        <a:cs typeface="+mn-cs"/>
+      </a:defRPr>
+    </a:lvl5pPr>
+    <a:lvl6pPr marL="2286000" algn="l" defTabSz="914400" rtl="0" eaLnBrk="1" latinLnBrk="0" hangingPunct="1">
+      <a:defRPr sz="1200" kern="1200">
+        <a:solidFill>
+          <a:schemeClr val="tx1"/>
+        </a:solidFill>
+        <a:latin typeface="+mn-lt"/>
+        <a:ea typeface="+mn-ea"/>
+        <a:cs typeface="+mn-cs"/>
+      </a:defRPr>
+    </a:lvl6pPr>
+    <a:lvl7pPr marL="2743200" algn="l" defTabSz="914400" rtl="0" eaLnBrk="1" latinLnBrk="0" hangingPunct="1">
+      <a:defRPr sz="1200" kern="1200">
+        <a:solidFill>
+          <a:schemeClr val="tx1"/>
+        </a:solidFill>
+        <a:latin typeface="+mn-lt"/>
+        <a:ea typeface="+mn-ea"/>
+        <a:cs typeface="+mn-cs"/>
+      </a:defRPr>
+    </a:lvl7pPr>
+    <a:lvl8pPr marL="3200400" algn="l" defTabSz="914400" rtl="0" eaLnBrk="1" latinLnBrk="0" hangingPunct="1">
+      <a:defRPr sz="1200" kern="1200">
+        <a:solidFill>
+          <a:schemeClr val="tx1"/>
+        </a:solidFill>
+        <a:latin typeface="+mn-lt"/>
+        <a:ea typeface="+mn-ea"/>
+        <a:cs typeface="+mn-cs"/>
+      </a:defRPr>
+    </a:lvl8pPr>
+    <a:lvl9pPr marL="3657600" algn="l" defTabSz="914400" rtl="0" eaLnBrk="1" latinLnBrk="0" hangingPunct="1">
+      <a:defRPr sz="1200" kern="1200">
+        <a:solidFill>
+          <a:schemeClr val="tx1"/>
+        </a:solidFill>
+        <a:latin typeface="+mn-lt"/>
+        <a:ea typeface="+mn-ea"/>
+        <a:cs typeface="+mn-cs"/>
+      </a:defRPr>
+    </a:lvl9pPr>
+  </p:notesStyle>
+</p:notesMaster>
+</file>
+
 <file path=ppt/slideLayouts/slideLayout1.xml><?xml version="1.0" encoding="utf-8"?>
 <p:sldLayout xmlns:a="http://schemas.openxmlformats.org/drawingml/2006/main" xmlns:r="http://schemas.openxmlformats.org/officeDocument/2006/relationships" xmlns:p="http://schemas.openxmlformats.org/presentationml/2006/main" type="title" preserve="1">
   <p:cSld name="Title Slide">
@@ -309,9 +660,8 @@
           <a:bodyPr/>
           <a:lstStyle/>
           <a:p>
-            <a:fld id="{33A9D8BC-3F7A-4360-BB6D-F1FCB3470FB4}" type="datetimeFigureOut">
+            <a:fld id="{15C45236-45AE-4DD8-85DC-62BB811E6B1B}" type="datetime1">
               <a:rPr lang="en-US" smtClean="0"/>
-              <a:pPr/>
               <a:t>6/25/2019</a:t>
             </a:fld>
             <a:endParaRPr lang="en-US"/>
@@ -481,9 +831,8 @@
           <a:bodyPr/>
           <a:lstStyle/>
           <a:p>
-            <a:fld id="{33A9D8BC-3F7A-4360-BB6D-F1FCB3470FB4}" type="datetimeFigureOut">
+            <a:fld id="{1183B55A-98D1-4D83-AE02-5B6B18BDDD58}" type="datetime1">
               <a:rPr lang="en-US" smtClean="0"/>
-              <a:pPr/>
               <a:t>6/25/2019</a:t>
             </a:fld>
             <a:endParaRPr lang="en-US"/>
@@ -663,9 +1012,8 @@
           <a:bodyPr/>
           <a:lstStyle/>
           <a:p>
-            <a:fld id="{33A9D8BC-3F7A-4360-BB6D-F1FCB3470FB4}" type="datetimeFigureOut">
+            <a:fld id="{A22D287F-8908-43B6-8D3A-41290A808431}" type="datetime1">
               <a:rPr lang="en-US" smtClean="0"/>
-              <a:pPr/>
               <a:t>6/25/2019</a:t>
             </a:fld>
             <a:endParaRPr lang="en-US"/>
@@ -835,9 +1183,8 @@
           <a:bodyPr/>
           <a:lstStyle/>
           <a:p>
-            <a:fld id="{33A9D8BC-3F7A-4360-BB6D-F1FCB3470FB4}" type="datetimeFigureOut">
+            <a:fld id="{6A397827-3672-4FB7-A253-6D7222FD5D81}" type="datetime1">
               <a:rPr lang="en-US" smtClean="0"/>
-              <a:pPr/>
               <a:t>6/25/2019</a:t>
             </a:fld>
             <a:endParaRPr lang="en-US"/>
@@ -1081,9 +1428,8 @@
           <a:bodyPr/>
           <a:lstStyle/>
           <a:p>
-            <a:fld id="{33A9D8BC-3F7A-4360-BB6D-F1FCB3470FB4}" type="datetimeFigureOut">
+            <a:fld id="{354794C1-BBE8-4F07-A513-C8FCD70803C4}" type="datetime1">
               <a:rPr lang="en-US" smtClean="0"/>
-              <a:pPr/>
               <a:t>6/25/2019</a:t>
             </a:fld>
             <a:endParaRPr lang="en-US"/>
@@ -1315,9 +1661,8 @@
           <a:bodyPr/>
           <a:lstStyle/>
           <a:p>
-            <a:fld id="{33A9D8BC-3F7A-4360-BB6D-F1FCB3470FB4}" type="datetimeFigureOut">
+            <a:fld id="{56C89715-CAC2-429C-96B5-DF4652932D1A}" type="datetime1">
               <a:rPr lang="en-US" smtClean="0"/>
-              <a:pPr/>
               <a:t>6/25/2019</a:t>
             </a:fld>
             <a:endParaRPr lang="en-US"/>
@@ -1684,9 +2029,8 @@
           <a:bodyPr/>
           <a:lstStyle/>
           <a:p>
-            <a:fld id="{33A9D8BC-3F7A-4360-BB6D-F1FCB3470FB4}" type="datetimeFigureOut">
+            <a:fld id="{9A13BA09-F2C4-4EE0-94BC-DFC56198604E}" type="datetime1">
               <a:rPr lang="en-US" smtClean="0"/>
-              <a:pPr/>
               <a:t>6/25/2019</a:t>
             </a:fld>
             <a:endParaRPr lang="en-US"/>
@@ -1804,9 +2148,8 @@
           <a:bodyPr/>
           <a:lstStyle/>
           <a:p>
-            <a:fld id="{33A9D8BC-3F7A-4360-BB6D-F1FCB3470FB4}" type="datetimeFigureOut">
+            <a:fld id="{8972BB4B-7058-488E-95A0-604EB65AEA3F}" type="datetime1">
               <a:rPr lang="en-US" smtClean="0"/>
-              <a:pPr/>
               <a:t>6/25/2019</a:t>
             </a:fld>
             <a:endParaRPr lang="en-US"/>
@@ -1901,9 +2244,8 @@
           <a:bodyPr/>
           <a:lstStyle/>
           <a:p>
-            <a:fld id="{33A9D8BC-3F7A-4360-BB6D-F1FCB3470FB4}" type="datetimeFigureOut">
+            <a:fld id="{07F5C52E-DCBD-4850-A873-1FE94BB8F791}" type="datetime1">
               <a:rPr lang="en-US" smtClean="0"/>
-              <a:pPr/>
               <a:t>6/25/2019</a:t>
             </a:fld>
             <a:endParaRPr lang="en-US"/>
@@ -2180,9 +2522,8 @@
           <a:bodyPr/>
           <a:lstStyle/>
           <a:p>
-            <a:fld id="{33A9D8BC-3F7A-4360-BB6D-F1FCB3470FB4}" type="datetimeFigureOut">
+            <a:fld id="{A19A9574-A229-436D-87CB-9AA5F190EF8E}" type="datetime1">
               <a:rPr lang="en-US" smtClean="0"/>
-              <a:pPr/>
               <a:t>6/25/2019</a:t>
             </a:fld>
             <a:endParaRPr lang="en-US"/>
@@ -2439,9 +2780,8 @@
           <a:bodyPr/>
           <a:lstStyle/>
           <a:p>
-            <a:fld id="{33A9D8BC-3F7A-4360-BB6D-F1FCB3470FB4}" type="datetimeFigureOut">
+            <a:fld id="{5B00F9BC-F535-4E4D-B3BE-7030394E3404}" type="datetime1">
               <a:rPr lang="en-US" smtClean="0"/>
-              <a:pPr/>
               <a:t>6/25/2019</a:t>
             </a:fld>
             <a:endParaRPr lang="en-US"/>
@@ -2683,9 +3023,8 @@
             </a:lvl1pPr>
           </a:lstStyle>
           <a:p>
-            <a:fld id="{33A9D8BC-3F7A-4360-BB6D-F1FCB3470FB4}" type="datetimeFigureOut">
+            <a:fld id="{87525DF3-30AE-49A0-B94E-74D84F78B88F}" type="datetime1">
               <a:rPr lang="en-US" smtClean="0"/>
-              <a:pPr/>
               <a:t>6/25/2019</a:t>
             </a:fld>
             <a:endParaRPr lang="en-US"/>
@@ -2792,6 +3131,7 @@
     <p:sldLayoutId id="2147483670" r:id="rId10"/>
     <p:sldLayoutId id="2147483671" r:id="rId11"/>
   </p:sldLayoutIdLst>
+  <p:hf hdr="0" ftr="0" dt="0"/>
   <p:txStyles>
     <p:titleStyle>
       <a:lvl1pPr algn="l" defTabSz="914400" rtl="0" eaLnBrk="1" latinLnBrk="0" hangingPunct="1">
@@ -3630,7 +3970,7 @@
             </a:r>
             <a:r>
               <a:rPr lang="ru-RU" altLang="ru-RU" sz="2200" dirty="0"/>
-              <a:t>0.007147</a:t>
+              <a:t>0.04043</a:t>
             </a:r>
             <a:r>
               <a:rPr lang="en-US" altLang="ru-RU" sz="2200" dirty="0"/>
@@ -3647,6 +3987,36 @@
               <a:rPr lang="ru-RU" sz="2400" b="1" dirty="0"/>
               <a:t>👍</a:t>
             </a:r>
+          </a:p>
+        </p:txBody>
+      </p:sp>
+      <p:sp>
+        <p:nvSpPr>
+          <p:cNvPr id="4" name="Номер слайда 3">
+            <a:extLst>
+              <a:ext uri="{FF2B5EF4-FFF2-40B4-BE49-F238E27FC236}">
+                <a16:creationId xmlns:a16="http://schemas.microsoft.com/office/drawing/2014/main" id="{46F385C1-0C49-4998-8B80-EE622F8DDF0D}"/>
+              </a:ext>
+            </a:extLst>
+          </p:cNvPr>
+          <p:cNvSpPr>
+            <a:spLocks noGrp="1"/>
+          </p:cNvSpPr>
+          <p:nvPr>
+            <p:ph type="sldNum" sz="quarter" idx="12"/>
+          </p:nvPr>
+        </p:nvSpPr>
+        <p:spPr/>
+        <p:txBody>
+          <a:bodyPr/>
+          <a:lstStyle/>
+          <a:p>
+            <a:fld id="{8408BC49-1B67-4826-A1F3-48AF839B00E7}" type="slidenum">
+              <a:rPr lang="en-US" smtClean="0"/>
+              <a:pPr/>
+              <a:t>10</a:t>
+            </a:fld>
+            <a:endParaRPr lang="en-US"/>
           </a:p>
         </p:txBody>
       </p:sp>
@@ -4082,6 +4452,36 @@
           </a:p>
         </p:txBody>
       </p:sp>
+      <p:sp>
+        <p:nvSpPr>
+          <p:cNvPr id="4" name="Номер слайда 3">
+            <a:extLst>
+              <a:ext uri="{FF2B5EF4-FFF2-40B4-BE49-F238E27FC236}">
+                <a16:creationId xmlns:a16="http://schemas.microsoft.com/office/drawing/2014/main" id="{34762E9E-6ED8-42CD-B6A5-353BF18DAB89}"/>
+              </a:ext>
+            </a:extLst>
+          </p:cNvPr>
+          <p:cNvSpPr>
+            <a:spLocks noGrp="1"/>
+          </p:cNvSpPr>
+          <p:nvPr>
+            <p:ph type="sldNum" sz="quarter" idx="12"/>
+          </p:nvPr>
+        </p:nvSpPr>
+        <p:spPr/>
+        <p:txBody>
+          <a:bodyPr/>
+          <a:lstStyle/>
+          <a:p>
+            <a:fld id="{8408BC49-1B67-4826-A1F3-48AF839B00E7}" type="slidenum">
+              <a:rPr lang="en-US" smtClean="0"/>
+              <a:pPr/>
+              <a:t>11</a:t>
+            </a:fld>
+            <a:endParaRPr lang="en-US"/>
+          </a:p>
+        </p:txBody>
+      </p:sp>
     </p:spTree>
     <p:extLst>
       <p:ext uri="{BB962C8B-B14F-4D97-AF65-F5344CB8AC3E}">
@@ -4531,6 +4931,36 @@
           </a:p>
         </p:txBody>
       </p:sp>
+      <p:sp>
+        <p:nvSpPr>
+          <p:cNvPr id="4" name="Номер слайда 3">
+            <a:extLst>
+              <a:ext uri="{FF2B5EF4-FFF2-40B4-BE49-F238E27FC236}">
+                <a16:creationId xmlns:a16="http://schemas.microsoft.com/office/drawing/2014/main" id="{9E1FF843-2FC1-4753-882C-FDA76EAF6097}"/>
+              </a:ext>
+            </a:extLst>
+          </p:cNvPr>
+          <p:cNvSpPr>
+            <a:spLocks noGrp="1"/>
+          </p:cNvSpPr>
+          <p:nvPr>
+            <p:ph type="sldNum" sz="quarter" idx="12"/>
+          </p:nvPr>
+        </p:nvSpPr>
+        <p:spPr/>
+        <p:txBody>
+          <a:bodyPr/>
+          <a:lstStyle/>
+          <a:p>
+            <a:fld id="{8408BC49-1B67-4826-A1F3-48AF839B00E7}" type="slidenum">
+              <a:rPr lang="en-US" smtClean="0"/>
+              <a:pPr/>
+              <a:t>12</a:t>
+            </a:fld>
+            <a:endParaRPr lang="en-US"/>
+          </a:p>
+        </p:txBody>
+      </p:sp>
     </p:spTree>
     <p:extLst>
       <p:ext uri="{BB962C8B-B14F-4D97-AF65-F5344CB8AC3E}">
@@ -5000,6 +5430,36 @@
           </a:p>
         </p:txBody>
       </p:sp>
+      <p:sp>
+        <p:nvSpPr>
+          <p:cNvPr id="5" name="Номер слайда 4">
+            <a:extLst>
+              <a:ext uri="{FF2B5EF4-FFF2-40B4-BE49-F238E27FC236}">
+                <a16:creationId xmlns:a16="http://schemas.microsoft.com/office/drawing/2014/main" id="{1990BDC2-E35A-4B8E-BB2C-A512E724C0CD}"/>
+              </a:ext>
+            </a:extLst>
+          </p:cNvPr>
+          <p:cNvSpPr>
+            <a:spLocks noGrp="1"/>
+          </p:cNvSpPr>
+          <p:nvPr>
+            <p:ph type="sldNum" sz="quarter" idx="12"/>
+          </p:nvPr>
+        </p:nvSpPr>
+        <p:spPr/>
+        <p:txBody>
+          <a:bodyPr/>
+          <a:lstStyle/>
+          <a:p>
+            <a:fld id="{8408BC49-1B67-4826-A1F3-48AF839B00E7}" type="slidenum">
+              <a:rPr lang="en-US" smtClean="0"/>
+              <a:pPr/>
+              <a:t>13</a:t>
+            </a:fld>
+            <a:endParaRPr lang="en-US"/>
+          </a:p>
+        </p:txBody>
+      </p:sp>
     </p:spTree>
     <p:extLst>
       <p:ext uri="{BB962C8B-B14F-4D97-AF65-F5344CB8AC3E}">
@@ -5460,6 +5920,36 @@
           </a:p>
         </p:txBody>
       </p:sp>
+      <p:sp>
+        <p:nvSpPr>
+          <p:cNvPr id="4" name="Номер слайда 3">
+            <a:extLst>
+              <a:ext uri="{FF2B5EF4-FFF2-40B4-BE49-F238E27FC236}">
+                <a16:creationId xmlns:a16="http://schemas.microsoft.com/office/drawing/2014/main" id="{49E75537-9EE0-46E1-8BBB-3D73EA81B5A9}"/>
+              </a:ext>
+            </a:extLst>
+          </p:cNvPr>
+          <p:cNvSpPr>
+            <a:spLocks noGrp="1"/>
+          </p:cNvSpPr>
+          <p:nvPr>
+            <p:ph type="sldNum" sz="quarter" idx="12"/>
+          </p:nvPr>
+        </p:nvSpPr>
+        <p:spPr/>
+        <p:txBody>
+          <a:bodyPr/>
+          <a:lstStyle/>
+          <a:p>
+            <a:fld id="{8408BC49-1B67-4826-A1F3-48AF839B00E7}" type="slidenum">
+              <a:rPr lang="en-US" smtClean="0"/>
+              <a:pPr/>
+              <a:t>14</a:t>
+            </a:fld>
+            <a:endParaRPr lang="en-US"/>
+          </a:p>
+        </p:txBody>
+      </p:sp>
     </p:spTree>
     <p:extLst>
       <p:ext uri="{BB962C8B-B14F-4D97-AF65-F5344CB8AC3E}">
@@ -5895,6 +6385,36 @@
           </a:p>
         </p:txBody>
       </p:sp>
+      <p:sp>
+        <p:nvSpPr>
+          <p:cNvPr id="4" name="Номер слайда 3">
+            <a:extLst>
+              <a:ext uri="{FF2B5EF4-FFF2-40B4-BE49-F238E27FC236}">
+                <a16:creationId xmlns:a16="http://schemas.microsoft.com/office/drawing/2014/main" id="{0FF936B4-1411-4169-AB36-343E8F71B8E0}"/>
+              </a:ext>
+            </a:extLst>
+          </p:cNvPr>
+          <p:cNvSpPr>
+            <a:spLocks noGrp="1"/>
+          </p:cNvSpPr>
+          <p:nvPr>
+            <p:ph type="sldNum" sz="quarter" idx="12"/>
+          </p:nvPr>
+        </p:nvSpPr>
+        <p:spPr/>
+        <p:txBody>
+          <a:bodyPr/>
+          <a:lstStyle/>
+          <a:p>
+            <a:fld id="{8408BC49-1B67-4826-A1F3-48AF839B00E7}" type="slidenum">
+              <a:rPr lang="en-US" smtClean="0"/>
+              <a:pPr/>
+              <a:t>15</a:t>
+            </a:fld>
+            <a:endParaRPr lang="en-US"/>
+          </a:p>
+        </p:txBody>
+      </p:sp>
     </p:spTree>
     <p:extLst>
       <p:ext uri="{BB962C8B-B14F-4D97-AF65-F5344CB8AC3E}">
@@ -6366,6 +6886,36 @@
           </a:p>
         </p:txBody>
       </p:sp>
+      <p:sp>
+        <p:nvSpPr>
+          <p:cNvPr id="5" name="Номер слайда 4">
+            <a:extLst>
+              <a:ext uri="{FF2B5EF4-FFF2-40B4-BE49-F238E27FC236}">
+                <a16:creationId xmlns:a16="http://schemas.microsoft.com/office/drawing/2014/main" id="{8883567B-38A4-454B-AB93-B4267459B400}"/>
+              </a:ext>
+            </a:extLst>
+          </p:cNvPr>
+          <p:cNvSpPr>
+            <a:spLocks noGrp="1"/>
+          </p:cNvSpPr>
+          <p:nvPr>
+            <p:ph type="sldNum" sz="quarter" idx="12"/>
+          </p:nvPr>
+        </p:nvSpPr>
+        <p:spPr/>
+        <p:txBody>
+          <a:bodyPr/>
+          <a:lstStyle/>
+          <a:p>
+            <a:fld id="{8408BC49-1B67-4826-A1F3-48AF839B00E7}" type="slidenum">
+              <a:rPr lang="en-US" smtClean="0"/>
+              <a:pPr/>
+              <a:t>16</a:t>
+            </a:fld>
+            <a:endParaRPr lang="en-US"/>
+          </a:p>
+        </p:txBody>
+      </p:sp>
     </p:spTree>
     <p:extLst>
       <p:ext uri="{BB962C8B-B14F-4D97-AF65-F5344CB8AC3E}">
@@ -6845,6 +7395,36 @@
           </a:p>
         </p:txBody>
       </p:sp>
+      <p:sp>
+        <p:nvSpPr>
+          <p:cNvPr id="4" name="Номер слайда 3">
+            <a:extLst>
+              <a:ext uri="{FF2B5EF4-FFF2-40B4-BE49-F238E27FC236}">
+                <a16:creationId xmlns:a16="http://schemas.microsoft.com/office/drawing/2014/main" id="{D79B5D1C-8AE8-43D2-9401-4ABF0BB9769D}"/>
+              </a:ext>
+            </a:extLst>
+          </p:cNvPr>
+          <p:cNvSpPr>
+            <a:spLocks noGrp="1"/>
+          </p:cNvSpPr>
+          <p:nvPr>
+            <p:ph type="sldNum" sz="quarter" idx="12"/>
+          </p:nvPr>
+        </p:nvSpPr>
+        <p:spPr/>
+        <p:txBody>
+          <a:bodyPr/>
+          <a:lstStyle/>
+          <a:p>
+            <a:fld id="{8408BC49-1B67-4826-A1F3-48AF839B00E7}" type="slidenum">
+              <a:rPr lang="en-US" smtClean="0"/>
+              <a:pPr/>
+              <a:t>17</a:t>
+            </a:fld>
+            <a:endParaRPr lang="en-US"/>
+          </a:p>
+        </p:txBody>
+      </p:sp>
     </p:spTree>
     <p:extLst>
       <p:ext uri="{BB962C8B-B14F-4D97-AF65-F5344CB8AC3E}">
@@ -7335,6 +7915,36 @@
           </a:p>
         </p:txBody>
       </p:sp>
+      <p:sp>
+        <p:nvSpPr>
+          <p:cNvPr id="5" name="Номер слайда 4">
+            <a:extLst>
+              <a:ext uri="{FF2B5EF4-FFF2-40B4-BE49-F238E27FC236}">
+                <a16:creationId xmlns:a16="http://schemas.microsoft.com/office/drawing/2014/main" id="{8D219BF3-0BDB-4DD7-8FE5-C72A2EDAD6F5}"/>
+              </a:ext>
+            </a:extLst>
+          </p:cNvPr>
+          <p:cNvSpPr>
+            <a:spLocks noGrp="1"/>
+          </p:cNvSpPr>
+          <p:nvPr>
+            <p:ph type="sldNum" sz="quarter" idx="12"/>
+          </p:nvPr>
+        </p:nvSpPr>
+        <p:spPr/>
+        <p:txBody>
+          <a:bodyPr/>
+          <a:lstStyle/>
+          <a:p>
+            <a:fld id="{8408BC49-1B67-4826-A1F3-48AF839B00E7}" type="slidenum">
+              <a:rPr lang="en-US" smtClean="0"/>
+              <a:pPr/>
+              <a:t>18</a:t>
+            </a:fld>
+            <a:endParaRPr lang="en-US"/>
+          </a:p>
+        </p:txBody>
+      </p:sp>
     </p:spTree>
     <p:extLst>
       <p:ext uri="{BB962C8B-B14F-4D97-AF65-F5344CB8AC3E}">
@@ -7804,6 +8414,36 @@
           </a:p>
         </p:txBody>
       </p:sp>
+      <p:sp>
+        <p:nvSpPr>
+          <p:cNvPr id="6" name="Номер слайда 5">
+            <a:extLst>
+              <a:ext uri="{FF2B5EF4-FFF2-40B4-BE49-F238E27FC236}">
+                <a16:creationId xmlns:a16="http://schemas.microsoft.com/office/drawing/2014/main" id="{7B43000F-E386-44D5-88CB-05B57D6FB113}"/>
+              </a:ext>
+            </a:extLst>
+          </p:cNvPr>
+          <p:cNvSpPr>
+            <a:spLocks noGrp="1"/>
+          </p:cNvSpPr>
+          <p:nvPr>
+            <p:ph type="sldNum" sz="quarter" idx="12"/>
+          </p:nvPr>
+        </p:nvSpPr>
+        <p:spPr/>
+        <p:txBody>
+          <a:bodyPr/>
+          <a:lstStyle/>
+          <a:p>
+            <a:fld id="{8408BC49-1B67-4826-A1F3-48AF839B00E7}" type="slidenum">
+              <a:rPr lang="en-US" smtClean="0"/>
+              <a:pPr/>
+              <a:t>19</a:t>
+            </a:fld>
+            <a:endParaRPr lang="en-US"/>
+          </a:p>
+        </p:txBody>
+      </p:sp>
     </p:spTree>
     <p:extLst>
       <p:ext uri="{BB962C8B-B14F-4D97-AF65-F5344CB8AC3E}">
@@ -8296,6 +8936,36 @@
           </a:p>
         </p:txBody>
       </p:sp>
+      <p:sp>
+        <p:nvSpPr>
+          <p:cNvPr id="3" name="Номер слайда 2">
+            <a:extLst>
+              <a:ext uri="{FF2B5EF4-FFF2-40B4-BE49-F238E27FC236}">
+                <a16:creationId xmlns:a16="http://schemas.microsoft.com/office/drawing/2014/main" id="{2E65DE09-8A23-428A-B9C4-B2D4B0605065}"/>
+              </a:ext>
+            </a:extLst>
+          </p:cNvPr>
+          <p:cNvSpPr>
+            <a:spLocks noGrp="1"/>
+          </p:cNvSpPr>
+          <p:nvPr>
+            <p:ph type="sldNum" sz="quarter" idx="12"/>
+          </p:nvPr>
+        </p:nvSpPr>
+        <p:spPr/>
+        <p:txBody>
+          <a:bodyPr/>
+          <a:lstStyle/>
+          <a:p>
+            <a:fld id="{8408BC49-1B67-4826-A1F3-48AF839B00E7}" type="slidenum">
+              <a:rPr lang="en-US" smtClean="0"/>
+              <a:pPr/>
+              <a:t>2</a:t>
+            </a:fld>
+            <a:endParaRPr lang="en-US"/>
+          </a:p>
+        </p:txBody>
+      </p:sp>
     </p:spTree>
     <p:extLst>
       <p:ext uri="{BB962C8B-B14F-4D97-AF65-F5344CB8AC3E}">
@@ -8808,6 +9478,36 @@
           </a:p>
         </p:txBody>
       </p:sp>
+      <p:sp>
+        <p:nvSpPr>
+          <p:cNvPr id="5" name="Номер слайда 4">
+            <a:extLst>
+              <a:ext uri="{FF2B5EF4-FFF2-40B4-BE49-F238E27FC236}">
+                <a16:creationId xmlns:a16="http://schemas.microsoft.com/office/drawing/2014/main" id="{BF11F7E9-5ABC-45CE-B686-B064DB316BFE}"/>
+              </a:ext>
+            </a:extLst>
+          </p:cNvPr>
+          <p:cNvSpPr>
+            <a:spLocks noGrp="1"/>
+          </p:cNvSpPr>
+          <p:nvPr>
+            <p:ph type="sldNum" sz="quarter" idx="12"/>
+          </p:nvPr>
+        </p:nvSpPr>
+        <p:spPr/>
+        <p:txBody>
+          <a:bodyPr/>
+          <a:lstStyle/>
+          <a:p>
+            <a:fld id="{8408BC49-1B67-4826-A1F3-48AF839B00E7}" type="slidenum">
+              <a:rPr lang="en-US" smtClean="0"/>
+              <a:pPr/>
+              <a:t>20</a:t>
+            </a:fld>
+            <a:endParaRPr lang="en-US"/>
+          </a:p>
+        </p:txBody>
+      </p:sp>
     </p:spTree>
     <p:extLst>
       <p:ext uri="{BB962C8B-B14F-4D97-AF65-F5344CB8AC3E}">
@@ -9266,6 +9966,36 @@
           </a:p>
         </p:txBody>
       </p:sp>
+      <p:sp>
+        <p:nvSpPr>
+          <p:cNvPr id="5" name="Номер слайда 4">
+            <a:extLst>
+              <a:ext uri="{FF2B5EF4-FFF2-40B4-BE49-F238E27FC236}">
+                <a16:creationId xmlns:a16="http://schemas.microsoft.com/office/drawing/2014/main" id="{B12ED276-E739-4922-83AF-3EC12B0AFBBE}"/>
+              </a:ext>
+            </a:extLst>
+          </p:cNvPr>
+          <p:cNvSpPr>
+            <a:spLocks noGrp="1"/>
+          </p:cNvSpPr>
+          <p:nvPr>
+            <p:ph type="sldNum" sz="quarter" idx="12"/>
+          </p:nvPr>
+        </p:nvSpPr>
+        <p:spPr/>
+        <p:txBody>
+          <a:bodyPr/>
+          <a:lstStyle/>
+          <a:p>
+            <a:fld id="{8408BC49-1B67-4826-A1F3-48AF839B00E7}" type="slidenum">
+              <a:rPr lang="en-US" smtClean="0"/>
+              <a:pPr/>
+              <a:t>21</a:t>
+            </a:fld>
+            <a:endParaRPr lang="en-US"/>
+          </a:p>
+        </p:txBody>
+      </p:sp>
     </p:spTree>
     <p:extLst>
       <p:ext uri="{BB962C8B-B14F-4D97-AF65-F5344CB8AC3E}">
@@ -9778,6 +10508,36 @@
           </a:p>
         </p:txBody>
       </p:sp>
+      <p:sp>
+        <p:nvSpPr>
+          <p:cNvPr id="4" name="Номер слайда 3">
+            <a:extLst>
+              <a:ext uri="{FF2B5EF4-FFF2-40B4-BE49-F238E27FC236}">
+                <a16:creationId xmlns:a16="http://schemas.microsoft.com/office/drawing/2014/main" id="{AFE6C9D6-C2F9-475D-8B76-203487A12A1A}"/>
+              </a:ext>
+            </a:extLst>
+          </p:cNvPr>
+          <p:cNvSpPr>
+            <a:spLocks noGrp="1"/>
+          </p:cNvSpPr>
+          <p:nvPr>
+            <p:ph type="sldNum" sz="quarter" idx="12"/>
+          </p:nvPr>
+        </p:nvSpPr>
+        <p:spPr/>
+        <p:txBody>
+          <a:bodyPr/>
+          <a:lstStyle/>
+          <a:p>
+            <a:fld id="{8408BC49-1B67-4826-A1F3-48AF839B00E7}" type="slidenum">
+              <a:rPr lang="en-US" smtClean="0"/>
+              <a:pPr/>
+              <a:t>22</a:t>
+            </a:fld>
+            <a:endParaRPr lang="en-US"/>
+          </a:p>
+        </p:txBody>
+      </p:sp>
     </p:spTree>
     <p:extLst>
       <p:ext uri="{BB962C8B-B14F-4D97-AF65-F5344CB8AC3E}">
@@ -10261,6 +11021,36 @@
           </a:p>
         </p:txBody>
       </p:sp>
+      <p:sp>
+        <p:nvSpPr>
+          <p:cNvPr id="4" name="Номер слайда 3">
+            <a:extLst>
+              <a:ext uri="{FF2B5EF4-FFF2-40B4-BE49-F238E27FC236}">
+                <a16:creationId xmlns:a16="http://schemas.microsoft.com/office/drawing/2014/main" id="{2ACD0EF0-D050-4786-98CB-B95159AAFDCA}"/>
+              </a:ext>
+            </a:extLst>
+          </p:cNvPr>
+          <p:cNvSpPr>
+            <a:spLocks noGrp="1"/>
+          </p:cNvSpPr>
+          <p:nvPr>
+            <p:ph type="sldNum" sz="quarter" idx="12"/>
+          </p:nvPr>
+        </p:nvSpPr>
+        <p:spPr/>
+        <p:txBody>
+          <a:bodyPr/>
+          <a:lstStyle/>
+          <a:p>
+            <a:fld id="{8408BC49-1B67-4826-A1F3-48AF839B00E7}" type="slidenum">
+              <a:rPr lang="en-US" smtClean="0"/>
+              <a:pPr/>
+              <a:t>23</a:t>
+            </a:fld>
+            <a:endParaRPr lang="en-US"/>
+          </a:p>
+        </p:txBody>
+      </p:sp>
     </p:spTree>
     <p:extLst>
       <p:ext uri="{BB962C8B-B14F-4D97-AF65-F5344CB8AC3E}">
@@ -10771,6 +11561,10 @@
               <a:rPr lang="en-US" altLang="ru-RU" sz="2400" dirty="0"/>
               <a:t>		21%</a:t>
             </a:r>
+            <a:r>
+              <a:rPr lang="ru-RU" altLang="ru-RU" sz="2400" dirty="0"/>
+              <a:t> (!!)</a:t>
+            </a:r>
             <a:endParaRPr lang="en-US" sz="2400" dirty="0"/>
           </a:p>
           <a:p>
@@ -10782,6 +11576,36 @@
               <a:rPr lang="ru-RU" sz="2400" b="1" dirty="0"/>
               <a:t>👍</a:t>
             </a:r>
+          </a:p>
+        </p:txBody>
+      </p:sp>
+      <p:sp>
+        <p:nvSpPr>
+          <p:cNvPr id="4" name="Номер слайда 3">
+            <a:extLst>
+              <a:ext uri="{FF2B5EF4-FFF2-40B4-BE49-F238E27FC236}">
+                <a16:creationId xmlns:a16="http://schemas.microsoft.com/office/drawing/2014/main" id="{3EF4B118-8A35-44B3-BAC4-4E86202FBC4B}"/>
+              </a:ext>
+            </a:extLst>
+          </p:cNvPr>
+          <p:cNvSpPr>
+            <a:spLocks noGrp="1"/>
+          </p:cNvSpPr>
+          <p:nvPr>
+            <p:ph type="sldNum" sz="quarter" idx="12"/>
+          </p:nvPr>
+        </p:nvSpPr>
+        <p:spPr/>
+        <p:txBody>
+          <a:bodyPr/>
+          <a:lstStyle/>
+          <a:p>
+            <a:fld id="{8408BC49-1B67-4826-A1F3-48AF839B00E7}" type="slidenum">
+              <a:rPr lang="en-US" smtClean="0"/>
+              <a:pPr/>
+              <a:t>24</a:t>
+            </a:fld>
+            <a:endParaRPr lang="en-US"/>
           </a:p>
         </p:txBody>
       </p:sp>
@@ -11217,6 +12041,36 @@
           </a:p>
         </p:txBody>
       </p:sp>
+      <p:sp>
+        <p:nvSpPr>
+          <p:cNvPr id="4" name="Номер слайда 3">
+            <a:extLst>
+              <a:ext uri="{FF2B5EF4-FFF2-40B4-BE49-F238E27FC236}">
+                <a16:creationId xmlns:a16="http://schemas.microsoft.com/office/drawing/2014/main" id="{2D407C3A-930F-4EB8-AC98-9112FC418176}"/>
+              </a:ext>
+            </a:extLst>
+          </p:cNvPr>
+          <p:cNvSpPr>
+            <a:spLocks noGrp="1"/>
+          </p:cNvSpPr>
+          <p:nvPr>
+            <p:ph type="sldNum" sz="quarter" idx="12"/>
+          </p:nvPr>
+        </p:nvSpPr>
+        <p:spPr/>
+        <p:txBody>
+          <a:bodyPr/>
+          <a:lstStyle/>
+          <a:p>
+            <a:fld id="{8408BC49-1B67-4826-A1F3-48AF839B00E7}" type="slidenum">
+              <a:rPr lang="en-US" smtClean="0"/>
+              <a:pPr/>
+              <a:t>25</a:t>
+            </a:fld>
+            <a:endParaRPr lang="en-US"/>
+          </a:p>
+        </p:txBody>
+      </p:sp>
     </p:spTree>
     <p:extLst>
       <p:ext uri="{BB962C8B-B14F-4D97-AF65-F5344CB8AC3E}">
@@ -11754,6 +12608,36 @@
           </a:p>
         </p:txBody>
       </p:sp>
+      <p:sp>
+        <p:nvSpPr>
+          <p:cNvPr id="4" name="Номер слайда 3">
+            <a:extLst>
+              <a:ext uri="{FF2B5EF4-FFF2-40B4-BE49-F238E27FC236}">
+                <a16:creationId xmlns:a16="http://schemas.microsoft.com/office/drawing/2014/main" id="{F2DB5CAA-B8A9-4EDB-BA16-17BC7E3874BE}"/>
+              </a:ext>
+            </a:extLst>
+          </p:cNvPr>
+          <p:cNvSpPr>
+            <a:spLocks noGrp="1"/>
+          </p:cNvSpPr>
+          <p:nvPr>
+            <p:ph type="sldNum" sz="quarter" idx="12"/>
+          </p:nvPr>
+        </p:nvSpPr>
+        <p:spPr/>
+        <p:txBody>
+          <a:bodyPr/>
+          <a:lstStyle/>
+          <a:p>
+            <a:fld id="{8408BC49-1B67-4826-A1F3-48AF839B00E7}" type="slidenum">
+              <a:rPr lang="en-US" smtClean="0"/>
+              <a:pPr/>
+              <a:t>26</a:t>
+            </a:fld>
+            <a:endParaRPr lang="en-US"/>
+          </a:p>
+        </p:txBody>
+      </p:sp>
     </p:spTree>
     <p:extLst>
       <p:ext uri="{BB962C8B-B14F-4D97-AF65-F5344CB8AC3E}">
@@ -11784,6 +12668,51 @@
           <a:chExt cx="0" cy="0"/>
         </a:xfrm>
       </p:grpSpPr>
+      <p:pic>
+        <p:nvPicPr>
+          <p:cNvPr id="1026" name="Picture 2">
+            <a:extLst>
+              <a:ext uri="{FF2B5EF4-FFF2-40B4-BE49-F238E27FC236}">
+                <a16:creationId xmlns:a16="http://schemas.microsoft.com/office/drawing/2014/main" id="{E9F8C7E3-61FD-47F4-B916-0E015E1F7140}"/>
+              </a:ext>
+            </a:extLst>
+          </p:cNvPr>
+          <p:cNvPicPr>
+            <a:picLocks noChangeAspect="1" noChangeArrowheads="1"/>
+          </p:cNvPicPr>
+          <p:nvPr/>
+        </p:nvPicPr>
+        <p:blipFill>
+          <a:blip r:embed="rId2">
+            <a:extLst>
+              <a:ext uri="{28A0092B-C50C-407E-A947-70E740481C1C}">
+                <a14:useLocalDpi xmlns:a14="http://schemas.microsoft.com/office/drawing/2010/main" val="0"/>
+              </a:ext>
+            </a:extLst>
+          </a:blip>
+          <a:srcRect/>
+          <a:stretch/>
+        </p:blipFill>
+        <p:spPr bwMode="auto">
+          <a:xfrm>
+            <a:off x="3228794" y="1896295"/>
+            <a:ext cx="6667495" cy="4114796"/>
+          </a:xfrm>
+          <a:prstGeom prst="rect">
+            <a:avLst/>
+          </a:prstGeom>
+          <a:noFill/>
+          <a:extLst>
+            <a:ext uri="{909E8E84-426E-40DD-AFC4-6F175D3DCCD1}">
+              <a14:hiddenFill xmlns:a14="http://schemas.microsoft.com/office/drawing/2010/main">
+                <a:solidFill>
+                  <a:srgbClr val="FFFFFF"/>
+                </a:solidFill>
+              </a14:hiddenFill>
+            </a:ext>
+          </a:extLst>
+        </p:spPr>
+      </p:pic>
       <p:sp>
         <p:nvSpPr>
           <p:cNvPr id="2" name="Title 1"/>
@@ -11797,22 +12726,19 @@
         <p:spPr>
           <a:xfrm>
             <a:off x="1444752" y="373290"/>
-            <a:ext cx="7699248" cy="1050561"/>
+            <a:ext cx="7424928" cy="1050561"/>
           </a:xfrm>
         </p:spPr>
         <p:txBody>
           <a:bodyPr>
-            <a:normAutofit fontScale="90000"/>
+            <a:normAutofit/>
           </a:bodyPr>
           <a:lstStyle/>
           <a:p>
             <a:r>
-              <a:rPr lang="en-US" dirty="0"/>
+              <a:rPr lang="fr-FR" dirty="0"/>
               <a:t>Final model and conclusion</a:t>
             </a:r>
-            <a:br>
-              <a:rPr lang="en-US" dirty="0"/>
-            </a:br>
             <a:endParaRPr lang="en-US" dirty="0"/>
           </a:p>
         </p:txBody>
@@ -12096,8 +13022,8 @@
         </p:nvSpPr>
         <p:spPr>
           <a:xfrm>
-            <a:off x="1136468" y="1593669"/>
-            <a:ext cx="8007531" cy="3785652"/>
+            <a:off x="1204051" y="1855565"/>
+            <a:ext cx="3778766" cy="3785652"/>
           </a:xfrm>
           <a:prstGeom prst="rect">
             <a:avLst/>
@@ -12110,15 +13036,6 @@
           <a:lstStyle/>
           <a:p>
             <a:r>
-              <a:rPr lang="en-US" sz="2000" dirty="0"/>
-              <a:t>Final</a:t>
-            </a:r>
-          </a:p>
-          <a:p>
-            <a:endParaRPr lang="en-US" sz="2000" dirty="0"/>
-          </a:p>
-          <a:p>
-            <a:r>
               <a:rPr lang="en-US" sz="2000" b="1" dirty="0"/>
               <a:t>form ~ </a:t>
             </a:r>
@@ -12136,7 +13053,14 @@
             </a:r>
             <a:r>
               <a:rPr lang="en-US" sz="2000" b="1" dirty="0"/>
-              <a:t> + sex + length + </a:t>
+              <a:t> + sex +</a:t>
+            </a:r>
+          </a:p>
+          <a:p>
+            <a:pPr defTabSz="357188"/>
+            <a:r>
+              <a:rPr lang="en-US" sz="2000" b="1" dirty="0"/>
+              <a:t>	+ length + </a:t>
             </a:r>
             <a:r>
               <a:rPr lang="en-US" sz="2000" b="1" dirty="0" err="1"/>
@@ -12144,7 +13068,14 @@
             </a:r>
             <a:r>
               <a:rPr lang="en-US" sz="2000" b="1" dirty="0"/>
-              <a:t> + </a:t>
+              <a:t> +</a:t>
+            </a:r>
+          </a:p>
+          <a:p>
+            <a:pPr defTabSz="357188"/>
+            <a:r>
+              <a:rPr lang="en-US" sz="2000" b="1" dirty="0"/>
+              <a:t>	+ </a:t>
             </a:r>
             <a:r>
               <a:rPr lang="en-US" sz="2000" b="1" dirty="0" err="1"/>
@@ -12153,67 +13084,99 @@
             <a:endParaRPr lang="en-US" sz="2000" dirty="0"/>
           </a:p>
           <a:p>
-            <a:endParaRPr lang="en-US" sz="2000" b="1" dirty="0"/>
+            <a:endParaRPr lang="en-US" altLang="ru-RU" sz="2000" dirty="0"/>
+          </a:p>
+          <a:p>
+            <a:r>
+              <a:rPr lang="en-US" altLang="ru-RU" sz="2000" dirty="0"/>
+              <a:t>Explains 21% of the strategy variable’s variance.</a:t>
+            </a:r>
           </a:p>
           <a:p>
             <a:r>
               <a:rPr lang="en-US" sz="2000" dirty="0"/>
-              <a:t>with R</a:t>
-            </a:r>
-            <a:r>
-              <a:rPr lang="en-US" sz="2000" baseline="30000" dirty="0"/>
-              <a:t>2</a:t>
-            </a:r>
+              <a:t>F p-value: 6.898e-13</a:t>
+            </a:r>
+          </a:p>
+          <a:p>
+            <a:r>
+              <a:rPr lang="ja-JP" altLang="en-US" sz="2000" dirty="0"/>
+              <a:t>→</a:t>
+            </a:r>
+            <a:r>
+              <a:rPr lang="ru-RU" altLang="ja-JP" sz="2000" dirty="0"/>
+              <a:t> </a:t>
+            </a:r>
+            <a:r>
+              <a:rPr lang="en-US" sz="2000" u="sng" dirty="0"/>
+              <a:t>Cannot be used to predict the strategy.</a:t>
+            </a:r>
+            <a:r>
+              <a:rPr lang="en-US" sz="2000" dirty="0">
+                <a:sym typeface="Wingdings" panose="05000000000000000000" pitchFamily="2" charset="2"/>
+              </a:rPr>
+              <a:t> </a:t>
+            </a:r>
+          </a:p>
+          <a:p>
+            <a:endParaRPr lang="en-US" sz="2000" u="sng" dirty="0"/>
+          </a:p>
+          <a:p>
+            <a:pPr marL="342900" indent="-342900">
+              <a:buFont typeface="Arial" panose="020B0604020202020204" pitchFamily="34" charset="0"/>
+              <a:buChar char="•"/>
+            </a:pPr>
             <a:r>
               <a:rPr lang="en-US" sz="2000" dirty="0"/>
-              <a:t> = 0.1856 and 4 highly significant factors out of 9, ambiguous contexts not included.</a:t>
-            </a:r>
-          </a:p>
-          <a:p>
-            <a:endParaRPr lang="en-US" sz="2000" dirty="0"/>
-          </a:p>
-          <a:p>
-            <a:r>
-              <a:rPr lang="en-US" sz="2000" dirty="0">
-                <a:sym typeface="Wingdings" pitchFamily="2" charset="2"/>
-              </a:rPr>
-              <a:t> </a:t>
-            </a:r>
+              <a:t>wrong factors?</a:t>
+            </a:r>
+          </a:p>
+          <a:p>
+            <a:pPr marL="342900" indent="-342900">
+              <a:buFont typeface="Arial" panose="020B0604020202020204" pitchFamily="34" charset="0"/>
+              <a:buChar char="•"/>
+            </a:pPr>
             <a:r>
               <a:rPr lang="en-US" sz="2000" dirty="0"/>
-              <a:t>Conclusion:</a:t>
-            </a:r>
-          </a:p>
-          <a:p>
-            <a:r>
-              <a:rPr lang="en-US" sz="2000" dirty="0"/>
-              <a:t> 	these factors cannot be used to predict the strategy</a:t>
-            </a:r>
-            <a:br>
-              <a:rPr lang="en-US" sz="2000" dirty="0"/>
-            </a:br>
-            <a:r>
-              <a:rPr lang="en-US" sz="2000" dirty="0"/>
-              <a:t> </a:t>
-            </a:r>
-            <a:br>
-              <a:rPr lang="en-US" sz="2000" dirty="0"/>
-            </a:br>
-            <a:r>
-              <a:rPr lang="en-US" sz="2000" dirty="0"/>
-              <a:t> </a:t>
-            </a:r>
-            <a:br>
-              <a:rPr lang="en-US" sz="2000" dirty="0"/>
-            </a:br>
-            <a:endParaRPr lang="ru-RU" sz="2000" dirty="0"/>
+              <a:t>can’t be predicted in principle?</a:t>
+            </a:r>
+          </a:p>
+        </p:txBody>
+      </p:sp>
+      <p:sp>
+        <p:nvSpPr>
+          <p:cNvPr id="4" name="Номер слайда 3">
+            <a:extLst>
+              <a:ext uri="{FF2B5EF4-FFF2-40B4-BE49-F238E27FC236}">
+                <a16:creationId xmlns:a16="http://schemas.microsoft.com/office/drawing/2014/main" id="{6271AC40-EC97-4DEC-829D-E91CAB7B6432}"/>
+              </a:ext>
+            </a:extLst>
+          </p:cNvPr>
+          <p:cNvSpPr>
+            <a:spLocks noGrp="1"/>
+          </p:cNvSpPr>
+          <p:nvPr>
+            <p:ph type="sldNum" sz="quarter" idx="12"/>
+          </p:nvPr>
+        </p:nvSpPr>
+        <p:spPr/>
+        <p:txBody>
+          <a:bodyPr/>
+          <a:lstStyle/>
+          <a:p>
+            <a:fld id="{8408BC49-1B67-4826-A1F3-48AF839B00E7}" type="slidenum">
+              <a:rPr lang="en-US" smtClean="0"/>
+              <a:pPr/>
+              <a:t>27</a:t>
+            </a:fld>
+            <a:endParaRPr lang="en-US"/>
           </a:p>
         </p:txBody>
       </p:sp>
     </p:spTree>
     <p:extLst>
       <p:ext uri="{BB962C8B-B14F-4D97-AF65-F5344CB8AC3E}">
-        <p14:creationId xmlns:p14="http://schemas.microsoft.com/office/powerpoint/2010/main" val="779576598"/>
+        <p14:creationId xmlns:p14="http://schemas.microsoft.com/office/powerpoint/2010/main" val="2440111960"/>
       </p:ext>
     </p:extLst>
   </p:cSld>
@@ -12223,7 +13186,7 @@
 </p:sld>
 </file>
 
-<file path=ppt/slides/slide28.xml><?xml version="1.0" encoding="utf-8"?>
+<file path=ppt/slides/slide3.xml><?xml version="1.0" encoding="utf-8"?>
 <p:sld xmlns:a="http://schemas.openxmlformats.org/drawingml/2006/main" xmlns:r="http://schemas.openxmlformats.org/officeDocument/2006/relationships" xmlns:p="http://schemas.openxmlformats.org/presentationml/2006/main">
   <p:cSld>
     <p:spTree>
@@ -12240,51 +13203,6 @@
           <a:chExt cx="0" cy="0"/>
         </a:xfrm>
       </p:grpSpPr>
-      <p:pic>
-        <p:nvPicPr>
-          <p:cNvPr id="1026" name="Picture 2">
-            <a:extLst>
-              <a:ext uri="{FF2B5EF4-FFF2-40B4-BE49-F238E27FC236}">
-                <a16:creationId xmlns:a16="http://schemas.microsoft.com/office/drawing/2014/main" id="{E9F8C7E3-61FD-47F4-B916-0E015E1F7140}"/>
-              </a:ext>
-            </a:extLst>
-          </p:cNvPr>
-          <p:cNvPicPr>
-            <a:picLocks noChangeAspect="1" noChangeArrowheads="1"/>
-          </p:cNvPicPr>
-          <p:nvPr/>
-        </p:nvPicPr>
-        <p:blipFill>
-          <a:blip r:embed="rId2">
-            <a:extLst>
-              <a:ext uri="{28A0092B-C50C-407E-A947-70E740481C1C}">
-                <a14:useLocalDpi xmlns:a14="http://schemas.microsoft.com/office/drawing/2010/main" val="0"/>
-              </a:ext>
-            </a:extLst>
-          </a:blip>
-          <a:srcRect/>
-          <a:stretch/>
-        </p:blipFill>
-        <p:spPr bwMode="auto">
-          <a:xfrm>
-            <a:off x="3228794" y="1896295"/>
-            <a:ext cx="6667495" cy="4114796"/>
-          </a:xfrm>
-          <a:prstGeom prst="rect">
-            <a:avLst/>
-          </a:prstGeom>
-          <a:noFill/>
-          <a:extLst>
-            <a:ext uri="{909E8E84-426E-40DD-AFC4-6F175D3DCCD1}">
-              <a14:hiddenFill xmlns:a14="http://schemas.microsoft.com/office/drawing/2010/main">
-                <a:solidFill>
-                  <a:srgbClr val="FFFFFF"/>
-                </a:solidFill>
-              </a14:hiddenFill>
-            </a:ext>
-          </a:extLst>
-        </p:spPr>
-      </p:pic>
       <p:sp>
         <p:nvSpPr>
           <p:cNvPr id="2" name="Title 1"/>
@@ -12297,20 +13215,445 @@
         </p:nvSpPr>
         <p:spPr>
           <a:xfrm>
-            <a:off x="1444752" y="373290"/>
-            <a:ext cx="7424928" cy="1050561"/>
+            <a:off x="1444752" y="321039"/>
+            <a:ext cx="6713982" cy="1325563"/>
           </a:xfrm>
         </p:spPr>
         <p:txBody>
-          <a:bodyPr>
-            <a:normAutofit/>
+          <a:bodyPr/>
+          <a:lstStyle/>
+          <a:p>
+            <a:r>
+              <a:rPr lang="en-US" dirty="0"/>
+              <a:t>Research design </a:t>
+            </a:r>
+            <a:br>
+              <a:rPr lang="en-US" dirty="0"/>
+            </a:br>
+            <a:endParaRPr lang="en-US" dirty="0"/>
+          </a:p>
+        </p:txBody>
+      </p:sp>
+      <p:grpSp>
+        <p:nvGrpSpPr>
+          <p:cNvPr id="3" name="Group 7"/>
+          <p:cNvGrpSpPr>
+            <a:grpSpLocks/>
+          </p:cNvGrpSpPr>
+          <p:nvPr/>
+        </p:nvGrpSpPr>
+        <p:grpSpPr bwMode="auto">
+          <a:xfrm>
+            <a:off x="588101" y="397891"/>
+            <a:ext cx="8255001" cy="2019643"/>
+            <a:chOff x="834" y="1410"/>
+            <a:chExt cx="5200" cy="2493"/>
+          </a:xfrm>
+        </p:grpSpPr>
+        <p:sp>
+          <p:nvSpPr>
+            <p:cNvPr id="10" name="Line 8"/>
+            <p:cNvSpPr>
+              <a:spLocks noChangeShapeType="1"/>
+            </p:cNvSpPr>
+            <p:nvPr/>
+          </p:nvSpPr>
+          <p:spPr bwMode="gray">
+            <a:xfrm>
+              <a:off x="1440" y="2380"/>
+              <a:ext cx="3024" cy="0"/>
+            </a:xfrm>
+            <a:prstGeom prst="line">
+              <a:avLst/>
+            </a:prstGeom>
+            <a:noFill/>
+            <a:ln w="25400">
+              <a:solidFill>
+                <a:srgbClr val="969696"/>
+              </a:solidFill>
+              <a:prstDash val="sysDot"/>
+              <a:round/>
+              <a:headEnd/>
+              <a:tailEnd type="oval" w="med" len="med"/>
+            </a:ln>
+            <a:effectLst/>
+            <a:extLst>
+              <a:ext uri="{909E8E84-426E-40DD-AFC4-6F175D3DCCD1}">
+                <a14:hiddenFill xmlns:a14="http://schemas.microsoft.com/office/drawing/2010/main">
+                  <a:noFill/>
+                </a14:hiddenFill>
+              </a:ext>
+              <a:ext uri="{AF507438-7753-43E0-B8FC-AC1667EBCBE1}">
+                <a14:hiddenEffects xmlns:a14="http://schemas.microsoft.com/office/drawing/2010/main">
+                  <a:effectLst>
+                    <a:outerShdw dist="35921" dir="2700000" algn="ctr" rotWithShape="0">
+                      <a:schemeClr val="bg2"/>
+                    </a:outerShdw>
+                  </a:effectLst>
+                </a14:hiddenEffects>
+              </a:ext>
+            </a:extLst>
+          </p:spPr>
+          <p:txBody>
+            <a:bodyPr wrap="none" anchor="ctr"/>
+            <a:lstStyle/>
+            <a:p>
+              <a:endParaRPr lang="en-US"/>
+            </a:p>
+          </p:txBody>
+        </p:sp>
+        <p:sp>
+          <p:nvSpPr>
+            <p:cNvPr id="11" name="Rectangle 9"/>
+            <p:cNvSpPr>
+              <a:spLocks noChangeArrowheads="1"/>
+            </p:cNvSpPr>
+            <p:nvPr/>
+          </p:nvSpPr>
+          <p:spPr bwMode="gray">
+            <a:xfrm rot="3419336">
+              <a:off x="778" y="1571"/>
+              <a:ext cx="650" cy="328"/>
+            </a:xfrm>
+            <a:prstGeom prst="rect">
+              <a:avLst/>
+            </a:prstGeom>
+            <a:gradFill rotWithShape="1">
+              <a:gsLst>
+                <a:gs pos="0">
+                  <a:srgbClr val="99CC00"/>
+                </a:gs>
+                <a:gs pos="100000">
+                  <a:srgbClr val="99CC00">
+                    <a:gamma/>
+                    <a:shade val="46275"/>
+                    <a:invGamma/>
+                  </a:srgbClr>
+                </a:gs>
+              </a:gsLst>
+              <a:lin ang="5400000" scaled="1"/>
+            </a:gradFill>
+            <a:ln w="9525">
+              <a:miter lim="800000"/>
+              <a:headEnd/>
+              <a:tailEnd/>
+            </a:ln>
+            <a:effectLst/>
+            <a:scene3d>
+              <a:camera prst="legacyPerspectiveFront">
+                <a:rot lat="0" lon="1500000" rev="0"/>
+              </a:camera>
+              <a:lightRig rig="legacyFlat4" dir="b"/>
+            </a:scene3d>
+            <a:sp3d extrusionH="430200" prstMaterial="legacyMatte">
+              <a:bevelT w="13500" h="13500" prst="angle"/>
+              <a:bevelB w="13500" h="13500" prst="angle"/>
+              <a:extrusionClr>
+                <a:srgbClr val="99CC00"/>
+              </a:extrusionClr>
+            </a:sp3d>
+            <a:extLst>
+              <a:ext uri="{AF507438-7753-43E0-B8FC-AC1667EBCBE1}">
+                <a14:hiddenEffects xmlns:a14="http://schemas.microsoft.com/office/drawing/2010/main">
+                  <a:effectLst>
+                    <a:outerShdw dist="35921" dir="2700000" algn="ctr" rotWithShape="0">
+                      <a:schemeClr val="bg2"/>
+                    </a:outerShdw>
+                  </a:effectLst>
+                </a14:hiddenEffects>
+              </a:ext>
+            </a:extLst>
+          </p:spPr>
+          <p:txBody>
+            <a:bodyPr wrap="none" anchor="ctr">
+              <a:flatTx/>
+            </a:bodyPr>
+            <a:lstStyle/>
+            <a:p>
+              <a:endParaRPr lang="en-US"/>
+            </a:p>
+          </p:txBody>
+        </p:sp>
+        <p:sp>
+          <p:nvSpPr>
+            <p:cNvPr id="12" name="Text Box 10"/>
+            <p:cNvSpPr txBox="1">
+              <a:spLocks noChangeArrowheads="1"/>
+            </p:cNvSpPr>
+            <p:nvPr/>
+          </p:nvSpPr>
+          <p:spPr bwMode="gray">
+            <a:xfrm>
+              <a:off x="834" y="2953"/>
+              <a:ext cx="5200" cy="950"/>
+            </a:xfrm>
+            <a:prstGeom prst="rect">
+              <a:avLst/>
+            </a:prstGeom>
+            <a:noFill/>
+            <a:ln>
+              <a:noFill/>
+            </a:ln>
+            <a:effectLst/>
+            <a:extLst>
+              <a:ext uri="{909E8E84-426E-40DD-AFC4-6F175D3DCCD1}">
+                <a14:hiddenFill xmlns:a14="http://schemas.microsoft.com/office/drawing/2010/main">
+                  <a:solidFill>
+                    <a:schemeClr val="accent1"/>
+                  </a:solidFill>
+                </a14:hiddenFill>
+              </a:ext>
+              <a:ext uri="{91240B29-F687-4F45-9708-019B960494DF}">
+                <a14:hiddenLine xmlns:a14="http://schemas.microsoft.com/office/drawing/2010/main" w="9525" algn="ctr">
+                  <a:solidFill>
+                    <a:schemeClr val="tx1"/>
+                  </a:solidFill>
+                  <a:miter lim="800000"/>
+                  <a:headEnd/>
+                  <a:tailEnd/>
+                </a14:hiddenLine>
+              </a:ext>
+              <a:ext uri="{AF507438-7753-43E0-B8FC-AC1667EBCBE1}">
+                <a14:hiddenEffects xmlns:a14="http://schemas.microsoft.com/office/drawing/2010/main">
+                  <a:effectLst>
+                    <a:outerShdw dist="35921" dir="2700000" algn="ctr" rotWithShape="0">
+                      <a:schemeClr val="bg2"/>
+                    </a:outerShdw>
+                  </a:effectLst>
+                </a14:hiddenEffects>
+              </a:ext>
+            </a:extLst>
+          </p:spPr>
+          <p:txBody>
+            <a:bodyPr wrap="square">
+              <a:spAutoFit/>
+            </a:bodyPr>
+            <a:lstStyle/>
+            <a:p>
+              <a:r>
+                <a:rPr lang="en-US" sz="2200" b="1" dirty="0"/>
+                <a:t>Data:</a:t>
+              </a:r>
+              <a:r>
+                <a:rPr lang="en-US" sz="2200" dirty="0"/>
+                <a:t> from parallel Japanese-English corpora and database of contemporary song lyrics.</a:t>
+              </a:r>
+            </a:p>
+          </p:txBody>
+        </p:sp>
+        <p:sp>
+          <p:nvSpPr>
+            <p:cNvPr id="13" name="Text Box 11"/>
+            <p:cNvSpPr txBox="1">
+              <a:spLocks noChangeArrowheads="1"/>
+            </p:cNvSpPr>
+            <p:nvPr/>
+          </p:nvSpPr>
+          <p:spPr bwMode="gray">
+            <a:xfrm>
+              <a:off x="1057" y="1443"/>
+              <a:ext cx="214" cy="291"/>
+            </a:xfrm>
+            <a:prstGeom prst="rect">
+              <a:avLst/>
+            </a:prstGeom>
+            <a:noFill/>
+            <a:ln>
+              <a:noFill/>
+            </a:ln>
+            <a:effectLst/>
+            <a:extLst>
+              <a:ext uri="{909E8E84-426E-40DD-AFC4-6F175D3DCCD1}">
+                <a14:hiddenFill xmlns:a14="http://schemas.microsoft.com/office/drawing/2010/main">
+                  <a:solidFill>
+                    <a:schemeClr val="accent1"/>
+                  </a:solidFill>
+                </a14:hiddenFill>
+              </a:ext>
+              <a:ext uri="{91240B29-F687-4F45-9708-019B960494DF}">
+                <a14:hiddenLine xmlns:a14="http://schemas.microsoft.com/office/drawing/2010/main" w="9525" algn="ctr">
+                  <a:solidFill>
+                    <a:schemeClr val="tx1"/>
+                  </a:solidFill>
+                  <a:miter lim="800000"/>
+                  <a:headEnd/>
+                  <a:tailEnd/>
+                </a14:hiddenLine>
+              </a:ext>
+              <a:ext uri="{AF507438-7753-43E0-B8FC-AC1667EBCBE1}">
+                <a14:hiddenEffects xmlns:a14="http://schemas.microsoft.com/office/drawing/2010/main">
+                  <a:effectLst>
+                    <a:outerShdw dist="35921" dir="2700000" algn="ctr" rotWithShape="0">
+                      <a:schemeClr val="bg2"/>
+                    </a:outerShdw>
+                  </a:effectLst>
+                </a14:hiddenEffects>
+              </a:ext>
+            </a:extLst>
+          </p:spPr>
+          <p:txBody>
+            <a:bodyPr wrap="none">
+              <a:spAutoFit/>
+            </a:bodyPr>
+            <a:lstStyle/>
+            <a:p>
+              <a:r>
+                <a:rPr lang="ru-RU" sz="2400" b="1" dirty="0"/>
+                <a:t>2</a:t>
+              </a:r>
+              <a:endParaRPr lang="en-US" sz="2400" b="1" dirty="0"/>
+            </a:p>
+          </p:txBody>
+        </p:sp>
+      </p:grpSp>
+      <p:sp>
+        <p:nvSpPr>
+          <p:cNvPr id="29" name="Прямоугольник 28"/>
+          <p:cNvSpPr/>
+          <p:nvPr/>
+        </p:nvSpPr>
+        <p:spPr>
+          <a:xfrm>
+            <a:off x="640080" y="2690949"/>
+            <a:ext cx="8281851" cy="4893647"/>
+          </a:xfrm>
+          <a:prstGeom prst="rect">
+            <a:avLst/>
+          </a:prstGeom>
+        </p:spPr>
+        <p:txBody>
+          <a:bodyPr wrap="square">
+            <a:spAutoFit/>
           </a:bodyPr>
           <a:lstStyle/>
           <a:p>
             <a:r>
-              <a:rPr lang="fr-FR" dirty="0"/>
-              <a:t>Final model and conclusion</a:t>
-            </a:r>
+              <a:rPr lang="en-US" sz="2400" b="1" dirty="0"/>
+              <a:t>Null hypothesis:</a:t>
+            </a:r>
+          </a:p>
+          <a:p>
+            <a:r>
+              <a:rPr lang="en-US" sz="2400" dirty="0"/>
+              <a:t>Choice strategy for expressing ability in Japanese verbs is completely random and does not depend on any of the mentioned factors.</a:t>
+            </a:r>
+          </a:p>
+          <a:p>
+            <a:endParaRPr lang="en-US" sz="2400" dirty="0"/>
+          </a:p>
+          <a:p>
+            <a:r>
+              <a:rPr lang="en-US" sz="2400" b="1" dirty="0"/>
+              <a:t>Alternative hypothesis:</a:t>
+            </a:r>
+          </a:p>
+          <a:p>
+            <a:r>
+              <a:rPr lang="en-US" sz="2400" dirty="0"/>
+              <a:t>There is a more or less clear pattern that allows actually calling this choice a strategy.</a:t>
+            </a:r>
+          </a:p>
+          <a:p>
+            <a:r>
+              <a:rPr lang="en-US" sz="2400" dirty="0"/>
+              <a:t>We use logistic regression to check whether the mentioned effects are statistically significant and whether they have any intrinsic correlation between each other.</a:t>
+            </a:r>
+          </a:p>
+          <a:p>
+            <a:br>
+              <a:rPr lang="en-US" sz="2400" dirty="0"/>
+            </a:br>
+            <a:endParaRPr lang="ru-RU" sz="2400" dirty="0"/>
+          </a:p>
+        </p:txBody>
+      </p:sp>
+      <p:sp>
+        <p:nvSpPr>
+          <p:cNvPr id="4" name="Номер слайда 3">
+            <a:extLst>
+              <a:ext uri="{FF2B5EF4-FFF2-40B4-BE49-F238E27FC236}">
+                <a16:creationId xmlns:a16="http://schemas.microsoft.com/office/drawing/2014/main" id="{3EDBAAED-C503-4FCE-ADCF-0E033C1A5BFD}"/>
+              </a:ext>
+            </a:extLst>
+          </p:cNvPr>
+          <p:cNvSpPr>
+            <a:spLocks noGrp="1"/>
+          </p:cNvSpPr>
+          <p:nvPr>
+            <p:ph type="sldNum" sz="quarter" idx="12"/>
+          </p:nvPr>
+        </p:nvSpPr>
+        <p:spPr/>
+        <p:txBody>
+          <a:bodyPr/>
+          <a:lstStyle/>
+          <a:p>
+            <a:fld id="{8408BC49-1B67-4826-A1F3-48AF839B00E7}" type="slidenum">
+              <a:rPr lang="en-US" smtClean="0"/>
+              <a:pPr/>
+              <a:t>3</a:t>
+            </a:fld>
+            <a:endParaRPr lang="en-US"/>
+          </a:p>
+        </p:txBody>
+      </p:sp>
+    </p:spTree>
+    <p:extLst>
+      <p:ext uri="{BB962C8B-B14F-4D97-AF65-F5344CB8AC3E}">
+        <p14:creationId xmlns:p14="http://schemas.microsoft.com/office/powerpoint/2010/main" val="779576598"/>
+      </p:ext>
+    </p:extLst>
+  </p:cSld>
+  <p:clrMapOvr>
+    <a:masterClrMapping/>
+  </p:clrMapOvr>
+</p:sld>
+</file>
+
+<file path=ppt/slides/slide4.xml><?xml version="1.0" encoding="utf-8"?>
+<p:sld xmlns:a="http://schemas.openxmlformats.org/drawingml/2006/main" xmlns:r="http://schemas.openxmlformats.org/officeDocument/2006/relationships" xmlns:p="http://schemas.openxmlformats.org/presentationml/2006/main">
+  <p:cSld>
+    <p:spTree>
+      <p:nvGrpSpPr>
+        <p:cNvPr id="1" name=""/>
+        <p:cNvGrpSpPr/>
+        <p:nvPr/>
+      </p:nvGrpSpPr>
+      <p:grpSpPr>
+        <a:xfrm>
+          <a:off x="0" y="0"/>
+          <a:ext cx="0" cy="0"/>
+          <a:chOff x="0" y="0"/>
+          <a:chExt cx="0" cy="0"/>
+        </a:xfrm>
+      </p:grpSpPr>
+      <p:sp>
+        <p:nvSpPr>
+          <p:cNvPr id="2" name="Title 1"/>
+          <p:cNvSpPr>
+            <a:spLocks noGrp="1"/>
+          </p:cNvSpPr>
+          <p:nvPr>
+            <p:ph type="title"/>
+          </p:nvPr>
+        </p:nvSpPr>
+        <p:spPr>
+          <a:xfrm>
+            <a:off x="1444752" y="321039"/>
+            <a:ext cx="6713982" cy="1325563"/>
+          </a:xfrm>
+        </p:spPr>
+        <p:txBody>
+          <a:bodyPr/>
+          <a:lstStyle/>
+          <a:p>
+            <a:r>
+              <a:rPr lang="en-US" dirty="0"/>
+              <a:t>Data collection method </a:t>
+            </a:r>
+            <a:br>
+              <a:rPr lang="en-US" dirty="0"/>
+            </a:br>
             <a:endParaRPr lang="en-US" dirty="0"/>
           </a:p>
         </p:txBody>
@@ -12326,9 +13669,9 @@
         <p:grpSpPr bwMode="auto">
           <a:xfrm>
             <a:off x="723038" y="422300"/>
-            <a:ext cx="6634163" cy="1889127"/>
+            <a:ext cx="6634163" cy="1520827"/>
             <a:chOff x="919" y="1438"/>
-            <a:chExt cx="4179" cy="1190"/>
+            <a:chExt cx="4179" cy="958"/>
           </a:xfrm>
         </p:grpSpPr>
         <p:sp>
@@ -12341,7 +13684,7 @@
           </p:nvSpPr>
           <p:spPr bwMode="gray">
             <a:xfrm>
-              <a:off x="1399" y="1943"/>
+              <a:off x="1440" y="2380"/>
               <a:ext cx="3024" cy="0"/>
             </a:xfrm>
             <a:prstGeom prst="line">
@@ -12466,7 +13809,7 @@
           <p:spPr bwMode="gray">
             <a:xfrm>
               <a:off x="1377" y="2105"/>
-              <a:ext cx="3721" cy="523"/>
+              <a:ext cx="3721" cy="291"/>
             </a:xfrm>
             <a:prstGeom prst="rect">
               <a:avLst/>
@@ -12510,13 +13853,6 @@
               <a:spAutoFit/>
             </a:bodyPr>
             <a:lstStyle/>
-            <a:p>
-              <a:r>
-                <a:rPr lang="en-US" sz="2400" dirty="0"/>
-                <a:t> </a:t>
-              </a:r>
-              <a:endParaRPr lang="ru-RU" sz="2400" dirty="0"/>
-            </a:p>
             <a:p>
               <a:endParaRPr lang="en-US" sz="2400" dirty="0"/>
             </a:p>
@@ -12580,7 +13916,7 @@
             <a:p>
               <a:r>
                 <a:rPr lang="en-US" sz="2400" b="1" dirty="0"/>
-                <a:t>6</a:t>
+                <a:t>3</a:t>
               </a:r>
             </a:p>
           </p:txBody>
@@ -12594,8 +13930,8 @@
         </p:nvSpPr>
         <p:spPr>
           <a:xfrm>
-            <a:off x="1204051" y="1855565"/>
-            <a:ext cx="3778766" cy="3785652"/>
+            <a:off x="1136469" y="2333685"/>
+            <a:ext cx="6779623" cy="2677656"/>
           </a:xfrm>
           <a:prstGeom prst="rect">
             <a:avLst/>
@@ -12607,118 +13943,84 @@
           </a:bodyPr>
           <a:lstStyle/>
           <a:p>
-            <a:r>
-              <a:rPr lang="en-US" sz="2000" b="1" dirty="0"/>
-              <a:t>form ~ </a:t>
-            </a:r>
-            <a:r>
-              <a:rPr lang="en-US" sz="2000" b="1" dirty="0" err="1"/>
-              <a:t>context_pos</a:t>
-            </a:r>
-            <a:r>
-              <a:rPr lang="en-US" sz="2000" b="1" dirty="0"/>
-              <a:t> + </a:t>
-            </a:r>
-            <a:r>
-              <a:rPr lang="en-US" sz="2000" b="1" dirty="0" err="1"/>
-              <a:t>conj</a:t>
-            </a:r>
-            <a:r>
-              <a:rPr lang="en-US" sz="2000" b="1" dirty="0"/>
-              <a:t> + sex +</a:t>
-            </a:r>
-          </a:p>
-          <a:p>
-            <a:pPr defTabSz="357188"/>
-            <a:r>
-              <a:rPr lang="en-US" sz="2000" b="1" dirty="0"/>
-              <a:t>	+ length + </a:t>
-            </a:r>
-            <a:r>
-              <a:rPr lang="en-US" sz="2000" b="1" dirty="0" err="1"/>
-              <a:t>part_of_speech</a:t>
-            </a:r>
-            <a:r>
-              <a:rPr lang="en-US" sz="2000" b="1" dirty="0"/>
-              <a:t> +</a:t>
-            </a:r>
-          </a:p>
-          <a:p>
-            <a:pPr defTabSz="357188"/>
-            <a:r>
-              <a:rPr lang="en-US" sz="2000" b="1" dirty="0"/>
-              <a:t>	+ </a:t>
-            </a:r>
-            <a:r>
-              <a:rPr lang="en-US" sz="2000" b="1" dirty="0" err="1"/>
-              <a:t>prov_cond</a:t>
-            </a:r>
-            <a:endParaRPr lang="en-US" sz="2000" dirty="0"/>
-          </a:p>
-          <a:p>
-            <a:endParaRPr lang="en-US" altLang="ru-RU" sz="2000" dirty="0"/>
-          </a:p>
-          <a:p>
-            <a:r>
-              <a:rPr lang="en-US" altLang="ru-RU" sz="2000" dirty="0"/>
-              <a:t>Explains 21% of the strategy variable’s variance.</a:t>
-            </a:r>
-          </a:p>
-          <a:p>
-            <a:r>
-              <a:rPr lang="en-US" sz="2000" dirty="0"/>
-              <a:t>F p-value: 6.898e-13</a:t>
-            </a:r>
-          </a:p>
-          <a:p>
-            <a:r>
-              <a:rPr lang="ja-JP" altLang="en-US" sz="2000" dirty="0"/>
-              <a:t>→</a:t>
-            </a:r>
-            <a:r>
-              <a:rPr lang="ru-RU" altLang="ja-JP" sz="2000" dirty="0"/>
-              <a:t> </a:t>
-            </a:r>
-            <a:r>
-              <a:rPr lang="en-US" sz="2000" u="sng" dirty="0"/>
-              <a:t>Cannot be used to predict the strategy.</a:t>
-            </a:r>
-            <a:r>
-              <a:rPr lang="en-US" sz="2000" dirty="0">
-                <a:sym typeface="Wingdings" panose="05000000000000000000" pitchFamily="2" charset="2"/>
-              </a:rPr>
-              <a:t> </a:t>
-            </a:r>
-          </a:p>
-          <a:p>
-            <a:endParaRPr lang="en-US" sz="2000" u="sng" dirty="0"/>
-          </a:p>
-          <a:p>
-            <a:pPr marL="342900" indent="-342900">
-              <a:buFont typeface="Arial" panose="020B0604020202020204" pitchFamily="34" charset="0"/>
+            <a:pPr>
+              <a:buFont typeface="Arial" pitchFamily="34" charset="0"/>
               <a:buChar char="•"/>
             </a:pPr>
             <a:r>
-              <a:rPr lang="en-US" sz="2000" dirty="0"/>
-              <a:t>wrong factors?</a:t>
-            </a:r>
-          </a:p>
-          <a:p>
-            <a:pPr marL="342900" indent="-342900">
-              <a:buFont typeface="Arial" panose="020B0604020202020204" pitchFamily="34" charset="0"/>
+              <a:rPr lang="en-US" sz="2400" dirty="0"/>
+              <a:t> All data has been collected with web scraping script written in Python.</a:t>
+            </a:r>
+          </a:p>
+          <a:p>
+            <a:pPr>
+              <a:buFont typeface="Arial" pitchFamily="34" charset="0"/>
               <a:buChar char="•"/>
             </a:pPr>
-            <a:r>
-              <a:rPr lang="en-US" sz="2000" dirty="0"/>
-              <a:t>can’t be predicted in principle?</a:t>
-            </a:r>
+            <a:endParaRPr lang="en-US" sz="2400" dirty="0"/>
+          </a:p>
+          <a:p>
+            <a:pPr>
+              <a:buFont typeface="Arial" pitchFamily="34" charset="0"/>
+              <a:buChar char="•"/>
+            </a:pPr>
+            <a:r>
+              <a:rPr lang="en-US" sz="2400" dirty="0"/>
+              <a:t> 500 examples from the parallel corpora </a:t>
+            </a:r>
+          </a:p>
+          <a:p>
+            <a:pPr>
+              <a:buFont typeface="Arial" pitchFamily="34" charset="0"/>
+              <a:buChar char="•"/>
+            </a:pPr>
+            <a:r>
+              <a:rPr lang="en-US" sz="2400" dirty="0"/>
+              <a:t> 30 000 texts from the database.</a:t>
+            </a:r>
+          </a:p>
+          <a:p>
+            <a:br>
+              <a:rPr lang="en-US" sz="2400" dirty="0"/>
+            </a:br>
+            <a:endParaRPr lang="ru-RU" sz="2400" dirty="0"/>
+          </a:p>
+        </p:txBody>
+      </p:sp>
+      <p:sp>
+        <p:nvSpPr>
+          <p:cNvPr id="4" name="Номер слайда 3">
+            <a:extLst>
+              <a:ext uri="{FF2B5EF4-FFF2-40B4-BE49-F238E27FC236}">
+                <a16:creationId xmlns:a16="http://schemas.microsoft.com/office/drawing/2014/main" id="{161F3B6B-E3C3-4E97-A3FB-E3A46D63199D}"/>
+              </a:ext>
+            </a:extLst>
+          </p:cNvPr>
+          <p:cNvSpPr>
+            <a:spLocks noGrp="1"/>
+          </p:cNvSpPr>
+          <p:nvPr>
+            <p:ph type="sldNum" sz="quarter" idx="12"/>
+          </p:nvPr>
+        </p:nvSpPr>
+        <p:spPr/>
+        <p:txBody>
+          <a:bodyPr/>
+          <a:lstStyle/>
+          <a:p>
+            <a:fld id="{8408BC49-1B67-4826-A1F3-48AF839B00E7}" type="slidenum">
+              <a:rPr lang="en-US" smtClean="0"/>
+              <a:pPr/>
+              <a:t>4</a:t>
+            </a:fld>
+            <a:endParaRPr lang="en-US"/>
           </a:p>
         </p:txBody>
       </p:sp>
     </p:spTree>
     <p:extLst>
       <p:ext uri="{BB962C8B-B14F-4D97-AF65-F5344CB8AC3E}">
-        <p14:creationId xmlns:p14="http://schemas.microsoft.com/office/powerpoint/2010/main" val="2440111960"/>
+        <p14:creationId xmlns:p14="http://schemas.microsoft.com/office/powerpoint/2010/main" val="779576598"/>
       </p:ext>
     </p:extLst>
   </p:cSld>
@@ -12728,7 +14030,7 @@
 </p:sld>
 </file>
 
-<file path=ppt/slides/slide3.xml><?xml version="1.0" encoding="utf-8"?>
+<file path=ppt/slides/slide5.xml><?xml version="1.0" encoding="utf-8"?>
 <p:sld xmlns:a="http://schemas.openxmlformats.org/drawingml/2006/main" xmlns:r="http://schemas.openxmlformats.org/officeDocument/2006/relationships" xmlns:p="http://schemas.openxmlformats.org/presentationml/2006/main">
   <p:cSld>
     <p:spTree>
@@ -12767,401 +14069,7 @@
           <a:p>
             <a:r>
               <a:rPr lang="en-US" dirty="0"/>
-              <a:t>Research design </a:t>
-            </a:r>
-            <a:br>
-              <a:rPr lang="en-US" dirty="0"/>
-            </a:br>
-            <a:endParaRPr lang="en-US" dirty="0"/>
-          </a:p>
-        </p:txBody>
-      </p:sp>
-      <p:grpSp>
-        <p:nvGrpSpPr>
-          <p:cNvPr id="3" name="Group 7"/>
-          <p:cNvGrpSpPr>
-            <a:grpSpLocks/>
-          </p:cNvGrpSpPr>
-          <p:nvPr/>
-        </p:nvGrpSpPr>
-        <p:grpSpPr bwMode="auto">
-          <a:xfrm>
-            <a:off x="588101" y="397891"/>
-            <a:ext cx="8255001" cy="2019643"/>
-            <a:chOff x="834" y="1410"/>
-            <a:chExt cx="5200" cy="2493"/>
-          </a:xfrm>
-        </p:grpSpPr>
-        <p:sp>
-          <p:nvSpPr>
-            <p:cNvPr id="10" name="Line 8"/>
-            <p:cNvSpPr>
-              <a:spLocks noChangeShapeType="1"/>
-            </p:cNvSpPr>
-            <p:nvPr/>
-          </p:nvSpPr>
-          <p:spPr bwMode="gray">
-            <a:xfrm>
-              <a:off x="1440" y="2380"/>
-              <a:ext cx="3024" cy="0"/>
-            </a:xfrm>
-            <a:prstGeom prst="line">
-              <a:avLst/>
-            </a:prstGeom>
-            <a:noFill/>
-            <a:ln w="25400">
-              <a:solidFill>
-                <a:srgbClr val="969696"/>
-              </a:solidFill>
-              <a:prstDash val="sysDot"/>
-              <a:round/>
-              <a:headEnd/>
-              <a:tailEnd type="oval" w="med" len="med"/>
-            </a:ln>
-            <a:effectLst/>
-            <a:extLst>
-              <a:ext uri="{909E8E84-426E-40DD-AFC4-6F175D3DCCD1}">
-                <a14:hiddenFill xmlns:a14="http://schemas.microsoft.com/office/drawing/2010/main">
-                  <a:noFill/>
-                </a14:hiddenFill>
-              </a:ext>
-              <a:ext uri="{AF507438-7753-43E0-B8FC-AC1667EBCBE1}">
-                <a14:hiddenEffects xmlns:a14="http://schemas.microsoft.com/office/drawing/2010/main">
-                  <a:effectLst>
-                    <a:outerShdw dist="35921" dir="2700000" algn="ctr" rotWithShape="0">
-                      <a:schemeClr val="bg2"/>
-                    </a:outerShdw>
-                  </a:effectLst>
-                </a14:hiddenEffects>
-              </a:ext>
-            </a:extLst>
-          </p:spPr>
-          <p:txBody>
-            <a:bodyPr wrap="none" anchor="ctr"/>
-            <a:lstStyle/>
-            <a:p>
-              <a:endParaRPr lang="en-US"/>
-            </a:p>
-          </p:txBody>
-        </p:sp>
-        <p:sp>
-          <p:nvSpPr>
-            <p:cNvPr id="11" name="Rectangle 9"/>
-            <p:cNvSpPr>
-              <a:spLocks noChangeArrowheads="1"/>
-            </p:cNvSpPr>
-            <p:nvPr/>
-          </p:nvSpPr>
-          <p:spPr bwMode="gray">
-            <a:xfrm rot="3419336">
-              <a:off x="778" y="1571"/>
-              <a:ext cx="650" cy="328"/>
-            </a:xfrm>
-            <a:prstGeom prst="rect">
-              <a:avLst/>
-            </a:prstGeom>
-            <a:gradFill rotWithShape="1">
-              <a:gsLst>
-                <a:gs pos="0">
-                  <a:srgbClr val="99CC00"/>
-                </a:gs>
-                <a:gs pos="100000">
-                  <a:srgbClr val="99CC00">
-                    <a:gamma/>
-                    <a:shade val="46275"/>
-                    <a:invGamma/>
-                  </a:srgbClr>
-                </a:gs>
-              </a:gsLst>
-              <a:lin ang="5400000" scaled="1"/>
-            </a:gradFill>
-            <a:ln w="9525">
-              <a:miter lim="800000"/>
-              <a:headEnd/>
-              <a:tailEnd/>
-            </a:ln>
-            <a:effectLst/>
-            <a:scene3d>
-              <a:camera prst="legacyPerspectiveFront">
-                <a:rot lat="0" lon="1500000" rev="0"/>
-              </a:camera>
-              <a:lightRig rig="legacyFlat4" dir="b"/>
-            </a:scene3d>
-            <a:sp3d extrusionH="430200" prstMaterial="legacyMatte">
-              <a:bevelT w="13500" h="13500" prst="angle"/>
-              <a:bevelB w="13500" h="13500" prst="angle"/>
-              <a:extrusionClr>
-                <a:srgbClr val="99CC00"/>
-              </a:extrusionClr>
-            </a:sp3d>
-            <a:extLst>
-              <a:ext uri="{AF507438-7753-43E0-B8FC-AC1667EBCBE1}">
-                <a14:hiddenEffects xmlns:a14="http://schemas.microsoft.com/office/drawing/2010/main">
-                  <a:effectLst>
-                    <a:outerShdw dist="35921" dir="2700000" algn="ctr" rotWithShape="0">
-                      <a:schemeClr val="bg2"/>
-                    </a:outerShdw>
-                  </a:effectLst>
-                </a14:hiddenEffects>
-              </a:ext>
-            </a:extLst>
-          </p:spPr>
-          <p:txBody>
-            <a:bodyPr wrap="none" anchor="ctr">
-              <a:flatTx/>
-            </a:bodyPr>
-            <a:lstStyle/>
-            <a:p>
-              <a:endParaRPr lang="en-US"/>
-            </a:p>
-          </p:txBody>
-        </p:sp>
-        <p:sp>
-          <p:nvSpPr>
-            <p:cNvPr id="12" name="Text Box 10"/>
-            <p:cNvSpPr txBox="1">
-              <a:spLocks noChangeArrowheads="1"/>
-            </p:cNvSpPr>
-            <p:nvPr/>
-          </p:nvSpPr>
-          <p:spPr bwMode="gray">
-            <a:xfrm>
-              <a:off x="834" y="2953"/>
-              <a:ext cx="5200" cy="950"/>
-            </a:xfrm>
-            <a:prstGeom prst="rect">
-              <a:avLst/>
-            </a:prstGeom>
-            <a:noFill/>
-            <a:ln>
-              <a:noFill/>
-            </a:ln>
-            <a:effectLst/>
-            <a:extLst>
-              <a:ext uri="{909E8E84-426E-40DD-AFC4-6F175D3DCCD1}">
-                <a14:hiddenFill xmlns:a14="http://schemas.microsoft.com/office/drawing/2010/main">
-                  <a:solidFill>
-                    <a:schemeClr val="accent1"/>
-                  </a:solidFill>
-                </a14:hiddenFill>
-              </a:ext>
-              <a:ext uri="{91240B29-F687-4F45-9708-019B960494DF}">
-                <a14:hiddenLine xmlns:a14="http://schemas.microsoft.com/office/drawing/2010/main" w="9525" algn="ctr">
-                  <a:solidFill>
-                    <a:schemeClr val="tx1"/>
-                  </a:solidFill>
-                  <a:miter lim="800000"/>
-                  <a:headEnd/>
-                  <a:tailEnd/>
-                </a14:hiddenLine>
-              </a:ext>
-              <a:ext uri="{AF507438-7753-43E0-B8FC-AC1667EBCBE1}">
-                <a14:hiddenEffects xmlns:a14="http://schemas.microsoft.com/office/drawing/2010/main">
-                  <a:effectLst>
-                    <a:outerShdw dist="35921" dir="2700000" algn="ctr" rotWithShape="0">
-                      <a:schemeClr val="bg2"/>
-                    </a:outerShdw>
-                  </a:effectLst>
-                </a14:hiddenEffects>
-              </a:ext>
-            </a:extLst>
-          </p:spPr>
-          <p:txBody>
-            <a:bodyPr wrap="square">
-              <a:spAutoFit/>
-            </a:bodyPr>
-            <a:lstStyle/>
-            <a:p>
-              <a:r>
-                <a:rPr lang="en-US" sz="2200" b="1" dirty="0"/>
-                <a:t>Data:</a:t>
-              </a:r>
-              <a:r>
-                <a:rPr lang="en-US" sz="2200" dirty="0"/>
-                <a:t> from parallel Japanese-English corpora and database of contemporary song lyrics.</a:t>
-              </a:r>
-            </a:p>
-          </p:txBody>
-        </p:sp>
-        <p:sp>
-          <p:nvSpPr>
-            <p:cNvPr id="13" name="Text Box 11"/>
-            <p:cNvSpPr txBox="1">
-              <a:spLocks noChangeArrowheads="1"/>
-            </p:cNvSpPr>
-            <p:nvPr/>
-          </p:nvSpPr>
-          <p:spPr bwMode="gray">
-            <a:xfrm>
-              <a:off x="1057" y="1443"/>
-              <a:ext cx="214" cy="291"/>
-            </a:xfrm>
-            <a:prstGeom prst="rect">
-              <a:avLst/>
-            </a:prstGeom>
-            <a:noFill/>
-            <a:ln>
-              <a:noFill/>
-            </a:ln>
-            <a:effectLst/>
-            <a:extLst>
-              <a:ext uri="{909E8E84-426E-40DD-AFC4-6F175D3DCCD1}">
-                <a14:hiddenFill xmlns:a14="http://schemas.microsoft.com/office/drawing/2010/main">
-                  <a:solidFill>
-                    <a:schemeClr val="accent1"/>
-                  </a:solidFill>
-                </a14:hiddenFill>
-              </a:ext>
-              <a:ext uri="{91240B29-F687-4F45-9708-019B960494DF}">
-                <a14:hiddenLine xmlns:a14="http://schemas.microsoft.com/office/drawing/2010/main" w="9525" algn="ctr">
-                  <a:solidFill>
-                    <a:schemeClr val="tx1"/>
-                  </a:solidFill>
-                  <a:miter lim="800000"/>
-                  <a:headEnd/>
-                  <a:tailEnd/>
-                </a14:hiddenLine>
-              </a:ext>
-              <a:ext uri="{AF507438-7753-43E0-B8FC-AC1667EBCBE1}">
-                <a14:hiddenEffects xmlns:a14="http://schemas.microsoft.com/office/drawing/2010/main">
-                  <a:effectLst>
-                    <a:outerShdw dist="35921" dir="2700000" algn="ctr" rotWithShape="0">
-                      <a:schemeClr val="bg2"/>
-                    </a:outerShdw>
-                  </a:effectLst>
-                </a14:hiddenEffects>
-              </a:ext>
-            </a:extLst>
-          </p:spPr>
-          <p:txBody>
-            <a:bodyPr wrap="none">
-              <a:spAutoFit/>
-            </a:bodyPr>
-            <a:lstStyle/>
-            <a:p>
-              <a:r>
-                <a:rPr lang="ru-RU" sz="2400" b="1" dirty="0"/>
-                <a:t>2</a:t>
-              </a:r>
-              <a:endParaRPr lang="en-US" sz="2400" b="1" dirty="0"/>
-            </a:p>
-          </p:txBody>
-        </p:sp>
-      </p:grpSp>
-      <p:sp>
-        <p:nvSpPr>
-          <p:cNvPr id="29" name="Прямоугольник 28"/>
-          <p:cNvSpPr/>
-          <p:nvPr/>
-        </p:nvSpPr>
-        <p:spPr>
-          <a:xfrm>
-            <a:off x="640080" y="2690949"/>
-            <a:ext cx="8281851" cy="4893647"/>
-          </a:xfrm>
-          <a:prstGeom prst="rect">
-            <a:avLst/>
-          </a:prstGeom>
-        </p:spPr>
-        <p:txBody>
-          <a:bodyPr wrap="square">
-            <a:spAutoFit/>
-          </a:bodyPr>
-          <a:lstStyle/>
-          <a:p>
-            <a:r>
-              <a:rPr lang="en-US" sz="2400" b="1" dirty="0"/>
-              <a:t>Null hypothesis:</a:t>
-            </a:r>
-          </a:p>
-          <a:p>
-            <a:r>
-              <a:rPr lang="en-US" sz="2400" dirty="0"/>
-              <a:t>Choice strategy for expressing ability in Japanese verbs is completely random and does not depend on any of the mentioned factors.</a:t>
-            </a:r>
-          </a:p>
-          <a:p>
-            <a:endParaRPr lang="en-US" sz="2400" dirty="0"/>
-          </a:p>
-          <a:p>
-            <a:r>
-              <a:rPr lang="en-US" sz="2400" b="1" dirty="0"/>
-              <a:t>Alternative hypothesis:</a:t>
-            </a:r>
-          </a:p>
-          <a:p>
-            <a:r>
-              <a:rPr lang="en-US" sz="2400" dirty="0"/>
-              <a:t>There is a more or less clear pattern that allows actually calling this choice a strategy.</a:t>
-            </a:r>
-          </a:p>
-          <a:p>
-            <a:r>
-              <a:rPr lang="en-US" sz="2400" dirty="0"/>
-              <a:t>We use logistic regression to check whether the mentioned effects are statistically significant and whether they have any intrinsic correlation between each other.</a:t>
-            </a:r>
-          </a:p>
-          <a:p>
-            <a:br>
-              <a:rPr lang="en-US" sz="2400" dirty="0"/>
-            </a:br>
-            <a:endParaRPr lang="ru-RU" sz="2400" dirty="0"/>
-          </a:p>
-        </p:txBody>
-      </p:sp>
-    </p:spTree>
-    <p:extLst>
-      <p:ext uri="{BB962C8B-B14F-4D97-AF65-F5344CB8AC3E}">
-        <p14:creationId xmlns:p14="http://schemas.microsoft.com/office/powerpoint/2010/main" val="779576598"/>
-      </p:ext>
-    </p:extLst>
-  </p:cSld>
-  <p:clrMapOvr>
-    <a:masterClrMapping/>
-  </p:clrMapOvr>
-</p:sld>
-</file>
-
-<file path=ppt/slides/slide4.xml><?xml version="1.0" encoding="utf-8"?>
-<p:sld xmlns:a="http://schemas.openxmlformats.org/drawingml/2006/main" xmlns:r="http://schemas.openxmlformats.org/officeDocument/2006/relationships" xmlns:p="http://schemas.openxmlformats.org/presentationml/2006/main">
-  <p:cSld>
-    <p:spTree>
-      <p:nvGrpSpPr>
-        <p:cNvPr id="1" name=""/>
-        <p:cNvGrpSpPr/>
-        <p:nvPr/>
-      </p:nvGrpSpPr>
-      <p:grpSpPr>
-        <a:xfrm>
-          <a:off x="0" y="0"/>
-          <a:ext cx="0" cy="0"/>
-          <a:chOff x="0" y="0"/>
-          <a:chExt cx="0" cy="0"/>
-        </a:xfrm>
-      </p:grpSpPr>
-      <p:sp>
-        <p:nvSpPr>
-          <p:cNvPr id="2" name="Title 1"/>
-          <p:cNvSpPr>
-            <a:spLocks noGrp="1"/>
-          </p:cNvSpPr>
-          <p:nvPr>
-            <p:ph type="title"/>
-          </p:nvPr>
-        </p:nvSpPr>
-        <p:spPr>
-          <a:xfrm>
-            <a:off x="1444752" y="321039"/>
-            <a:ext cx="6713982" cy="1325563"/>
-          </a:xfrm>
-        </p:spPr>
-        <p:txBody>
-          <a:bodyPr/>
-          <a:lstStyle/>
-          <a:p>
-            <a:r>
-              <a:rPr lang="en-US" dirty="0"/>
-              <a:t>Data collection method </a:t>
+              <a:t>Context position</a:t>
             </a:r>
             <a:br>
               <a:rPr lang="en-US" dirty="0"/>
@@ -13181,9 +14089,9 @@
         <p:grpSpPr bwMode="auto">
           <a:xfrm>
             <a:off x="723038" y="422300"/>
-            <a:ext cx="6634163" cy="1520827"/>
+            <a:ext cx="6634163" cy="1889127"/>
             <a:chOff x="919" y="1438"/>
-            <a:chExt cx="4179" cy="958"/>
+            <a:chExt cx="4179" cy="1190"/>
           </a:xfrm>
         </p:grpSpPr>
         <p:sp>
@@ -13321,7 +14229,7 @@
           <p:spPr bwMode="gray">
             <a:xfrm>
               <a:off x="1377" y="2105"/>
-              <a:ext cx="3721" cy="291"/>
+              <a:ext cx="3721" cy="523"/>
             </a:xfrm>
             <a:prstGeom prst="rect">
               <a:avLst/>
@@ -13365,6 +14273,12 @@
               <a:spAutoFit/>
             </a:bodyPr>
             <a:lstStyle/>
+            <a:p>
+              <a:r>
+                <a:rPr lang="en-US" sz="2400" dirty="0"/>
+                <a:t>Examples of right context position:</a:t>
+              </a:r>
+            </a:p>
             <a:p>
               <a:endParaRPr lang="en-US" sz="2400" dirty="0"/>
             </a:p>
@@ -13428,7 +14342,7 @@
             <a:p>
               <a:r>
                 <a:rPr lang="en-US" sz="2400" b="1" dirty="0"/>
-                <a:t>3</a:t>
+                <a:t>4</a:t>
               </a:r>
             </a:p>
           </p:txBody>
@@ -13442,8 +14356,8 @@
         </p:nvSpPr>
         <p:spPr>
           <a:xfrm>
-            <a:off x="1136469" y="2333685"/>
-            <a:ext cx="6779623" cy="2677656"/>
+            <a:off x="966650" y="2560322"/>
+            <a:ext cx="7942219" cy="4708981"/>
           </a:xfrm>
           <a:prstGeom prst="rect">
             <a:avLst/>
@@ -13455,47 +14369,188 @@
           </a:bodyPr>
           <a:lstStyle/>
           <a:p>
-            <a:pPr>
-              <a:buFont typeface="Arial" pitchFamily="34" charset="0"/>
-              <a:buChar char="•"/>
-            </a:pPr>
-            <a:r>
-              <a:rPr lang="en-US" sz="2400" dirty="0"/>
-              <a:t> All data has been collected with web scraping script written in Python.</a:t>
-            </a:r>
-          </a:p>
-          <a:p>
-            <a:pPr>
-              <a:buFont typeface="Arial" pitchFamily="34" charset="0"/>
-              <a:buChar char="•"/>
-            </a:pPr>
-            <a:endParaRPr lang="en-US" sz="2400" dirty="0"/>
-          </a:p>
-          <a:p>
-            <a:pPr>
-              <a:buFont typeface="Arial" pitchFamily="34" charset="0"/>
-              <a:buChar char="•"/>
-            </a:pPr>
-            <a:r>
-              <a:rPr lang="en-US" sz="2400" dirty="0"/>
-              <a:t> 500 examples from the parallel corpora </a:t>
-            </a:r>
-          </a:p>
-          <a:p>
-            <a:pPr>
-              <a:buFont typeface="Arial" pitchFamily="34" charset="0"/>
-              <a:buChar char="•"/>
-            </a:pPr>
-            <a:r>
-              <a:rPr lang="en-US" sz="2400" dirty="0"/>
-              <a:t> 30 000 texts from the database.</a:t>
+            <a:r>
+              <a:rPr lang="en-US" sz="2000" dirty="0"/>
+              <a:t>(1) </a:t>
+            </a:r>
+            <a:r>
+              <a:rPr lang="ja-JP" altLang="en-US" sz="2000" u="sng" dirty="0"/>
+              <a:t>僕</a:t>
+            </a:r>
+            <a:r>
+              <a:rPr lang="ja-JP" altLang="en-US" sz="2000" dirty="0"/>
+              <a:t>         は           歌う←</a:t>
+            </a:r>
+          </a:p>
+          <a:p>
+            <a:r>
+              <a:rPr lang="en-US" sz="2000" i="1" dirty="0"/>
+              <a:t>      </a:t>
+            </a:r>
+            <a:r>
+              <a:rPr lang="en-US" sz="2000" i="1" dirty="0" err="1"/>
+              <a:t>boku</a:t>
+            </a:r>
+            <a:r>
+              <a:rPr lang="en-US" sz="2000" i="1" dirty="0"/>
+              <a:t>     </a:t>
+            </a:r>
+            <a:r>
+              <a:rPr lang="en-US" sz="2000" i="1" dirty="0" err="1"/>
+              <a:t>wa</a:t>
+            </a:r>
+            <a:r>
+              <a:rPr lang="en-US" sz="2000" i="1" dirty="0"/>
+              <a:t>          </a:t>
+            </a:r>
+            <a:r>
+              <a:rPr lang="en-US" sz="2000" i="1" dirty="0" err="1"/>
+              <a:t>utau</a:t>
+            </a:r>
+            <a:endParaRPr lang="en-US" sz="2000" dirty="0"/>
+          </a:p>
+          <a:p>
+            <a:r>
+              <a:rPr lang="en-US" sz="2000" dirty="0"/>
+              <a:t>      I             THEME  </a:t>
+            </a:r>
+            <a:r>
+              <a:rPr lang="en-US" sz="2000" dirty="0" err="1"/>
+              <a:t>to.sing</a:t>
+            </a:r>
+            <a:endParaRPr lang="en-US" sz="2000" dirty="0"/>
+          </a:p>
+          <a:p>
+            <a:r>
+              <a:rPr lang="en-US" sz="2000" dirty="0"/>
+              <a:t>      I sing</a:t>
             </a:r>
           </a:p>
           <a:p>
             <a:br>
-              <a:rPr lang="en-US" sz="2400" dirty="0"/>
+              <a:rPr lang="en-US" sz="2000" dirty="0"/>
             </a:br>
-            <a:endParaRPr lang="ru-RU" sz="2400" dirty="0"/>
+            <a:r>
+              <a:rPr lang="en-US" sz="2000" dirty="0"/>
+              <a:t>(2) </a:t>
+            </a:r>
+            <a:r>
+              <a:rPr lang="ja-JP" altLang="en-US" sz="2000" dirty="0"/>
+              <a:t>僕      は           </a:t>
+            </a:r>
+            <a:r>
+              <a:rPr lang="ja-JP" altLang="en-US" sz="2000" u="sng" dirty="0"/>
+              <a:t>歌</a:t>
+            </a:r>
+            <a:r>
+              <a:rPr lang="ja-JP" altLang="en-US" sz="2000" dirty="0"/>
+              <a:t>       を     歌う←</a:t>
+            </a:r>
+          </a:p>
+          <a:p>
+            <a:r>
+              <a:rPr lang="en-US" sz="2000" i="1" dirty="0"/>
+              <a:t>      </a:t>
+            </a:r>
+            <a:r>
+              <a:rPr lang="en-US" sz="2000" i="1" dirty="0" err="1"/>
+              <a:t>boku</a:t>
+            </a:r>
+            <a:r>
+              <a:rPr lang="en-US" sz="2000" i="1" dirty="0"/>
+              <a:t>  </a:t>
+            </a:r>
+            <a:r>
+              <a:rPr lang="en-US" sz="2000" i="1" dirty="0" err="1"/>
+              <a:t>wa</a:t>
+            </a:r>
+            <a:r>
+              <a:rPr lang="en-US" sz="2000" i="1" dirty="0"/>
+              <a:t>          </a:t>
+            </a:r>
+            <a:r>
+              <a:rPr lang="en-US" sz="2000" i="1" dirty="0" err="1"/>
+              <a:t>uta</a:t>
+            </a:r>
+            <a:r>
+              <a:rPr lang="en-US" sz="2000" i="1" dirty="0"/>
+              <a:t>     </a:t>
+            </a:r>
+            <a:r>
+              <a:rPr lang="en-US" sz="2000" i="1" dirty="0" err="1"/>
+              <a:t>wo</a:t>
+            </a:r>
+            <a:r>
+              <a:rPr lang="en-US" sz="2000" i="1" dirty="0"/>
+              <a:t>   </a:t>
+            </a:r>
+            <a:r>
+              <a:rPr lang="en-US" sz="2000" i="1" dirty="0" err="1"/>
+              <a:t>utau</a:t>
+            </a:r>
+            <a:endParaRPr lang="en-US" sz="2000" dirty="0"/>
+          </a:p>
+          <a:p>
+            <a:r>
+              <a:rPr lang="en-US" sz="2000" dirty="0"/>
+              <a:t>      I          THEME  song   ACC  </a:t>
+            </a:r>
+            <a:r>
+              <a:rPr lang="en-US" sz="2000" dirty="0" err="1"/>
+              <a:t>to.sing</a:t>
+            </a:r>
+            <a:endParaRPr lang="en-US" sz="2000" dirty="0"/>
+          </a:p>
+          <a:p>
+            <a:r>
+              <a:rPr lang="en-US" sz="2000" dirty="0"/>
+              <a:t>      I sing a song</a:t>
+            </a:r>
+          </a:p>
+          <a:p>
+            <a:br>
+              <a:rPr lang="en-US" sz="2000" dirty="0"/>
+            </a:br>
+            <a:r>
+              <a:rPr lang="en-US" sz="2000" dirty="0"/>
+              <a:t>In these examples the verb “to sing” is located to the right from both the subject and the object and denotes an active action, as opposed to its left position.</a:t>
+            </a:r>
+          </a:p>
+          <a:p>
+            <a:br>
+              <a:rPr lang="en-US" sz="2000" dirty="0"/>
+            </a:br>
+            <a:endParaRPr lang="ru-RU" sz="2000" dirty="0"/>
+          </a:p>
+        </p:txBody>
+      </p:sp>
+      <p:sp>
+        <p:nvSpPr>
+          <p:cNvPr id="4" name="Номер слайда 3">
+            <a:extLst>
+              <a:ext uri="{FF2B5EF4-FFF2-40B4-BE49-F238E27FC236}">
+                <a16:creationId xmlns:a16="http://schemas.microsoft.com/office/drawing/2014/main" id="{5B0310D9-E0F6-4219-B972-16B2E7D36C51}"/>
+              </a:ext>
+            </a:extLst>
+          </p:cNvPr>
+          <p:cNvSpPr>
+            <a:spLocks noGrp="1"/>
+          </p:cNvSpPr>
+          <p:nvPr>
+            <p:ph type="sldNum" sz="quarter" idx="12"/>
+          </p:nvPr>
+        </p:nvSpPr>
+        <p:spPr/>
+        <p:txBody>
+          <a:bodyPr/>
+          <a:lstStyle/>
+          <a:p>
+            <a:fld id="{8408BC49-1B67-4826-A1F3-48AF839B00E7}" type="slidenum">
+              <a:rPr lang="en-US" smtClean="0"/>
+              <a:pPr/>
+              <a:t>5</a:t>
+            </a:fld>
+            <a:endParaRPr lang="en-US"/>
           </a:p>
         </p:txBody>
       </p:sp>
@@ -13512,7 +14567,7 @@
 </p:sld>
 </file>
 
-<file path=ppt/slides/slide5.xml><?xml version="1.0" encoding="utf-8"?>
+<file path=ppt/slides/slide6.xml><?xml version="1.0" encoding="utf-8"?>
 <p:sld xmlns:a="http://schemas.openxmlformats.org/drawingml/2006/main" xmlns:r="http://schemas.openxmlformats.org/officeDocument/2006/relationships" xmlns:p="http://schemas.openxmlformats.org/presentationml/2006/main">
   <p:cSld>
     <p:spTree>
@@ -13571,9 +14626,9 @@
         <p:grpSpPr bwMode="auto">
           <a:xfrm>
             <a:off x="723038" y="422300"/>
-            <a:ext cx="6634163" cy="1889127"/>
+            <a:ext cx="6634163" cy="2259015"/>
             <a:chOff x="919" y="1438"/>
-            <a:chExt cx="4179" cy="1190"/>
+            <a:chExt cx="4179" cy="1423"/>
           </a:xfrm>
         </p:grpSpPr>
         <p:sp>
@@ -13711,7 +14766,7 @@
           <p:spPr bwMode="gray">
             <a:xfrm>
               <a:off x="1377" y="2105"/>
-              <a:ext cx="3721" cy="523"/>
+              <a:ext cx="3721" cy="756"/>
             </a:xfrm>
             <a:prstGeom prst="rect">
               <a:avLst/>
@@ -13758,8 +14813,15 @@
             <a:p>
               <a:r>
                 <a:rPr lang="en-US" sz="2400" dirty="0"/>
-                <a:t>Examples of right context position:</a:t>
+                <a:t>Examples of left position:</a:t>
               </a:r>
+            </a:p>
+            <a:p>
+              <a:r>
+                <a:rPr lang="en-US" sz="2400" dirty="0"/>
+                <a:t> </a:t>
+              </a:r>
+              <a:endParaRPr lang="ru-RU" sz="2400" dirty="0"/>
             </a:p>
             <a:p>
               <a:endParaRPr lang="en-US" sz="2400" dirty="0"/>
@@ -13838,8 +14900,8 @@
         </p:nvSpPr>
         <p:spPr>
           <a:xfrm>
-            <a:off x="966650" y="2560322"/>
-            <a:ext cx="7942219" cy="4708981"/>
+            <a:off x="914399" y="2286002"/>
+            <a:ext cx="7942219" cy="5324535"/>
           </a:xfrm>
           <a:prstGeom prst="rect">
             <a:avLst/>
@@ -13852,16 +14914,16 @@
           <a:lstStyle/>
           <a:p>
             <a:r>
-              <a:rPr lang="en-US" sz="2000" dirty="0"/>
-              <a:t>(1) </a:t>
+              <a:rPr lang="en-US" altLang="ja-JP" sz="2000" dirty="0"/>
+              <a:t>(3) </a:t>
+            </a:r>
+            <a:r>
+              <a:rPr lang="ja-JP" altLang="en-US" sz="2000" dirty="0"/>
+              <a:t>僕      が →歌う      </a:t>
             </a:r>
             <a:r>
               <a:rPr lang="ja-JP" altLang="en-US" sz="2000" u="sng" dirty="0"/>
-              <a:t>僕</a:t>
-            </a:r>
-            <a:r>
-              <a:rPr lang="ja-JP" altLang="en-US" sz="2000" dirty="0"/>
-              <a:t>         は           歌う←</a:t>
+              <a:t>歌</a:t>
             </a:r>
           </a:p>
           <a:p>
@@ -13875,37 +14937,48 @@
             </a:r>
             <a:r>
               <a:rPr lang="en-US" sz="2000" i="1" dirty="0"/>
-              <a:t>     </a:t>
+              <a:t> </a:t>
             </a:r>
             <a:r>
               <a:rPr lang="en-US" sz="2000" i="1" dirty="0" err="1"/>
-              <a:t>wa</a:t>
+              <a:t>ga</a:t>
             </a:r>
             <a:r>
               <a:rPr lang="en-US" sz="2000" i="1" dirty="0"/>
-              <a:t>          </a:t>
+              <a:t>       </a:t>
             </a:r>
             <a:r>
               <a:rPr lang="en-US" sz="2000" i="1" dirty="0" err="1"/>
               <a:t>utau</a:t>
             </a:r>
+            <a:r>
+              <a:rPr lang="en-US" sz="2000" i="1" dirty="0"/>
+              <a:t>       </a:t>
+            </a:r>
+            <a:r>
+              <a:rPr lang="en-US" sz="2000" i="1" dirty="0" err="1"/>
+              <a:t>uta</a:t>
+            </a:r>
             <a:endParaRPr lang="en-US" sz="2000" dirty="0"/>
           </a:p>
           <a:p>
             <a:r>
               <a:rPr lang="en-US" sz="2000" dirty="0"/>
-              <a:t>      I             THEME  </a:t>
+              <a:t>      I         NOM  </a:t>
             </a:r>
             <a:r>
               <a:rPr lang="en-US" sz="2000" dirty="0" err="1"/>
               <a:t>to.sing</a:t>
             </a:r>
-            <a:endParaRPr lang="en-US" sz="2000" dirty="0"/>
-          </a:p>
-          <a:p>
             <a:r>
               <a:rPr lang="en-US" sz="2000" dirty="0"/>
-              <a:t>      I sing</a:t>
+              <a:t>  song</a:t>
+            </a:r>
+          </a:p>
+          <a:p>
+            <a:r>
+              <a:rPr lang="en-US" sz="2000" dirty="0"/>
+              <a:t>      a song that I sing</a:t>
             </a:r>
           </a:p>
           <a:p>
@@ -13914,19 +14987,27 @@
             </a:br>
             <a:r>
               <a:rPr lang="en-US" sz="2000" dirty="0"/>
-              <a:t>(2) </a:t>
+              <a:t>(4) </a:t>
+            </a:r>
+            <a:r>
+              <a:rPr lang="ru-RU" sz="2000" dirty="0"/>
+              <a:t>(</a:t>
             </a:r>
             <a:r>
               <a:rPr lang="ja-JP" altLang="en-US" sz="2000" dirty="0"/>
-              <a:t>僕      は           </a:t>
+              <a:t>歌      を</a:t>
+            </a:r>
+            <a:r>
+              <a:rPr lang="ru-RU" altLang="ja-JP" sz="2000" dirty="0"/>
+              <a:t>)</a:t>
+            </a:r>
+            <a:r>
+              <a:rPr lang="ja-JP" altLang="en-US" sz="2000" dirty="0"/>
+              <a:t> →歌う       </a:t>
             </a:r>
             <a:r>
               <a:rPr lang="ja-JP" altLang="en-US" sz="2000" u="sng" dirty="0"/>
-              <a:t>歌</a:t>
-            </a:r>
-            <a:r>
-              <a:rPr lang="ja-JP" altLang="en-US" sz="2000" dirty="0"/>
-              <a:t>       を     歌う←</a:t>
+              <a:t>僕</a:t>
             </a:r>
           </a:p>
           <a:p>
@@ -13936,23 +15017,15 @@
             </a:r>
             <a:r>
               <a:rPr lang="en-US" sz="2000" i="1" dirty="0" err="1"/>
-              <a:t>boku</a:t>
+              <a:t>uta</a:t>
             </a:r>
             <a:r>
               <a:rPr lang="en-US" sz="2000" i="1" dirty="0"/>
-              <a:t>  </a:t>
+              <a:t>    </a:t>
             </a:r>
             <a:r>
               <a:rPr lang="en-US" sz="2000" i="1" dirty="0" err="1"/>
-              <a:t>wa</a:t>
-            </a:r>
-            <a:r>
-              <a:rPr lang="en-US" sz="2000" i="1" dirty="0"/>
-              <a:t>          </a:t>
-            </a:r>
-            <a:r>
-              <a:rPr lang="en-US" sz="2000" i="1" dirty="0" err="1"/>
-              <a:t>uta</a:t>
+              <a:t>wo</a:t>
             </a:r>
             <a:r>
               <a:rPr lang="en-US" sz="2000" i="1" dirty="0"/>
@@ -13960,34 +15033,50 @@
             </a:r>
             <a:r>
               <a:rPr lang="en-US" sz="2000" i="1" dirty="0" err="1"/>
-              <a:t>wo</a:t>
+              <a:t>utau</a:t>
             </a:r>
             <a:r>
               <a:rPr lang="en-US" sz="2000" i="1" dirty="0"/>
-              <a:t>   </a:t>
+              <a:t>        </a:t>
             </a:r>
             <a:r>
               <a:rPr lang="en-US" sz="2000" i="1" dirty="0" err="1"/>
-              <a:t>utau</a:t>
+              <a:t>boku</a:t>
             </a:r>
             <a:endParaRPr lang="en-US" sz="2000" dirty="0"/>
           </a:p>
           <a:p>
             <a:r>
               <a:rPr lang="en-US" sz="2000" dirty="0"/>
-              <a:t>      I          THEME  song   ACC  </a:t>
+              <a:t>      song  ACC   </a:t>
             </a:r>
             <a:r>
               <a:rPr lang="en-US" sz="2000" dirty="0" err="1"/>
               <a:t>to.sing</a:t>
             </a:r>
+            <a:r>
+              <a:rPr lang="en-US" sz="2000" dirty="0"/>
+              <a:t>    I</a:t>
+            </a:r>
+          </a:p>
+          <a:p>
+            <a:r>
+              <a:rPr lang="en-US" sz="2000" dirty="0"/>
+              <a:t>      I who sing </a:t>
+            </a:r>
+            <a:r>
+              <a:rPr lang="ru-RU" sz="2000" dirty="0"/>
+              <a:t>(</a:t>
+            </a:r>
+            <a:r>
+              <a:rPr lang="en-US" sz="2000" dirty="0"/>
+              <a:t>a song</a:t>
+            </a:r>
+            <a:r>
+              <a:rPr lang="ru-RU" sz="2000" dirty="0"/>
+              <a:t>)</a:t>
+            </a:r>
             <a:endParaRPr lang="en-US" sz="2000" dirty="0"/>
-          </a:p>
-          <a:p>
-            <a:r>
-              <a:rPr lang="en-US" sz="2000" dirty="0"/>
-              <a:t>      I sing a song</a:t>
-            </a:r>
           </a:p>
           <a:p>
             <a:br>
@@ -13995,14 +15084,56 @@
             </a:br>
             <a:r>
               <a:rPr lang="en-US" sz="2000" dirty="0"/>
-              <a:t>In these examples the verb “to sing” is located to the right from both the subject and the object and denotes an active action, as opposed to its left position.</a:t>
-            </a:r>
-          </a:p>
-          <a:p>
+              <a:t>In examples (3) and (4) the verb expresses a property, while the actual verbal action of the sentence will be expressed through some other verb.</a:t>
+            </a:r>
+          </a:p>
+          <a:p>
+            <a:endParaRPr lang="en-US" sz="2000" dirty="0"/>
+          </a:p>
+          <a:p>
+            <a:r>
+              <a:rPr lang="en-US" sz="2000" dirty="0"/>
+              <a:t>In ambiguous cases we marked the context type as “unclear”.</a:t>
+            </a:r>
+          </a:p>
+          <a:p>
+            <a:br>
+              <a:rPr lang="en-US" sz="2000" dirty="0"/>
+            </a:br>
             <a:br>
               <a:rPr lang="en-US" sz="2000" dirty="0"/>
             </a:br>
             <a:endParaRPr lang="ru-RU" sz="2000" dirty="0"/>
+          </a:p>
+        </p:txBody>
+      </p:sp>
+      <p:sp>
+        <p:nvSpPr>
+          <p:cNvPr id="4" name="Номер слайда 3">
+            <a:extLst>
+              <a:ext uri="{FF2B5EF4-FFF2-40B4-BE49-F238E27FC236}">
+                <a16:creationId xmlns:a16="http://schemas.microsoft.com/office/drawing/2014/main" id="{8320DFFE-09D5-4DAF-B522-719269CDB2A8}"/>
+              </a:ext>
+            </a:extLst>
+          </p:cNvPr>
+          <p:cNvSpPr>
+            <a:spLocks noGrp="1"/>
+          </p:cNvSpPr>
+          <p:nvPr>
+            <p:ph type="sldNum" sz="quarter" idx="12"/>
+          </p:nvPr>
+        </p:nvSpPr>
+        <p:spPr/>
+        <p:txBody>
+          <a:bodyPr/>
+          <a:lstStyle/>
+          <a:p>
+            <a:fld id="{8408BC49-1B67-4826-A1F3-48AF839B00E7}" type="slidenum">
+              <a:rPr lang="en-US" smtClean="0"/>
+              <a:pPr/>
+              <a:t>6</a:t>
+            </a:fld>
+            <a:endParaRPr lang="en-US"/>
           </a:p>
         </p:txBody>
       </p:sp>
@@ -14019,7 +15150,7 @@
 </p:sld>
 </file>
 
-<file path=ppt/slides/slide6.xml><?xml version="1.0" encoding="utf-8"?>
+<file path=ppt/slides/slide7.xml><?xml version="1.0" encoding="utf-8"?>
 <p:sld xmlns:a="http://schemas.openxmlformats.org/drawingml/2006/main" xmlns:r="http://schemas.openxmlformats.org/officeDocument/2006/relationships" xmlns:p="http://schemas.openxmlformats.org/presentationml/2006/main">
   <p:cSld>
     <p:spTree>
@@ -14058,7 +15189,7 @@
           <a:p>
             <a:r>
               <a:rPr lang="en-US" dirty="0"/>
-              <a:t>Context position</a:t>
+              <a:t>Methods of analysis</a:t>
             </a:r>
             <a:br>
               <a:rPr lang="en-US" dirty="0"/>
@@ -14078,9 +15209,9 @@
         <p:grpSpPr bwMode="auto">
           <a:xfrm>
             <a:off x="723038" y="422300"/>
-            <a:ext cx="6634163" cy="2259015"/>
+            <a:ext cx="6634163" cy="1889127"/>
             <a:chOff x="919" y="1438"/>
-            <a:chExt cx="4179" cy="1423"/>
+            <a:chExt cx="4179" cy="1190"/>
           </a:xfrm>
         </p:grpSpPr>
         <p:sp>
@@ -14093,7 +15224,7 @@
           </p:nvSpPr>
           <p:spPr bwMode="gray">
             <a:xfrm>
-              <a:off x="1440" y="2380"/>
+              <a:off x="1424" y="1837"/>
               <a:ext cx="3024" cy="0"/>
             </a:xfrm>
             <a:prstGeom prst="line">
@@ -14218,7 +15349,7 @@
           <p:spPr bwMode="gray">
             <a:xfrm>
               <a:off x="1377" y="2105"/>
-              <a:ext cx="3721" cy="756"/>
+              <a:ext cx="3721" cy="523"/>
             </a:xfrm>
             <a:prstGeom prst="rect">
               <a:avLst/>
@@ -14262,12 +15393,6 @@
               <a:spAutoFit/>
             </a:bodyPr>
             <a:lstStyle/>
-            <a:p>
-              <a:r>
-                <a:rPr lang="en-US" sz="2400" dirty="0"/>
-                <a:t>Examples of left position:</a:t>
-              </a:r>
-            </a:p>
             <a:p>
               <a:r>
                 <a:rPr lang="en-US" sz="2400" dirty="0"/>
@@ -14338,7 +15463,7 @@
             <a:p>
               <a:r>
                 <a:rPr lang="en-US" sz="2400" b="1" dirty="0"/>
-                <a:t>4</a:t>
+                <a:t>5</a:t>
               </a:r>
             </a:p>
           </p:txBody>
@@ -14352,8 +15477,8 @@
         </p:nvSpPr>
         <p:spPr>
           <a:xfrm>
-            <a:off x="914399" y="2286002"/>
-            <a:ext cx="7942219" cy="5324535"/>
+            <a:off x="1136469" y="2333685"/>
+            <a:ext cx="7694022" cy="3046988"/>
           </a:xfrm>
           <a:prstGeom prst="rect">
             <a:avLst/>
@@ -14365,197 +15490,81 @@
           </a:bodyPr>
           <a:lstStyle/>
           <a:p>
-            <a:r>
-              <a:rPr lang="en-US" altLang="ja-JP" sz="2000" dirty="0"/>
-              <a:t>(3) </a:t>
-            </a:r>
-            <a:r>
-              <a:rPr lang="ja-JP" altLang="en-US" sz="2000" dirty="0"/>
-              <a:t>僕      が →歌う      </a:t>
-            </a:r>
-            <a:r>
-              <a:rPr lang="ja-JP" altLang="en-US" sz="2000" u="sng" dirty="0"/>
-              <a:t>歌</a:t>
-            </a:r>
-          </a:p>
-          <a:p>
-            <a:r>
-              <a:rPr lang="en-US" sz="2000" i="1" dirty="0"/>
-              <a:t>      </a:t>
-            </a:r>
-            <a:r>
-              <a:rPr lang="en-US" sz="2000" i="1" dirty="0" err="1"/>
-              <a:t>boku</a:t>
-            </a:r>
-            <a:r>
-              <a:rPr lang="en-US" sz="2000" i="1" dirty="0"/>
+            <a:pPr>
+              <a:buFont typeface="Arial" pitchFamily="34" charset="0"/>
+              <a:buChar char="•"/>
+            </a:pPr>
+            <a:r>
+              <a:rPr lang="en-US" sz="2400" dirty="0"/>
               <a:t> </a:t>
             </a:r>
             <a:r>
-              <a:rPr lang="en-US" sz="2000" i="1" dirty="0" err="1"/>
-              <a:t>ga</a:t>
-            </a:r>
-            <a:r>
-              <a:rPr lang="en-US" sz="2000" i="1" dirty="0"/>
-              <a:t>       </a:t>
-            </a:r>
-            <a:r>
-              <a:rPr lang="en-US" sz="2000" i="1" dirty="0" err="1"/>
-              <a:t>utau</a:t>
-            </a:r>
-            <a:r>
-              <a:rPr lang="en-US" sz="2000" i="1" dirty="0"/>
-              <a:t>       </a:t>
-            </a:r>
-            <a:r>
-              <a:rPr lang="en-US" sz="2000" i="1" dirty="0" err="1"/>
-              <a:t>uta</a:t>
-            </a:r>
-            <a:endParaRPr lang="en-US" sz="2000" dirty="0"/>
-          </a:p>
-          <a:p>
-            <a:r>
-              <a:rPr lang="en-US" sz="2000" dirty="0"/>
-              <a:t>      I         NOM  </a:t>
-            </a:r>
-            <a:r>
-              <a:rPr lang="en-US" sz="2000" dirty="0" err="1"/>
-              <a:t>to.sing</a:t>
-            </a:r>
-            <a:r>
-              <a:rPr lang="en-US" sz="2000" dirty="0"/>
-              <a:t>  song</a:t>
-            </a:r>
-          </a:p>
-          <a:p>
-            <a:r>
-              <a:rPr lang="en-US" sz="2000" dirty="0"/>
-              <a:t>      a song that I sing</a:t>
-            </a:r>
-          </a:p>
-          <a:p>
+              <a:rPr lang="en-US" sz="2400" b="1" dirty="0"/>
+              <a:t>Fisher’s test </a:t>
+            </a:r>
+            <a:r>
+              <a:rPr lang="en-US" sz="2400" dirty="0"/>
+              <a:t>to check our preliminary assumptions regarding the importance of the factors for the choice of the strategy. </a:t>
+            </a:r>
+          </a:p>
+          <a:p>
+            <a:pPr>
+              <a:buFont typeface="Arial" pitchFamily="34" charset="0"/>
+              <a:buChar char="•"/>
+            </a:pPr>
+            <a:endParaRPr lang="en-US" sz="2400" dirty="0"/>
+          </a:p>
+          <a:p>
+            <a:pPr>
+              <a:buFont typeface="Arial" pitchFamily="34" charset="0"/>
+              <a:buChar char="•"/>
+            </a:pPr>
+            <a:r>
+              <a:rPr lang="en-US" sz="2400" dirty="0"/>
+              <a:t> </a:t>
+            </a:r>
+            <a:r>
+              <a:rPr lang="en-US" sz="2400" b="1" dirty="0"/>
+              <a:t>Linear regression </a:t>
+            </a:r>
+            <a:r>
+              <a:rPr lang="en-US" sz="2400" dirty="0"/>
+              <a:t>to see which factors are more important and ultimately to build a model that describes our strategies in the best way possible.</a:t>
+            </a:r>
             <a:br>
-              <a:rPr lang="en-US" sz="2000" dirty="0"/>
+              <a:rPr lang="en-US" sz="2400" dirty="0"/>
             </a:br>
-            <a:r>
-              <a:rPr lang="en-US" sz="2000" dirty="0"/>
-              <a:t>(4) </a:t>
-            </a:r>
-            <a:r>
-              <a:rPr lang="ru-RU" sz="2000" dirty="0"/>
-              <a:t>(</a:t>
-            </a:r>
-            <a:r>
-              <a:rPr lang="ja-JP" altLang="en-US" sz="2000" dirty="0"/>
-              <a:t>歌      を</a:t>
-            </a:r>
-            <a:r>
-              <a:rPr lang="ru-RU" altLang="ja-JP" sz="2000" dirty="0"/>
-              <a:t>)</a:t>
-            </a:r>
-            <a:r>
-              <a:rPr lang="ja-JP" altLang="en-US" sz="2000" dirty="0"/>
-              <a:t> →歌う       </a:t>
-            </a:r>
-            <a:r>
-              <a:rPr lang="ja-JP" altLang="en-US" sz="2000" u="sng" dirty="0"/>
-              <a:t>僕</a:t>
-            </a:r>
-          </a:p>
-          <a:p>
-            <a:r>
-              <a:rPr lang="en-US" sz="2000" i="1" dirty="0"/>
-              <a:t>      </a:t>
-            </a:r>
-            <a:r>
-              <a:rPr lang="en-US" sz="2000" i="1" dirty="0" err="1"/>
-              <a:t>uta</a:t>
-            </a:r>
-            <a:r>
-              <a:rPr lang="en-US" sz="2000" i="1" dirty="0"/>
-              <a:t>    </a:t>
-            </a:r>
-            <a:r>
-              <a:rPr lang="en-US" sz="2000" i="1" dirty="0" err="1"/>
-              <a:t>wo</a:t>
-            </a:r>
-            <a:r>
-              <a:rPr lang="en-US" sz="2000" i="1" dirty="0"/>
-              <a:t>     </a:t>
-            </a:r>
-            <a:r>
-              <a:rPr lang="en-US" sz="2000" i="1" dirty="0" err="1"/>
-              <a:t>utau</a:t>
-            </a:r>
-            <a:r>
-              <a:rPr lang="en-US" sz="2000" i="1" dirty="0"/>
-              <a:t>        </a:t>
-            </a:r>
-            <a:r>
-              <a:rPr lang="en-US" sz="2000" i="1" dirty="0" err="1"/>
-              <a:t>boku</a:t>
-            </a:r>
-            <a:endParaRPr lang="en-US" sz="2000" dirty="0"/>
-          </a:p>
-          <a:p>
-            <a:r>
-              <a:rPr lang="en-US" sz="2000" dirty="0"/>
-              <a:t>      song  ACC   </a:t>
-            </a:r>
-            <a:r>
-              <a:rPr lang="en-US" sz="2000" dirty="0" err="1"/>
-              <a:t>to.sing</a:t>
-            </a:r>
-            <a:r>
-              <a:rPr lang="en-US" sz="2000" dirty="0"/>
-              <a:t>    I</a:t>
-            </a:r>
-          </a:p>
-          <a:p>
-            <a:r>
-              <a:rPr lang="en-US" sz="2000" dirty="0"/>
-              <a:t>      I who sing </a:t>
-            </a:r>
-            <a:r>
-              <a:rPr lang="ru-RU" sz="2000" dirty="0"/>
-              <a:t>(</a:t>
-            </a:r>
-            <a:r>
-              <a:rPr lang="en-US" sz="2000" dirty="0"/>
-              <a:t>a song</a:t>
-            </a:r>
-            <a:r>
-              <a:rPr lang="ru-RU" sz="2000" dirty="0"/>
-              <a:t>)</a:t>
-            </a:r>
-            <a:endParaRPr lang="en-US" sz="2000" dirty="0"/>
-          </a:p>
-          <a:p>
-            <a:br>
-              <a:rPr lang="en-US" sz="2000" dirty="0"/>
-            </a:br>
-            <a:r>
-              <a:rPr lang="en-US" sz="2000" dirty="0"/>
-              <a:t>In examples (3) and (4) the verb expresses a property, while the actual verbal action of the sentence will be expressed through some other verb.</a:t>
-            </a:r>
-          </a:p>
-          <a:p>
-            <a:endParaRPr lang="en-US" sz="2000" dirty="0"/>
-          </a:p>
-          <a:p>
-            <a:r>
-              <a:rPr lang="en-US" sz="2000" dirty="0"/>
-              <a:t>In ambiguous cases we marked the context type as “unclear”.</a:t>
-            </a:r>
-          </a:p>
-          <a:p>
-            <a:br>
-              <a:rPr lang="en-US" sz="2000" dirty="0"/>
-            </a:br>
-            <a:br>
-              <a:rPr lang="en-US" sz="2000" dirty="0"/>
-            </a:br>
-            <a:endParaRPr lang="ru-RU" sz="2000" dirty="0"/>
+            <a:endParaRPr lang="ru-RU" sz="2400" dirty="0"/>
+          </a:p>
+        </p:txBody>
+      </p:sp>
+      <p:sp>
+        <p:nvSpPr>
+          <p:cNvPr id="4" name="Номер слайда 3">
+            <a:extLst>
+              <a:ext uri="{FF2B5EF4-FFF2-40B4-BE49-F238E27FC236}">
+                <a16:creationId xmlns:a16="http://schemas.microsoft.com/office/drawing/2014/main" id="{C9238270-0F9D-47A2-8E02-21E0B8161BE6}"/>
+              </a:ext>
+            </a:extLst>
+          </p:cNvPr>
+          <p:cNvSpPr>
+            <a:spLocks noGrp="1"/>
+          </p:cNvSpPr>
+          <p:nvPr>
+            <p:ph type="sldNum" sz="quarter" idx="12"/>
+          </p:nvPr>
+        </p:nvSpPr>
+        <p:spPr/>
+        <p:txBody>
+          <a:bodyPr/>
+          <a:lstStyle/>
+          <a:p>
+            <a:fld id="{8408BC49-1B67-4826-A1F3-48AF839B00E7}" type="slidenum">
+              <a:rPr lang="en-US" smtClean="0"/>
+              <a:pPr/>
+              <a:t>7</a:t>
+            </a:fld>
+            <a:endParaRPr lang="en-US"/>
           </a:p>
         </p:txBody>
       </p:sp>
@@ -14572,7 +15581,7 @@
 </p:sld>
 </file>
 
-<file path=ppt/slides/slide7.xml><?xml version="1.0" encoding="utf-8"?>
+<file path=ppt/slides/slide8.xml><?xml version="1.0" encoding="utf-8"?>
 <p:sld xmlns:a="http://schemas.openxmlformats.org/drawingml/2006/main" xmlns:r="http://schemas.openxmlformats.org/officeDocument/2006/relationships" xmlns:p="http://schemas.openxmlformats.org/presentationml/2006/main">
   <p:cSld>
     <p:spTree>
@@ -14589,6 +15598,51 @@
           <a:chExt cx="0" cy="0"/>
         </a:xfrm>
       </p:grpSpPr>
+      <p:pic>
+        <p:nvPicPr>
+          <p:cNvPr id="1026" name="Picture 2">
+            <a:extLst>
+              <a:ext uri="{FF2B5EF4-FFF2-40B4-BE49-F238E27FC236}">
+                <a16:creationId xmlns:a16="http://schemas.microsoft.com/office/drawing/2014/main" id="{E9F8C7E3-61FD-47F4-B916-0E015E1F7140}"/>
+              </a:ext>
+            </a:extLst>
+          </p:cNvPr>
+          <p:cNvPicPr>
+            <a:picLocks noChangeAspect="1" noChangeArrowheads="1"/>
+          </p:cNvPicPr>
+          <p:nvPr/>
+        </p:nvPicPr>
+        <p:blipFill>
+          <a:blip r:embed="rId2">
+            <a:extLst>
+              <a:ext uri="{28A0092B-C50C-407E-A947-70E740481C1C}">
+                <a14:useLocalDpi xmlns:a14="http://schemas.microsoft.com/office/drawing/2010/main" val="0"/>
+              </a:ext>
+            </a:extLst>
+          </a:blip>
+          <a:srcRect/>
+          <a:stretch/>
+        </p:blipFill>
+        <p:spPr bwMode="auto">
+          <a:xfrm>
+            <a:off x="3228793" y="1896295"/>
+            <a:ext cx="6667499" cy="4114800"/>
+          </a:xfrm>
+          <a:prstGeom prst="rect">
+            <a:avLst/>
+          </a:prstGeom>
+          <a:noFill/>
+          <a:extLst>
+            <a:ext uri="{909E8E84-426E-40DD-AFC4-6F175D3DCCD1}">
+              <a14:hiddenFill xmlns:a14="http://schemas.microsoft.com/office/drawing/2010/main">
+                <a:solidFill>
+                  <a:srgbClr val="FFFFFF"/>
+                </a:solidFill>
+              </a14:hiddenFill>
+            </a:ext>
+          </a:extLst>
+        </p:spPr>
+      </p:pic>
       <p:sp>
         <p:nvSpPr>
           <p:cNvPr id="2" name="Title 1"/>
@@ -14601,22 +15655,20 @@
         </p:nvSpPr>
         <p:spPr>
           <a:xfrm>
-            <a:off x="1444752" y="321039"/>
-            <a:ext cx="6713982" cy="1325563"/>
+            <a:off x="1444752" y="373290"/>
+            <a:ext cx="7424928" cy="1050561"/>
           </a:xfrm>
         </p:spPr>
         <p:txBody>
-          <a:bodyPr/>
+          <a:bodyPr>
+            <a:normAutofit/>
+          </a:bodyPr>
           <a:lstStyle/>
           <a:p>
             <a:r>
               <a:rPr lang="en-US" dirty="0"/>
-              <a:t>Methods of analysis</a:t>
-            </a:r>
-            <a:br>
-              <a:rPr lang="en-US" dirty="0"/>
-            </a:br>
-            <a:endParaRPr lang="en-US" dirty="0"/>
+              <a:t>Results: Conjugation</a:t>
+            </a:r>
           </a:p>
         </p:txBody>
       </p:sp>
@@ -14646,7 +15698,7 @@
           </p:nvSpPr>
           <p:spPr bwMode="gray">
             <a:xfrm>
-              <a:off x="1424" y="1837"/>
+              <a:off x="1399" y="1943"/>
               <a:ext cx="3024" cy="0"/>
             </a:xfrm>
             <a:prstGeom prst="line">
@@ -14885,7 +15937,7 @@
             <a:p>
               <a:r>
                 <a:rPr lang="en-US" sz="2400" b="1" dirty="0"/>
-                <a:t>5</a:t>
+                <a:t>6</a:t>
               </a:r>
             </a:p>
           </p:txBody>
@@ -14899,8 +15951,8 @@
         </p:nvSpPr>
         <p:spPr>
           <a:xfrm>
-            <a:off x="1136469" y="2333685"/>
-            <a:ext cx="7694022" cy="3046988"/>
+            <a:off x="1204051" y="2734849"/>
+            <a:ext cx="4049485" cy="1446550"/>
           </a:xfrm>
           <a:prstGeom prst="rect">
             <a:avLst/>
@@ -14912,58 +15964,105 @@
           </a:bodyPr>
           <a:lstStyle/>
           <a:p>
-            <a:pPr>
-              <a:buFont typeface="Arial" pitchFamily="34" charset="0"/>
-              <a:buChar char="•"/>
-            </a:pPr>
-            <a:r>
-              <a:rPr lang="en-US" sz="2400" dirty="0"/>
-              <a:t> </a:t>
-            </a:r>
-            <a:r>
-              <a:rPr lang="en-US" sz="2400" b="1" dirty="0"/>
-              <a:t>Fisher’s test </a:t>
-            </a:r>
-            <a:r>
-              <a:rPr lang="en-US" sz="2400" dirty="0"/>
-              <a:t>to check our preliminary assumptions regarding the importance of the factors for the choice of the strategy. </a:t>
-            </a:r>
-          </a:p>
-          <a:p>
-            <a:pPr>
-              <a:buFont typeface="Arial" pitchFamily="34" charset="0"/>
-              <a:buChar char="•"/>
-            </a:pPr>
-            <a:endParaRPr lang="en-US" sz="2400" dirty="0"/>
-          </a:p>
-          <a:p>
-            <a:pPr>
-              <a:buFont typeface="Arial" pitchFamily="34" charset="0"/>
-              <a:buChar char="•"/>
-            </a:pPr>
-            <a:r>
-              <a:rPr lang="en-US" sz="2400" dirty="0"/>
-              <a:t> </a:t>
-            </a:r>
-            <a:r>
-              <a:rPr lang="en-US" sz="2400" b="1" dirty="0"/>
-              <a:t>Linear regression </a:t>
-            </a:r>
-            <a:r>
-              <a:rPr lang="en-US" sz="2400" dirty="0"/>
-              <a:t>to see which factors are more important and ultimately to build a model that describes our strategies in the best way possible.</a:t>
-            </a:r>
-            <a:br>
-              <a:rPr lang="en-US" sz="2400" dirty="0"/>
-            </a:br>
-            <a:endParaRPr lang="ru-RU" sz="2400" dirty="0"/>
+            <a:r>
+              <a:rPr lang="en-US" sz="2200" dirty="0"/>
+              <a:t>Fisher’s test: +- (</a:t>
+            </a:r>
+            <a:r>
+              <a:rPr lang="en-US" sz="2200" dirty="0" err="1"/>
+              <a:t>pv</a:t>
+            </a:r>
+            <a:r>
+              <a:rPr lang="en-US" sz="2200" dirty="0"/>
+              <a:t> = </a:t>
+            </a:r>
+            <a:r>
+              <a:rPr lang="ru-RU" altLang="ru-RU" sz="2200" dirty="0"/>
+              <a:t>0.05095</a:t>
+            </a:r>
+            <a:r>
+              <a:rPr lang="en-US" altLang="ru-RU" sz="2200" dirty="0"/>
+              <a:t>)</a:t>
+            </a:r>
+            <a:endParaRPr lang="en-US" sz="2200" dirty="0"/>
+          </a:p>
+          <a:p>
+            <a:r>
+              <a:rPr lang="en-US" sz="2200" dirty="0"/>
+              <a:t>Linear regression:</a:t>
+            </a:r>
+          </a:p>
+          <a:p>
+            <a:pPr defTabSz="355600"/>
+            <a:r>
+              <a:rPr lang="en-US" sz="2200" dirty="0"/>
+              <a:t>	</a:t>
+            </a:r>
+            <a:r>
+              <a:rPr lang="en-US" altLang="ru-RU" sz="2200" dirty="0"/>
+              <a:t>*</a:t>
+            </a:r>
+          </a:p>
+          <a:p>
+            <a:pPr defTabSz="355600"/>
+            <a:r>
+              <a:rPr lang="en-US" altLang="ru-RU" sz="2200" dirty="0"/>
+              <a:t>	R</a:t>
+            </a:r>
+            <a:r>
+              <a:rPr lang="en-US" altLang="ru-RU" sz="2200" baseline="30000" dirty="0"/>
+              <a:t>2</a:t>
+            </a:r>
+            <a:r>
+              <a:rPr lang="en-US" altLang="ru-RU" sz="2200" dirty="0"/>
+              <a:t> = </a:t>
+            </a:r>
+            <a:r>
+              <a:rPr lang="ru-RU" altLang="ru-RU" sz="2200" dirty="0"/>
+              <a:t>0.007147</a:t>
+            </a:r>
+            <a:r>
+              <a:rPr lang="en-US" altLang="ru-RU" sz="2200" dirty="0"/>
+              <a:t>	0.7%</a:t>
+            </a:r>
+            <a:endParaRPr lang="ru-RU" altLang="ru-RU" sz="2200" dirty="0"/>
+          </a:p>
+        </p:txBody>
+      </p:sp>
+      <p:sp>
+        <p:nvSpPr>
+          <p:cNvPr id="8" name="Номер слайда 7">
+            <a:extLst>
+              <a:ext uri="{FF2B5EF4-FFF2-40B4-BE49-F238E27FC236}">
+                <a16:creationId xmlns:a16="http://schemas.microsoft.com/office/drawing/2014/main" id="{66559C13-E6DF-401F-9F87-4BA28FE36EB1}"/>
+              </a:ext>
+            </a:extLst>
+          </p:cNvPr>
+          <p:cNvSpPr>
+            <a:spLocks noGrp="1"/>
+          </p:cNvSpPr>
+          <p:nvPr>
+            <p:ph type="sldNum" sz="quarter" idx="12"/>
+          </p:nvPr>
+        </p:nvSpPr>
+        <p:spPr/>
+        <p:txBody>
+          <a:bodyPr/>
+          <a:lstStyle/>
+          <a:p>
+            <a:fld id="{8408BC49-1B67-4826-A1F3-48AF839B00E7}" type="slidenum">
+              <a:rPr lang="en-US" smtClean="0"/>
+              <a:pPr/>
+              <a:t>8</a:t>
+            </a:fld>
+            <a:endParaRPr lang="en-US"/>
           </a:p>
         </p:txBody>
       </p:sp>
     </p:spTree>
     <p:extLst>
       <p:ext uri="{BB962C8B-B14F-4D97-AF65-F5344CB8AC3E}">
-        <p14:creationId xmlns:p14="http://schemas.microsoft.com/office/powerpoint/2010/main" val="779576598"/>
+        <p14:creationId xmlns:p14="http://schemas.microsoft.com/office/powerpoint/2010/main" val="3627399111"/>
       </p:ext>
     </p:extLst>
   </p:cSld>
@@ -14973,7 +16072,7 @@
 </p:sld>
 </file>
 
-<file path=ppt/slides/slide8.xml><?xml version="1.0" encoding="utf-8"?>
+<file path=ppt/slides/slide9.xml><?xml version="1.0" encoding="utf-8"?>
 <p:sld xmlns:a="http://schemas.openxmlformats.org/drawingml/2006/main" xmlns:r="http://schemas.openxmlformats.org/officeDocument/2006/relationships" xmlns:p="http://schemas.openxmlformats.org/presentationml/2006/main">
   <p:cSld>
     <p:spTree>
@@ -15018,7 +16117,7 @@
         <p:spPr bwMode="auto">
           <a:xfrm>
             <a:off x="3228793" y="1896295"/>
-            <a:ext cx="6667499" cy="4114800"/>
+            <a:ext cx="6667499" cy="4114799"/>
           </a:xfrm>
           <a:prstGeom prst="rect">
             <a:avLst/>
@@ -15059,7 +16158,7 @@
           <a:p>
             <a:r>
               <a:rPr lang="en-US" dirty="0"/>
-              <a:t>Results: Conjugation</a:t>
+              <a:t>Results: Context position</a:t>
             </a:r>
           </a:p>
         </p:txBody>
@@ -15344,467 +16443,6 @@
         <p:spPr>
           <a:xfrm>
             <a:off x="1204051" y="2734849"/>
-            <a:ext cx="4049485" cy="1446550"/>
-          </a:xfrm>
-          <a:prstGeom prst="rect">
-            <a:avLst/>
-          </a:prstGeom>
-        </p:spPr>
-        <p:txBody>
-          <a:bodyPr wrap="square">
-            <a:spAutoFit/>
-          </a:bodyPr>
-          <a:lstStyle/>
-          <a:p>
-            <a:r>
-              <a:rPr lang="en-US" sz="2200" dirty="0"/>
-              <a:t>Fisher’s test: +- (</a:t>
-            </a:r>
-            <a:r>
-              <a:rPr lang="en-US" sz="2200" dirty="0" err="1"/>
-              <a:t>pv</a:t>
-            </a:r>
-            <a:r>
-              <a:rPr lang="en-US" sz="2200" dirty="0"/>
-              <a:t> = </a:t>
-            </a:r>
-            <a:r>
-              <a:rPr lang="ru-RU" altLang="ru-RU" sz="2200" dirty="0"/>
-              <a:t>0.05095</a:t>
-            </a:r>
-            <a:r>
-              <a:rPr lang="en-US" altLang="ru-RU" sz="2200" dirty="0"/>
-              <a:t>)</a:t>
-            </a:r>
-            <a:endParaRPr lang="en-US" sz="2200" dirty="0"/>
-          </a:p>
-          <a:p>
-            <a:r>
-              <a:rPr lang="en-US" sz="2200" dirty="0"/>
-              <a:t>Linear regression:</a:t>
-            </a:r>
-          </a:p>
-          <a:p>
-            <a:pPr defTabSz="355600"/>
-            <a:r>
-              <a:rPr lang="en-US" sz="2200" dirty="0"/>
-              <a:t>	</a:t>
-            </a:r>
-            <a:r>
-              <a:rPr lang="en-US" altLang="ru-RU" sz="2200" dirty="0"/>
-              <a:t>*</a:t>
-            </a:r>
-          </a:p>
-          <a:p>
-            <a:pPr defTabSz="355600"/>
-            <a:r>
-              <a:rPr lang="en-US" altLang="ru-RU" sz="2200" dirty="0"/>
-              <a:t>	R</a:t>
-            </a:r>
-            <a:r>
-              <a:rPr lang="en-US" altLang="ru-RU" sz="2200" baseline="30000" dirty="0"/>
-              <a:t>2</a:t>
-            </a:r>
-            <a:r>
-              <a:rPr lang="en-US" altLang="ru-RU" sz="2200" dirty="0"/>
-              <a:t> = </a:t>
-            </a:r>
-            <a:r>
-              <a:rPr lang="ru-RU" altLang="ru-RU" sz="2200" dirty="0"/>
-              <a:t>0.007147</a:t>
-            </a:r>
-            <a:r>
-              <a:rPr lang="en-US" altLang="ru-RU" sz="2200" dirty="0"/>
-              <a:t>	0.7%</a:t>
-            </a:r>
-            <a:endParaRPr lang="ru-RU" altLang="ru-RU" sz="2200" dirty="0"/>
-          </a:p>
-        </p:txBody>
-      </p:sp>
-    </p:spTree>
-    <p:extLst>
-      <p:ext uri="{BB962C8B-B14F-4D97-AF65-F5344CB8AC3E}">
-        <p14:creationId xmlns:p14="http://schemas.microsoft.com/office/powerpoint/2010/main" val="3627399111"/>
-      </p:ext>
-    </p:extLst>
-  </p:cSld>
-  <p:clrMapOvr>
-    <a:masterClrMapping/>
-  </p:clrMapOvr>
-</p:sld>
-</file>
-
-<file path=ppt/slides/slide9.xml><?xml version="1.0" encoding="utf-8"?>
-<p:sld xmlns:a="http://schemas.openxmlformats.org/drawingml/2006/main" xmlns:r="http://schemas.openxmlformats.org/officeDocument/2006/relationships" xmlns:p="http://schemas.openxmlformats.org/presentationml/2006/main">
-  <p:cSld>
-    <p:spTree>
-      <p:nvGrpSpPr>
-        <p:cNvPr id="1" name=""/>
-        <p:cNvGrpSpPr/>
-        <p:nvPr/>
-      </p:nvGrpSpPr>
-      <p:grpSpPr>
-        <a:xfrm>
-          <a:off x="0" y="0"/>
-          <a:ext cx="0" cy="0"/>
-          <a:chOff x="0" y="0"/>
-          <a:chExt cx="0" cy="0"/>
-        </a:xfrm>
-      </p:grpSpPr>
-      <p:pic>
-        <p:nvPicPr>
-          <p:cNvPr id="1026" name="Picture 2">
-            <a:extLst>
-              <a:ext uri="{FF2B5EF4-FFF2-40B4-BE49-F238E27FC236}">
-                <a16:creationId xmlns:a16="http://schemas.microsoft.com/office/drawing/2014/main" id="{E9F8C7E3-61FD-47F4-B916-0E015E1F7140}"/>
-              </a:ext>
-            </a:extLst>
-          </p:cNvPr>
-          <p:cNvPicPr>
-            <a:picLocks noChangeAspect="1" noChangeArrowheads="1"/>
-          </p:cNvPicPr>
-          <p:nvPr/>
-        </p:nvPicPr>
-        <p:blipFill>
-          <a:blip r:embed="rId2">
-            <a:extLst>
-              <a:ext uri="{28A0092B-C50C-407E-A947-70E740481C1C}">
-                <a14:useLocalDpi xmlns:a14="http://schemas.microsoft.com/office/drawing/2010/main" val="0"/>
-              </a:ext>
-            </a:extLst>
-          </a:blip>
-          <a:srcRect/>
-          <a:stretch/>
-        </p:blipFill>
-        <p:spPr bwMode="auto">
-          <a:xfrm>
-            <a:off x="3228793" y="1896295"/>
-            <a:ext cx="6667499" cy="4114799"/>
-          </a:xfrm>
-          <a:prstGeom prst="rect">
-            <a:avLst/>
-          </a:prstGeom>
-          <a:noFill/>
-          <a:extLst>
-            <a:ext uri="{909E8E84-426E-40DD-AFC4-6F175D3DCCD1}">
-              <a14:hiddenFill xmlns:a14="http://schemas.microsoft.com/office/drawing/2010/main">
-                <a:solidFill>
-                  <a:srgbClr val="FFFFFF"/>
-                </a:solidFill>
-              </a14:hiddenFill>
-            </a:ext>
-          </a:extLst>
-        </p:spPr>
-      </p:pic>
-      <p:sp>
-        <p:nvSpPr>
-          <p:cNvPr id="2" name="Title 1"/>
-          <p:cNvSpPr>
-            <a:spLocks noGrp="1"/>
-          </p:cNvSpPr>
-          <p:nvPr>
-            <p:ph type="title"/>
-          </p:nvPr>
-        </p:nvSpPr>
-        <p:spPr>
-          <a:xfrm>
-            <a:off x="1444752" y="373290"/>
-            <a:ext cx="7424928" cy="1050561"/>
-          </a:xfrm>
-        </p:spPr>
-        <p:txBody>
-          <a:bodyPr>
-            <a:normAutofit/>
-          </a:bodyPr>
-          <a:lstStyle/>
-          <a:p>
-            <a:r>
-              <a:rPr lang="en-US" dirty="0"/>
-              <a:t>Results: Context position</a:t>
-            </a:r>
-          </a:p>
-        </p:txBody>
-      </p:sp>
-      <p:grpSp>
-        <p:nvGrpSpPr>
-          <p:cNvPr id="3" name="Group 7"/>
-          <p:cNvGrpSpPr>
-            <a:grpSpLocks/>
-          </p:cNvGrpSpPr>
-          <p:nvPr/>
-        </p:nvGrpSpPr>
-        <p:grpSpPr bwMode="auto">
-          <a:xfrm>
-            <a:off x="723038" y="422300"/>
-            <a:ext cx="6634163" cy="1889127"/>
-            <a:chOff x="919" y="1438"/>
-            <a:chExt cx="4179" cy="1190"/>
-          </a:xfrm>
-        </p:grpSpPr>
-        <p:sp>
-          <p:nvSpPr>
-            <p:cNvPr id="10" name="Line 8"/>
-            <p:cNvSpPr>
-              <a:spLocks noChangeShapeType="1"/>
-            </p:cNvSpPr>
-            <p:nvPr/>
-          </p:nvSpPr>
-          <p:spPr bwMode="gray">
-            <a:xfrm>
-              <a:off x="1399" y="1943"/>
-              <a:ext cx="3024" cy="0"/>
-            </a:xfrm>
-            <a:prstGeom prst="line">
-              <a:avLst/>
-            </a:prstGeom>
-            <a:noFill/>
-            <a:ln w="25400">
-              <a:solidFill>
-                <a:srgbClr val="969696"/>
-              </a:solidFill>
-              <a:prstDash val="sysDot"/>
-              <a:round/>
-              <a:headEnd/>
-              <a:tailEnd type="oval" w="med" len="med"/>
-            </a:ln>
-            <a:effectLst/>
-            <a:extLst>
-              <a:ext uri="{909E8E84-426E-40DD-AFC4-6F175D3DCCD1}">
-                <a14:hiddenFill xmlns:a14="http://schemas.microsoft.com/office/drawing/2010/main">
-                  <a:noFill/>
-                </a14:hiddenFill>
-              </a:ext>
-              <a:ext uri="{AF507438-7753-43E0-B8FC-AC1667EBCBE1}">
-                <a14:hiddenEffects xmlns:a14="http://schemas.microsoft.com/office/drawing/2010/main">
-                  <a:effectLst>
-                    <a:outerShdw dist="35921" dir="2700000" algn="ctr" rotWithShape="0">
-                      <a:schemeClr val="bg2"/>
-                    </a:outerShdw>
-                  </a:effectLst>
-                </a14:hiddenEffects>
-              </a:ext>
-            </a:extLst>
-          </p:spPr>
-          <p:txBody>
-            <a:bodyPr wrap="none" anchor="ctr"/>
-            <a:lstStyle/>
-            <a:p>
-              <a:endParaRPr lang="en-US"/>
-            </a:p>
-          </p:txBody>
-        </p:sp>
-        <p:sp>
-          <p:nvSpPr>
-            <p:cNvPr id="11" name="Rectangle 9"/>
-            <p:cNvSpPr>
-              <a:spLocks noChangeArrowheads="1"/>
-            </p:cNvSpPr>
-            <p:nvPr/>
-          </p:nvSpPr>
-          <p:spPr bwMode="gray">
-            <a:xfrm rot="3419336">
-              <a:off x="932" y="1425"/>
-              <a:ext cx="302" cy="328"/>
-            </a:xfrm>
-            <a:prstGeom prst="rect">
-              <a:avLst/>
-            </a:prstGeom>
-            <a:gradFill rotWithShape="1">
-              <a:gsLst>
-                <a:gs pos="0">
-                  <a:srgbClr val="99CC00"/>
-                </a:gs>
-                <a:gs pos="100000">
-                  <a:srgbClr val="99CC00">
-                    <a:gamma/>
-                    <a:shade val="46275"/>
-                    <a:invGamma/>
-                  </a:srgbClr>
-                </a:gs>
-              </a:gsLst>
-              <a:lin ang="5400000" scaled="1"/>
-            </a:gradFill>
-            <a:ln w="9525">
-              <a:miter lim="800000"/>
-              <a:headEnd/>
-              <a:tailEnd/>
-            </a:ln>
-            <a:effectLst/>
-            <a:scene3d>
-              <a:camera prst="legacyPerspectiveFront">
-                <a:rot lat="0" lon="1500000" rev="0"/>
-              </a:camera>
-              <a:lightRig rig="legacyFlat4" dir="b"/>
-            </a:scene3d>
-            <a:sp3d extrusionH="430200" prstMaterial="legacyMatte">
-              <a:bevelT w="13500" h="13500" prst="angle"/>
-              <a:bevelB w="13500" h="13500" prst="angle"/>
-              <a:extrusionClr>
-                <a:srgbClr val="99CC00"/>
-              </a:extrusionClr>
-            </a:sp3d>
-            <a:extLst>
-              <a:ext uri="{AF507438-7753-43E0-B8FC-AC1667EBCBE1}">
-                <a14:hiddenEffects xmlns:a14="http://schemas.microsoft.com/office/drawing/2010/main">
-                  <a:effectLst>
-                    <a:outerShdw dist="35921" dir="2700000" algn="ctr" rotWithShape="0">
-                      <a:schemeClr val="bg2"/>
-                    </a:outerShdw>
-                  </a:effectLst>
-                </a14:hiddenEffects>
-              </a:ext>
-            </a:extLst>
-          </p:spPr>
-          <p:txBody>
-            <a:bodyPr wrap="none" anchor="ctr">
-              <a:flatTx/>
-            </a:bodyPr>
-            <a:lstStyle/>
-            <a:p>
-              <a:endParaRPr lang="en-US"/>
-            </a:p>
-          </p:txBody>
-        </p:sp>
-        <p:sp>
-          <p:nvSpPr>
-            <p:cNvPr id="12" name="Text Box 10"/>
-            <p:cNvSpPr txBox="1">
-              <a:spLocks noChangeArrowheads="1"/>
-            </p:cNvSpPr>
-            <p:nvPr/>
-          </p:nvSpPr>
-          <p:spPr bwMode="gray">
-            <a:xfrm>
-              <a:off x="1377" y="2105"/>
-              <a:ext cx="3721" cy="523"/>
-            </a:xfrm>
-            <a:prstGeom prst="rect">
-              <a:avLst/>
-            </a:prstGeom>
-            <a:noFill/>
-            <a:ln>
-              <a:noFill/>
-            </a:ln>
-            <a:effectLst/>
-            <a:extLst>
-              <a:ext uri="{909E8E84-426E-40DD-AFC4-6F175D3DCCD1}">
-                <a14:hiddenFill xmlns:a14="http://schemas.microsoft.com/office/drawing/2010/main">
-                  <a:solidFill>
-                    <a:schemeClr val="accent1"/>
-                  </a:solidFill>
-                </a14:hiddenFill>
-              </a:ext>
-              <a:ext uri="{91240B29-F687-4F45-9708-019B960494DF}">
-                <a14:hiddenLine xmlns:a14="http://schemas.microsoft.com/office/drawing/2010/main" w="9525" algn="ctr">
-                  <a:solidFill>
-                    <a:schemeClr val="tx1"/>
-                  </a:solidFill>
-                  <a:miter lim="800000"/>
-                  <a:headEnd/>
-                  <a:tailEnd/>
-                </a14:hiddenLine>
-              </a:ext>
-              <a:ext uri="{AF507438-7753-43E0-B8FC-AC1667EBCBE1}">
-                <a14:hiddenEffects xmlns:a14="http://schemas.microsoft.com/office/drawing/2010/main">
-                  <a:effectLst>
-                    <a:outerShdw dist="35921" dir="2700000" algn="ctr" rotWithShape="0">
-                      <a:schemeClr val="bg2"/>
-                    </a:outerShdw>
-                  </a:effectLst>
-                </a14:hiddenEffects>
-              </a:ext>
-            </a:extLst>
-          </p:spPr>
-          <p:txBody>
-            <a:bodyPr wrap="square">
-              <a:spAutoFit/>
-            </a:bodyPr>
-            <a:lstStyle/>
-            <a:p>
-              <a:r>
-                <a:rPr lang="en-US" sz="2400" dirty="0"/>
-                <a:t> </a:t>
-              </a:r>
-              <a:endParaRPr lang="ru-RU" sz="2400" dirty="0"/>
-            </a:p>
-            <a:p>
-              <a:endParaRPr lang="en-US" sz="2400" dirty="0"/>
-            </a:p>
-          </p:txBody>
-        </p:sp>
-        <p:sp>
-          <p:nvSpPr>
-            <p:cNvPr id="13" name="Text Box 11"/>
-            <p:cNvSpPr txBox="1">
-              <a:spLocks noChangeArrowheads="1"/>
-            </p:cNvSpPr>
-            <p:nvPr/>
-          </p:nvSpPr>
-          <p:spPr bwMode="gray">
-            <a:xfrm>
-              <a:off x="1008" y="1443"/>
-              <a:ext cx="214" cy="291"/>
-            </a:xfrm>
-            <a:prstGeom prst="rect">
-              <a:avLst/>
-            </a:prstGeom>
-            <a:noFill/>
-            <a:ln>
-              <a:noFill/>
-            </a:ln>
-            <a:effectLst/>
-            <a:extLst>
-              <a:ext uri="{909E8E84-426E-40DD-AFC4-6F175D3DCCD1}">
-                <a14:hiddenFill xmlns:a14="http://schemas.microsoft.com/office/drawing/2010/main">
-                  <a:solidFill>
-                    <a:schemeClr val="accent1"/>
-                  </a:solidFill>
-                </a14:hiddenFill>
-              </a:ext>
-              <a:ext uri="{91240B29-F687-4F45-9708-019B960494DF}">
-                <a14:hiddenLine xmlns:a14="http://schemas.microsoft.com/office/drawing/2010/main" w="9525" algn="ctr">
-                  <a:solidFill>
-                    <a:schemeClr val="tx1"/>
-                  </a:solidFill>
-                  <a:miter lim="800000"/>
-                  <a:headEnd/>
-                  <a:tailEnd/>
-                </a14:hiddenLine>
-              </a:ext>
-              <a:ext uri="{AF507438-7753-43E0-B8FC-AC1667EBCBE1}">
-                <a14:hiddenEffects xmlns:a14="http://schemas.microsoft.com/office/drawing/2010/main">
-                  <a:effectLst>
-                    <a:outerShdw dist="35921" dir="2700000" algn="ctr" rotWithShape="0">
-                      <a:schemeClr val="bg2"/>
-                    </a:outerShdw>
-                  </a:effectLst>
-                </a14:hiddenEffects>
-              </a:ext>
-            </a:extLst>
-          </p:spPr>
-          <p:txBody>
-            <a:bodyPr wrap="none">
-              <a:spAutoFit/>
-            </a:bodyPr>
-            <a:lstStyle/>
-            <a:p>
-              <a:r>
-                <a:rPr lang="en-US" sz="2400" b="1" dirty="0"/>
-                <a:t>6</a:t>
-              </a:r>
-            </a:p>
-          </p:txBody>
-        </p:sp>
-      </p:grpSp>
-      <p:sp>
-        <p:nvSpPr>
-          <p:cNvPr id="29" name="Прямоугольник 28"/>
-          <p:cNvSpPr/>
-          <p:nvPr/>
-        </p:nvSpPr>
-        <p:spPr>
-          <a:xfrm>
-            <a:off x="1204051" y="2734849"/>
             <a:ext cx="4049485" cy="2462213"/>
           </a:xfrm>
           <a:prstGeom prst="rect">
@@ -15883,13 +16521,51 @@
             </a:r>
             <a:r>
               <a:rPr lang="ru-RU" altLang="ru-RU" sz="2200" dirty="0"/>
-              <a:t>0.007147</a:t>
+              <a:t>02918</a:t>
             </a:r>
             <a:r>
               <a:rPr lang="en-US" altLang="ru-RU" sz="2200" dirty="0"/>
-              <a:t>	3%</a:t>
+              <a:t>	</a:t>
+            </a:r>
+            <a:r>
+              <a:rPr lang="ru-RU" altLang="ru-RU" sz="2200" dirty="0"/>
+              <a:t>	</a:t>
+            </a:r>
+            <a:r>
+              <a:rPr lang="en-US" altLang="ru-RU" sz="2200" dirty="0"/>
+              <a:t>3%</a:t>
             </a:r>
             <a:endParaRPr lang="ru-RU" altLang="ru-RU" sz="2200" dirty="0"/>
+          </a:p>
+        </p:txBody>
+      </p:sp>
+      <p:sp>
+        <p:nvSpPr>
+          <p:cNvPr id="5" name="Номер слайда 4">
+            <a:extLst>
+              <a:ext uri="{FF2B5EF4-FFF2-40B4-BE49-F238E27FC236}">
+                <a16:creationId xmlns:a16="http://schemas.microsoft.com/office/drawing/2014/main" id="{9C47838D-EF07-435C-B37E-0EFBE99AD71B}"/>
+              </a:ext>
+            </a:extLst>
+          </p:cNvPr>
+          <p:cNvSpPr>
+            <a:spLocks noGrp="1"/>
+          </p:cNvSpPr>
+          <p:nvPr>
+            <p:ph type="sldNum" sz="quarter" idx="12"/>
+          </p:nvPr>
+        </p:nvSpPr>
+        <p:spPr/>
+        <p:txBody>
+          <a:bodyPr/>
+          <a:lstStyle/>
+          <a:p>
+            <a:fld id="{8408BC49-1B67-4826-A1F3-48AF839B00E7}" type="slidenum">
+              <a:rPr lang="en-US" smtClean="0"/>
+              <a:pPr/>
+              <a:t>9</a:t>
+            </a:fld>
+            <a:endParaRPr lang="en-US"/>
           </a:p>
         </p:txBody>
       </p:sp>
@@ -16165,4 +16841,299 @@
     </a:ext>
   </a:extLst>
 </a:theme>
+</file>
+
+<file path=ppt/theme/theme2.xml><?xml version="1.0" encoding="utf-8"?>
+<a:theme xmlns:a="http://schemas.openxmlformats.org/drawingml/2006/main" name="Тема Office">
+  <a:themeElements>
+    <a:clrScheme name="Стандартная">
+      <a:dk1>
+        <a:sysClr val="windowText" lastClr="000000"/>
+      </a:dk1>
+      <a:lt1>
+        <a:sysClr val="window" lastClr="FFFFFF"/>
+      </a:lt1>
+      <a:dk2>
+        <a:srgbClr val="44546A"/>
+      </a:dk2>
+      <a:lt2>
+        <a:srgbClr val="E7E6E6"/>
+      </a:lt2>
+      <a:accent1>
+        <a:srgbClr val="4472C4"/>
+      </a:accent1>
+      <a:accent2>
+        <a:srgbClr val="ED7D31"/>
+      </a:accent2>
+      <a:accent3>
+        <a:srgbClr val="A5A5A5"/>
+      </a:accent3>
+      <a:accent4>
+        <a:srgbClr val="FFC000"/>
+      </a:accent4>
+      <a:accent5>
+        <a:srgbClr val="5B9BD5"/>
+      </a:accent5>
+      <a:accent6>
+        <a:srgbClr val="70AD47"/>
+      </a:accent6>
+      <a:hlink>
+        <a:srgbClr val="0563C1"/>
+      </a:hlink>
+      <a:folHlink>
+        <a:srgbClr val="954F72"/>
+      </a:folHlink>
+    </a:clrScheme>
+    <a:fontScheme name="Стандартная">
+      <a:majorFont>
+        <a:latin typeface="Calibri Light" panose="020F0302020204030204"/>
+        <a:ea typeface=""/>
+        <a:cs typeface=""/>
+        <a:font script="Jpan" typeface="游ゴシック Light"/>
+        <a:font script="Hang" typeface="맑은 고딕"/>
+        <a:font script="Hans" typeface="等线 Light"/>
+        <a:font script="Hant" typeface="新細明體"/>
+        <a:font script="Arab" typeface="Times New Roman"/>
+        <a:font script="Hebr" typeface="Times New Roman"/>
+        <a:font script="Thai" typeface="Angsana New"/>
+        <a:font script="Ethi" typeface="Nyala"/>
+        <a:font script="Beng" typeface="Vrinda"/>
+        <a:font script="Gujr" typeface="Shruti"/>
+        <a:font script="Khmr" typeface="MoolBoran"/>
+        <a:font script="Knda" typeface="Tunga"/>
+        <a:font script="Guru" typeface="Raavi"/>
+        <a:font script="Cans" typeface="Euphemia"/>
+        <a:font script="Cher" typeface="Plantagenet Cherokee"/>
+        <a:font script="Yiii" typeface="Microsoft Yi Baiti"/>
+        <a:font script="Tibt" typeface="Microsoft Himalaya"/>
+        <a:font script="Thaa" typeface="MV Boli"/>
+        <a:font script="Deva" typeface="Mangal"/>
+        <a:font script="Telu" typeface="Gautami"/>
+        <a:font script="Taml" typeface="Latha"/>
+        <a:font script="Syrc" typeface="Estrangelo Edessa"/>
+        <a:font script="Orya" typeface="Kalinga"/>
+        <a:font script="Mlym" typeface="Kartika"/>
+        <a:font script="Laoo" typeface="DokChampa"/>
+        <a:font script="Sinh" typeface="Iskoola Pota"/>
+        <a:font script="Mong" typeface="Mongolian Baiti"/>
+        <a:font script="Viet" typeface="Times New Roman"/>
+        <a:font script="Uigh" typeface="Microsoft Uighur"/>
+        <a:font script="Geor" typeface="Sylfaen"/>
+        <a:font script="Armn" typeface="Arial"/>
+        <a:font script="Bugi" typeface="Leelawadee UI"/>
+        <a:font script="Bopo" typeface="Microsoft JhengHei"/>
+        <a:font script="Java" typeface="Javanese Text"/>
+        <a:font script="Lisu" typeface="Segoe UI"/>
+        <a:font script="Mymr" typeface="Myanmar Text"/>
+        <a:font script="Nkoo" typeface="Ebrima"/>
+        <a:font script="Olck" typeface="Nirmala UI"/>
+        <a:font script="Osma" typeface="Ebrima"/>
+        <a:font script="Phag" typeface="Phagspa"/>
+        <a:font script="Syrn" typeface="Estrangelo Edessa"/>
+        <a:font script="Syrj" typeface="Estrangelo Edessa"/>
+        <a:font script="Syre" typeface="Estrangelo Edessa"/>
+        <a:font script="Sora" typeface="Nirmala UI"/>
+        <a:font script="Tale" typeface="Microsoft Tai Le"/>
+        <a:font script="Talu" typeface="Microsoft New Tai Lue"/>
+        <a:font script="Tfng" typeface="Ebrima"/>
+      </a:majorFont>
+      <a:minorFont>
+        <a:latin typeface="Calibri" panose="020F0502020204030204"/>
+        <a:ea typeface=""/>
+        <a:cs typeface=""/>
+        <a:font script="Jpan" typeface="游ゴシック"/>
+        <a:font script="Hang" typeface="맑은 고딕"/>
+        <a:font script="Hans" typeface="等线"/>
+        <a:font script="Hant" typeface="新細明體"/>
+        <a:font script="Arab" typeface="Arial"/>
+        <a:font script="Hebr" typeface="Arial"/>
+        <a:font script="Thai" typeface="Cordia New"/>
+        <a:font script="Ethi" typeface="Nyala"/>
+        <a:font script="Beng" typeface="Vrinda"/>
+        <a:font script="Gujr" typeface="Shruti"/>
+        <a:font script="Khmr" typeface="DaunPenh"/>
+        <a:font script="Knda" typeface="Tunga"/>
+        <a:font script="Guru" typeface="Raavi"/>
+        <a:font script="Cans" typeface="Euphemia"/>
+        <a:font script="Cher" typeface="Plantagenet Cherokee"/>
+        <a:font script="Yiii" typeface="Microsoft Yi Baiti"/>
+        <a:font script="Tibt" typeface="Microsoft Himalaya"/>
+        <a:font script="Thaa" typeface="MV Boli"/>
+        <a:font script="Deva" typeface="Mangal"/>
+        <a:font script="Telu" typeface="Gautami"/>
+        <a:font script="Taml" typeface="Latha"/>
+        <a:font script="Syrc" typeface="Estrangelo Edessa"/>
+        <a:font script="Orya" typeface="Kalinga"/>
+        <a:font script="Mlym" typeface="Kartika"/>
+        <a:font script="Laoo" typeface="DokChampa"/>
+        <a:font script="Sinh" typeface="Iskoola Pota"/>
+        <a:font script="Mong" typeface="Mongolian Baiti"/>
+        <a:font script="Viet" typeface="Arial"/>
+        <a:font script="Uigh" typeface="Microsoft Uighur"/>
+        <a:font script="Geor" typeface="Sylfaen"/>
+        <a:font script="Armn" typeface="Arial"/>
+        <a:font script="Bugi" typeface="Leelawadee UI"/>
+        <a:font script="Bopo" typeface="Microsoft JhengHei"/>
+        <a:font script="Java" typeface="Javanese Text"/>
+        <a:font script="Lisu" typeface="Segoe UI"/>
+        <a:font script="Mymr" typeface="Myanmar Text"/>
+        <a:font script="Nkoo" typeface="Ebrima"/>
+        <a:font script="Olck" typeface="Nirmala UI"/>
+        <a:font script="Osma" typeface="Ebrima"/>
+        <a:font script="Phag" typeface="Phagspa"/>
+        <a:font script="Syrn" typeface="Estrangelo Edessa"/>
+        <a:font script="Syrj" typeface="Estrangelo Edessa"/>
+        <a:font script="Syre" typeface="Estrangelo Edessa"/>
+        <a:font script="Sora" typeface="Nirmala UI"/>
+        <a:font script="Tale" typeface="Microsoft Tai Le"/>
+        <a:font script="Talu" typeface="Microsoft New Tai Lue"/>
+        <a:font script="Tfng" typeface="Ebrima"/>
+      </a:minorFont>
+    </a:fontScheme>
+    <a:fmtScheme name="Стандартная">
+      <a:fillStyleLst>
+        <a:solidFill>
+          <a:schemeClr val="phClr"/>
+        </a:solidFill>
+        <a:gradFill rotWithShape="1">
+          <a:gsLst>
+            <a:gs pos="0">
+              <a:schemeClr val="phClr">
+                <a:lumMod val="110000"/>
+                <a:satMod val="105000"/>
+                <a:tint val="67000"/>
+              </a:schemeClr>
+            </a:gs>
+            <a:gs pos="50000">
+              <a:schemeClr val="phClr">
+                <a:lumMod val="105000"/>
+                <a:satMod val="103000"/>
+                <a:tint val="73000"/>
+              </a:schemeClr>
+            </a:gs>
+            <a:gs pos="100000">
+              <a:schemeClr val="phClr">
+                <a:lumMod val="105000"/>
+                <a:satMod val="109000"/>
+                <a:tint val="81000"/>
+              </a:schemeClr>
+            </a:gs>
+          </a:gsLst>
+          <a:lin ang="5400000" scaled="0"/>
+        </a:gradFill>
+        <a:gradFill rotWithShape="1">
+          <a:gsLst>
+            <a:gs pos="0">
+              <a:schemeClr val="phClr">
+                <a:satMod val="103000"/>
+                <a:lumMod val="102000"/>
+                <a:tint val="94000"/>
+              </a:schemeClr>
+            </a:gs>
+            <a:gs pos="50000">
+              <a:schemeClr val="phClr">
+                <a:satMod val="110000"/>
+                <a:lumMod val="100000"/>
+                <a:shade val="100000"/>
+              </a:schemeClr>
+            </a:gs>
+            <a:gs pos="100000">
+              <a:schemeClr val="phClr">
+                <a:lumMod val="99000"/>
+                <a:satMod val="120000"/>
+                <a:shade val="78000"/>
+              </a:schemeClr>
+            </a:gs>
+          </a:gsLst>
+          <a:lin ang="5400000" scaled="0"/>
+        </a:gradFill>
+      </a:fillStyleLst>
+      <a:lnStyleLst>
+        <a:ln w="6350" cap="flat" cmpd="sng" algn="ctr">
+          <a:solidFill>
+            <a:schemeClr val="phClr"/>
+          </a:solidFill>
+          <a:prstDash val="solid"/>
+          <a:miter lim="800000"/>
+        </a:ln>
+        <a:ln w="12700" cap="flat" cmpd="sng" algn="ctr">
+          <a:solidFill>
+            <a:schemeClr val="phClr"/>
+          </a:solidFill>
+          <a:prstDash val="solid"/>
+          <a:miter lim="800000"/>
+        </a:ln>
+        <a:ln w="19050" cap="flat" cmpd="sng" algn="ctr">
+          <a:solidFill>
+            <a:schemeClr val="phClr"/>
+          </a:solidFill>
+          <a:prstDash val="solid"/>
+          <a:miter lim="800000"/>
+        </a:ln>
+      </a:lnStyleLst>
+      <a:effectStyleLst>
+        <a:effectStyle>
+          <a:effectLst/>
+        </a:effectStyle>
+        <a:effectStyle>
+          <a:effectLst/>
+        </a:effectStyle>
+        <a:effectStyle>
+          <a:effectLst>
+            <a:outerShdw blurRad="57150" dist="19050" dir="5400000" algn="ctr" rotWithShape="0">
+              <a:srgbClr val="000000">
+                <a:alpha val="63000"/>
+              </a:srgbClr>
+            </a:outerShdw>
+          </a:effectLst>
+        </a:effectStyle>
+      </a:effectStyleLst>
+      <a:bgFillStyleLst>
+        <a:solidFill>
+          <a:schemeClr val="phClr"/>
+        </a:solidFill>
+        <a:solidFill>
+          <a:schemeClr val="phClr">
+            <a:tint val="95000"/>
+            <a:satMod val="170000"/>
+          </a:schemeClr>
+        </a:solidFill>
+        <a:gradFill rotWithShape="1">
+          <a:gsLst>
+            <a:gs pos="0">
+              <a:schemeClr val="phClr">
+                <a:tint val="93000"/>
+                <a:satMod val="150000"/>
+                <a:shade val="98000"/>
+                <a:lumMod val="102000"/>
+              </a:schemeClr>
+            </a:gs>
+            <a:gs pos="50000">
+              <a:schemeClr val="phClr">
+                <a:tint val="98000"/>
+                <a:satMod val="130000"/>
+                <a:shade val="90000"/>
+                <a:lumMod val="103000"/>
+              </a:schemeClr>
+            </a:gs>
+            <a:gs pos="100000">
+              <a:schemeClr val="phClr">
+                <a:shade val="63000"/>
+                <a:satMod val="120000"/>
+              </a:schemeClr>
+            </a:gs>
+          </a:gsLst>
+          <a:lin ang="5400000" scaled="0"/>
+        </a:gradFill>
+      </a:bgFillStyleLst>
+    </a:fmtScheme>
+  </a:themeElements>
+  <a:objectDefaults/>
+  <a:extraClrSchemeLst/>
+  <a:extLst>
+    <a:ext uri="{05A4C25C-085E-4340-85A3-A5531E510DB2}">
+      <thm15:themeFamily xmlns:thm15="http://schemas.microsoft.com/office/thememl/2012/main" name="Office Theme" id="{62F939B6-93AF-4DB8-9C6B-D6C7DFDC589F}" vid="{4A3C46E8-61CC-4603-A589-7422A47A8E4A}"/>
+    </a:ext>
+  </a:extLst>
+</a:theme>
 </file>
--- a/slides.pptx
+++ b/slides.pptx
@@ -13095,7 +13095,7 @@
           <a:p>
             <a:r>
               <a:rPr lang="en-US" sz="2000" dirty="0"/>
-              <a:t>F p-value: 6.898e-13</a:t>
+              <a:t>F-value: 8.62</a:t>
             </a:r>
           </a:p>
           <a:p>

--- a/slides.pptx
+++ b/slides.pptx
@@ -3970,11 +3970,11 @@
             </a:r>
             <a:r>
               <a:rPr lang="ru-RU" altLang="ru-RU" sz="2200" dirty="0"/>
-              <a:t>0.04043</a:t>
+              <a:t>0.068</a:t>
             </a:r>
             <a:r>
               <a:rPr lang="en-US" altLang="ru-RU" sz="2200" dirty="0"/>
-              <a:t>	4%	</a:t>
+              <a:t>	6%	</a:t>
             </a:r>
           </a:p>
           <a:p>
@@ -4911,11 +4911,11 @@
             </a:r>
             <a:r>
               <a:rPr lang="ru-RU" altLang="ru-RU" sz="2400" dirty="0"/>
-              <a:t>0.04602</a:t>
+              <a:t>0.081</a:t>
             </a:r>
             <a:r>
               <a:rPr lang="en-US" altLang="ru-RU" sz="2400" dirty="0"/>
-              <a:t>		5%</a:t>
+              <a:t>		8%</a:t>
             </a:r>
             <a:endParaRPr lang="en-US" sz="2400" dirty="0"/>
           </a:p>
@@ -5410,11 +5410,19 @@
             </a:r>
             <a:r>
               <a:rPr lang="ru-RU" altLang="ru-RU" sz="2200" dirty="0"/>
-              <a:t>0.02135 </a:t>
+              <a:t>0.031 </a:t>
             </a:r>
             <a:r>
               <a:rPr lang="en-US" altLang="ru-RU" sz="2200" dirty="0"/>
-              <a:t>	2%	</a:t>
+              <a:t>	</a:t>
+            </a:r>
+            <a:r>
+              <a:rPr lang="ru-RU" altLang="ru-RU" sz="2200" dirty="0"/>
+              <a:t>3</a:t>
+            </a:r>
+            <a:r>
+              <a:rPr lang="en-US" altLang="ru-RU" sz="2200" dirty="0"/>
+              <a:t>%	</a:t>
             </a:r>
           </a:p>
           <a:p>
@@ -5900,11 +5908,19 @@
             </a:r>
             <a:r>
               <a:rPr lang="ru-RU" altLang="ru-RU" sz="2400" dirty="0"/>
-              <a:t>0.06038</a:t>
+              <a:t>0.103</a:t>
             </a:r>
             <a:r>
               <a:rPr lang="en-US" altLang="ru-RU" sz="2400" dirty="0"/>
-              <a:t>		6%</a:t>
+              <a:t>		</a:t>
+            </a:r>
+            <a:r>
+              <a:rPr lang="ru-RU" altLang="ru-RU" sz="2400" dirty="0"/>
+              <a:t>10</a:t>
+            </a:r>
+            <a:r>
+              <a:rPr lang="en-US" altLang="ru-RU" sz="2400" dirty="0"/>
+              <a:t>%</a:t>
             </a:r>
             <a:endParaRPr lang="en-US" sz="2400" dirty="0"/>
           </a:p>
@@ -6862,15 +6878,19 @@
             </a:r>
             <a:r>
               <a:rPr lang="ru-RU" altLang="ru-RU" sz="2400" dirty="0"/>
-              <a:t>0.0802</a:t>
+              <a:t>0.136</a:t>
             </a:r>
             <a:r>
               <a:rPr lang="en-US" altLang="ru-RU" sz="2400" dirty="0"/>
-              <a:t>		8%</a:t>
+              <a:t>		</a:t>
             </a:r>
             <a:r>
               <a:rPr lang="ru-RU" altLang="ru-RU" sz="2400" dirty="0"/>
-              <a:t> (!)</a:t>
+              <a:t>13</a:t>
+            </a:r>
+            <a:r>
+              <a:rPr lang="en-US" altLang="ru-RU" sz="2400" dirty="0"/>
+              <a:t>%</a:t>
             </a:r>
             <a:endParaRPr lang="en-US" sz="2400" dirty="0"/>
           </a:p>
@@ -7342,7 +7362,7 @@
             <a:pPr defTabSz="357188"/>
             <a:r>
               <a:rPr lang="en-US" altLang="ru-RU" sz="2200" dirty="0"/>
-              <a:t>	*		adv</a:t>
+              <a:t>			adv</a:t>
             </a:r>
           </a:p>
           <a:p>
@@ -7356,7 +7376,7 @@
             <a:pPr defTabSz="357188"/>
             <a:r>
               <a:rPr lang="en-US" altLang="ru-RU" sz="2200" dirty="0"/>
-              <a:t>	***	v</a:t>
+              <a:t>	**		v</a:t>
             </a:r>
           </a:p>
           <a:p>
@@ -7375,11 +7395,11 @@
             </a:r>
             <a:r>
               <a:rPr lang="ru-RU" altLang="ru-RU" sz="2200" dirty="0"/>
-              <a:t>0.07762 </a:t>
+              <a:t>0.123 </a:t>
             </a:r>
             <a:r>
               <a:rPr lang="en-US" altLang="ru-RU" sz="2200" dirty="0"/>
-              <a:t>	7%	 (!)</a:t>
+              <a:t>	12%	 (!)</a:t>
             </a:r>
           </a:p>
           <a:p>
@@ -7872,7 +7892,7 @@
             <a:pPr defTabSz="357188"/>
             <a:r>
               <a:rPr lang="en-US" sz="2400" dirty="0"/>
-              <a:t>	**		adv</a:t>
+              <a:t>			adv</a:t>
             </a:r>
           </a:p>
           <a:p>
@@ -7895,11 +7915,11 @@
             </a:r>
             <a:r>
               <a:rPr lang="ru-RU" altLang="ru-RU" sz="2400" dirty="0"/>
-              <a:t>0.1367</a:t>
+              <a:t>0.246</a:t>
             </a:r>
             <a:r>
               <a:rPr lang="en-US" altLang="ru-RU" sz="2400" dirty="0"/>
-              <a:t>		14%</a:t>
+              <a:t>		25%</a:t>
             </a:r>
             <a:endParaRPr lang="en-US" sz="2400" dirty="0"/>
           </a:p>
@@ -8375,7 +8395,7 @@
             <a:pPr defTabSz="357188"/>
             <a:r>
               <a:rPr lang="en-US" altLang="ru-RU" sz="2200" dirty="0"/>
-              <a:t>	***</a:t>
+              <a:t>	**</a:t>
             </a:r>
           </a:p>
           <a:p>
@@ -8394,11 +8414,11 @@
             </a:r>
             <a:r>
               <a:rPr lang="ru-RU" altLang="ru-RU" sz="2200" dirty="0"/>
-              <a:t>0.03177 </a:t>
+              <a:t>0.037 </a:t>
             </a:r>
             <a:r>
               <a:rPr lang="en-US" altLang="ru-RU" sz="2200" dirty="0"/>
-              <a:t>	3%</a:t>
+              <a:t>	4%</a:t>
             </a:r>
           </a:p>
           <a:p>
@@ -9377,7 +9397,7 @@
             <a:pPr defTabSz="357188"/>
             <a:r>
               <a:rPr lang="en-US" sz="2400" dirty="0"/>
-              <a:t>	***	</a:t>
+              <a:t>	**		</a:t>
             </a:r>
             <a:r>
               <a:rPr lang="en-US" sz="2400" dirty="0" err="1"/>
@@ -9449,11 +9469,11 @@
             </a:r>
             <a:r>
               <a:rPr lang="ru-RU" altLang="ru-RU" sz="2400" dirty="0"/>
-              <a:t>0.1369</a:t>
+              <a:t>0.250</a:t>
             </a:r>
             <a:r>
               <a:rPr lang="en-US" altLang="ru-RU" sz="2400" dirty="0"/>
-              <a:t>		14% (+</a:t>
+              <a:t>		25% (+</a:t>
             </a:r>
             <a:r>
               <a:rPr lang="ru-RU" altLang="ru-RU" sz="2400" dirty="0"/>
@@ -9461,7 +9481,7 @@
             </a:r>
             <a:r>
               <a:rPr lang="en-US" altLang="ru-RU" sz="2400" dirty="0"/>
-              <a:t>02%)</a:t>
+              <a:t>4%)</a:t>
             </a:r>
             <a:endParaRPr lang="en-US" sz="2400" dirty="0"/>
           </a:p>
@@ -9938,7 +9958,7 @@
             <a:pPr defTabSz="357188"/>
             <a:r>
               <a:rPr lang="en-US" altLang="ru-RU" sz="2200" dirty="0"/>
-              <a:t>	.</a:t>
+              <a:t>	</a:t>
             </a:r>
           </a:p>
           <a:p>
@@ -9957,11 +9977,11 @@
             </a:r>
             <a:r>
               <a:rPr lang="ru-RU" altLang="ru-RU" sz="2200" dirty="0"/>
-              <a:t>0.006273 </a:t>
+              <a:t>0.013 </a:t>
             </a:r>
             <a:r>
               <a:rPr lang="en-US" altLang="ru-RU" sz="2200" dirty="0"/>
-              <a:t>	0.6%</a:t>
+              <a:t>	1%</a:t>
             </a:r>
           </a:p>
         </p:txBody>
@@ -10407,7 +10427,7 @@
             <a:pPr defTabSz="357188"/>
             <a:r>
               <a:rPr lang="en-US" sz="2400" dirty="0"/>
-              <a:t>	***	</a:t>
+              <a:t>	**		</a:t>
             </a:r>
             <a:r>
               <a:rPr lang="en-US" sz="2400" dirty="0" err="1"/>
@@ -10430,7 +10450,7 @@
             </a:r>
             <a:r>
               <a:rPr lang="en-US" sz="2400" dirty="0"/>
-              <a:t>							v</a:t>
+              <a:t>					*		v</a:t>
             </a:r>
           </a:p>
           <a:p>
@@ -10456,7 +10476,7 @@
             <a:pPr defTabSz="357188"/>
             <a:r>
               <a:rPr lang="en-US" sz="2400" dirty="0"/>
-              <a:t>	**		adv</a:t>
+              <a:t>			adv</a:t>
             </a:r>
           </a:p>
           <a:p>
@@ -10479,11 +10499,11 @@
             </a:r>
             <a:r>
               <a:rPr lang="ru-RU" altLang="ru-RU" sz="2400" dirty="0"/>
-              <a:t>0.1381</a:t>
+              <a:t>0.253</a:t>
             </a:r>
             <a:r>
               <a:rPr lang="en-US" altLang="ru-RU" sz="2400" dirty="0"/>
-              <a:t>		14% (+</a:t>
+              <a:t>		25% (+</a:t>
             </a:r>
             <a:r>
               <a:rPr lang="ru-RU" altLang="ru-RU" sz="2400" dirty="0"/>
@@ -10491,7 +10511,7 @@
             </a:r>
             <a:r>
               <a:rPr lang="en-US" altLang="ru-RU" sz="2400" dirty="0"/>
-              <a:t>12%)</a:t>
+              <a:t>43%)</a:t>
             </a:r>
             <a:endParaRPr lang="en-US" sz="2400" dirty="0"/>
           </a:p>
@@ -10982,7 +11002,7 @@
             <a:pPr defTabSz="357188"/>
             <a:r>
               <a:rPr lang="en-US" altLang="ru-RU" sz="2200" dirty="0"/>
-              <a:t>	.		Verbal form</a:t>
+              <a:t>			verbal form</a:t>
             </a:r>
           </a:p>
           <a:p>
@@ -11001,11 +11021,11 @@
             </a:r>
             <a:r>
               <a:rPr lang="ru-RU" altLang="ru-RU" sz="2200" dirty="0"/>
-              <a:t>0.112 </a:t>
+              <a:t>0.144 </a:t>
             </a:r>
             <a:r>
               <a:rPr lang="en-US" altLang="ru-RU" sz="2200" dirty="0"/>
-              <a:t>	11% (!)</a:t>
+              <a:t>	14% (!)</a:t>
             </a:r>
           </a:p>
           <a:p>
@@ -11555,15 +11575,15 @@
             </a:r>
             <a:r>
               <a:rPr lang="ru-RU" altLang="ru-RU" sz="2400" dirty="0"/>
-              <a:t>0.2052</a:t>
+              <a:t>0.322</a:t>
             </a:r>
             <a:r>
               <a:rPr lang="en-US" altLang="ru-RU" sz="2400" dirty="0"/>
-              <a:t>		21%</a:t>
+              <a:t>		32%</a:t>
             </a:r>
             <a:r>
               <a:rPr lang="ru-RU" altLang="ru-RU" sz="2400" dirty="0"/>
-              <a:t> (!!)</a:t>
+              <a:t> (!)</a:t>
             </a:r>
             <a:endParaRPr lang="en-US" sz="2400" dirty="0"/>
           </a:p>
@@ -12509,14 +12529,14 @@
             </a:r>
             <a:r>
               <a:rPr lang="en-US" sz="2400" dirty="0"/>
-              <a:t>					.		v</a:t>
+              <a:t>							v</a:t>
             </a:r>
           </a:p>
           <a:p>
             <a:pPr defTabSz="357188"/>
             <a:r>
               <a:rPr lang="en-US" sz="2400" dirty="0"/>
-              <a:t>	*		sex					 ***	</a:t>
+              <a:t>	**		sex					 ***	</a:t>
             </a:r>
             <a:r>
               <a:rPr lang="en-US" sz="2400" dirty="0" err="1"/>
@@ -12556,7 +12576,7 @@
             <a:pPr defTabSz="357188"/>
             <a:r>
               <a:rPr lang="en-US" sz="2400" dirty="0"/>
-              <a:t>	*		adv							quest</a:t>
+              <a:t>			adv							quest</a:t>
             </a:r>
           </a:p>
           <a:p>
@@ -12579,11 +12599,11 @@
             </a:r>
             <a:r>
               <a:rPr lang="ru-RU" altLang="ru-RU" sz="2400" dirty="0"/>
-              <a:t>0.203</a:t>
+              <a:t>0.322</a:t>
             </a:r>
             <a:r>
               <a:rPr lang="en-US" altLang="ru-RU" sz="2400" dirty="0"/>
-              <a:t>		20%</a:t>
+              <a:t>		32%</a:t>
             </a:r>
             <a:endParaRPr lang="en-US" sz="2400" dirty="0"/>
           </a:p>
@@ -12594,7 +12614,7 @@
             <a:pPr algn="ctr"/>
             <a:r>
               <a:rPr lang="en-US" sz="2400" b="1" dirty="0"/>
-              <a:t>Reduces R</a:t>
+              <a:t>No changes to R</a:t>
             </a:r>
             <a:r>
               <a:rPr lang="en-US" sz="2400" b="1" baseline="30000" dirty="0"/>
@@ -13089,7 +13109,7 @@
           <a:p>
             <a:r>
               <a:rPr lang="en-US" altLang="ru-RU" sz="2000" dirty="0"/>
-              <a:t>Explains 21% of the strategy variable’s variance.</a:t>
+              <a:t>Explains 32% of the strategy variable’s variance.</a:t>
             </a:r>
           </a:p>
           <a:p>
@@ -15525,7 +15545,7 @@
             </a:r>
             <a:r>
               <a:rPr lang="en-US" sz="2400" b="1" dirty="0"/>
-              <a:t>Linear regression </a:t>
+              <a:t>Logistic regression </a:t>
             </a:r>
             <a:r>
               <a:rPr lang="en-US" sz="2400" dirty="0"/>
@@ -16019,11 +16039,11 @@
             </a:r>
             <a:r>
               <a:rPr lang="ru-RU" altLang="ru-RU" sz="2200" dirty="0"/>
-              <a:t>0.007147</a:t>
+              <a:t>0.014</a:t>
             </a:r>
             <a:r>
               <a:rPr lang="en-US" altLang="ru-RU" sz="2200" dirty="0"/>
-              <a:t>	0.7%</a:t>
+              <a:t>	1%</a:t>
             </a:r>
             <a:endParaRPr lang="ru-RU" altLang="ru-RU" sz="2200" dirty="0"/>
           </a:p>
@@ -16521,7 +16541,7 @@
             </a:r>
             <a:r>
               <a:rPr lang="ru-RU" altLang="ru-RU" sz="2200" dirty="0"/>
-              <a:t>02918</a:t>
+              <a:t>0.054</a:t>
             </a:r>
             <a:r>
               <a:rPr lang="en-US" altLang="ru-RU" sz="2200" dirty="0"/>
@@ -16533,7 +16553,7 @@
             </a:r>
             <a:r>
               <a:rPr lang="en-US" altLang="ru-RU" sz="2200" dirty="0"/>
-              <a:t>3%</a:t>
+              <a:t>5%</a:t>
             </a:r>
             <a:endParaRPr lang="ru-RU" altLang="ru-RU" sz="2200" dirty="0"/>
           </a:p>

--- a/slides.pptx
+++ b/slides.pptx
@@ -4016,7 +4016,10 @@
               <a:pPr/>
               <a:t>10</a:t>
             </a:fld>
-            <a:endParaRPr lang="en-US"/>
+            <a:r>
+              <a:rPr lang="en-US" dirty="0"/>
+              <a:t>/27</a:t>
+            </a:r>
           </a:p>
         </p:txBody>
       </p:sp>
@@ -4478,7 +4481,10 @@
               <a:pPr/>
               <a:t>11</a:t>
             </a:fld>
-            <a:endParaRPr lang="en-US"/>
+            <a:r>
+              <a:rPr lang="en-US" dirty="0"/>
+              <a:t>/27</a:t>
+            </a:r>
           </a:p>
         </p:txBody>
       </p:sp>
@@ -4957,7 +4963,10 @@
               <a:pPr/>
               <a:t>12</a:t>
             </a:fld>
-            <a:endParaRPr lang="en-US"/>
+            <a:r>
+              <a:rPr lang="en-US" dirty="0"/>
+              <a:t>/27</a:t>
+            </a:r>
           </a:p>
         </p:txBody>
       </p:sp>
@@ -5464,7 +5473,10 @@
               <a:pPr/>
               <a:t>13</a:t>
             </a:fld>
-            <a:endParaRPr lang="en-US"/>
+            <a:r>
+              <a:rPr lang="en-US" dirty="0"/>
+              <a:t>/27</a:t>
+            </a:r>
           </a:p>
         </p:txBody>
       </p:sp>
@@ -5962,7 +5974,10 @@
               <a:pPr/>
               <a:t>14</a:t>
             </a:fld>
-            <a:endParaRPr lang="en-US"/>
+            <a:r>
+              <a:rPr lang="en-US" dirty="0"/>
+              <a:t>/27</a:t>
+            </a:r>
           </a:p>
         </p:txBody>
       </p:sp>
@@ -6427,7 +6442,10 @@
               <a:pPr/>
               <a:t>15</a:t>
             </a:fld>
-            <a:endParaRPr lang="en-US"/>
+            <a:r>
+              <a:rPr lang="en-US" dirty="0"/>
+              <a:t>/27</a:t>
+            </a:r>
           </a:p>
         </p:txBody>
       </p:sp>
@@ -6932,7 +6950,10 @@
               <a:pPr/>
               <a:t>16</a:t>
             </a:fld>
-            <a:endParaRPr lang="en-US"/>
+            <a:r>
+              <a:rPr lang="en-US" dirty="0"/>
+              <a:t>/27</a:t>
+            </a:r>
           </a:p>
         </p:txBody>
       </p:sp>
@@ -7441,7 +7462,10 @@
               <a:pPr/>
               <a:t>17</a:t>
             </a:fld>
-            <a:endParaRPr lang="en-US"/>
+            <a:r>
+              <a:rPr lang="en-US" dirty="0"/>
+              <a:t>/27</a:t>
+            </a:r>
           </a:p>
         </p:txBody>
       </p:sp>
@@ -7961,7 +7985,10 @@
               <a:pPr/>
               <a:t>18</a:t>
             </a:fld>
-            <a:endParaRPr lang="en-US"/>
+            <a:r>
+              <a:rPr lang="en-US" dirty="0"/>
+              <a:t>/27</a:t>
+            </a:r>
           </a:p>
         </p:txBody>
       </p:sp>
@@ -8460,7 +8487,10 @@
               <a:pPr/>
               <a:t>19</a:t>
             </a:fld>
-            <a:endParaRPr lang="en-US"/>
+            <a:r>
+              <a:rPr lang="en-US" dirty="0"/>
+              <a:t>/27</a:t>
+            </a:r>
           </a:p>
         </p:txBody>
       </p:sp>
@@ -8982,7 +9012,10 @@
               <a:pPr/>
               <a:t>2</a:t>
             </a:fld>
-            <a:endParaRPr lang="en-US"/>
+            <a:r>
+              <a:rPr lang="en-US" dirty="0"/>
+              <a:t>/27</a:t>
+            </a:r>
           </a:p>
         </p:txBody>
       </p:sp>
@@ -9524,7 +9557,10 @@
               <a:pPr/>
               <a:t>20</a:t>
             </a:fld>
-            <a:endParaRPr lang="en-US"/>
+            <a:r>
+              <a:rPr lang="en-US" dirty="0"/>
+              <a:t>/27</a:t>
+            </a:r>
           </a:p>
         </p:txBody>
       </p:sp>
@@ -10012,7 +10048,10 @@
               <a:pPr/>
               <a:t>21</a:t>
             </a:fld>
-            <a:endParaRPr lang="en-US"/>
+            <a:r>
+              <a:rPr lang="en-US" dirty="0"/>
+              <a:t>/27</a:t>
+            </a:r>
           </a:p>
         </p:txBody>
       </p:sp>
@@ -10554,7 +10593,10 @@
               <a:pPr/>
               <a:t>22</a:t>
             </a:fld>
-            <a:endParaRPr lang="en-US"/>
+            <a:r>
+              <a:rPr lang="en-US" dirty="0"/>
+              <a:t>/27</a:t>
+            </a:r>
           </a:p>
         </p:txBody>
       </p:sp>
@@ -11067,7 +11109,10 @@
               <a:pPr/>
               <a:t>23</a:t>
             </a:fld>
-            <a:endParaRPr lang="en-US"/>
+            <a:r>
+              <a:rPr lang="en-US" dirty="0"/>
+              <a:t>/27</a:t>
+            </a:r>
           </a:p>
         </p:txBody>
       </p:sp>
@@ -11625,7 +11670,10 @@
               <a:pPr/>
               <a:t>24</a:t>
             </a:fld>
-            <a:endParaRPr lang="en-US"/>
+            <a:r>
+              <a:rPr lang="en-US" dirty="0"/>
+              <a:t>/27</a:t>
+            </a:r>
           </a:p>
         </p:txBody>
       </p:sp>
@@ -12087,7 +12135,10 @@
               <a:pPr/>
               <a:t>25</a:t>
             </a:fld>
-            <a:endParaRPr lang="en-US"/>
+            <a:r>
+              <a:rPr lang="en-US" dirty="0"/>
+              <a:t>/27</a:t>
+            </a:r>
           </a:p>
         </p:txBody>
       </p:sp>
@@ -12654,7 +12705,10 @@
               <a:pPr/>
               <a:t>26</a:t>
             </a:fld>
-            <a:endParaRPr lang="en-US"/>
+            <a:r>
+              <a:rPr lang="en-US" dirty="0"/>
+              <a:t>/27</a:t>
+            </a:r>
           </a:p>
         </p:txBody>
       </p:sp>
@@ -13189,7 +13243,10 @@
               <a:pPr/>
               <a:t>27</a:t>
             </a:fld>
-            <a:endParaRPr lang="en-US"/>
+            <a:r>
+              <a:rPr lang="en-US" dirty="0"/>
+              <a:t>/27</a:t>
+            </a:r>
           </a:p>
         </p:txBody>
       </p:sp>
@@ -13613,7 +13670,10 @@
               <a:pPr/>
               <a:t>3</a:t>
             </a:fld>
-            <a:endParaRPr lang="en-US"/>
+            <a:r>
+              <a:rPr lang="en-US" dirty="0"/>
+              <a:t>/27</a:t>
+            </a:r>
           </a:p>
         </p:txBody>
       </p:sp>
@@ -14033,7 +14093,10 @@
               <a:pPr/>
               <a:t>4</a:t>
             </a:fld>
-            <a:endParaRPr lang="en-US"/>
+            <a:r>
+              <a:rPr lang="en-US" dirty="0"/>
+              <a:t>/27</a:t>
+            </a:r>
           </a:p>
         </p:txBody>
       </p:sp>
@@ -14570,7 +14633,10 @@
               <a:pPr/>
               <a:t>5</a:t>
             </a:fld>
-            <a:endParaRPr lang="en-US"/>
+            <a:r>
+              <a:rPr lang="en-US" dirty="0"/>
+              <a:t>/27</a:t>
+            </a:r>
           </a:p>
         </p:txBody>
       </p:sp>
@@ -15153,7 +15219,10 @@
               <a:pPr/>
               <a:t>6</a:t>
             </a:fld>
-            <a:endParaRPr lang="en-US"/>
+            <a:r>
+              <a:rPr lang="en-US" dirty="0"/>
+              <a:t>/27</a:t>
+            </a:r>
           </a:p>
         </p:txBody>
       </p:sp>
@@ -15584,7 +15653,10 @@
               <a:pPr/>
               <a:t>7</a:t>
             </a:fld>
-            <a:endParaRPr lang="en-US"/>
+            <a:r>
+              <a:rPr lang="en-US" dirty="0"/>
+              <a:t>/27</a:t>
+            </a:r>
           </a:p>
         </p:txBody>
       </p:sp>
@@ -16075,7 +16147,10 @@
               <a:pPr/>
               <a:t>8</a:t>
             </a:fld>
-            <a:endParaRPr lang="en-US"/>
+            <a:r>
+              <a:rPr lang="en-US" dirty="0"/>
+              <a:t>/27</a:t>
+            </a:r>
           </a:p>
         </p:txBody>
       </p:sp>
@@ -16585,7 +16660,10 @@
               <a:pPr/>
               <a:t>9</a:t>
             </a:fld>
-            <a:endParaRPr lang="en-US"/>
+            <a:r>
+              <a:rPr lang="en-US" dirty="0"/>
+              <a:t>/27</a:t>
+            </a:r>
           </a:p>
         </p:txBody>
       </p:sp>
